--- a/Case Study - Presentation.pptx
+++ b/Case Study - Presentation.pptx
@@ -6,6 +6,14 @@
   </p:sldMasterIdLst>
   <p:sldIdLst>
     <p:sldId id="256" r:id="rId2"/>
+    <p:sldId id="258" r:id="rId3"/>
+    <p:sldId id="259" r:id="rId4"/>
+    <p:sldId id="264" r:id="rId5"/>
+    <p:sldId id="263" r:id="rId6"/>
+    <p:sldId id="260" r:id="rId7"/>
+    <p:sldId id="261" r:id="rId8"/>
+    <p:sldId id="262" r:id="rId9"/>
+    <p:sldId id="265" r:id="rId10"/>
   </p:sldIdLst>
   <p:sldSz cx="12192000" cy="6858000"/>
   <p:notesSz cx="6858000" cy="9144000"/>
@@ -104,6 +112,11 @@
       </a:defRPr>
     </a:lvl9pPr>
   </p:defaultTextStyle>
+  <p:extLst>
+    <p:ext uri="{EFAFB233-063F-42B5-8137-9DF3F51BA10A}">
+      <p15:sldGuideLst xmlns:p15="http://schemas.microsoft.com/office/powerpoint/2012/main"/>
+    </p:ext>
+  </p:extLst>
 </p:presentation>
 </file>
 
@@ -3321,12 +3334,136 @@
           <a:chExt cx="0" cy="0"/>
         </a:xfrm>
       </p:grpSpPr>
+      <p:sp>
+        <p:nvSpPr>
+          <p:cNvPr id="2" name="TextBox 1">
+            <a:extLst>
+              <a:ext uri="{FF2B5EF4-FFF2-40B4-BE49-F238E27FC236}">
+                <a16:creationId xmlns:a16="http://schemas.microsoft.com/office/drawing/2014/main" id="{15726383-B407-319E-030C-10F657ACC3A3}"/>
+              </a:ext>
+            </a:extLst>
+          </p:cNvPr>
+          <p:cNvSpPr txBox="1"/>
+          <p:nvPr/>
+        </p:nvSpPr>
+        <p:spPr>
+          <a:xfrm>
+            <a:off x="0" y="323165"/>
+            <a:ext cx="12192000" cy="646331"/>
+          </a:xfrm>
+          <a:prstGeom prst="rect">
+            <a:avLst/>
+          </a:prstGeom>
+          <a:noFill/>
+        </p:spPr>
+        <p:txBody>
+          <a:bodyPr wrap="square" rtlCol="0">
+            <a:spAutoFit/>
+          </a:bodyPr>
+          <a:lstStyle/>
+          <a:p>
+            <a:pPr algn="ctr"/>
+            <a:r>
+              <a:rPr lang="en-US" sz="3600" i="1" dirty="0">
+                <a:solidFill>
+                  <a:srgbClr val="7030A0"/>
+                </a:solidFill>
+                <a:latin typeface="Calisto MT" panose="02040603050505030304" pitchFamily="18" charset="0"/>
+              </a:rPr>
+              <a:t>Business Requirements</a:t>
+            </a:r>
+          </a:p>
+        </p:txBody>
+      </p:sp>
+      <p:sp>
+        <p:nvSpPr>
+          <p:cNvPr id="3" name="TextBox 2">
+            <a:extLst>
+              <a:ext uri="{FF2B5EF4-FFF2-40B4-BE49-F238E27FC236}">
+                <a16:creationId xmlns:a16="http://schemas.microsoft.com/office/drawing/2014/main" id="{9D188AD1-93A6-EFFE-3ACA-0B480B5135A9}"/>
+              </a:ext>
+            </a:extLst>
+          </p:cNvPr>
+          <p:cNvSpPr txBox="1"/>
+          <p:nvPr/>
+        </p:nvSpPr>
+        <p:spPr>
+          <a:xfrm>
+            <a:off x="0" y="1476462"/>
+            <a:ext cx="12192000" cy="923330"/>
+          </a:xfrm>
+          <a:prstGeom prst="rect">
+            <a:avLst/>
+          </a:prstGeom>
+          <a:noFill/>
+        </p:spPr>
+        <p:txBody>
+          <a:bodyPr wrap="square" rtlCol="0">
+            <a:spAutoFit/>
+          </a:bodyPr>
+          <a:lstStyle/>
+          <a:p>
+            <a:pPr marL="285750" indent="-285750">
+              <a:buFont typeface="Arial" panose="020B0604020202020204" pitchFamily="34" charset="0"/>
+              <a:buChar char="•"/>
+            </a:pPr>
+            <a:r>
+              <a:rPr lang="en-US" dirty="0"/>
+              <a:t>Help the business find out if there is a </a:t>
+            </a:r>
+            <a:r>
+              <a:rPr lang="en-US" i="1" u="sng" dirty="0"/>
+              <a:t>Correlation</a:t>
+            </a:r>
+            <a:r>
+              <a:rPr lang="en-US" dirty="0"/>
+              <a:t> between</a:t>
+            </a:r>
+          </a:p>
+          <a:p>
+            <a:pPr marL="742950" lvl="1" indent="-285750">
+              <a:buFont typeface="Wingdings" panose="05000000000000000000" pitchFamily="2" charset="2"/>
+              <a:buChar char="Ø"/>
+            </a:pPr>
+            <a:r>
+              <a:rPr lang="en-US" b="1" dirty="0">
+                <a:solidFill>
+                  <a:srgbClr val="0000FF"/>
+                </a:solidFill>
+              </a:rPr>
+              <a:t>Weather conditions</a:t>
+            </a:r>
+            <a:r>
+              <a:rPr lang="en-US" dirty="0"/>
+              <a:t>, and </a:t>
+            </a:r>
+            <a:r>
+              <a:rPr lang="en-US" b="1" dirty="0">
+                <a:solidFill>
+                  <a:schemeClr val="accent6"/>
+                </a:solidFill>
+              </a:rPr>
+              <a:t>Bikes hired</a:t>
+            </a:r>
+          </a:p>
+          <a:p>
+            <a:pPr marL="1200150" lvl="2" indent="-285750">
+              <a:buFont typeface="Courier New" panose="02070309020205020404" pitchFamily="49" charset="0"/>
+              <a:buChar char="o"/>
+            </a:pPr>
+            <a:r>
+              <a:rPr lang="en-US" dirty="0"/>
+              <a:t>e.g., Do rainy days result in less bikes hiring compared to sunny days?</a:t>
+            </a:r>
+          </a:p>
+        </p:txBody>
+      </p:sp>
       <p:grpSp>
         <p:nvGrpSpPr>
-          <p:cNvPr id="25" name="Group 24">
+          <p:cNvPr id="11" name="Group 10">
             <a:extLst>
               <a:ext uri="{FF2B5EF4-FFF2-40B4-BE49-F238E27FC236}">
-                <a16:creationId xmlns:a16="http://schemas.microsoft.com/office/drawing/2014/main" id="{FFE96F9B-73DB-3AD8-53D5-E7006ADAF746}"/>
+                <a16:creationId xmlns:a16="http://schemas.microsoft.com/office/drawing/2014/main" id="{B59EC7E4-9234-C851-AD43-E64F838A99F8}"/>
               </a:ext>
             </a:extLst>
           </p:cNvPr>
@@ -3335,18 +3472,455 @@
         </p:nvGrpSpPr>
         <p:grpSpPr>
           <a:xfrm>
-            <a:off x="829774" y="1147428"/>
-            <a:ext cx="6406297" cy="4097169"/>
-            <a:chOff x="829774" y="1147428"/>
-            <a:chExt cx="6406297" cy="4097169"/>
+            <a:off x="3722964" y="3056359"/>
+            <a:ext cx="4746072" cy="3005065"/>
+            <a:chOff x="3366082" y="2829857"/>
+            <a:chExt cx="4746072" cy="3005065"/>
           </a:xfrm>
         </p:grpSpPr>
+        <p:pic>
+          <p:nvPicPr>
+            <p:cNvPr id="1028" name="Picture 4" descr="positive correlation Icon - Free PNG &amp; SVG 1569699 - Noun Project">
+              <a:extLst>
+                <a:ext uri="{FF2B5EF4-FFF2-40B4-BE49-F238E27FC236}">
+                  <a16:creationId xmlns:a16="http://schemas.microsoft.com/office/drawing/2014/main" id="{46A96DDF-0E7F-D7FC-D7B3-20076F3280D3}"/>
+                </a:ext>
+              </a:extLst>
+            </p:cNvPr>
+            <p:cNvPicPr>
+              <a:picLocks noChangeAspect="1" noChangeArrowheads="1"/>
+            </p:cNvPicPr>
+            <p:nvPr/>
+          </p:nvPicPr>
+          <p:blipFill>
+            <a:blip r:embed="rId2">
+              <a:extLst>
+                <a:ext uri="{28A0092B-C50C-407E-A947-70E740481C1C}">
+                  <a14:useLocalDpi xmlns:a14="http://schemas.microsoft.com/office/drawing/2010/main" val="0"/>
+                </a:ext>
+              </a:extLst>
+            </a:blip>
+            <a:srcRect/>
+            <a:stretch>
+              <a:fillRect/>
+            </a:stretch>
+          </p:blipFill>
+          <p:spPr bwMode="auto">
+            <a:xfrm>
+              <a:off x="4589826" y="2958168"/>
+              <a:ext cx="2423370" cy="2423370"/>
+            </a:xfrm>
+            <a:prstGeom prst="rect">
+              <a:avLst/>
+            </a:prstGeom>
+            <a:noFill/>
+            <a:extLst>
+              <a:ext uri="{909E8E84-426E-40DD-AFC4-6F175D3DCCD1}">
+                <a14:hiddenFill xmlns:a14="http://schemas.microsoft.com/office/drawing/2010/main">
+                  <a:solidFill>
+                    <a:srgbClr val="FFFFFF"/>
+                  </a:solidFill>
+                </a14:hiddenFill>
+              </a:ext>
+            </a:extLst>
+          </p:spPr>
+        </p:pic>
+        <p:sp>
+          <p:nvSpPr>
+            <p:cNvPr id="9" name="TextBox 8">
+              <a:extLst>
+                <a:ext uri="{FF2B5EF4-FFF2-40B4-BE49-F238E27FC236}">
+                  <a16:creationId xmlns:a16="http://schemas.microsoft.com/office/drawing/2014/main" id="{1A1FFC19-30B4-86A0-C104-EDF3BC55E95C}"/>
+                </a:ext>
+              </a:extLst>
+            </p:cNvPr>
+            <p:cNvSpPr txBox="1"/>
+            <p:nvPr/>
+          </p:nvSpPr>
+          <p:spPr>
+            <a:xfrm>
+              <a:off x="6895750" y="5188591"/>
+              <a:ext cx="1216404" cy="646331"/>
+            </a:xfrm>
+            <a:prstGeom prst="rect">
+              <a:avLst/>
+            </a:prstGeom>
+            <a:noFill/>
+          </p:spPr>
+          <p:txBody>
+            <a:bodyPr wrap="square" rtlCol="0">
+              <a:spAutoFit/>
+            </a:bodyPr>
+            <a:lstStyle/>
+            <a:p>
+              <a:r>
+                <a:rPr lang="en-US" dirty="0">
+                  <a:solidFill>
+                    <a:srgbClr val="0000FF"/>
+                  </a:solidFill>
+                </a:rPr>
+                <a:t>Weather condition</a:t>
+              </a:r>
+            </a:p>
+          </p:txBody>
+        </p:sp>
+        <p:sp>
+          <p:nvSpPr>
+            <p:cNvPr id="10" name="TextBox 9">
+              <a:extLst>
+                <a:ext uri="{FF2B5EF4-FFF2-40B4-BE49-F238E27FC236}">
+                  <a16:creationId xmlns:a16="http://schemas.microsoft.com/office/drawing/2014/main" id="{309DAC78-0625-7165-24FA-C28AB8760ACB}"/>
+                </a:ext>
+              </a:extLst>
+            </p:cNvPr>
+            <p:cNvSpPr txBox="1"/>
+            <p:nvPr/>
+          </p:nvSpPr>
+          <p:spPr>
+            <a:xfrm>
+              <a:off x="3366082" y="2829857"/>
+              <a:ext cx="1223744" cy="646331"/>
+            </a:xfrm>
+            <a:prstGeom prst="rect">
+              <a:avLst/>
+            </a:prstGeom>
+            <a:noFill/>
+          </p:spPr>
+          <p:txBody>
+            <a:bodyPr wrap="square" rtlCol="0">
+              <a:spAutoFit/>
+            </a:bodyPr>
+            <a:lstStyle/>
+            <a:p>
+              <a:r>
+                <a:rPr lang="en-US" dirty="0">
+                  <a:solidFill>
+                    <a:schemeClr val="accent6"/>
+                  </a:solidFill>
+                </a:rPr>
+                <a:t>Nbr of Bikes hired</a:t>
+              </a:r>
+            </a:p>
+          </p:txBody>
+        </p:sp>
+      </p:grpSp>
+    </p:spTree>
+    <p:extLst>
+      <p:ext uri="{BB962C8B-B14F-4D97-AF65-F5344CB8AC3E}">
+        <p14:creationId xmlns:p14="http://schemas.microsoft.com/office/powerpoint/2010/main" val="1327095021"/>
+      </p:ext>
+    </p:extLst>
+  </p:cSld>
+  <p:clrMapOvr>
+    <a:masterClrMapping/>
+  </p:clrMapOvr>
+</p:sld>
+</file>
+
+<file path=ppt/slides/slide2.xml><?xml version="1.0" encoding="utf-8"?>
+<p:sld xmlns:a="http://schemas.openxmlformats.org/drawingml/2006/main" xmlns:r="http://schemas.openxmlformats.org/officeDocument/2006/relationships" xmlns:p="http://schemas.openxmlformats.org/presentationml/2006/main">
+  <p:cSld>
+    <p:spTree>
+      <p:nvGrpSpPr>
+        <p:cNvPr id="1" name=""/>
+        <p:cNvGrpSpPr/>
+        <p:nvPr/>
+      </p:nvGrpSpPr>
+      <p:grpSpPr>
+        <a:xfrm>
+          <a:off x="0" y="0"/>
+          <a:ext cx="0" cy="0"/>
+          <a:chOff x="0" y="0"/>
+          <a:chExt cx="0" cy="0"/>
+        </a:xfrm>
+      </p:grpSpPr>
+      <p:sp>
+        <p:nvSpPr>
+          <p:cNvPr id="2" name="TextBox 1">
+            <a:extLst>
+              <a:ext uri="{FF2B5EF4-FFF2-40B4-BE49-F238E27FC236}">
+                <a16:creationId xmlns:a16="http://schemas.microsoft.com/office/drawing/2014/main" id="{15726383-B407-319E-030C-10F657ACC3A3}"/>
+              </a:ext>
+            </a:extLst>
+          </p:cNvPr>
+          <p:cNvSpPr txBox="1"/>
+          <p:nvPr/>
+        </p:nvSpPr>
+        <p:spPr>
+          <a:xfrm>
+            <a:off x="0" y="323165"/>
+            <a:ext cx="12192000" cy="646331"/>
+          </a:xfrm>
+          <a:prstGeom prst="rect">
+            <a:avLst/>
+          </a:prstGeom>
+          <a:noFill/>
+        </p:spPr>
+        <p:txBody>
+          <a:bodyPr wrap="square" rtlCol="0">
+            <a:spAutoFit/>
+          </a:bodyPr>
+          <a:lstStyle/>
+          <a:p>
+            <a:pPr algn="ctr"/>
+            <a:r>
+              <a:rPr lang="en-US" sz="3600" i="1" dirty="0">
+                <a:solidFill>
+                  <a:srgbClr val="7030A0"/>
+                </a:solidFill>
+                <a:latin typeface="Calisto MT" panose="02040603050505030304" pitchFamily="18" charset="0"/>
+              </a:rPr>
+              <a:t>Data Realities</a:t>
+            </a:r>
+          </a:p>
+        </p:txBody>
+      </p:sp>
+      <p:sp>
+        <p:nvSpPr>
+          <p:cNvPr id="3" name="TextBox 2">
+            <a:extLst>
+              <a:ext uri="{FF2B5EF4-FFF2-40B4-BE49-F238E27FC236}">
+                <a16:creationId xmlns:a16="http://schemas.microsoft.com/office/drawing/2014/main" id="{9D188AD1-93A6-EFFE-3ACA-0B480B5135A9}"/>
+              </a:ext>
+            </a:extLst>
+          </p:cNvPr>
+          <p:cNvSpPr txBox="1"/>
+          <p:nvPr/>
+        </p:nvSpPr>
+        <p:spPr>
+          <a:xfrm>
+            <a:off x="0" y="1476462"/>
+            <a:ext cx="12192000" cy="2031325"/>
+          </a:xfrm>
+          <a:prstGeom prst="rect">
+            <a:avLst/>
+          </a:prstGeom>
+          <a:noFill/>
+        </p:spPr>
+        <p:txBody>
+          <a:bodyPr wrap="square" rtlCol="0">
+            <a:spAutoFit/>
+          </a:bodyPr>
+          <a:lstStyle/>
+          <a:p>
+            <a:pPr marL="285750" indent="-285750">
+              <a:buFont typeface="Arial" panose="020B0604020202020204" pitchFamily="34" charset="0"/>
+              <a:buChar char="•"/>
+            </a:pPr>
+            <a:r>
+              <a:rPr lang="en-US" u="sng" dirty="0"/>
+              <a:t>Operational Source System</a:t>
+            </a:r>
+          </a:p>
+          <a:p>
+            <a:endParaRPr lang="en-US" dirty="0"/>
+          </a:p>
+          <a:p>
+            <a:pPr marL="742950" lvl="1" indent="-285750">
+              <a:buFont typeface="Wingdings" panose="05000000000000000000" pitchFamily="2" charset="2"/>
+              <a:buChar char="Ø"/>
+            </a:pPr>
+            <a:r>
+              <a:rPr lang="en-US" b="1" dirty="0">
+                <a:solidFill>
+                  <a:srgbClr val="0000FF"/>
+                </a:solidFill>
+              </a:rPr>
+              <a:t>Weather data</a:t>
+            </a:r>
+          </a:p>
+          <a:p>
+            <a:pPr marL="1200150" lvl="2" indent="-285750">
+              <a:buFont typeface="Courier New" panose="02070309020205020404" pitchFamily="49" charset="0"/>
+              <a:buChar char="o"/>
+            </a:pPr>
+            <a:r>
+              <a:rPr lang="en-US" dirty="0"/>
+              <a:t>S3 bucket: </a:t>
+            </a:r>
+            <a:r>
+              <a:rPr lang="en-US" sz="1600" dirty="0"/>
+              <a:t>s3://snowflake-workshop-lab/weather-nyc</a:t>
+            </a:r>
+            <a:endParaRPr lang="en-US" dirty="0"/>
+          </a:p>
+          <a:p>
+            <a:pPr marL="1200150" lvl="2" indent="-285750">
+              <a:buFont typeface="Courier New" panose="02070309020205020404" pitchFamily="49" charset="0"/>
+              <a:buChar char="o"/>
+            </a:pPr>
+            <a:endParaRPr lang="en-US" dirty="0"/>
+          </a:p>
+          <a:p>
+            <a:pPr marL="742950" lvl="1" indent="-285750">
+              <a:buFont typeface="Wingdings" panose="05000000000000000000" pitchFamily="2" charset="2"/>
+              <a:buChar char="Ø"/>
+            </a:pPr>
+            <a:r>
+              <a:rPr lang="en-US" b="1" dirty="0">
+                <a:solidFill>
+                  <a:schemeClr val="accent6"/>
+                </a:solidFill>
+              </a:rPr>
+              <a:t>Bike data</a:t>
+            </a:r>
+          </a:p>
+          <a:p>
+            <a:pPr marL="1200150" lvl="2" indent="-285750">
+              <a:buFont typeface="Courier New" panose="02070309020205020404" pitchFamily="49" charset="0"/>
+              <a:buChar char="o"/>
+            </a:pPr>
+            <a:r>
+              <a:rPr lang="en-US" dirty="0"/>
+              <a:t>S3 bucket: </a:t>
+            </a:r>
+            <a:r>
+              <a:rPr lang="en-US" sz="1600" dirty="0"/>
+              <a:t>s3://snowflake-workshop-lab/citibike-trips</a:t>
+            </a:r>
+            <a:endParaRPr lang="en-US" dirty="0"/>
+          </a:p>
+        </p:txBody>
+      </p:sp>
+    </p:spTree>
+    <p:extLst>
+      <p:ext uri="{BB962C8B-B14F-4D97-AF65-F5344CB8AC3E}">
+        <p14:creationId xmlns:p14="http://schemas.microsoft.com/office/powerpoint/2010/main" val="3075558543"/>
+      </p:ext>
+    </p:extLst>
+  </p:cSld>
+  <p:clrMapOvr>
+    <a:masterClrMapping/>
+  </p:clrMapOvr>
+</p:sld>
+</file>
+
+<file path=ppt/slides/slide3.xml><?xml version="1.0" encoding="utf-8"?>
+<p:sld xmlns:a="http://schemas.openxmlformats.org/drawingml/2006/main" xmlns:r="http://schemas.openxmlformats.org/officeDocument/2006/relationships" xmlns:p="http://schemas.openxmlformats.org/presentationml/2006/main">
+  <p:cSld>
+    <p:spTree>
+      <p:nvGrpSpPr>
+        <p:cNvPr id="1" name=""/>
+        <p:cNvGrpSpPr/>
+        <p:nvPr/>
+      </p:nvGrpSpPr>
+      <p:grpSpPr>
+        <a:xfrm>
+          <a:off x="0" y="0"/>
+          <a:ext cx="0" cy="0"/>
+          <a:chOff x="0" y="0"/>
+          <a:chExt cx="0" cy="0"/>
+        </a:xfrm>
+      </p:grpSpPr>
+      <p:sp>
+        <p:nvSpPr>
+          <p:cNvPr id="2" name="TextBox 1">
+            <a:extLst>
+              <a:ext uri="{FF2B5EF4-FFF2-40B4-BE49-F238E27FC236}">
+                <a16:creationId xmlns:a16="http://schemas.microsoft.com/office/drawing/2014/main" id="{15726383-B407-319E-030C-10F657ACC3A3}"/>
+              </a:ext>
+            </a:extLst>
+          </p:cNvPr>
+          <p:cNvSpPr txBox="1"/>
+          <p:nvPr/>
+        </p:nvSpPr>
+        <p:spPr>
+          <a:xfrm>
+            <a:off x="0" y="323165"/>
+            <a:ext cx="12192000" cy="646331"/>
+          </a:xfrm>
+          <a:prstGeom prst="rect">
+            <a:avLst/>
+          </a:prstGeom>
+          <a:noFill/>
+        </p:spPr>
+        <p:txBody>
+          <a:bodyPr wrap="square" rtlCol="0">
+            <a:spAutoFit/>
+          </a:bodyPr>
+          <a:lstStyle/>
+          <a:p>
+            <a:pPr algn="ctr"/>
+            <a:r>
+              <a:rPr lang="en-US" sz="3600" i="1" dirty="0">
+                <a:solidFill>
+                  <a:srgbClr val="7030A0"/>
+                </a:solidFill>
+                <a:latin typeface="Calisto MT" panose="02040603050505030304" pitchFamily="18" charset="0"/>
+              </a:rPr>
+              <a:t>Technical Architecture - Abstract</a:t>
+            </a:r>
+          </a:p>
+        </p:txBody>
+      </p:sp>
+      <p:grpSp>
+        <p:nvGrpSpPr>
+          <p:cNvPr id="17" name="Group 16">
+            <a:extLst>
+              <a:ext uri="{FF2B5EF4-FFF2-40B4-BE49-F238E27FC236}">
+                <a16:creationId xmlns:a16="http://schemas.microsoft.com/office/drawing/2014/main" id="{91A1B3E5-A92F-389C-8D76-21B551B2C3EB}"/>
+              </a:ext>
+            </a:extLst>
+          </p:cNvPr>
+          <p:cNvGrpSpPr/>
+          <p:nvPr/>
+        </p:nvGrpSpPr>
+        <p:grpSpPr>
+          <a:xfrm>
+            <a:off x="928429" y="2147932"/>
+            <a:ext cx="4730141" cy="2067469"/>
+            <a:chOff x="928429" y="2147932"/>
+            <a:chExt cx="4730141" cy="2067469"/>
+          </a:xfrm>
+        </p:grpSpPr>
+        <p:cxnSp>
+          <p:nvCxnSpPr>
+            <p:cNvPr id="14" name="Straight Arrow Connector 13">
+              <a:extLst>
+                <a:ext uri="{FF2B5EF4-FFF2-40B4-BE49-F238E27FC236}">
+                  <a16:creationId xmlns:a16="http://schemas.microsoft.com/office/drawing/2014/main" id="{DF76BEF9-4E5E-B74F-E94A-DFE26B78DD9A}"/>
+                </a:ext>
+              </a:extLst>
+            </p:cNvPr>
+            <p:cNvCxnSpPr/>
+            <p:nvPr/>
+          </p:nvCxnSpPr>
+          <p:spPr>
+            <a:xfrm>
+              <a:off x="2541864" y="3620066"/>
+              <a:ext cx="1371600" cy="0"/>
+            </a:xfrm>
+            <a:prstGeom prst="straightConnector1">
+              <a:avLst/>
+            </a:prstGeom>
+            <a:ln w="38100">
+              <a:solidFill>
+                <a:schemeClr val="tx1"/>
+              </a:solidFill>
+              <a:tailEnd type="triangle"/>
+            </a:ln>
+          </p:spPr>
+          <p:style>
+            <a:lnRef idx="1">
+              <a:schemeClr val="accent1"/>
+            </a:lnRef>
+            <a:fillRef idx="0">
+              <a:schemeClr val="accent1"/>
+            </a:fillRef>
+            <a:effectRef idx="0">
+              <a:schemeClr val="accent1"/>
+            </a:effectRef>
+            <a:fontRef idx="minor">
+              <a:schemeClr val="tx1"/>
+            </a:fontRef>
+          </p:style>
+        </p:cxnSp>
         <p:grpSp>
           <p:nvGrpSpPr>
-            <p:cNvPr id="21" name="Group 20">
+            <p:cNvPr id="16" name="Group 15">
               <a:extLst>
                 <a:ext uri="{FF2B5EF4-FFF2-40B4-BE49-F238E27FC236}">
-                  <a16:creationId xmlns:a16="http://schemas.microsoft.com/office/drawing/2014/main" id="{49FDFD70-4841-32F1-426D-ED84E216716F}"/>
+                  <a16:creationId xmlns:a16="http://schemas.microsoft.com/office/drawing/2014/main" id="{A768E701-9681-D0EC-9B57-8C4C0F7E026E}"/>
                 </a:ext>
               </a:extLst>
             </p:cNvPr>
@@ -3355,18 +3929,18 @@
           </p:nvGrpSpPr>
           <p:grpSpPr>
             <a:xfrm>
-              <a:off x="829774" y="1147428"/>
-              <a:ext cx="6406297" cy="4097169"/>
-              <a:chOff x="829774" y="1147428"/>
-              <a:chExt cx="6406297" cy="4097169"/>
+              <a:off x="928429" y="2147932"/>
+              <a:ext cx="4730141" cy="2067469"/>
+              <a:chOff x="928429" y="2147932"/>
+              <a:chExt cx="4730141" cy="2067469"/>
             </a:xfrm>
           </p:grpSpPr>
           <p:grpSp>
             <p:nvGrpSpPr>
-              <p:cNvPr id="8" name="Group 7">
+              <p:cNvPr id="9" name="Group 8">
                 <a:extLst>
                   <a:ext uri="{FF2B5EF4-FFF2-40B4-BE49-F238E27FC236}">
-                    <a16:creationId xmlns:a16="http://schemas.microsoft.com/office/drawing/2014/main" id="{81410ABA-3F37-2F84-BFE2-18213952D30D}"/>
+                    <a16:creationId xmlns:a16="http://schemas.microsoft.com/office/drawing/2014/main" id="{908CCBC9-C6EC-72C6-9C52-2CE3F0983264}"/>
                   </a:ext>
                 </a:extLst>
               </p:cNvPr>
@@ -3375,18 +3949,1332 @@
             </p:nvGrpSpPr>
             <p:grpSpPr>
               <a:xfrm>
-                <a:off x="829774" y="1147428"/>
-                <a:ext cx="1716698" cy="4097169"/>
-                <a:chOff x="794605" y="496797"/>
-                <a:chExt cx="1716698" cy="4097169"/>
+                <a:off x="928429" y="2147932"/>
+                <a:ext cx="4730141" cy="1457021"/>
+                <a:chOff x="928429" y="2147932"/>
+                <a:chExt cx="4730141" cy="1457021"/>
               </a:xfrm>
             </p:grpSpPr>
             <p:sp>
               <p:nvSpPr>
-                <p:cNvPr id="4" name="Cylinder 3">
+                <p:cNvPr id="8" name="TextBox 7">
                   <a:extLst>
                     <a:ext uri="{FF2B5EF4-FFF2-40B4-BE49-F238E27FC236}">
-                      <a16:creationId xmlns:a16="http://schemas.microsoft.com/office/drawing/2014/main" id="{CC03C4D8-4FA5-1112-8E8B-0C3BEF873C3B}"/>
+                      <a16:creationId xmlns:a16="http://schemas.microsoft.com/office/drawing/2014/main" id="{CA41A722-2770-84EB-E68E-F9729598F786}"/>
+                    </a:ext>
+                  </a:extLst>
+                </p:cNvPr>
+                <p:cNvSpPr txBox="1"/>
+                <p:nvPr/>
+              </p:nvSpPr>
+              <p:spPr>
+                <a:xfrm>
+                  <a:off x="2850159" y="3235621"/>
+                  <a:ext cx="755010" cy="369332"/>
+                </a:xfrm>
+                <a:prstGeom prst="rect">
+                  <a:avLst/>
+                </a:prstGeom>
+                <a:noFill/>
+              </p:spPr>
+              <p:txBody>
+                <a:bodyPr wrap="square" rtlCol="0">
+                  <a:spAutoFit/>
+                </a:bodyPr>
+                <a:lstStyle/>
+                <a:p>
+                  <a:r>
+                    <a:rPr lang="en-US" dirty="0"/>
+                    <a:t>Ingest</a:t>
+                  </a:r>
+                </a:p>
+              </p:txBody>
+            </p:sp>
+            <p:sp>
+              <p:nvSpPr>
+                <p:cNvPr id="10" name="TextBox 9">
+                  <a:extLst>
+                    <a:ext uri="{FF2B5EF4-FFF2-40B4-BE49-F238E27FC236}">
+                      <a16:creationId xmlns:a16="http://schemas.microsoft.com/office/drawing/2014/main" id="{E2FDF0BD-83AE-D9F1-81A0-31678B914984}"/>
+                    </a:ext>
+                  </a:extLst>
+                </p:cNvPr>
+                <p:cNvSpPr txBox="1"/>
+                <p:nvPr/>
+              </p:nvSpPr>
+              <p:spPr>
+                <a:xfrm>
+                  <a:off x="3830195" y="2286431"/>
+                  <a:ext cx="1828375" cy="646331"/>
+                </a:xfrm>
+                <a:prstGeom prst="rect">
+                  <a:avLst/>
+                </a:prstGeom>
+                <a:noFill/>
+              </p:spPr>
+              <p:txBody>
+                <a:bodyPr wrap="square" rtlCol="0">
+                  <a:spAutoFit/>
+                </a:bodyPr>
+                <a:lstStyle/>
+                <a:p>
+                  <a:r>
+                    <a:rPr lang="en-US" dirty="0">
+                      <a:solidFill>
+                        <a:srgbClr val="00B0F0"/>
+                      </a:solidFill>
+                    </a:rPr>
+                    <a:t>Data Warehouse</a:t>
+                  </a:r>
+                </a:p>
+                <a:p>
+                  <a:pPr algn="ctr"/>
+                  <a:r>
+                    <a:rPr lang="en-US" dirty="0">
+                      <a:solidFill>
+                        <a:srgbClr val="00B0F0"/>
+                      </a:solidFill>
+                    </a:rPr>
+                    <a:t>Raw Data</a:t>
+                  </a:r>
+                </a:p>
+              </p:txBody>
+            </p:sp>
+            <p:sp>
+              <p:nvSpPr>
+                <p:cNvPr id="12" name="TextBox 11">
+                  <a:extLst>
+                    <a:ext uri="{FF2B5EF4-FFF2-40B4-BE49-F238E27FC236}">
+                      <a16:creationId xmlns:a16="http://schemas.microsoft.com/office/drawing/2014/main" id="{515CD831-12F5-187B-A1AF-9C455F3006EA}"/>
+                    </a:ext>
+                  </a:extLst>
+                </p:cNvPr>
+                <p:cNvSpPr txBox="1"/>
+                <p:nvPr/>
+              </p:nvSpPr>
+              <p:spPr>
+                <a:xfrm>
+                  <a:off x="928429" y="2147932"/>
+                  <a:ext cx="1490208" cy="646331"/>
+                </a:xfrm>
+                <a:prstGeom prst="rect">
+                  <a:avLst/>
+                </a:prstGeom>
+                <a:noFill/>
+              </p:spPr>
+              <p:txBody>
+                <a:bodyPr wrap="square" rtlCol="0">
+                  <a:spAutoFit/>
+                </a:bodyPr>
+                <a:lstStyle/>
+                <a:p>
+                  <a:r>
+                    <a:rPr lang="en-US" dirty="0">
+                      <a:solidFill>
+                        <a:schemeClr val="bg1">
+                          <a:lumMod val="50000"/>
+                        </a:schemeClr>
+                      </a:solidFill>
+                    </a:rPr>
+                    <a:t>External </a:t>
+                  </a:r>
+                </a:p>
+                <a:p>
+                  <a:r>
+                    <a:rPr lang="en-US" dirty="0">
+                      <a:solidFill>
+                        <a:schemeClr val="bg1">
+                          <a:lumMod val="50000"/>
+                        </a:schemeClr>
+                      </a:solidFill>
+                    </a:rPr>
+                    <a:t>Data Sources</a:t>
+                  </a:r>
+                </a:p>
+              </p:txBody>
+            </p:sp>
+          </p:grpSp>
+          <p:sp>
+            <p:nvSpPr>
+              <p:cNvPr id="11" name="Cylinder 10">
+                <a:extLst>
+                  <a:ext uri="{FF2B5EF4-FFF2-40B4-BE49-F238E27FC236}">
+                    <a16:creationId xmlns:a16="http://schemas.microsoft.com/office/drawing/2014/main" id="{5767EF66-AD05-E496-532B-1D4DC48E8708}"/>
+                  </a:ext>
+                </a:extLst>
+              </p:cNvPr>
+              <p:cNvSpPr/>
+              <p:nvPr/>
+            </p:nvSpPr>
+            <p:spPr>
+              <a:xfrm>
+                <a:off x="1076925" y="3011931"/>
+                <a:ext cx="1193216" cy="1203470"/>
+              </a:xfrm>
+              <a:prstGeom prst="can">
+                <a:avLst/>
+              </a:prstGeom>
+            </p:spPr>
+            <p:style>
+              <a:lnRef idx="2">
+                <a:schemeClr val="accent3">
+                  <a:shade val="15000"/>
+                </a:schemeClr>
+              </a:lnRef>
+              <a:fillRef idx="1">
+                <a:schemeClr val="accent3"/>
+              </a:fillRef>
+              <a:effectRef idx="0">
+                <a:schemeClr val="accent3"/>
+              </a:effectRef>
+              <a:fontRef idx="minor">
+                <a:schemeClr val="lt1"/>
+              </a:fontRef>
+            </p:style>
+            <p:txBody>
+              <a:bodyPr rtlCol="0" anchor="ctr"/>
+              <a:lstStyle/>
+              <a:p>
+                <a:pPr algn="ctr"/>
+                <a:endParaRPr lang="en-US"/>
+              </a:p>
+            </p:txBody>
+          </p:sp>
+          <p:sp>
+            <p:nvSpPr>
+              <p:cNvPr id="15" name="Cylinder 14">
+                <a:extLst>
+                  <a:ext uri="{FF2B5EF4-FFF2-40B4-BE49-F238E27FC236}">
+                    <a16:creationId xmlns:a16="http://schemas.microsoft.com/office/drawing/2014/main" id="{3C6B3473-39FD-020C-E707-CB74CB1D72B3}"/>
+                  </a:ext>
+                </a:extLst>
+              </p:cNvPr>
+              <p:cNvSpPr/>
+              <p:nvPr/>
+            </p:nvSpPr>
+            <p:spPr>
+              <a:xfrm>
+                <a:off x="4147775" y="3003218"/>
+                <a:ext cx="1193216" cy="1203470"/>
+              </a:xfrm>
+              <a:prstGeom prst="can">
+                <a:avLst/>
+              </a:prstGeom>
+              <a:solidFill>
+                <a:srgbClr val="00B0F0"/>
+              </a:solidFill>
+            </p:spPr>
+            <p:style>
+              <a:lnRef idx="2">
+                <a:schemeClr val="accent3">
+                  <a:shade val="15000"/>
+                </a:schemeClr>
+              </a:lnRef>
+              <a:fillRef idx="1">
+                <a:schemeClr val="accent3"/>
+              </a:fillRef>
+              <a:effectRef idx="0">
+                <a:schemeClr val="accent3"/>
+              </a:effectRef>
+              <a:fontRef idx="minor">
+                <a:schemeClr val="lt1"/>
+              </a:fontRef>
+            </p:style>
+            <p:txBody>
+              <a:bodyPr rtlCol="0" anchor="ctr"/>
+              <a:lstStyle/>
+              <a:p>
+                <a:pPr algn="ctr"/>
+                <a:endParaRPr lang="en-US"/>
+              </a:p>
+            </p:txBody>
+          </p:sp>
+        </p:grpSp>
+      </p:grpSp>
+    </p:spTree>
+    <p:extLst>
+      <p:ext uri="{BB962C8B-B14F-4D97-AF65-F5344CB8AC3E}">
+        <p14:creationId xmlns:p14="http://schemas.microsoft.com/office/powerpoint/2010/main" val="3656029833"/>
+      </p:ext>
+    </p:extLst>
+  </p:cSld>
+  <p:clrMapOvr>
+    <a:masterClrMapping/>
+  </p:clrMapOvr>
+</p:sld>
+</file>
+
+<file path=ppt/slides/slide4.xml><?xml version="1.0" encoding="utf-8"?>
+<p:sld xmlns:a="http://schemas.openxmlformats.org/drawingml/2006/main" xmlns:r="http://schemas.openxmlformats.org/officeDocument/2006/relationships" xmlns:p="http://schemas.openxmlformats.org/presentationml/2006/main">
+  <p:cSld>
+    <p:spTree>
+      <p:nvGrpSpPr>
+        <p:cNvPr id="1" name=""/>
+        <p:cNvGrpSpPr/>
+        <p:nvPr/>
+      </p:nvGrpSpPr>
+      <p:grpSpPr>
+        <a:xfrm>
+          <a:off x="0" y="0"/>
+          <a:ext cx="0" cy="0"/>
+          <a:chOff x="0" y="0"/>
+          <a:chExt cx="0" cy="0"/>
+        </a:xfrm>
+      </p:grpSpPr>
+      <p:sp>
+        <p:nvSpPr>
+          <p:cNvPr id="2" name="TextBox 1">
+            <a:extLst>
+              <a:ext uri="{FF2B5EF4-FFF2-40B4-BE49-F238E27FC236}">
+                <a16:creationId xmlns:a16="http://schemas.microsoft.com/office/drawing/2014/main" id="{15726383-B407-319E-030C-10F657ACC3A3}"/>
+              </a:ext>
+            </a:extLst>
+          </p:cNvPr>
+          <p:cNvSpPr txBox="1"/>
+          <p:nvPr/>
+        </p:nvSpPr>
+        <p:spPr>
+          <a:xfrm>
+            <a:off x="0" y="323165"/>
+            <a:ext cx="12192000" cy="646331"/>
+          </a:xfrm>
+          <a:prstGeom prst="rect">
+            <a:avLst/>
+          </a:prstGeom>
+          <a:noFill/>
+        </p:spPr>
+        <p:txBody>
+          <a:bodyPr wrap="square" rtlCol="0">
+            <a:spAutoFit/>
+          </a:bodyPr>
+          <a:lstStyle/>
+          <a:p>
+            <a:pPr algn="ctr"/>
+            <a:r>
+              <a:rPr lang="en-US" sz="3600" i="1" dirty="0">
+                <a:solidFill>
+                  <a:srgbClr val="7030A0"/>
+                </a:solidFill>
+                <a:latin typeface="Calisto MT" panose="02040603050505030304" pitchFamily="18" charset="0"/>
+              </a:rPr>
+              <a:t>Technical Architecture - Abstract</a:t>
+            </a:r>
+          </a:p>
+        </p:txBody>
+      </p:sp>
+      <p:grpSp>
+        <p:nvGrpSpPr>
+          <p:cNvPr id="17" name="Group 16">
+            <a:extLst>
+              <a:ext uri="{FF2B5EF4-FFF2-40B4-BE49-F238E27FC236}">
+                <a16:creationId xmlns:a16="http://schemas.microsoft.com/office/drawing/2014/main" id="{91A1B3E5-A92F-389C-8D76-21B551B2C3EB}"/>
+              </a:ext>
+            </a:extLst>
+          </p:cNvPr>
+          <p:cNvGrpSpPr/>
+          <p:nvPr/>
+        </p:nvGrpSpPr>
+        <p:grpSpPr>
+          <a:xfrm>
+            <a:off x="928429" y="2147932"/>
+            <a:ext cx="7837540" cy="2067469"/>
+            <a:chOff x="928429" y="2147932"/>
+            <a:chExt cx="7837540" cy="2067469"/>
+          </a:xfrm>
+        </p:grpSpPr>
+        <p:cxnSp>
+          <p:nvCxnSpPr>
+            <p:cNvPr id="14" name="Straight Arrow Connector 13">
+              <a:extLst>
+                <a:ext uri="{FF2B5EF4-FFF2-40B4-BE49-F238E27FC236}">
+                  <a16:creationId xmlns:a16="http://schemas.microsoft.com/office/drawing/2014/main" id="{DF76BEF9-4E5E-B74F-E94A-DFE26B78DD9A}"/>
+                </a:ext>
+              </a:extLst>
+            </p:cNvPr>
+            <p:cNvCxnSpPr/>
+            <p:nvPr/>
+          </p:nvCxnSpPr>
+          <p:spPr>
+            <a:xfrm>
+              <a:off x="2541864" y="3620066"/>
+              <a:ext cx="1371600" cy="0"/>
+            </a:xfrm>
+            <a:prstGeom prst="straightConnector1">
+              <a:avLst/>
+            </a:prstGeom>
+            <a:ln w="38100">
+              <a:solidFill>
+                <a:schemeClr val="tx1"/>
+              </a:solidFill>
+              <a:tailEnd type="triangle"/>
+            </a:ln>
+          </p:spPr>
+          <p:style>
+            <a:lnRef idx="1">
+              <a:schemeClr val="accent1"/>
+            </a:lnRef>
+            <a:fillRef idx="0">
+              <a:schemeClr val="accent1"/>
+            </a:fillRef>
+            <a:effectRef idx="0">
+              <a:schemeClr val="accent1"/>
+            </a:effectRef>
+            <a:fontRef idx="minor">
+              <a:schemeClr val="tx1"/>
+            </a:fontRef>
+          </p:style>
+        </p:cxnSp>
+        <p:grpSp>
+          <p:nvGrpSpPr>
+            <p:cNvPr id="16" name="Group 15">
+              <a:extLst>
+                <a:ext uri="{FF2B5EF4-FFF2-40B4-BE49-F238E27FC236}">
+                  <a16:creationId xmlns:a16="http://schemas.microsoft.com/office/drawing/2014/main" id="{A768E701-9681-D0EC-9B57-8C4C0F7E026E}"/>
+                </a:ext>
+              </a:extLst>
+            </p:cNvPr>
+            <p:cNvGrpSpPr/>
+            <p:nvPr/>
+          </p:nvGrpSpPr>
+          <p:grpSpPr>
+            <a:xfrm>
+              <a:off x="928429" y="2147932"/>
+              <a:ext cx="7837540" cy="2067469"/>
+              <a:chOff x="928429" y="2147932"/>
+              <a:chExt cx="7837540" cy="2067469"/>
+            </a:xfrm>
+          </p:grpSpPr>
+          <p:grpSp>
+            <p:nvGrpSpPr>
+              <p:cNvPr id="9" name="Group 8">
+                <a:extLst>
+                  <a:ext uri="{FF2B5EF4-FFF2-40B4-BE49-F238E27FC236}">
+                    <a16:creationId xmlns:a16="http://schemas.microsoft.com/office/drawing/2014/main" id="{908CCBC9-C6EC-72C6-9C52-2CE3F0983264}"/>
+                  </a:ext>
+                </a:extLst>
+              </p:cNvPr>
+              <p:cNvGrpSpPr/>
+              <p:nvPr/>
+            </p:nvGrpSpPr>
+            <p:grpSpPr>
+              <a:xfrm>
+                <a:off x="928429" y="2147932"/>
+                <a:ext cx="7837540" cy="1465734"/>
+                <a:chOff x="928429" y="2147932"/>
+                <a:chExt cx="7837540" cy="1465734"/>
+              </a:xfrm>
+            </p:grpSpPr>
+            <p:sp>
+              <p:nvSpPr>
+                <p:cNvPr id="8" name="TextBox 7">
+                  <a:extLst>
+                    <a:ext uri="{FF2B5EF4-FFF2-40B4-BE49-F238E27FC236}">
+                      <a16:creationId xmlns:a16="http://schemas.microsoft.com/office/drawing/2014/main" id="{CA41A722-2770-84EB-E68E-F9729598F786}"/>
+                    </a:ext>
+                  </a:extLst>
+                </p:cNvPr>
+                <p:cNvSpPr txBox="1"/>
+                <p:nvPr/>
+              </p:nvSpPr>
+              <p:spPr>
+                <a:xfrm>
+                  <a:off x="2850159" y="3235621"/>
+                  <a:ext cx="755010" cy="369332"/>
+                </a:xfrm>
+                <a:prstGeom prst="rect">
+                  <a:avLst/>
+                </a:prstGeom>
+                <a:noFill/>
+              </p:spPr>
+              <p:txBody>
+                <a:bodyPr wrap="square" rtlCol="0">
+                  <a:spAutoFit/>
+                </a:bodyPr>
+                <a:lstStyle/>
+                <a:p>
+                  <a:r>
+                    <a:rPr lang="en-US" dirty="0"/>
+                    <a:t>Ingest</a:t>
+                  </a:r>
+                </a:p>
+              </p:txBody>
+            </p:sp>
+            <p:sp>
+              <p:nvSpPr>
+                <p:cNvPr id="10" name="TextBox 9">
+                  <a:extLst>
+                    <a:ext uri="{FF2B5EF4-FFF2-40B4-BE49-F238E27FC236}">
+                      <a16:creationId xmlns:a16="http://schemas.microsoft.com/office/drawing/2014/main" id="{E2FDF0BD-83AE-D9F1-81A0-31678B914984}"/>
+                    </a:ext>
+                  </a:extLst>
+                </p:cNvPr>
+                <p:cNvSpPr txBox="1"/>
+                <p:nvPr/>
+              </p:nvSpPr>
+              <p:spPr>
+                <a:xfrm>
+                  <a:off x="3830195" y="2286431"/>
+                  <a:ext cx="1828375" cy="646331"/>
+                </a:xfrm>
+                <a:prstGeom prst="rect">
+                  <a:avLst/>
+                </a:prstGeom>
+                <a:noFill/>
+              </p:spPr>
+              <p:txBody>
+                <a:bodyPr wrap="square" rtlCol="0">
+                  <a:spAutoFit/>
+                </a:bodyPr>
+                <a:lstStyle/>
+                <a:p>
+                  <a:r>
+                    <a:rPr lang="en-US" dirty="0">
+                      <a:solidFill>
+                        <a:srgbClr val="00B0F0"/>
+                      </a:solidFill>
+                    </a:rPr>
+                    <a:t>Data Warehouse</a:t>
+                  </a:r>
+                </a:p>
+                <a:p>
+                  <a:pPr algn="ctr"/>
+                  <a:r>
+                    <a:rPr lang="en-US" dirty="0">
+                      <a:solidFill>
+                        <a:srgbClr val="00B0F0"/>
+                      </a:solidFill>
+                    </a:rPr>
+                    <a:t>Raw Data</a:t>
+                  </a:r>
+                </a:p>
+              </p:txBody>
+            </p:sp>
+            <p:sp>
+              <p:nvSpPr>
+                <p:cNvPr id="12" name="TextBox 11">
+                  <a:extLst>
+                    <a:ext uri="{FF2B5EF4-FFF2-40B4-BE49-F238E27FC236}">
+                      <a16:creationId xmlns:a16="http://schemas.microsoft.com/office/drawing/2014/main" id="{515CD831-12F5-187B-A1AF-9C455F3006EA}"/>
+                    </a:ext>
+                  </a:extLst>
+                </p:cNvPr>
+                <p:cNvSpPr txBox="1"/>
+                <p:nvPr/>
+              </p:nvSpPr>
+              <p:spPr>
+                <a:xfrm>
+                  <a:off x="928429" y="2147932"/>
+                  <a:ext cx="1490208" cy="646331"/>
+                </a:xfrm>
+                <a:prstGeom prst="rect">
+                  <a:avLst/>
+                </a:prstGeom>
+                <a:noFill/>
+              </p:spPr>
+              <p:txBody>
+                <a:bodyPr wrap="square" rtlCol="0">
+                  <a:spAutoFit/>
+                </a:bodyPr>
+                <a:lstStyle/>
+                <a:p>
+                  <a:r>
+                    <a:rPr lang="en-US" dirty="0">
+                      <a:solidFill>
+                        <a:schemeClr val="bg1">
+                          <a:lumMod val="50000"/>
+                        </a:schemeClr>
+                      </a:solidFill>
+                    </a:rPr>
+                    <a:t>External </a:t>
+                  </a:r>
+                </a:p>
+                <a:p>
+                  <a:r>
+                    <a:rPr lang="en-US" dirty="0">
+                      <a:solidFill>
+                        <a:schemeClr val="bg1">
+                          <a:lumMod val="50000"/>
+                        </a:schemeClr>
+                      </a:solidFill>
+                    </a:rPr>
+                    <a:t>Data Sources</a:t>
+                  </a:r>
+                </a:p>
+              </p:txBody>
+            </p:sp>
+            <p:sp>
+              <p:nvSpPr>
+                <p:cNvPr id="19" name="TextBox 18">
+                  <a:extLst>
+                    <a:ext uri="{FF2B5EF4-FFF2-40B4-BE49-F238E27FC236}">
+                      <a16:creationId xmlns:a16="http://schemas.microsoft.com/office/drawing/2014/main" id="{D18C7EA6-A224-D84A-B112-C70B9B775B00}"/>
+                    </a:ext>
+                  </a:extLst>
+                </p:cNvPr>
+                <p:cNvSpPr txBox="1"/>
+                <p:nvPr/>
+              </p:nvSpPr>
+              <p:spPr>
+                <a:xfrm>
+                  <a:off x="5798603" y="3244334"/>
+                  <a:ext cx="906382" cy="369332"/>
+                </a:xfrm>
+                <a:prstGeom prst="rect">
+                  <a:avLst/>
+                </a:prstGeom>
+                <a:noFill/>
+              </p:spPr>
+              <p:txBody>
+                <a:bodyPr wrap="square" rtlCol="0">
+                  <a:spAutoFit/>
+                </a:bodyPr>
+                <a:lstStyle/>
+                <a:p>
+                  <a:r>
+                    <a:rPr lang="en-US" dirty="0"/>
+                    <a:t>Process</a:t>
+                  </a:r>
+                </a:p>
+              </p:txBody>
+            </p:sp>
+            <p:sp>
+              <p:nvSpPr>
+                <p:cNvPr id="20" name="TextBox 19">
+                  <a:extLst>
+                    <a:ext uri="{FF2B5EF4-FFF2-40B4-BE49-F238E27FC236}">
+                      <a16:creationId xmlns:a16="http://schemas.microsoft.com/office/drawing/2014/main" id="{F594FB8F-781D-1E7D-F0F9-B0F340C83D14}"/>
+                    </a:ext>
+                  </a:extLst>
+                </p:cNvPr>
+                <p:cNvSpPr txBox="1"/>
+                <p:nvPr/>
+              </p:nvSpPr>
+              <p:spPr>
+                <a:xfrm>
+                  <a:off x="6937594" y="2286431"/>
+                  <a:ext cx="1828375" cy="646331"/>
+                </a:xfrm>
+                <a:prstGeom prst="rect">
+                  <a:avLst/>
+                </a:prstGeom>
+                <a:noFill/>
+              </p:spPr>
+              <p:txBody>
+                <a:bodyPr wrap="square" rtlCol="0">
+                  <a:spAutoFit/>
+                </a:bodyPr>
+                <a:lstStyle/>
+                <a:p>
+                  <a:r>
+                    <a:rPr lang="en-US" dirty="0">
+                      <a:solidFill>
+                        <a:srgbClr val="00B0F0"/>
+                      </a:solidFill>
+                    </a:rPr>
+                    <a:t>Data Warehouse</a:t>
+                  </a:r>
+                </a:p>
+                <a:p>
+                  <a:pPr algn="ctr"/>
+                  <a:r>
+                    <a:rPr lang="en-US" dirty="0">
+                      <a:solidFill>
+                        <a:srgbClr val="00B0F0"/>
+                      </a:solidFill>
+                    </a:rPr>
+                    <a:t>Prepared Data</a:t>
+                  </a:r>
+                </a:p>
+              </p:txBody>
+            </p:sp>
+          </p:grpSp>
+          <p:sp>
+            <p:nvSpPr>
+              <p:cNvPr id="11" name="Cylinder 10">
+                <a:extLst>
+                  <a:ext uri="{FF2B5EF4-FFF2-40B4-BE49-F238E27FC236}">
+                    <a16:creationId xmlns:a16="http://schemas.microsoft.com/office/drawing/2014/main" id="{5767EF66-AD05-E496-532B-1D4DC48E8708}"/>
+                  </a:ext>
+                </a:extLst>
+              </p:cNvPr>
+              <p:cNvSpPr/>
+              <p:nvPr/>
+            </p:nvSpPr>
+            <p:spPr>
+              <a:xfrm>
+                <a:off x="1076925" y="3011931"/>
+                <a:ext cx="1193216" cy="1203470"/>
+              </a:xfrm>
+              <a:prstGeom prst="can">
+                <a:avLst/>
+              </a:prstGeom>
+            </p:spPr>
+            <p:style>
+              <a:lnRef idx="2">
+                <a:schemeClr val="accent3">
+                  <a:shade val="15000"/>
+                </a:schemeClr>
+              </a:lnRef>
+              <a:fillRef idx="1">
+                <a:schemeClr val="accent3"/>
+              </a:fillRef>
+              <a:effectRef idx="0">
+                <a:schemeClr val="accent3"/>
+              </a:effectRef>
+              <a:fontRef idx="minor">
+                <a:schemeClr val="lt1"/>
+              </a:fontRef>
+            </p:style>
+            <p:txBody>
+              <a:bodyPr rtlCol="0" anchor="ctr"/>
+              <a:lstStyle/>
+              <a:p>
+                <a:pPr algn="ctr"/>
+                <a:endParaRPr lang="en-US"/>
+              </a:p>
+            </p:txBody>
+          </p:sp>
+          <p:sp>
+            <p:nvSpPr>
+              <p:cNvPr id="15" name="Cylinder 14">
+                <a:extLst>
+                  <a:ext uri="{FF2B5EF4-FFF2-40B4-BE49-F238E27FC236}">
+                    <a16:creationId xmlns:a16="http://schemas.microsoft.com/office/drawing/2014/main" id="{3C6B3473-39FD-020C-E707-CB74CB1D72B3}"/>
+                  </a:ext>
+                </a:extLst>
+              </p:cNvPr>
+              <p:cNvSpPr/>
+              <p:nvPr/>
+            </p:nvSpPr>
+            <p:spPr>
+              <a:xfrm>
+                <a:off x="4147775" y="3003218"/>
+                <a:ext cx="1193216" cy="1203470"/>
+              </a:xfrm>
+              <a:prstGeom prst="can">
+                <a:avLst/>
+              </a:prstGeom>
+              <a:solidFill>
+                <a:srgbClr val="00B0F0"/>
+              </a:solidFill>
+            </p:spPr>
+            <p:style>
+              <a:lnRef idx="2">
+                <a:schemeClr val="accent3">
+                  <a:shade val="15000"/>
+                </a:schemeClr>
+              </a:lnRef>
+              <a:fillRef idx="1">
+                <a:schemeClr val="accent3"/>
+              </a:fillRef>
+              <a:effectRef idx="0">
+                <a:schemeClr val="accent3"/>
+              </a:effectRef>
+              <a:fontRef idx="minor">
+                <a:schemeClr val="lt1"/>
+              </a:fontRef>
+            </p:style>
+            <p:txBody>
+              <a:bodyPr rtlCol="0" anchor="ctr"/>
+              <a:lstStyle/>
+              <a:p>
+                <a:pPr algn="ctr"/>
+                <a:endParaRPr lang="en-US"/>
+              </a:p>
+            </p:txBody>
+          </p:sp>
+          <p:sp>
+            <p:nvSpPr>
+              <p:cNvPr id="21" name="Cylinder 20">
+                <a:extLst>
+                  <a:ext uri="{FF2B5EF4-FFF2-40B4-BE49-F238E27FC236}">
+                    <a16:creationId xmlns:a16="http://schemas.microsoft.com/office/drawing/2014/main" id="{5BC85D68-A3BB-AA7C-92FC-0EEF0436A1E2}"/>
+                  </a:ext>
+                </a:extLst>
+              </p:cNvPr>
+              <p:cNvSpPr/>
+              <p:nvPr/>
+            </p:nvSpPr>
+            <p:spPr>
+              <a:xfrm>
+                <a:off x="7162597" y="3003218"/>
+                <a:ext cx="1193216" cy="1203470"/>
+              </a:xfrm>
+              <a:prstGeom prst="can">
+                <a:avLst/>
+              </a:prstGeom>
+              <a:solidFill>
+                <a:srgbClr val="00B0F0"/>
+              </a:solidFill>
+            </p:spPr>
+            <p:style>
+              <a:lnRef idx="2">
+                <a:schemeClr val="accent3">
+                  <a:shade val="15000"/>
+                </a:schemeClr>
+              </a:lnRef>
+              <a:fillRef idx="1">
+                <a:schemeClr val="accent3"/>
+              </a:fillRef>
+              <a:effectRef idx="0">
+                <a:schemeClr val="accent3"/>
+              </a:effectRef>
+              <a:fontRef idx="minor">
+                <a:schemeClr val="lt1"/>
+              </a:fontRef>
+            </p:style>
+            <p:txBody>
+              <a:bodyPr rtlCol="0" anchor="ctr"/>
+              <a:lstStyle/>
+              <a:p>
+                <a:pPr algn="ctr"/>
+                <a:endParaRPr lang="en-US"/>
+              </a:p>
+            </p:txBody>
+          </p:sp>
+        </p:grpSp>
+        <p:cxnSp>
+          <p:nvCxnSpPr>
+            <p:cNvPr id="18" name="Straight Arrow Connector 17">
+              <a:extLst>
+                <a:ext uri="{FF2B5EF4-FFF2-40B4-BE49-F238E27FC236}">
+                  <a16:creationId xmlns:a16="http://schemas.microsoft.com/office/drawing/2014/main" id="{B6A8762F-DBBF-FF7F-3EFB-39B93FA0F07D}"/>
+                </a:ext>
+              </a:extLst>
+            </p:cNvPr>
+            <p:cNvCxnSpPr/>
+            <p:nvPr/>
+          </p:nvCxnSpPr>
+          <p:spPr>
+            <a:xfrm>
+              <a:off x="5565994" y="3628455"/>
+              <a:ext cx="1371600" cy="0"/>
+            </a:xfrm>
+            <a:prstGeom prst="straightConnector1">
+              <a:avLst/>
+            </a:prstGeom>
+            <a:ln w="38100">
+              <a:solidFill>
+                <a:schemeClr val="tx1"/>
+              </a:solidFill>
+              <a:tailEnd type="triangle"/>
+            </a:ln>
+          </p:spPr>
+          <p:style>
+            <a:lnRef idx="1">
+              <a:schemeClr val="accent1"/>
+            </a:lnRef>
+            <a:fillRef idx="0">
+              <a:schemeClr val="accent1"/>
+            </a:fillRef>
+            <a:effectRef idx="0">
+              <a:schemeClr val="accent1"/>
+            </a:effectRef>
+            <a:fontRef idx="minor">
+              <a:schemeClr val="tx1"/>
+            </a:fontRef>
+          </p:style>
+        </p:cxnSp>
+      </p:grpSp>
+    </p:spTree>
+    <p:extLst>
+      <p:ext uri="{BB962C8B-B14F-4D97-AF65-F5344CB8AC3E}">
+        <p14:creationId xmlns:p14="http://schemas.microsoft.com/office/powerpoint/2010/main" val="274940643"/>
+      </p:ext>
+    </p:extLst>
+  </p:cSld>
+  <p:clrMapOvr>
+    <a:masterClrMapping/>
+  </p:clrMapOvr>
+</p:sld>
+</file>
+
+<file path=ppt/slides/slide5.xml><?xml version="1.0" encoding="utf-8"?>
+<p:sld xmlns:a="http://schemas.openxmlformats.org/drawingml/2006/main" xmlns:r="http://schemas.openxmlformats.org/officeDocument/2006/relationships" xmlns:p="http://schemas.openxmlformats.org/presentationml/2006/main">
+  <p:cSld>
+    <p:spTree>
+      <p:nvGrpSpPr>
+        <p:cNvPr id="1" name=""/>
+        <p:cNvGrpSpPr/>
+        <p:nvPr/>
+      </p:nvGrpSpPr>
+      <p:grpSpPr>
+        <a:xfrm>
+          <a:off x="0" y="0"/>
+          <a:ext cx="0" cy="0"/>
+          <a:chOff x="0" y="0"/>
+          <a:chExt cx="0" cy="0"/>
+        </a:xfrm>
+      </p:grpSpPr>
+      <p:sp>
+        <p:nvSpPr>
+          <p:cNvPr id="2" name="TextBox 1">
+            <a:extLst>
+              <a:ext uri="{FF2B5EF4-FFF2-40B4-BE49-F238E27FC236}">
+                <a16:creationId xmlns:a16="http://schemas.microsoft.com/office/drawing/2014/main" id="{15726383-B407-319E-030C-10F657ACC3A3}"/>
+              </a:ext>
+            </a:extLst>
+          </p:cNvPr>
+          <p:cNvSpPr txBox="1"/>
+          <p:nvPr/>
+        </p:nvSpPr>
+        <p:spPr>
+          <a:xfrm>
+            <a:off x="0" y="323165"/>
+            <a:ext cx="12192000" cy="646331"/>
+          </a:xfrm>
+          <a:prstGeom prst="rect">
+            <a:avLst/>
+          </a:prstGeom>
+          <a:noFill/>
+        </p:spPr>
+        <p:txBody>
+          <a:bodyPr wrap="square" rtlCol="0">
+            <a:spAutoFit/>
+          </a:bodyPr>
+          <a:lstStyle/>
+          <a:p>
+            <a:pPr algn="ctr"/>
+            <a:r>
+              <a:rPr lang="en-US" sz="3600" i="1" dirty="0">
+                <a:solidFill>
+                  <a:srgbClr val="7030A0"/>
+                </a:solidFill>
+                <a:latin typeface="Calisto MT" panose="02040603050505030304" pitchFamily="18" charset="0"/>
+              </a:rPr>
+              <a:t>Technical Architecture - Abstract</a:t>
+            </a:r>
+          </a:p>
+        </p:txBody>
+      </p:sp>
+      <p:grpSp>
+        <p:nvGrpSpPr>
+          <p:cNvPr id="26" name="Group 25">
+            <a:extLst>
+              <a:ext uri="{FF2B5EF4-FFF2-40B4-BE49-F238E27FC236}">
+                <a16:creationId xmlns:a16="http://schemas.microsoft.com/office/drawing/2014/main" id="{2CB53FA6-3D61-8F29-63CB-77AAE9E73B9B}"/>
+              </a:ext>
+            </a:extLst>
+          </p:cNvPr>
+          <p:cNvGrpSpPr/>
+          <p:nvPr/>
+        </p:nvGrpSpPr>
+        <p:grpSpPr>
+          <a:xfrm>
+            <a:off x="928429" y="2147932"/>
+            <a:ext cx="10562157" cy="2071489"/>
+            <a:chOff x="928429" y="2147932"/>
+            <a:chExt cx="10562157" cy="2071489"/>
+          </a:xfrm>
+        </p:grpSpPr>
+        <p:grpSp>
+          <p:nvGrpSpPr>
+            <p:cNvPr id="17" name="Group 16">
+              <a:extLst>
+                <a:ext uri="{FF2B5EF4-FFF2-40B4-BE49-F238E27FC236}">
+                  <a16:creationId xmlns:a16="http://schemas.microsoft.com/office/drawing/2014/main" id="{91A1B3E5-A92F-389C-8D76-21B551B2C3EB}"/>
+                </a:ext>
+              </a:extLst>
+            </p:cNvPr>
+            <p:cNvGrpSpPr/>
+            <p:nvPr/>
+          </p:nvGrpSpPr>
+          <p:grpSpPr>
+            <a:xfrm>
+              <a:off x="928429" y="2147932"/>
+              <a:ext cx="10514508" cy="2067469"/>
+              <a:chOff x="928429" y="2147932"/>
+              <a:chExt cx="10514508" cy="2067469"/>
+            </a:xfrm>
+          </p:grpSpPr>
+          <p:cxnSp>
+            <p:nvCxnSpPr>
+              <p:cNvPr id="14" name="Straight Arrow Connector 13">
+                <a:extLst>
+                  <a:ext uri="{FF2B5EF4-FFF2-40B4-BE49-F238E27FC236}">
+                    <a16:creationId xmlns:a16="http://schemas.microsoft.com/office/drawing/2014/main" id="{DF76BEF9-4E5E-B74F-E94A-DFE26B78DD9A}"/>
+                  </a:ext>
+                </a:extLst>
+              </p:cNvPr>
+              <p:cNvCxnSpPr/>
+              <p:nvPr/>
+            </p:nvCxnSpPr>
+            <p:spPr>
+              <a:xfrm>
+                <a:off x="2541864" y="3620066"/>
+                <a:ext cx="1371600" cy="0"/>
+              </a:xfrm>
+              <a:prstGeom prst="straightConnector1">
+                <a:avLst/>
+              </a:prstGeom>
+              <a:ln w="38100">
+                <a:solidFill>
+                  <a:schemeClr val="tx1"/>
+                </a:solidFill>
+                <a:tailEnd type="triangle"/>
+              </a:ln>
+            </p:spPr>
+            <p:style>
+              <a:lnRef idx="1">
+                <a:schemeClr val="accent1"/>
+              </a:lnRef>
+              <a:fillRef idx="0">
+                <a:schemeClr val="accent1"/>
+              </a:fillRef>
+              <a:effectRef idx="0">
+                <a:schemeClr val="accent1"/>
+              </a:effectRef>
+              <a:fontRef idx="minor">
+                <a:schemeClr val="tx1"/>
+              </a:fontRef>
+            </p:style>
+          </p:cxnSp>
+          <p:grpSp>
+            <p:nvGrpSpPr>
+              <p:cNvPr id="16" name="Group 15">
+                <a:extLst>
+                  <a:ext uri="{FF2B5EF4-FFF2-40B4-BE49-F238E27FC236}">
+                    <a16:creationId xmlns:a16="http://schemas.microsoft.com/office/drawing/2014/main" id="{A768E701-9681-D0EC-9B57-8C4C0F7E026E}"/>
+                  </a:ext>
+                </a:extLst>
+              </p:cNvPr>
+              <p:cNvGrpSpPr/>
+              <p:nvPr/>
+            </p:nvGrpSpPr>
+            <p:grpSpPr>
+              <a:xfrm>
+                <a:off x="928429" y="2147932"/>
+                <a:ext cx="10514508" cy="2067469"/>
+                <a:chOff x="928429" y="2147932"/>
+                <a:chExt cx="10514508" cy="2067469"/>
+              </a:xfrm>
+            </p:grpSpPr>
+            <p:grpSp>
+              <p:nvGrpSpPr>
+                <p:cNvPr id="9" name="Group 8">
+                  <a:extLst>
+                    <a:ext uri="{FF2B5EF4-FFF2-40B4-BE49-F238E27FC236}">
+                      <a16:creationId xmlns:a16="http://schemas.microsoft.com/office/drawing/2014/main" id="{908CCBC9-C6EC-72C6-9C52-2CE3F0983264}"/>
+                    </a:ext>
+                  </a:extLst>
+                </p:cNvPr>
+                <p:cNvGrpSpPr/>
+                <p:nvPr/>
+              </p:nvGrpSpPr>
+              <p:grpSpPr>
+                <a:xfrm>
+                  <a:off x="928429" y="2147932"/>
+                  <a:ext cx="10514508" cy="1480523"/>
+                  <a:chOff x="928429" y="2147932"/>
+                  <a:chExt cx="10514508" cy="1480523"/>
+                </a:xfrm>
+              </p:grpSpPr>
+              <p:sp>
+                <p:nvSpPr>
+                  <p:cNvPr id="8" name="TextBox 7">
+                    <a:extLst>
+                      <a:ext uri="{FF2B5EF4-FFF2-40B4-BE49-F238E27FC236}">
+                        <a16:creationId xmlns:a16="http://schemas.microsoft.com/office/drawing/2014/main" id="{CA41A722-2770-84EB-E68E-F9729598F786}"/>
+                      </a:ext>
+                    </a:extLst>
+                  </p:cNvPr>
+                  <p:cNvSpPr txBox="1"/>
+                  <p:nvPr/>
+                </p:nvSpPr>
+                <p:spPr>
+                  <a:xfrm>
+                    <a:off x="2850159" y="3235621"/>
+                    <a:ext cx="755010" cy="369332"/>
+                  </a:xfrm>
+                  <a:prstGeom prst="rect">
+                    <a:avLst/>
+                  </a:prstGeom>
+                  <a:noFill/>
+                </p:spPr>
+                <p:txBody>
+                  <a:bodyPr wrap="square" rtlCol="0">
+                    <a:spAutoFit/>
+                  </a:bodyPr>
+                  <a:lstStyle/>
+                  <a:p>
+                    <a:r>
+                      <a:rPr lang="en-US" dirty="0"/>
+                      <a:t>Ingest</a:t>
+                    </a:r>
+                  </a:p>
+                </p:txBody>
+              </p:sp>
+              <p:sp>
+                <p:nvSpPr>
+                  <p:cNvPr id="10" name="TextBox 9">
+                    <a:extLst>
+                      <a:ext uri="{FF2B5EF4-FFF2-40B4-BE49-F238E27FC236}">
+                        <a16:creationId xmlns:a16="http://schemas.microsoft.com/office/drawing/2014/main" id="{E2FDF0BD-83AE-D9F1-81A0-31678B914984}"/>
+                      </a:ext>
+                    </a:extLst>
+                  </p:cNvPr>
+                  <p:cNvSpPr txBox="1"/>
+                  <p:nvPr/>
+                </p:nvSpPr>
+                <p:spPr>
+                  <a:xfrm>
+                    <a:off x="3830195" y="2286431"/>
+                    <a:ext cx="1828375" cy="646331"/>
+                  </a:xfrm>
+                  <a:prstGeom prst="rect">
+                    <a:avLst/>
+                  </a:prstGeom>
+                  <a:noFill/>
+                </p:spPr>
+                <p:txBody>
+                  <a:bodyPr wrap="square" rtlCol="0">
+                    <a:spAutoFit/>
+                  </a:bodyPr>
+                  <a:lstStyle/>
+                  <a:p>
+                    <a:r>
+                      <a:rPr lang="en-US" dirty="0">
+                        <a:solidFill>
+                          <a:srgbClr val="00B0F0"/>
+                        </a:solidFill>
+                      </a:rPr>
+                      <a:t>Data Warehouse</a:t>
+                    </a:r>
+                  </a:p>
+                  <a:p>
+                    <a:pPr algn="ctr"/>
+                    <a:r>
+                      <a:rPr lang="en-US" dirty="0">
+                        <a:solidFill>
+                          <a:srgbClr val="00B0F0"/>
+                        </a:solidFill>
+                      </a:rPr>
+                      <a:t>Raw Data</a:t>
+                    </a:r>
+                  </a:p>
+                </p:txBody>
+              </p:sp>
+              <p:sp>
+                <p:nvSpPr>
+                  <p:cNvPr id="12" name="TextBox 11">
+                    <a:extLst>
+                      <a:ext uri="{FF2B5EF4-FFF2-40B4-BE49-F238E27FC236}">
+                        <a16:creationId xmlns:a16="http://schemas.microsoft.com/office/drawing/2014/main" id="{515CD831-12F5-187B-A1AF-9C455F3006EA}"/>
+                      </a:ext>
+                    </a:extLst>
+                  </p:cNvPr>
+                  <p:cNvSpPr txBox="1"/>
+                  <p:nvPr/>
+                </p:nvSpPr>
+                <p:spPr>
+                  <a:xfrm>
+                    <a:off x="928429" y="2147932"/>
+                    <a:ext cx="1490208" cy="646331"/>
+                  </a:xfrm>
+                  <a:prstGeom prst="rect">
+                    <a:avLst/>
+                  </a:prstGeom>
+                  <a:noFill/>
+                </p:spPr>
+                <p:txBody>
+                  <a:bodyPr wrap="square" rtlCol="0">
+                    <a:spAutoFit/>
+                  </a:bodyPr>
+                  <a:lstStyle/>
+                  <a:p>
+                    <a:r>
+                      <a:rPr lang="en-US" dirty="0">
+                        <a:solidFill>
+                          <a:schemeClr val="bg1">
+                            <a:lumMod val="50000"/>
+                          </a:schemeClr>
+                        </a:solidFill>
+                      </a:rPr>
+                      <a:t>External </a:t>
+                    </a:r>
+                  </a:p>
+                  <a:p>
+                    <a:r>
+                      <a:rPr lang="en-US" dirty="0">
+                        <a:solidFill>
+                          <a:schemeClr val="bg1">
+                            <a:lumMod val="50000"/>
+                          </a:schemeClr>
+                        </a:solidFill>
+                      </a:rPr>
+                      <a:t>Data Sources</a:t>
+                    </a:r>
+                  </a:p>
+                </p:txBody>
+              </p:sp>
+              <p:sp>
+                <p:nvSpPr>
+                  <p:cNvPr id="19" name="TextBox 18">
+                    <a:extLst>
+                      <a:ext uri="{FF2B5EF4-FFF2-40B4-BE49-F238E27FC236}">
+                        <a16:creationId xmlns:a16="http://schemas.microsoft.com/office/drawing/2014/main" id="{D18C7EA6-A224-D84A-B112-C70B9B775B00}"/>
+                      </a:ext>
+                    </a:extLst>
+                  </p:cNvPr>
+                  <p:cNvSpPr txBox="1"/>
+                  <p:nvPr/>
+                </p:nvSpPr>
+                <p:spPr>
+                  <a:xfrm>
+                    <a:off x="5798603" y="3244334"/>
+                    <a:ext cx="906382" cy="369332"/>
+                  </a:xfrm>
+                  <a:prstGeom prst="rect">
+                    <a:avLst/>
+                  </a:prstGeom>
+                  <a:noFill/>
+                </p:spPr>
+                <p:txBody>
+                  <a:bodyPr wrap="square" rtlCol="0">
+                    <a:spAutoFit/>
+                  </a:bodyPr>
+                  <a:lstStyle/>
+                  <a:p>
+                    <a:r>
+                      <a:rPr lang="en-US" dirty="0"/>
+                      <a:t>Process</a:t>
+                    </a:r>
+                  </a:p>
+                </p:txBody>
+              </p:sp>
+              <p:sp>
+                <p:nvSpPr>
+                  <p:cNvPr id="20" name="TextBox 19">
+                    <a:extLst>
+                      <a:ext uri="{FF2B5EF4-FFF2-40B4-BE49-F238E27FC236}">
+                        <a16:creationId xmlns:a16="http://schemas.microsoft.com/office/drawing/2014/main" id="{F594FB8F-781D-1E7D-F0F9-B0F340C83D14}"/>
+                      </a:ext>
+                    </a:extLst>
+                  </p:cNvPr>
+                  <p:cNvSpPr txBox="1"/>
+                  <p:nvPr/>
+                </p:nvSpPr>
+                <p:spPr>
+                  <a:xfrm>
+                    <a:off x="6937594" y="2286431"/>
+                    <a:ext cx="1828375" cy="646331"/>
+                  </a:xfrm>
+                  <a:prstGeom prst="rect">
+                    <a:avLst/>
+                  </a:prstGeom>
+                  <a:noFill/>
+                </p:spPr>
+                <p:txBody>
+                  <a:bodyPr wrap="square" rtlCol="0">
+                    <a:spAutoFit/>
+                  </a:bodyPr>
+                  <a:lstStyle/>
+                  <a:p>
+                    <a:r>
+                      <a:rPr lang="en-US" dirty="0">
+                        <a:solidFill>
+                          <a:srgbClr val="00B0F0"/>
+                        </a:solidFill>
+                      </a:rPr>
+                      <a:t>Data Warehouse</a:t>
+                    </a:r>
+                  </a:p>
+                  <a:p>
+                    <a:pPr algn="ctr"/>
+                    <a:r>
+                      <a:rPr lang="en-US" dirty="0">
+                        <a:solidFill>
+                          <a:srgbClr val="00B0F0"/>
+                        </a:solidFill>
+                      </a:rPr>
+                      <a:t>Prepared Data</a:t>
+                    </a:r>
+                  </a:p>
+                </p:txBody>
+              </p:sp>
+              <p:sp>
+                <p:nvSpPr>
+                  <p:cNvPr id="22" name="TextBox 21">
+                    <a:extLst>
+                      <a:ext uri="{FF2B5EF4-FFF2-40B4-BE49-F238E27FC236}">
+                        <a16:creationId xmlns:a16="http://schemas.microsoft.com/office/drawing/2014/main" id="{980A12D6-ADE2-03FC-AD61-ACB84FB5F133}"/>
+                      </a:ext>
+                    </a:extLst>
+                  </p:cNvPr>
+                  <p:cNvSpPr txBox="1"/>
+                  <p:nvPr/>
+                </p:nvSpPr>
+                <p:spPr>
+                  <a:xfrm>
+                    <a:off x="8868422" y="3259123"/>
+                    <a:ext cx="1049046" cy="369332"/>
+                  </a:xfrm>
+                  <a:prstGeom prst="rect">
+                    <a:avLst/>
+                  </a:prstGeom>
+                  <a:noFill/>
+                </p:spPr>
+                <p:txBody>
+                  <a:bodyPr wrap="square" rtlCol="0">
+                    <a:spAutoFit/>
+                  </a:bodyPr>
+                  <a:lstStyle/>
+                  <a:p>
+                    <a:r>
+                      <a:rPr lang="en-US" dirty="0"/>
+                      <a:t>Analyze</a:t>
+                    </a:r>
+                  </a:p>
+                </p:txBody>
+              </p:sp>
+              <p:sp>
+                <p:nvSpPr>
+                  <p:cNvPr id="24" name="TextBox 23">
+                    <a:extLst>
+                      <a:ext uri="{FF2B5EF4-FFF2-40B4-BE49-F238E27FC236}">
+                        <a16:creationId xmlns:a16="http://schemas.microsoft.com/office/drawing/2014/main" id="{67D2CD86-0C2E-D70A-32F9-8FA0641EC746}"/>
+                      </a:ext>
+                    </a:extLst>
+                  </p:cNvPr>
+                  <p:cNvSpPr txBox="1"/>
+                  <p:nvPr/>
+                </p:nvSpPr>
+                <p:spPr>
+                  <a:xfrm>
+                    <a:off x="10486466" y="2286431"/>
+                    <a:ext cx="956471" cy="369332"/>
+                  </a:xfrm>
+                  <a:prstGeom prst="rect">
+                    <a:avLst/>
+                  </a:prstGeom>
+                  <a:noFill/>
+                </p:spPr>
+                <p:txBody>
+                  <a:bodyPr wrap="square" rtlCol="0">
+                    <a:spAutoFit/>
+                  </a:bodyPr>
+                  <a:lstStyle/>
+                  <a:p>
+                    <a:r>
+                      <a:rPr lang="en-US" dirty="0">
+                        <a:solidFill>
+                          <a:schemeClr val="accent4">
+                            <a:lumMod val="75000"/>
+                          </a:schemeClr>
+                        </a:solidFill>
+                      </a:rPr>
+                      <a:t>Report</a:t>
+                    </a:r>
+                  </a:p>
+                </p:txBody>
+              </p:sp>
+            </p:grpSp>
+            <p:sp>
+              <p:nvSpPr>
+                <p:cNvPr id="11" name="Cylinder 10">
+                  <a:extLst>
+                    <a:ext uri="{FF2B5EF4-FFF2-40B4-BE49-F238E27FC236}">
+                      <a16:creationId xmlns:a16="http://schemas.microsoft.com/office/drawing/2014/main" id="{5767EF66-AD05-E496-532B-1D4DC48E8708}"/>
                     </a:ext>
                   </a:extLst>
                 </p:cNvPr>
@@ -3395,8 +5283,8 @@
               </p:nvSpPr>
               <p:spPr>
                 <a:xfrm>
-                  <a:off x="1182566" y="1635370"/>
-                  <a:ext cx="940776" cy="1178169"/>
+                  <a:off x="1076925" y="3011931"/>
+                  <a:ext cx="1193216" cy="1203470"/>
                 </a:xfrm>
                 <a:prstGeom prst="can">
                   <a:avLst/>
@@ -3404,15 +5292,15 @@
               </p:spPr>
               <p:style>
                 <a:lnRef idx="2">
-                  <a:schemeClr val="accent2">
+                  <a:schemeClr val="accent3">
                     <a:shade val="15000"/>
                   </a:schemeClr>
                 </a:lnRef>
                 <a:fillRef idx="1">
-                  <a:schemeClr val="accent2"/>
+                  <a:schemeClr val="accent3"/>
                 </a:fillRef>
                 <a:effectRef idx="0">
-                  <a:schemeClr val="accent2"/>
+                  <a:schemeClr val="accent3"/>
                 </a:effectRef>
                 <a:fontRef idx="minor">
                   <a:schemeClr val="lt1"/>
@@ -3429,10 +5317,10 @@
             </p:sp>
             <p:sp>
               <p:nvSpPr>
-                <p:cNvPr id="5" name="Cylinder 4">
+                <p:cNvPr id="15" name="Cylinder 14">
                   <a:extLst>
                     <a:ext uri="{FF2B5EF4-FFF2-40B4-BE49-F238E27FC236}">
-                      <a16:creationId xmlns:a16="http://schemas.microsoft.com/office/drawing/2014/main" id="{EAFA96CF-7DBF-FCA6-40EB-985D0606A4F5}"/>
+                      <a16:creationId xmlns:a16="http://schemas.microsoft.com/office/drawing/2014/main" id="{3C6B3473-39FD-020C-E707-CB74CB1D72B3}"/>
                     </a:ext>
                   </a:extLst>
                 </p:cNvPr>
@@ -3441,24 +5329,27 @@
               </p:nvSpPr>
               <p:spPr>
                 <a:xfrm>
-                  <a:off x="1186962" y="3415797"/>
-                  <a:ext cx="940776" cy="1178169"/>
+                  <a:off x="4147775" y="3003218"/>
+                  <a:ext cx="1193216" cy="1203470"/>
                 </a:xfrm>
                 <a:prstGeom prst="can">
                   <a:avLst/>
                 </a:prstGeom>
+                <a:solidFill>
+                  <a:srgbClr val="00B0F0"/>
+                </a:solidFill>
               </p:spPr>
               <p:style>
                 <a:lnRef idx="2">
-                  <a:schemeClr val="accent6">
+                  <a:schemeClr val="accent3">
                     <a:shade val="15000"/>
                   </a:schemeClr>
                 </a:lnRef>
                 <a:fillRef idx="1">
-                  <a:schemeClr val="accent6"/>
+                  <a:schemeClr val="accent3"/>
                 </a:fillRef>
                 <a:effectRef idx="0">
-                  <a:schemeClr val="accent6"/>
+                  <a:schemeClr val="accent3"/>
                 </a:effectRef>
                 <a:fontRef idx="minor">
                   <a:schemeClr val="lt1"/>
@@ -3475,147 +5366,10 @@
             </p:sp>
             <p:sp>
               <p:nvSpPr>
-                <p:cNvPr id="6" name="TextBox 5">
+                <p:cNvPr id="21" name="Cylinder 20">
                   <a:extLst>
                     <a:ext uri="{FF2B5EF4-FFF2-40B4-BE49-F238E27FC236}">
-                      <a16:creationId xmlns:a16="http://schemas.microsoft.com/office/drawing/2014/main" id="{7E6B75D3-BF28-2F21-9C19-F16B2A9081B7}"/>
-                    </a:ext>
-                  </a:extLst>
-                </p:cNvPr>
-                <p:cNvSpPr txBox="1"/>
-                <p:nvPr/>
-              </p:nvSpPr>
-              <p:spPr>
-                <a:xfrm>
-                  <a:off x="964956" y="1235461"/>
-                  <a:ext cx="1375996" cy="369332"/>
-                </a:xfrm>
-                <a:prstGeom prst="rect">
-                  <a:avLst/>
-                </a:prstGeom>
-                <a:noFill/>
-              </p:spPr>
-              <p:txBody>
-                <a:bodyPr wrap="square" rtlCol="0">
-                  <a:spAutoFit/>
-                </a:bodyPr>
-                <a:lstStyle/>
-                <a:p>
-                  <a:pPr algn="ctr"/>
-                  <a:r>
-                    <a:rPr lang="en-US" dirty="0">
-                      <a:solidFill>
-                        <a:srgbClr val="C00000"/>
-                      </a:solidFill>
-                    </a:rPr>
-                    <a:t>Weather</a:t>
-                  </a:r>
-                </a:p>
-              </p:txBody>
-            </p:sp>
-            <p:sp>
-              <p:nvSpPr>
-                <p:cNvPr id="7" name="TextBox 6">
-                  <a:extLst>
-                    <a:ext uri="{FF2B5EF4-FFF2-40B4-BE49-F238E27FC236}">
-                      <a16:creationId xmlns:a16="http://schemas.microsoft.com/office/drawing/2014/main" id="{C52A01C3-A3CF-71CC-47ED-00FFBBCBE53B}"/>
-                    </a:ext>
-                  </a:extLst>
-                </p:cNvPr>
-                <p:cNvSpPr txBox="1"/>
-                <p:nvPr/>
-              </p:nvSpPr>
-              <p:spPr>
-                <a:xfrm>
-                  <a:off x="964956" y="3046465"/>
-                  <a:ext cx="1375996" cy="369332"/>
-                </a:xfrm>
-                <a:prstGeom prst="rect">
-                  <a:avLst/>
-                </a:prstGeom>
-                <a:noFill/>
-              </p:spPr>
-              <p:txBody>
-                <a:bodyPr wrap="square" rtlCol="0">
-                  <a:spAutoFit/>
-                </a:bodyPr>
-                <a:lstStyle/>
-                <a:p>
-                  <a:pPr algn="ctr"/>
-                  <a:r>
-                    <a:rPr lang="en-US" dirty="0">
-                      <a:solidFill>
-                        <a:schemeClr val="accent6"/>
-                      </a:solidFill>
-                    </a:rPr>
-                    <a:t>CitiBike</a:t>
-                  </a:r>
-                </a:p>
-              </p:txBody>
-            </p:sp>
-            <p:sp>
-              <p:nvSpPr>
-                <p:cNvPr id="13" name="TextBox 12">
-                  <a:extLst>
-                    <a:ext uri="{FF2B5EF4-FFF2-40B4-BE49-F238E27FC236}">
-                      <a16:creationId xmlns:a16="http://schemas.microsoft.com/office/drawing/2014/main" id="{C8838796-F9CD-B6F7-649C-D32BEFFAD4AF}"/>
-                    </a:ext>
-                  </a:extLst>
-                </p:cNvPr>
-                <p:cNvSpPr txBox="1"/>
-                <p:nvPr/>
-              </p:nvSpPr>
-              <p:spPr>
-                <a:xfrm>
-                  <a:off x="794605" y="496797"/>
-                  <a:ext cx="1716698" cy="369332"/>
-                </a:xfrm>
-                <a:prstGeom prst="rect">
-                  <a:avLst/>
-                </a:prstGeom>
-                <a:noFill/>
-              </p:spPr>
-              <p:txBody>
-                <a:bodyPr wrap="square" rtlCol="0">
-                  <a:spAutoFit/>
-                </a:bodyPr>
-                <a:lstStyle/>
-                <a:p>
-                  <a:pPr algn="ctr"/>
-                  <a:r>
-                    <a:rPr lang="en-US" dirty="0"/>
-                    <a:t>Source: URL/S3</a:t>
-                  </a:r>
-                </a:p>
-              </p:txBody>
-            </p:sp>
-          </p:grpSp>
-          <p:grpSp>
-            <p:nvGrpSpPr>
-              <p:cNvPr id="14" name="Group 13">
-                <a:extLst>
-                  <a:ext uri="{FF2B5EF4-FFF2-40B4-BE49-F238E27FC236}">
-                    <a16:creationId xmlns:a16="http://schemas.microsoft.com/office/drawing/2014/main" id="{3E6AF8E7-B0EF-F34D-59E5-3070022BB83D}"/>
-                  </a:ext>
-                </a:extLst>
-              </p:cNvPr>
-              <p:cNvGrpSpPr/>
-              <p:nvPr/>
-            </p:nvGrpSpPr>
-            <p:grpSpPr>
-              <a:xfrm>
-                <a:off x="3029317" y="1147428"/>
-                <a:ext cx="4206754" cy="3758735"/>
-                <a:chOff x="-3652837" y="268197"/>
-                <a:chExt cx="4206754" cy="3758735"/>
-              </a:xfrm>
-            </p:grpSpPr>
-            <p:sp>
-              <p:nvSpPr>
-                <p:cNvPr id="15" name="Cylinder 14">
-                  <a:extLst>
-                    <a:ext uri="{FF2B5EF4-FFF2-40B4-BE49-F238E27FC236}">
-                      <a16:creationId xmlns:a16="http://schemas.microsoft.com/office/drawing/2014/main" id="{2B2435A9-D034-6CA7-A8DC-05EF1E41383B}"/>
+                      <a16:creationId xmlns:a16="http://schemas.microsoft.com/office/drawing/2014/main" id="{5BC85D68-A3BB-AA7C-92FC-0EEF0436A1E2}"/>
                     </a:ext>
                   </a:extLst>
                 </p:cNvPr>
@@ -3624,25 +5378,30 @@
               </p:nvSpPr>
               <p:spPr>
                 <a:xfrm>
-                  <a:off x="-1966912" y="1881610"/>
-                  <a:ext cx="940776" cy="2145322"/>
+                  <a:off x="7162597" y="3003218"/>
+                  <a:ext cx="1193216" cy="1203470"/>
                 </a:xfrm>
                 <a:prstGeom prst="can">
                   <a:avLst/>
                 </a:prstGeom>
+                <a:solidFill>
+                  <a:srgbClr val="00B0F0"/>
+                </a:solidFill>
               </p:spPr>
               <p:style>
-                <a:lnRef idx="1">
-                  <a:schemeClr val="accent1"/>
+                <a:lnRef idx="2">
+                  <a:schemeClr val="accent3">
+                    <a:shade val="15000"/>
+                  </a:schemeClr>
                 </a:lnRef>
-                <a:fillRef idx="2">
-                  <a:schemeClr val="accent1"/>
+                <a:fillRef idx="1">
+                  <a:schemeClr val="accent3"/>
                 </a:fillRef>
-                <a:effectRef idx="1">
-                  <a:schemeClr val="accent1"/>
+                <a:effectRef idx="0">
+                  <a:schemeClr val="accent3"/>
                 </a:effectRef>
                 <a:fontRef idx="minor">
-                  <a:schemeClr val="dk1"/>
+                  <a:schemeClr val="lt1"/>
                 </a:fontRef>
               </p:style>
               <p:txBody>
@@ -3654,162 +5413,1017 @@
                 </a:p>
               </p:txBody>
             </p:sp>
+          </p:grpSp>
+          <p:cxnSp>
+            <p:nvCxnSpPr>
+              <p:cNvPr id="18" name="Straight Arrow Connector 17">
+                <a:extLst>
+                  <a:ext uri="{FF2B5EF4-FFF2-40B4-BE49-F238E27FC236}">
+                    <a16:creationId xmlns:a16="http://schemas.microsoft.com/office/drawing/2014/main" id="{B6A8762F-DBBF-FF7F-3EFB-39B93FA0F07D}"/>
+                  </a:ext>
+                </a:extLst>
+              </p:cNvPr>
+              <p:cNvCxnSpPr/>
+              <p:nvPr/>
+            </p:nvCxnSpPr>
+            <p:spPr>
+              <a:xfrm>
+                <a:off x="5565994" y="3628455"/>
+                <a:ext cx="1371600" cy="0"/>
+              </a:xfrm>
+              <a:prstGeom prst="straightConnector1">
+                <a:avLst/>
+              </a:prstGeom>
+              <a:ln w="38100">
+                <a:solidFill>
+                  <a:schemeClr val="tx1"/>
+                </a:solidFill>
+                <a:tailEnd type="triangle"/>
+              </a:ln>
+            </p:spPr>
+            <p:style>
+              <a:lnRef idx="1">
+                <a:schemeClr val="accent1"/>
+              </a:lnRef>
+              <a:fillRef idx="0">
+                <a:schemeClr val="accent1"/>
+              </a:fillRef>
+              <a:effectRef idx="0">
+                <a:schemeClr val="accent1"/>
+              </a:effectRef>
+              <a:fontRef idx="minor">
+                <a:schemeClr val="tx1"/>
+              </a:fontRef>
+            </p:style>
+          </p:cxnSp>
+          <p:cxnSp>
+            <p:nvCxnSpPr>
+              <p:cNvPr id="23" name="Straight Arrow Connector 22">
+                <a:extLst>
+                  <a:ext uri="{FF2B5EF4-FFF2-40B4-BE49-F238E27FC236}">
+                    <a16:creationId xmlns:a16="http://schemas.microsoft.com/office/drawing/2014/main" id="{56E1C3F2-9665-D8D7-9BF9-78CB76377590}"/>
+                  </a:ext>
+                </a:extLst>
+              </p:cNvPr>
+              <p:cNvCxnSpPr/>
+              <p:nvPr/>
+            </p:nvCxnSpPr>
+            <p:spPr>
+              <a:xfrm>
+                <a:off x="8643514" y="3628455"/>
+                <a:ext cx="1371600" cy="0"/>
+              </a:xfrm>
+              <a:prstGeom prst="straightConnector1">
+                <a:avLst/>
+              </a:prstGeom>
+              <a:ln w="38100">
+                <a:solidFill>
+                  <a:schemeClr val="tx1"/>
+                </a:solidFill>
+                <a:tailEnd type="triangle"/>
+              </a:ln>
+            </p:spPr>
+            <p:style>
+              <a:lnRef idx="1">
+                <a:schemeClr val="accent1"/>
+              </a:lnRef>
+              <a:fillRef idx="0">
+                <a:schemeClr val="accent1"/>
+              </a:fillRef>
+              <a:effectRef idx="0">
+                <a:schemeClr val="accent1"/>
+              </a:effectRef>
+              <a:fontRef idx="minor">
+                <a:schemeClr val="tx1"/>
+              </a:fontRef>
+            </p:style>
+          </p:cxnSp>
+        </p:grpSp>
+        <p:pic>
+          <p:nvPicPr>
+            <p:cNvPr id="3080" name="Picture 8" descr="Dashboard - Free seo and web icons">
+              <a:extLst>
+                <a:ext uri="{FF2B5EF4-FFF2-40B4-BE49-F238E27FC236}">
+                  <a16:creationId xmlns:a16="http://schemas.microsoft.com/office/drawing/2014/main" id="{533EC586-729E-3509-D1E1-71A1EC757775}"/>
+                </a:ext>
+              </a:extLst>
+            </p:cNvPr>
+            <p:cNvPicPr>
+              <a:picLocks noChangeAspect="1" noChangeArrowheads="1"/>
+            </p:cNvPicPr>
+            <p:nvPr/>
+          </p:nvPicPr>
+          <p:blipFill>
+            <a:blip r:embed="rId2">
+              <a:extLst>
+                <a:ext uri="{28A0092B-C50C-407E-A947-70E740481C1C}">
+                  <a14:useLocalDpi xmlns:a14="http://schemas.microsoft.com/office/drawing/2010/main" val="0"/>
+                </a:ext>
+              </a:extLst>
+            </a:blip>
+            <a:srcRect/>
+            <a:stretch>
+              <a:fillRect/>
+            </a:stretch>
+          </p:blipFill>
+          <p:spPr bwMode="auto">
+            <a:xfrm>
+              <a:off x="10279076" y="3007911"/>
+              <a:ext cx="1211510" cy="1211510"/>
+            </a:xfrm>
+            <a:prstGeom prst="rect">
+              <a:avLst/>
+            </a:prstGeom>
+            <a:noFill/>
+            <a:extLst>
+              <a:ext uri="{909E8E84-426E-40DD-AFC4-6F175D3DCCD1}">
+                <a14:hiddenFill xmlns:a14="http://schemas.microsoft.com/office/drawing/2010/main">
+                  <a:solidFill>
+                    <a:srgbClr val="FFFFFF"/>
+                  </a:solidFill>
+                </a14:hiddenFill>
+              </a:ext>
+            </a:extLst>
+          </p:spPr>
+        </p:pic>
+      </p:grpSp>
+    </p:spTree>
+    <p:extLst>
+      <p:ext uri="{BB962C8B-B14F-4D97-AF65-F5344CB8AC3E}">
+        <p14:creationId xmlns:p14="http://schemas.microsoft.com/office/powerpoint/2010/main" val="3598382285"/>
+      </p:ext>
+    </p:extLst>
+  </p:cSld>
+  <p:clrMapOvr>
+    <a:masterClrMapping/>
+  </p:clrMapOvr>
+</p:sld>
+</file>
+
+<file path=ppt/slides/slide6.xml><?xml version="1.0" encoding="utf-8"?>
+<p:sld xmlns:a="http://schemas.openxmlformats.org/drawingml/2006/main" xmlns:r="http://schemas.openxmlformats.org/officeDocument/2006/relationships" xmlns:p="http://schemas.openxmlformats.org/presentationml/2006/main">
+  <p:cSld>
+    <p:spTree>
+      <p:nvGrpSpPr>
+        <p:cNvPr id="1" name=""/>
+        <p:cNvGrpSpPr/>
+        <p:nvPr/>
+      </p:nvGrpSpPr>
+      <p:grpSpPr>
+        <a:xfrm>
+          <a:off x="0" y="0"/>
+          <a:ext cx="0" cy="0"/>
+          <a:chOff x="0" y="0"/>
+          <a:chExt cx="0" cy="0"/>
+        </a:xfrm>
+      </p:grpSpPr>
+      <p:sp>
+        <p:nvSpPr>
+          <p:cNvPr id="2" name="TextBox 1">
+            <a:extLst>
+              <a:ext uri="{FF2B5EF4-FFF2-40B4-BE49-F238E27FC236}">
+                <a16:creationId xmlns:a16="http://schemas.microsoft.com/office/drawing/2014/main" id="{15726383-B407-319E-030C-10F657ACC3A3}"/>
+              </a:ext>
+            </a:extLst>
+          </p:cNvPr>
+          <p:cNvSpPr txBox="1"/>
+          <p:nvPr/>
+        </p:nvSpPr>
+        <p:spPr>
+          <a:xfrm>
+            <a:off x="0" y="323165"/>
+            <a:ext cx="12192000" cy="646331"/>
+          </a:xfrm>
+          <a:prstGeom prst="rect">
+            <a:avLst/>
+          </a:prstGeom>
+          <a:noFill/>
+        </p:spPr>
+        <p:txBody>
+          <a:bodyPr wrap="square" rtlCol="0">
+            <a:spAutoFit/>
+          </a:bodyPr>
+          <a:lstStyle/>
+          <a:p>
+            <a:pPr algn="ctr"/>
+            <a:r>
+              <a:rPr lang="en-US" sz="3600" i="1" dirty="0">
+                <a:solidFill>
+                  <a:srgbClr val="7030A0"/>
+                </a:solidFill>
+                <a:latin typeface="Calisto MT" panose="02040603050505030304" pitchFamily="18" charset="0"/>
+              </a:rPr>
+              <a:t>Technical Architecture - Products</a:t>
+            </a:r>
+          </a:p>
+        </p:txBody>
+      </p:sp>
+      <p:grpSp>
+        <p:nvGrpSpPr>
+          <p:cNvPr id="19" name="Group 18">
+            <a:extLst>
+              <a:ext uri="{FF2B5EF4-FFF2-40B4-BE49-F238E27FC236}">
+                <a16:creationId xmlns:a16="http://schemas.microsoft.com/office/drawing/2014/main" id="{0AF96F25-104A-C3B6-D5DB-71A99E388CF0}"/>
+              </a:ext>
+            </a:extLst>
+          </p:cNvPr>
+          <p:cNvGrpSpPr/>
+          <p:nvPr/>
+        </p:nvGrpSpPr>
+        <p:grpSpPr>
+          <a:xfrm>
+            <a:off x="1027667" y="2450634"/>
+            <a:ext cx="10596338" cy="2381426"/>
+            <a:chOff x="1027667" y="2450634"/>
+            <a:chExt cx="10596338" cy="2381426"/>
+          </a:xfrm>
+        </p:grpSpPr>
+        <p:grpSp>
+          <p:nvGrpSpPr>
+            <p:cNvPr id="15" name="Group 14">
+              <a:extLst>
+                <a:ext uri="{FF2B5EF4-FFF2-40B4-BE49-F238E27FC236}">
+                  <a16:creationId xmlns:a16="http://schemas.microsoft.com/office/drawing/2014/main" id="{29AC0BE3-E873-6B06-34D7-C5AE0B32D29F}"/>
+                </a:ext>
+              </a:extLst>
+            </p:cNvPr>
+            <p:cNvGrpSpPr/>
+            <p:nvPr/>
+          </p:nvGrpSpPr>
+          <p:grpSpPr>
+            <a:xfrm>
+              <a:off x="1027667" y="2450634"/>
+              <a:ext cx="7860499" cy="2381426"/>
+              <a:chOff x="1027667" y="2450634"/>
+              <a:chExt cx="7860499" cy="2381426"/>
+            </a:xfrm>
+          </p:grpSpPr>
+          <p:grpSp>
+            <p:nvGrpSpPr>
+              <p:cNvPr id="11" name="Group 10">
+                <a:extLst>
+                  <a:ext uri="{FF2B5EF4-FFF2-40B4-BE49-F238E27FC236}">
+                    <a16:creationId xmlns:a16="http://schemas.microsoft.com/office/drawing/2014/main" id="{F1744702-ED5C-FA73-7B8D-254DF5C9D3A2}"/>
+                  </a:ext>
+                </a:extLst>
+              </p:cNvPr>
+              <p:cNvGrpSpPr/>
+              <p:nvPr/>
+            </p:nvGrpSpPr>
+            <p:grpSpPr>
+              <a:xfrm>
+                <a:off x="1027667" y="2450634"/>
+                <a:ext cx="7860499" cy="2381426"/>
+                <a:chOff x="1027667" y="2450634"/>
+                <a:chExt cx="7860499" cy="2381426"/>
+              </a:xfrm>
+            </p:grpSpPr>
             <p:sp>
               <p:nvSpPr>
-                <p:cNvPr id="17" name="TextBox 16">
+                <p:cNvPr id="12" name="Cylinder 11">
                   <a:extLst>
                     <a:ext uri="{FF2B5EF4-FFF2-40B4-BE49-F238E27FC236}">
-                      <a16:creationId xmlns:a16="http://schemas.microsoft.com/office/drawing/2014/main" id="{C545B67B-D7F6-BCA7-FA39-CAFD94643710}"/>
+                      <a16:creationId xmlns:a16="http://schemas.microsoft.com/office/drawing/2014/main" id="{BEF70F46-44AB-CB03-2EE7-4A4C7ADDC072}"/>
                     </a:ext>
                   </a:extLst>
                 </p:cNvPr>
-                <p:cNvSpPr txBox="1"/>
+                <p:cNvSpPr/>
                 <p:nvPr/>
               </p:nvSpPr>
               <p:spPr>
-                <a:xfrm>
-                  <a:off x="-2184522" y="1481701"/>
-                  <a:ext cx="1375996" cy="369332"/>
+                <a:xfrm rot="5400000">
+                  <a:off x="6436634" y="2659421"/>
+                  <a:ext cx="385894" cy="1837189"/>
                 </a:xfrm>
-                <a:prstGeom prst="rect">
+                <a:prstGeom prst="can">
                   <a:avLst/>
                 </a:prstGeom>
-                <a:noFill/>
+                <a:solidFill>
+                  <a:srgbClr val="C00000">
+                    <a:alpha val="56000"/>
+                  </a:srgbClr>
+                </a:solidFill>
               </p:spPr>
+              <p:style>
+                <a:lnRef idx="2">
+                  <a:schemeClr val="accent1">
+                    <a:shade val="15000"/>
+                  </a:schemeClr>
+                </a:lnRef>
+                <a:fillRef idx="1">
+                  <a:schemeClr val="accent1"/>
+                </a:fillRef>
+                <a:effectRef idx="0">
+                  <a:schemeClr val="accent1"/>
+                </a:effectRef>
+                <a:fontRef idx="minor">
+                  <a:schemeClr val="lt1"/>
+                </a:fontRef>
+              </p:style>
               <p:txBody>
-                <a:bodyPr wrap="square" rtlCol="0">
-                  <a:spAutoFit/>
-                </a:bodyPr>
+                <a:bodyPr rtlCol="0" anchor="ctr"/>
                 <a:lstStyle/>
                 <a:p>
                   <a:pPr algn="ctr"/>
-                  <a:r>
-                    <a:rPr lang="en-US" dirty="0">
-                      <a:solidFill>
-                        <a:srgbClr val="0070C0"/>
-                      </a:solidFill>
-                    </a:rPr>
-                    <a:t>xxx</a:t>
-                  </a:r>
+                  <a:endParaRPr lang="en-US" dirty="0"/>
                 </a:p>
               </p:txBody>
             </p:sp>
             <p:sp>
               <p:nvSpPr>
-                <p:cNvPr id="19" name="TextBox 18">
+                <p:cNvPr id="3" name="Cylinder 2">
                   <a:extLst>
                     <a:ext uri="{FF2B5EF4-FFF2-40B4-BE49-F238E27FC236}">
-                      <a16:creationId xmlns:a16="http://schemas.microsoft.com/office/drawing/2014/main" id="{9024590D-86C8-0F03-ECA6-4D9609B986EB}"/>
+                      <a16:creationId xmlns:a16="http://schemas.microsoft.com/office/drawing/2014/main" id="{11FEF3CF-684A-D1ED-6DA8-00B8EB047948}"/>
                     </a:ext>
                   </a:extLst>
                 </p:cNvPr>
-                <p:cNvSpPr txBox="1"/>
+                <p:cNvSpPr/>
                 <p:nvPr/>
               </p:nvSpPr>
               <p:spPr>
-                <a:xfrm>
-                  <a:off x="-3024740" y="268197"/>
-                  <a:ext cx="2502510" cy="369332"/>
+                <a:xfrm rot="5400000">
+                  <a:off x="2890006" y="2659420"/>
+                  <a:ext cx="385894" cy="1837189"/>
                 </a:xfrm>
-                <a:prstGeom prst="rect">
+                <a:prstGeom prst="can">
                   <a:avLst/>
                 </a:prstGeom>
-                <a:noFill/>
+                <a:solidFill>
+                  <a:srgbClr val="00B0F0">
+                    <a:alpha val="38000"/>
+                  </a:srgbClr>
+                </a:solidFill>
               </p:spPr>
+              <p:style>
+                <a:lnRef idx="2">
+                  <a:schemeClr val="accent1">
+                    <a:shade val="15000"/>
+                  </a:schemeClr>
+                </a:lnRef>
+                <a:fillRef idx="1">
+                  <a:schemeClr val="accent1"/>
+                </a:fillRef>
+                <a:effectRef idx="0">
+                  <a:schemeClr val="accent1"/>
+                </a:effectRef>
+                <a:fontRef idx="minor">
+                  <a:schemeClr val="lt1"/>
+                </a:fontRef>
+              </p:style>
               <p:txBody>
-                <a:bodyPr wrap="square" rtlCol="0">
-                  <a:spAutoFit/>
-                </a:bodyPr>
+                <a:bodyPr rtlCol="0" anchor="ctr"/>
                 <a:lstStyle/>
                 <a:p>
                   <a:pPr algn="ctr"/>
-                  <a:r>
-                    <a:rPr lang="en-US" dirty="0"/>
-                    <a:t>Warehouse: Snowflake</a:t>
-                  </a:r>
+                  <a:endParaRPr lang="en-US"/>
                 </a:p>
               </p:txBody>
             </p:sp>
-            <p:sp>
-              <p:nvSpPr>
-                <p:cNvPr id="20" name="TextBox 19">
+            <p:grpSp>
+              <p:nvGrpSpPr>
+                <p:cNvPr id="6" name="Group 5">
                   <a:extLst>
                     <a:ext uri="{FF2B5EF4-FFF2-40B4-BE49-F238E27FC236}">
-                      <a16:creationId xmlns:a16="http://schemas.microsoft.com/office/drawing/2014/main" id="{53F96A33-F223-F203-13A2-0CAA6FAC7807}"/>
+                      <a16:creationId xmlns:a16="http://schemas.microsoft.com/office/drawing/2014/main" id="{02B8ED2C-7FEA-7F1C-B63A-F2BE792CCEEC}"/>
                     </a:ext>
                   </a:extLst>
                 </p:cNvPr>
-                <p:cNvSpPr txBox="1"/>
+                <p:cNvGrpSpPr/>
                 <p:nvPr/>
-              </p:nvSpPr>
-              <p:spPr>
+              </p:nvGrpSpPr>
+              <p:grpSpPr>
                 <a:xfrm>
-                  <a:off x="-3652837" y="2584939"/>
-                  <a:ext cx="700087" cy="369332"/>
+                  <a:off x="1027667" y="2450634"/>
+                  <a:ext cx="7860499" cy="2381426"/>
+                  <a:chOff x="1027667" y="2450634"/>
+                  <a:chExt cx="7860499" cy="2381426"/>
                 </a:xfrm>
-                <a:prstGeom prst="rect">
-                  <a:avLst/>
-                </a:prstGeom>
-                <a:noFill/>
-              </p:spPr>
-              <p:txBody>
-                <a:bodyPr wrap="square" rtlCol="0">
-                  <a:spAutoFit/>
-                </a:bodyPr>
-                <a:lstStyle/>
-                <a:p>
-                  <a:pPr algn="ctr"/>
-                  <a:r>
-                    <a:rPr lang="en-US" b="1" dirty="0"/>
-                    <a:t>EL</a:t>
-                  </a:r>
-                </a:p>
-              </p:txBody>
-            </p:sp>
-            <p:sp>
-              <p:nvSpPr>
-                <p:cNvPr id="26" name="TextBox 25">
+              </p:grpSpPr>
+              <p:grpSp>
+                <p:nvGrpSpPr>
+                  <p:cNvPr id="9" name="Group 8">
+                    <a:extLst>
+                      <a:ext uri="{FF2B5EF4-FFF2-40B4-BE49-F238E27FC236}">
+                        <a16:creationId xmlns:a16="http://schemas.microsoft.com/office/drawing/2014/main" id="{908CCBC9-C6EC-72C6-9C52-2CE3F0983264}"/>
+                      </a:ext>
+                    </a:extLst>
+                  </p:cNvPr>
+                  <p:cNvGrpSpPr/>
+                  <p:nvPr/>
+                </p:nvGrpSpPr>
+                <p:grpSpPr>
+                  <a:xfrm>
+                    <a:off x="1027667" y="2450634"/>
+                    <a:ext cx="5872494" cy="2381426"/>
+                    <a:chOff x="1027667" y="2450634"/>
+                    <a:chExt cx="5872494" cy="2381426"/>
+                  </a:xfrm>
+                </p:grpSpPr>
+                <p:pic>
+                  <p:nvPicPr>
+                    <p:cNvPr id="3076" name="Picture 4" descr="AWS S3 (Simple Storage Service)&quot; Icon - Download for free – Iconduck">
+                      <a:extLst>
+                        <a:ext uri="{FF2B5EF4-FFF2-40B4-BE49-F238E27FC236}">
+                          <a16:creationId xmlns:a16="http://schemas.microsoft.com/office/drawing/2014/main" id="{5807CD86-8115-4052-5173-0C040E9DFAA3}"/>
+                        </a:ext>
+                      </a:extLst>
+                    </p:cNvPr>
+                    <p:cNvPicPr>
+                      <a:picLocks noChangeAspect="1" noChangeArrowheads="1"/>
+                    </p:cNvPicPr>
+                    <p:nvPr/>
+                  </p:nvPicPr>
+                  <p:blipFill>
+                    <a:blip r:embed="rId2">
+                      <a:duotone>
+                        <a:schemeClr val="accent1">
+                          <a:shade val="45000"/>
+                          <a:satMod val="135000"/>
+                        </a:schemeClr>
+                        <a:prstClr val="white"/>
+                      </a:duotone>
+                      <a:extLst>
+                        <a:ext uri="{28A0092B-C50C-407E-A947-70E740481C1C}">
+                          <a14:useLocalDpi xmlns:a14="http://schemas.microsoft.com/office/drawing/2010/main" val="0"/>
+                        </a:ext>
+                      </a:extLst>
+                    </a:blip>
+                    <a:srcRect/>
+                    <a:stretch>
+                      <a:fillRect/>
+                    </a:stretch>
+                  </p:blipFill>
+                  <p:spPr bwMode="auto">
+                    <a:xfrm>
+                      <a:off x="1027667" y="2450634"/>
+                      <a:ext cx="809190" cy="978366"/>
+                    </a:xfrm>
+                    <a:prstGeom prst="rect">
+                      <a:avLst/>
+                    </a:prstGeom>
+                    <a:noFill/>
+                    <a:extLst>
+                      <a:ext uri="{909E8E84-426E-40DD-AFC4-6F175D3DCCD1}">
+                        <a14:hiddenFill xmlns:a14="http://schemas.microsoft.com/office/drawing/2010/main">
+                          <a:solidFill>
+                            <a:srgbClr val="FFFFFF"/>
+                          </a:solidFill>
+                        </a14:hiddenFill>
+                      </a:ext>
+                    </a:extLst>
+                  </p:spPr>
+                </p:pic>
+                <p:pic>
+                  <p:nvPicPr>
+                    <p:cNvPr id="4" name="Picture 4" descr="AWS S3 (Simple Storage Service)&quot; Icon - Download for free – Iconduck">
+                      <a:extLst>
+                        <a:ext uri="{FF2B5EF4-FFF2-40B4-BE49-F238E27FC236}">
+                          <a16:creationId xmlns:a16="http://schemas.microsoft.com/office/drawing/2014/main" id="{F90ADBB5-025F-1854-419E-D5319F9D77F7}"/>
+                        </a:ext>
+                      </a:extLst>
+                    </p:cNvPr>
+                    <p:cNvPicPr>
+                      <a:picLocks noChangeAspect="1" noChangeArrowheads="1"/>
+                    </p:cNvPicPr>
+                    <p:nvPr/>
+                  </p:nvPicPr>
+                  <p:blipFill>
+                    <a:blip r:embed="rId2">
+                      <a:duotone>
+                        <a:schemeClr val="accent6">
+                          <a:shade val="45000"/>
+                          <a:satMod val="135000"/>
+                        </a:schemeClr>
+                        <a:prstClr val="white"/>
+                      </a:duotone>
+                      <a:extLst>
+                        <a:ext uri="{28A0092B-C50C-407E-A947-70E740481C1C}">
+                          <a14:useLocalDpi xmlns:a14="http://schemas.microsoft.com/office/drawing/2010/main" val="0"/>
+                        </a:ext>
+                      </a:extLst>
+                    </a:blip>
+                    <a:srcRect/>
+                    <a:stretch>
+                      <a:fillRect/>
+                    </a:stretch>
+                  </p:blipFill>
+                  <p:spPr bwMode="auto">
+                    <a:xfrm>
+                      <a:off x="1027667" y="3853694"/>
+                      <a:ext cx="809190" cy="978366"/>
+                    </a:xfrm>
+                    <a:prstGeom prst="rect">
+                      <a:avLst/>
+                    </a:prstGeom>
+                    <a:noFill/>
+                    <a:extLst>
+                      <a:ext uri="{909E8E84-426E-40DD-AFC4-6F175D3DCCD1}">
+                        <a14:hiddenFill xmlns:a14="http://schemas.microsoft.com/office/drawing/2010/main">
+                          <a:solidFill>
+                            <a:srgbClr val="FFFFFF"/>
+                          </a:solidFill>
+                        </a14:hiddenFill>
+                      </a:ext>
+                    </a:extLst>
+                  </p:spPr>
+                </p:pic>
+                <p:sp>
+                  <p:nvSpPr>
+                    <p:cNvPr id="8" name="TextBox 7">
+                      <a:extLst>
+                        <a:ext uri="{FF2B5EF4-FFF2-40B4-BE49-F238E27FC236}">
+                          <a16:creationId xmlns:a16="http://schemas.microsoft.com/office/drawing/2014/main" id="{CA41A722-2770-84EB-E68E-F9729598F786}"/>
+                        </a:ext>
+                      </a:extLst>
+                    </p:cNvPr>
+                    <p:cNvSpPr txBox="1"/>
+                    <p:nvPr/>
+                  </p:nvSpPr>
+                  <p:spPr>
+                    <a:xfrm>
+                      <a:off x="2860646" y="3385067"/>
+                      <a:ext cx="444616" cy="369332"/>
+                    </a:xfrm>
+                    <a:prstGeom prst="rect">
+                      <a:avLst/>
+                    </a:prstGeom>
+                    <a:noFill/>
+                  </p:spPr>
+                  <p:txBody>
+                    <a:bodyPr wrap="square" rtlCol="0">
+                      <a:spAutoFit/>
+                    </a:bodyPr>
+                    <a:lstStyle/>
+                    <a:p>
+                      <a:r>
+                        <a:rPr lang="en-US" b="1" i="1" dirty="0"/>
+                        <a:t>EL</a:t>
+                      </a:r>
+                    </a:p>
+                  </p:txBody>
+                </p:sp>
+                <p:sp>
+                  <p:nvSpPr>
+                    <p:cNvPr id="13" name="TextBox 12">
+                      <a:extLst>
+                        <a:ext uri="{FF2B5EF4-FFF2-40B4-BE49-F238E27FC236}">
+                          <a16:creationId xmlns:a16="http://schemas.microsoft.com/office/drawing/2014/main" id="{3229CCE7-8EC7-A578-C575-3A4A5C25B4D0}"/>
+                        </a:ext>
+                      </a:extLst>
+                    </p:cNvPr>
+                    <p:cNvSpPr txBox="1"/>
+                    <p:nvPr/>
+                  </p:nvSpPr>
+                  <p:spPr>
+                    <a:xfrm>
+                      <a:off x="6455545" y="3393348"/>
+                      <a:ext cx="444616" cy="369332"/>
+                    </a:xfrm>
+                    <a:prstGeom prst="rect">
+                      <a:avLst/>
+                    </a:prstGeom>
+                    <a:noFill/>
+                  </p:spPr>
+                  <p:txBody>
+                    <a:bodyPr wrap="square" rtlCol="0">
+                      <a:spAutoFit/>
+                    </a:bodyPr>
+                    <a:lstStyle/>
+                    <a:p>
+                      <a:r>
+                        <a:rPr lang="en-US" b="1" i="1" dirty="0"/>
+                        <a:t>T</a:t>
+                      </a:r>
+                    </a:p>
+                  </p:txBody>
+                </p:sp>
+              </p:grpSp>
+              <p:pic>
+                <p:nvPicPr>
+                  <p:cNvPr id="3078" name="Picture 6" descr="Snowflake logo in transparent PNG and vectorized SVG formats">
+                    <a:extLst>
+                      <a:ext uri="{FF2B5EF4-FFF2-40B4-BE49-F238E27FC236}">
+                        <a16:creationId xmlns:a16="http://schemas.microsoft.com/office/drawing/2014/main" id="{BEC9F3E6-1BB1-1297-F3DE-1EF7DD78582B}"/>
+                      </a:ext>
+                    </a:extLst>
+                  </p:cNvPr>
+                  <p:cNvPicPr>
+                    <a:picLocks noChangeAspect="1" noChangeArrowheads="1"/>
+                  </p:cNvPicPr>
+                  <p:nvPr/>
+                </p:nvPicPr>
+                <p:blipFill>
+                  <a:blip r:embed="rId3">
+                    <a:extLst>
+                      <a:ext uri="{28A0092B-C50C-407E-A947-70E740481C1C}">
+                        <a14:useLocalDpi xmlns:a14="http://schemas.microsoft.com/office/drawing/2010/main" val="0"/>
+                      </a:ext>
+                    </a:extLst>
+                  </a:blip>
+                  <a:srcRect/>
+                  <a:stretch>
+                    <a:fillRect/>
+                  </a:stretch>
+                </p:blipFill>
+                <p:spPr bwMode="auto">
+                  <a:xfrm>
+                    <a:off x="4370996" y="3172852"/>
+                    <a:ext cx="973310" cy="969495"/>
+                  </a:xfrm>
+                  <a:prstGeom prst="rect">
+                    <a:avLst/>
+                  </a:prstGeom>
+                  <a:noFill/>
                   <a:extLst>
-                    <a:ext uri="{FF2B5EF4-FFF2-40B4-BE49-F238E27FC236}">
-                      <a16:creationId xmlns:a16="http://schemas.microsoft.com/office/drawing/2014/main" id="{A51B634A-DA14-04D3-3967-24DAC94B674A}"/>
+                    <a:ext uri="{909E8E84-426E-40DD-AFC4-6F175D3DCCD1}">
+                      <a14:hiddenFill xmlns:a14="http://schemas.microsoft.com/office/drawing/2010/main">
+                        <a:solidFill>
+                          <a:srgbClr val="FFFFFF"/>
+                        </a:solidFill>
+                      </a14:hiddenFill>
                     </a:ext>
                   </a:extLst>
-                </p:cNvPr>
-                <p:cNvSpPr txBox="1"/>
-                <p:nvPr/>
-              </p:nvSpPr>
-              <p:spPr>
-                <a:xfrm>
-                  <a:off x="-146170" y="2752021"/>
-                  <a:ext cx="700087" cy="369332"/>
-                </a:xfrm>
-                <a:prstGeom prst="rect">
-                  <a:avLst/>
-                </a:prstGeom>
-                <a:noFill/>
-              </p:spPr>
-              <p:txBody>
-                <a:bodyPr wrap="square" rtlCol="0">
-                  <a:spAutoFit/>
-                </a:bodyPr>
-                <a:lstStyle/>
-                <a:p>
-                  <a:pPr algn="ctr"/>
-                  <a:r>
-                    <a:rPr lang="en-US" b="1" dirty="0"/>
-                    <a:t>T</a:t>
-                  </a:r>
-                </a:p>
-              </p:txBody>
-            </p:sp>
+                </p:spPr>
+              </p:pic>
+              <p:pic>
+                <p:nvPicPr>
+                  <p:cNvPr id="14" name="Picture 6" descr="Snowflake logo in transparent PNG and vectorized SVG formats">
+                    <a:extLst>
+                      <a:ext uri="{FF2B5EF4-FFF2-40B4-BE49-F238E27FC236}">
+                        <a16:creationId xmlns:a16="http://schemas.microsoft.com/office/drawing/2014/main" id="{F9F59468-E82F-4563-478A-4C152CECBC54}"/>
+                      </a:ext>
+                    </a:extLst>
+                  </p:cNvPr>
+                  <p:cNvPicPr>
+                    <a:picLocks noChangeAspect="1" noChangeArrowheads="1"/>
+                  </p:cNvPicPr>
+                  <p:nvPr/>
+                </p:nvPicPr>
+                <p:blipFill>
+                  <a:blip r:embed="rId3">
+                    <a:extLst>
+                      <a:ext uri="{28A0092B-C50C-407E-A947-70E740481C1C}">
+                        <a14:useLocalDpi xmlns:a14="http://schemas.microsoft.com/office/drawing/2010/main" val="0"/>
+                      </a:ext>
+                    </a:extLst>
+                  </a:blip>
+                  <a:srcRect/>
+                  <a:stretch>
+                    <a:fillRect/>
+                  </a:stretch>
+                </p:blipFill>
+                <p:spPr bwMode="auto">
+                  <a:xfrm>
+                    <a:off x="6069249" y="2699267"/>
+                    <a:ext cx="450506" cy="448740"/>
+                  </a:xfrm>
+                  <a:prstGeom prst="rect">
+                    <a:avLst/>
+                  </a:prstGeom>
+                  <a:noFill/>
+                  <a:extLst>
+                    <a:ext uri="{909E8E84-426E-40DD-AFC4-6F175D3DCCD1}">
+                      <a14:hiddenFill xmlns:a14="http://schemas.microsoft.com/office/drawing/2010/main">
+                        <a:solidFill>
+                          <a:srgbClr val="FFFFFF"/>
+                        </a:solidFill>
+                      </a14:hiddenFill>
+                    </a:ext>
+                  </a:extLst>
+                </p:spPr>
+              </p:pic>
+              <p:pic>
+                <p:nvPicPr>
+                  <p:cNvPr id="16" name="Picture 6" descr="Snowflake logo in transparent PNG and vectorized SVG formats">
+                    <a:extLst>
+                      <a:ext uri="{FF2B5EF4-FFF2-40B4-BE49-F238E27FC236}">
+                        <a16:creationId xmlns:a16="http://schemas.microsoft.com/office/drawing/2014/main" id="{6060C3F5-8CE3-614E-4A15-EF4D5C8C1B4C}"/>
+                      </a:ext>
+                    </a:extLst>
+                  </p:cNvPr>
+                  <p:cNvPicPr>
+                    <a:picLocks noChangeAspect="1" noChangeArrowheads="1"/>
+                  </p:cNvPicPr>
+                  <p:nvPr/>
+                </p:nvPicPr>
+                <p:blipFill>
+                  <a:blip r:embed="rId3">
+                    <a:extLst>
+                      <a:ext uri="{28A0092B-C50C-407E-A947-70E740481C1C}">
+                        <a14:useLocalDpi xmlns:a14="http://schemas.microsoft.com/office/drawing/2010/main" val="0"/>
+                      </a:ext>
+                    </a:extLst>
+                  </a:blip>
+                  <a:srcRect/>
+                  <a:stretch>
+                    <a:fillRect/>
+                  </a:stretch>
+                </p:blipFill>
+                <p:spPr bwMode="auto">
+                  <a:xfrm>
+                    <a:off x="7914856" y="3148007"/>
+                    <a:ext cx="973310" cy="969495"/>
+                  </a:xfrm>
+                  <a:prstGeom prst="rect">
+                    <a:avLst/>
+                  </a:prstGeom>
+                  <a:noFill/>
+                  <a:extLst>
+                    <a:ext uri="{909E8E84-426E-40DD-AFC4-6F175D3DCCD1}">
+                      <a14:hiddenFill xmlns:a14="http://schemas.microsoft.com/office/drawing/2010/main">
+                        <a:solidFill>
+                          <a:srgbClr val="FFFFFF"/>
+                        </a:solidFill>
+                      </a14:hiddenFill>
+                    </a:ext>
+                  </a:extLst>
+                </p:spPr>
+              </p:pic>
+              <p:pic>
+                <p:nvPicPr>
+                  <p:cNvPr id="20" name="Picture 6" descr="Snowflake logo in transparent PNG and vectorized SVG formats">
+                    <a:extLst>
+                      <a:ext uri="{FF2B5EF4-FFF2-40B4-BE49-F238E27FC236}">
+                        <a16:creationId xmlns:a16="http://schemas.microsoft.com/office/drawing/2014/main" id="{76BB70CA-3AE2-D85F-86A7-539F70AB3B74}"/>
+                      </a:ext>
+                    </a:extLst>
+                  </p:cNvPr>
+                  <p:cNvPicPr>
+                    <a:picLocks noChangeAspect="1" noChangeArrowheads="1"/>
+                  </p:cNvPicPr>
+                  <p:nvPr/>
+                </p:nvPicPr>
+                <p:blipFill>
+                  <a:blip r:embed="rId3">
+                    <a:extLst>
+                      <a:ext uri="{28A0092B-C50C-407E-A947-70E740481C1C}">
+                        <a14:useLocalDpi xmlns:a14="http://schemas.microsoft.com/office/drawing/2010/main" val="0"/>
+                      </a:ext>
+                    </a:extLst>
+                  </a:blip>
+                  <a:srcRect/>
+                  <a:stretch>
+                    <a:fillRect/>
+                  </a:stretch>
+                </p:blipFill>
+                <p:spPr bwMode="auto">
+                  <a:xfrm>
+                    <a:off x="2860468" y="2850269"/>
+                    <a:ext cx="450506" cy="448740"/>
+                  </a:xfrm>
+                  <a:prstGeom prst="rect">
+                    <a:avLst/>
+                  </a:prstGeom>
+                  <a:noFill/>
+                  <a:extLst>
+                    <a:ext uri="{909E8E84-426E-40DD-AFC4-6F175D3DCCD1}">
+                      <a14:hiddenFill xmlns:a14="http://schemas.microsoft.com/office/drawing/2010/main">
+                        <a:solidFill>
+                          <a:srgbClr val="FFFFFF"/>
+                        </a:solidFill>
+                      </a14:hiddenFill>
+                    </a:ext>
+                  </a:extLst>
+                </p:spPr>
+              </p:pic>
+            </p:grpSp>
           </p:grpSp>
+          <p:pic>
+            <p:nvPicPr>
+              <p:cNvPr id="4098" name="Picture 2" descr="Dbt Logo PNG Vectors Free Download">
+                <a:extLst>
+                  <a:ext uri="{FF2B5EF4-FFF2-40B4-BE49-F238E27FC236}">
+                    <a16:creationId xmlns:a16="http://schemas.microsoft.com/office/drawing/2014/main" id="{216076B6-EBAC-09B1-359D-EFA7CF126547}"/>
+                  </a:ext>
+                </a:extLst>
+              </p:cNvPr>
+              <p:cNvPicPr>
+                <a:picLocks noChangeAspect="1" noChangeArrowheads="1"/>
+              </p:cNvPicPr>
+              <p:nvPr/>
+            </p:nvPicPr>
+            <p:blipFill>
+              <a:blip r:embed="rId4">
+                <a:extLst>
+                  <a:ext uri="{28A0092B-C50C-407E-A947-70E740481C1C}">
+                    <a14:useLocalDpi xmlns:a14="http://schemas.microsoft.com/office/drawing/2010/main" val="0"/>
+                  </a:ext>
+                </a:extLst>
+              </a:blip>
+              <a:srcRect/>
+              <a:stretch>
+                <a:fillRect/>
+              </a:stretch>
+            </p:blipFill>
+            <p:spPr bwMode="auto">
+              <a:xfrm>
+                <a:off x="6627519" y="2699267"/>
+                <a:ext cx="448740" cy="448740"/>
+              </a:xfrm>
+              <a:prstGeom prst="rect">
+                <a:avLst/>
+              </a:prstGeom>
+              <a:noFill/>
+              <a:extLst>
+                <a:ext uri="{909E8E84-426E-40DD-AFC4-6F175D3DCCD1}">
+                  <a14:hiddenFill xmlns:a14="http://schemas.microsoft.com/office/drawing/2010/main">
+                    <a:solidFill>
+                      <a:srgbClr val="FFFFFF"/>
+                    </a:solidFill>
+                  </a14:hiddenFill>
+                </a:ext>
+              </a:extLst>
+            </p:spPr>
+          </p:pic>
         </p:grpSp>
+        <p:pic>
+          <p:nvPicPr>
+            <p:cNvPr id="4100" name="Picture 4" descr="Power BI icon PNG and SVG Vector Free Download">
+              <a:extLst>
+                <a:ext uri="{FF2B5EF4-FFF2-40B4-BE49-F238E27FC236}">
+                  <a16:creationId xmlns:a16="http://schemas.microsoft.com/office/drawing/2014/main" id="{C3A99B41-4E22-6E01-D934-3A74FE8AB5E4}"/>
+                </a:ext>
+              </a:extLst>
+            </p:cNvPr>
+            <p:cNvPicPr>
+              <a:picLocks noChangeAspect="1" noChangeArrowheads="1"/>
+            </p:cNvPicPr>
+            <p:nvPr/>
+          </p:nvPicPr>
+          <p:blipFill>
+            <a:blip r:embed="rId5">
+              <a:extLst>
+                <a:ext uri="{28A0092B-C50C-407E-A947-70E740481C1C}">
+                  <a14:useLocalDpi xmlns:a14="http://schemas.microsoft.com/office/drawing/2010/main" val="0"/>
+                </a:ext>
+              </a:extLst>
+            </a:blip>
+            <a:srcRect/>
+            <a:stretch>
+              <a:fillRect/>
+            </a:stretch>
+          </p:blipFill>
+          <p:spPr bwMode="auto">
+            <a:xfrm>
+              <a:off x="10704660" y="3148007"/>
+              <a:ext cx="919345" cy="994340"/>
+            </a:xfrm>
+            <a:prstGeom prst="rect">
+              <a:avLst/>
+            </a:prstGeom>
+            <a:noFill/>
+            <a:extLst>
+              <a:ext uri="{909E8E84-426E-40DD-AFC4-6F175D3DCCD1}">
+                <a14:hiddenFill xmlns:a14="http://schemas.microsoft.com/office/drawing/2010/main">
+                  <a:solidFill>
+                    <a:srgbClr val="FFFFFF"/>
+                  </a:solidFill>
+                </a14:hiddenFill>
+              </a:ext>
+            </a:extLst>
+          </p:spPr>
+        </p:pic>
+        <p:cxnSp>
+          <p:nvCxnSpPr>
+            <p:cNvPr id="18" name="Straight Arrow Connector 17">
+              <a:extLst>
+                <a:ext uri="{FF2B5EF4-FFF2-40B4-BE49-F238E27FC236}">
+                  <a16:creationId xmlns:a16="http://schemas.microsoft.com/office/drawing/2014/main" id="{00FCCBB9-C46D-4357-CEF7-B5A3715F8A08}"/>
+                </a:ext>
+              </a:extLst>
+            </p:cNvPr>
+            <p:cNvCxnSpPr/>
+            <p:nvPr/>
+          </p:nvCxnSpPr>
+          <p:spPr>
+            <a:xfrm>
+              <a:off x="9140002" y="3613666"/>
+              <a:ext cx="1371600" cy="0"/>
+            </a:xfrm>
+            <a:prstGeom prst="straightConnector1">
+              <a:avLst/>
+            </a:prstGeom>
+            <a:ln w="38100">
+              <a:solidFill>
+                <a:schemeClr val="tx1"/>
+              </a:solidFill>
+              <a:tailEnd type="triangle"/>
+            </a:ln>
+          </p:spPr>
+          <p:style>
+            <a:lnRef idx="1">
+              <a:schemeClr val="accent1"/>
+            </a:lnRef>
+            <a:fillRef idx="0">
+              <a:schemeClr val="accent1"/>
+            </a:fillRef>
+            <a:effectRef idx="0">
+              <a:schemeClr val="accent1"/>
+            </a:effectRef>
+            <a:fontRef idx="minor">
+              <a:schemeClr val="tx1"/>
+            </a:fontRef>
+          </p:style>
+        </p:cxnSp>
+      </p:grpSp>
+    </p:spTree>
+    <p:extLst>
+      <p:ext uri="{BB962C8B-B14F-4D97-AF65-F5344CB8AC3E}">
+        <p14:creationId xmlns:p14="http://schemas.microsoft.com/office/powerpoint/2010/main" val="3005230554"/>
+      </p:ext>
+    </p:extLst>
+  </p:cSld>
+  <p:clrMapOvr>
+    <a:masterClrMapping/>
+  </p:clrMapOvr>
+</p:sld>
+</file>
+
+<file path=ppt/slides/slide7.xml><?xml version="1.0" encoding="utf-8"?>
+<p:sld xmlns:a="http://schemas.openxmlformats.org/drawingml/2006/main" xmlns:r="http://schemas.openxmlformats.org/officeDocument/2006/relationships" xmlns:p="http://schemas.openxmlformats.org/presentationml/2006/main">
+  <p:cSld>
+    <p:spTree>
+      <p:nvGrpSpPr>
+        <p:cNvPr id="1" name=""/>
+        <p:cNvGrpSpPr/>
+        <p:nvPr/>
+      </p:nvGrpSpPr>
+      <p:grpSpPr>
+        <a:xfrm>
+          <a:off x="0" y="0"/>
+          <a:ext cx="0" cy="0"/>
+          <a:chOff x="0" y="0"/>
+          <a:chExt cx="0" cy="0"/>
+        </a:xfrm>
+      </p:grpSpPr>
+      <p:sp>
+        <p:nvSpPr>
+          <p:cNvPr id="2" name="TextBox 1">
+            <a:extLst>
+              <a:ext uri="{FF2B5EF4-FFF2-40B4-BE49-F238E27FC236}">
+                <a16:creationId xmlns:a16="http://schemas.microsoft.com/office/drawing/2014/main" id="{15726383-B407-319E-030C-10F657ACC3A3}"/>
+              </a:ext>
+            </a:extLst>
+          </p:cNvPr>
+          <p:cNvSpPr txBox="1"/>
+          <p:nvPr/>
+        </p:nvSpPr>
+        <p:spPr>
+          <a:xfrm>
+            <a:off x="0" y="323165"/>
+            <a:ext cx="12192000" cy="646331"/>
+          </a:xfrm>
+          <a:prstGeom prst="rect">
+            <a:avLst/>
+          </a:prstGeom>
+          <a:noFill/>
+        </p:spPr>
+        <p:txBody>
+          <a:bodyPr wrap="square" rtlCol="0">
+            <a:spAutoFit/>
+          </a:bodyPr>
+          <a:lstStyle/>
+          <a:p>
+            <a:pPr algn="ctr"/>
+            <a:r>
+              <a:rPr lang="en-US" sz="3600" i="1" dirty="0">
+                <a:solidFill>
+                  <a:srgbClr val="7030A0"/>
+                </a:solidFill>
+                <a:latin typeface="Calisto MT" panose="02040603050505030304" pitchFamily="18" charset="0"/>
+              </a:rPr>
+              <a:t>Snowflake – Setting up the Environment</a:t>
+            </a:r>
+          </a:p>
+        </p:txBody>
+      </p:sp>
+      <p:grpSp>
+        <p:nvGrpSpPr>
+          <p:cNvPr id="40" name="Group 39">
+            <a:extLst>
+              <a:ext uri="{FF2B5EF4-FFF2-40B4-BE49-F238E27FC236}">
+                <a16:creationId xmlns:a16="http://schemas.microsoft.com/office/drawing/2014/main" id="{4871CBCB-0998-602C-B993-E696CCB64E5D}"/>
+              </a:ext>
+            </a:extLst>
+          </p:cNvPr>
+          <p:cNvGrpSpPr/>
+          <p:nvPr/>
+        </p:nvGrpSpPr>
+        <p:grpSpPr>
+          <a:xfrm>
+            <a:off x="4975026" y="1803633"/>
+            <a:ext cx="6277130" cy="3910325"/>
+            <a:chOff x="3003611" y="1803633"/>
+            <a:chExt cx="6277130" cy="3910325"/>
+          </a:xfrm>
+        </p:grpSpPr>
         <p:sp>
           <p:nvSpPr>
-            <p:cNvPr id="22" name="Rectangle 21">
+            <p:cNvPr id="7" name="Rectangle 6">
               <a:extLst>
                 <a:ext uri="{FF2B5EF4-FFF2-40B4-BE49-F238E27FC236}">
-                  <a16:creationId xmlns:a16="http://schemas.microsoft.com/office/drawing/2014/main" id="{9EDFF6BE-53B7-5C70-B346-208F1AEC218D}"/>
+                  <a16:creationId xmlns:a16="http://schemas.microsoft.com/office/drawing/2014/main" id="{B22C376B-75CF-DB22-E00C-E0496B49CB11}"/>
                 </a:ext>
               </a:extLst>
             </p:cNvPr>
@@ -3818,12 +6432,665 @@
           </p:nvSpPr>
           <p:spPr>
             <a:xfrm>
-              <a:off x="4908671" y="3275331"/>
-              <a:ext cx="413239" cy="316523"/>
+              <a:off x="6811861" y="1803633"/>
+              <a:ext cx="2468880" cy="646331"/>
             </a:xfrm>
             <a:prstGeom prst="rect">
               <a:avLst/>
             </a:prstGeom>
+            <a:solidFill>
+              <a:srgbClr val="00B0F0">
+                <a:alpha val="50000"/>
+              </a:srgbClr>
+            </a:solidFill>
+          </p:spPr>
+          <p:style>
+            <a:lnRef idx="2">
+              <a:schemeClr val="accent1">
+                <a:shade val="15000"/>
+              </a:schemeClr>
+            </a:lnRef>
+            <a:fillRef idx="1">
+              <a:schemeClr val="accent1"/>
+            </a:fillRef>
+            <a:effectRef idx="0">
+              <a:schemeClr val="accent1"/>
+            </a:effectRef>
+            <a:fontRef idx="minor">
+              <a:schemeClr val="lt1"/>
+            </a:fontRef>
+          </p:style>
+          <p:txBody>
+            <a:bodyPr rtlCol="0" anchor="ctr"/>
+            <a:lstStyle/>
+            <a:p>
+              <a:pPr algn="ctr"/>
+              <a:r>
+                <a:rPr lang="en-US" dirty="0">
+                  <a:solidFill>
+                    <a:schemeClr val="tx1"/>
+                  </a:solidFill>
+                </a:rPr>
+                <a:t>Creating the Warehouse</a:t>
+              </a:r>
+            </a:p>
+          </p:txBody>
+        </p:sp>
+        <p:sp>
+          <p:nvSpPr>
+            <p:cNvPr id="10" name="Rectangle 9">
+              <a:extLst>
+                <a:ext uri="{FF2B5EF4-FFF2-40B4-BE49-F238E27FC236}">
+                  <a16:creationId xmlns:a16="http://schemas.microsoft.com/office/drawing/2014/main" id="{EAAF4EF3-C384-FD8D-DD0A-F0D93F68BF4C}"/>
+                </a:ext>
+              </a:extLst>
+            </p:cNvPr>
+            <p:cNvSpPr/>
+            <p:nvPr/>
+          </p:nvSpPr>
+          <p:spPr>
+            <a:xfrm>
+              <a:off x="6811861" y="2891631"/>
+              <a:ext cx="2468880" cy="646331"/>
+            </a:xfrm>
+            <a:prstGeom prst="rect">
+              <a:avLst/>
+            </a:prstGeom>
+            <a:solidFill>
+              <a:srgbClr val="00B0F0">
+                <a:alpha val="50000"/>
+              </a:srgbClr>
+            </a:solidFill>
+          </p:spPr>
+          <p:style>
+            <a:lnRef idx="2">
+              <a:schemeClr val="accent1">
+                <a:shade val="15000"/>
+              </a:schemeClr>
+            </a:lnRef>
+            <a:fillRef idx="1">
+              <a:schemeClr val="accent1"/>
+            </a:fillRef>
+            <a:effectRef idx="0">
+              <a:schemeClr val="accent1"/>
+            </a:effectRef>
+            <a:fontRef idx="minor">
+              <a:schemeClr val="lt1"/>
+            </a:fontRef>
+          </p:style>
+          <p:txBody>
+            <a:bodyPr rtlCol="0" anchor="ctr"/>
+            <a:lstStyle/>
+            <a:p>
+              <a:pPr algn="ctr"/>
+              <a:r>
+                <a:rPr lang="en-US" dirty="0">
+                  <a:solidFill>
+                    <a:schemeClr val="tx1"/>
+                  </a:solidFill>
+                </a:rPr>
+                <a:t>Create the Databases</a:t>
+              </a:r>
+            </a:p>
+          </p:txBody>
+        </p:sp>
+        <p:cxnSp>
+          <p:nvCxnSpPr>
+            <p:cNvPr id="21" name="Straight Arrow Connector 20">
+              <a:extLst>
+                <a:ext uri="{FF2B5EF4-FFF2-40B4-BE49-F238E27FC236}">
+                  <a16:creationId xmlns:a16="http://schemas.microsoft.com/office/drawing/2014/main" id="{45EE511A-1215-0211-66F6-437B6348A0AD}"/>
+                </a:ext>
+              </a:extLst>
+            </p:cNvPr>
+            <p:cNvCxnSpPr>
+              <a:stCxn id="7" idx="2"/>
+              <a:endCxn id="10" idx="0"/>
+            </p:cNvCxnSpPr>
+            <p:nvPr/>
+          </p:nvCxnSpPr>
+          <p:spPr>
+            <a:xfrm>
+              <a:off x="8046301" y="2449964"/>
+              <a:ext cx="0" cy="441667"/>
+            </a:xfrm>
+            <a:prstGeom prst="straightConnector1">
+              <a:avLst/>
+            </a:prstGeom>
+            <a:ln w="38100">
+              <a:tailEnd type="triangle"/>
+            </a:ln>
+          </p:spPr>
+          <p:style>
+            <a:lnRef idx="3">
+              <a:schemeClr val="dk1"/>
+            </a:lnRef>
+            <a:fillRef idx="0">
+              <a:schemeClr val="dk1"/>
+            </a:fillRef>
+            <a:effectRef idx="2">
+              <a:schemeClr val="dk1"/>
+            </a:effectRef>
+            <a:fontRef idx="minor">
+              <a:schemeClr val="tx1"/>
+            </a:fontRef>
+          </p:style>
+        </p:cxnSp>
+        <p:pic>
+          <p:nvPicPr>
+            <p:cNvPr id="23" name="Picture 22">
+              <a:extLst>
+                <a:ext uri="{FF2B5EF4-FFF2-40B4-BE49-F238E27FC236}">
+                  <a16:creationId xmlns:a16="http://schemas.microsoft.com/office/drawing/2014/main" id="{4E082FC4-35AC-41DE-E20C-7594FE5BAFD2}"/>
+                </a:ext>
+              </a:extLst>
+            </p:cNvPr>
+            <p:cNvPicPr>
+              <a:picLocks noChangeAspect="1"/>
+            </p:cNvPicPr>
+            <p:nvPr/>
+          </p:nvPicPr>
+          <p:blipFill>
+            <a:blip r:embed="rId2"/>
+            <a:srcRect t="21653" b="-1"/>
+            <a:stretch/>
+          </p:blipFill>
+          <p:spPr>
+            <a:xfrm>
+              <a:off x="3323679" y="2013357"/>
+              <a:ext cx="3360711" cy="226881"/>
+            </a:xfrm>
+            <a:prstGeom prst="rect">
+              <a:avLst/>
+            </a:prstGeom>
+          </p:spPr>
+        </p:pic>
+        <p:pic>
+          <p:nvPicPr>
+            <p:cNvPr id="25" name="Picture 24">
+              <a:extLst>
+                <a:ext uri="{FF2B5EF4-FFF2-40B4-BE49-F238E27FC236}">
+                  <a16:creationId xmlns:a16="http://schemas.microsoft.com/office/drawing/2014/main" id="{900A1073-22E7-2AEE-284F-7D69E0F406E5}"/>
+                </a:ext>
+              </a:extLst>
+            </p:cNvPr>
+            <p:cNvPicPr>
+              <a:picLocks noChangeAspect="1"/>
+            </p:cNvPicPr>
+            <p:nvPr/>
+          </p:nvPicPr>
+          <p:blipFill>
+            <a:blip r:embed="rId3"/>
+            <a:stretch>
+              <a:fillRect/>
+            </a:stretch>
+          </p:blipFill>
+          <p:spPr>
+            <a:xfrm>
+              <a:off x="4040021" y="2959643"/>
+              <a:ext cx="2644369" cy="441998"/>
+            </a:xfrm>
+            <a:prstGeom prst="rect">
+              <a:avLst/>
+            </a:prstGeom>
+          </p:spPr>
+        </p:pic>
+        <p:sp>
+          <p:nvSpPr>
+            <p:cNvPr id="26" name="Rectangle 25">
+              <a:extLst>
+                <a:ext uri="{FF2B5EF4-FFF2-40B4-BE49-F238E27FC236}">
+                  <a16:creationId xmlns:a16="http://schemas.microsoft.com/office/drawing/2014/main" id="{A2F5374A-BABD-DCF2-68E8-4D2BBC135A06}"/>
+                </a:ext>
+              </a:extLst>
+            </p:cNvPr>
+            <p:cNvSpPr/>
+            <p:nvPr/>
+          </p:nvSpPr>
+          <p:spPr>
+            <a:xfrm>
+              <a:off x="6811861" y="3979629"/>
+              <a:ext cx="2468880" cy="646331"/>
+            </a:xfrm>
+            <a:prstGeom prst="rect">
+              <a:avLst/>
+            </a:prstGeom>
+            <a:solidFill>
+              <a:srgbClr val="00B0F0">
+                <a:alpha val="50000"/>
+              </a:srgbClr>
+            </a:solidFill>
+          </p:spPr>
+          <p:style>
+            <a:lnRef idx="2">
+              <a:schemeClr val="accent1">
+                <a:shade val="15000"/>
+              </a:schemeClr>
+            </a:lnRef>
+            <a:fillRef idx="1">
+              <a:schemeClr val="accent1"/>
+            </a:fillRef>
+            <a:effectRef idx="0">
+              <a:schemeClr val="accent1"/>
+            </a:effectRef>
+            <a:fontRef idx="minor">
+              <a:schemeClr val="lt1"/>
+            </a:fontRef>
+          </p:style>
+          <p:txBody>
+            <a:bodyPr rtlCol="0" anchor="ctr"/>
+            <a:lstStyle/>
+            <a:p>
+              <a:pPr algn="ctr"/>
+              <a:r>
+                <a:rPr lang="en-US" dirty="0">
+                  <a:solidFill>
+                    <a:schemeClr val="tx1"/>
+                  </a:solidFill>
+                </a:rPr>
+                <a:t>Create the Schemas</a:t>
+              </a:r>
+            </a:p>
+          </p:txBody>
+        </p:sp>
+        <p:cxnSp>
+          <p:nvCxnSpPr>
+            <p:cNvPr id="27" name="Straight Arrow Connector 26">
+              <a:extLst>
+                <a:ext uri="{FF2B5EF4-FFF2-40B4-BE49-F238E27FC236}">
+                  <a16:creationId xmlns:a16="http://schemas.microsoft.com/office/drawing/2014/main" id="{F7EB4ABD-079E-E946-D563-A69BB04F6237}"/>
+                </a:ext>
+              </a:extLst>
+            </p:cNvPr>
+            <p:cNvCxnSpPr>
+              <a:cxnSpLocks/>
+              <a:stCxn id="10" idx="2"/>
+              <a:endCxn id="26" idx="0"/>
+            </p:cNvCxnSpPr>
+            <p:nvPr/>
+          </p:nvCxnSpPr>
+          <p:spPr>
+            <a:xfrm>
+              <a:off x="8046301" y="3537962"/>
+              <a:ext cx="0" cy="441667"/>
+            </a:xfrm>
+            <a:prstGeom prst="straightConnector1">
+              <a:avLst/>
+            </a:prstGeom>
+            <a:ln w="38100">
+              <a:tailEnd type="triangle"/>
+            </a:ln>
+          </p:spPr>
+          <p:style>
+            <a:lnRef idx="3">
+              <a:schemeClr val="dk1"/>
+            </a:lnRef>
+            <a:fillRef idx="0">
+              <a:schemeClr val="dk1"/>
+            </a:fillRef>
+            <a:effectRef idx="2">
+              <a:schemeClr val="dk1"/>
+            </a:effectRef>
+            <a:fontRef idx="minor">
+              <a:schemeClr val="tx1"/>
+            </a:fontRef>
+          </p:style>
+        </p:cxnSp>
+        <p:pic>
+          <p:nvPicPr>
+            <p:cNvPr id="30" name="Picture 29">
+              <a:extLst>
+                <a:ext uri="{FF2B5EF4-FFF2-40B4-BE49-F238E27FC236}">
+                  <a16:creationId xmlns:a16="http://schemas.microsoft.com/office/drawing/2014/main" id="{9288E634-C43F-819D-749F-72DF3BE37A64}"/>
+                </a:ext>
+              </a:extLst>
+            </p:cNvPr>
+            <p:cNvPicPr>
+              <a:picLocks noChangeAspect="1"/>
+            </p:cNvPicPr>
+            <p:nvPr/>
+          </p:nvPicPr>
+          <p:blipFill>
+            <a:blip r:embed="rId4"/>
+            <a:stretch>
+              <a:fillRect/>
+            </a:stretch>
+          </p:blipFill>
+          <p:spPr>
+            <a:xfrm>
+              <a:off x="3960029" y="4104657"/>
+              <a:ext cx="2705334" cy="396274"/>
+            </a:xfrm>
+            <a:prstGeom prst="rect">
+              <a:avLst/>
+            </a:prstGeom>
+          </p:spPr>
+        </p:pic>
+        <p:sp>
+          <p:nvSpPr>
+            <p:cNvPr id="32" name="Rectangle 31">
+              <a:extLst>
+                <a:ext uri="{FF2B5EF4-FFF2-40B4-BE49-F238E27FC236}">
+                  <a16:creationId xmlns:a16="http://schemas.microsoft.com/office/drawing/2014/main" id="{269B0ABF-2680-7EFC-B2A0-6F37785E77F6}"/>
+                </a:ext>
+              </a:extLst>
+            </p:cNvPr>
+            <p:cNvSpPr/>
+            <p:nvPr/>
+          </p:nvSpPr>
+          <p:spPr>
+            <a:xfrm>
+              <a:off x="6811861" y="5067627"/>
+              <a:ext cx="2468880" cy="646331"/>
+            </a:xfrm>
+            <a:prstGeom prst="rect">
+              <a:avLst/>
+            </a:prstGeom>
+            <a:solidFill>
+              <a:srgbClr val="00B0F0">
+                <a:alpha val="50000"/>
+              </a:srgbClr>
+            </a:solidFill>
+          </p:spPr>
+          <p:style>
+            <a:lnRef idx="2">
+              <a:schemeClr val="accent1">
+                <a:shade val="15000"/>
+              </a:schemeClr>
+            </a:lnRef>
+            <a:fillRef idx="1">
+              <a:schemeClr val="accent1"/>
+            </a:fillRef>
+            <a:effectRef idx="0">
+              <a:schemeClr val="accent1"/>
+            </a:effectRef>
+            <a:fontRef idx="minor">
+              <a:schemeClr val="lt1"/>
+            </a:fontRef>
+          </p:style>
+          <p:txBody>
+            <a:bodyPr rtlCol="0" anchor="ctr"/>
+            <a:lstStyle/>
+            <a:p>
+              <a:pPr algn="ctr"/>
+              <a:r>
+                <a:rPr lang="en-US" dirty="0">
+                  <a:solidFill>
+                    <a:schemeClr val="tx1"/>
+                  </a:solidFill>
+                </a:rPr>
+                <a:t>Create the Tables</a:t>
+              </a:r>
+            </a:p>
+          </p:txBody>
+        </p:sp>
+        <p:cxnSp>
+          <p:nvCxnSpPr>
+            <p:cNvPr id="33" name="Straight Arrow Connector 32">
+              <a:extLst>
+                <a:ext uri="{FF2B5EF4-FFF2-40B4-BE49-F238E27FC236}">
+                  <a16:creationId xmlns:a16="http://schemas.microsoft.com/office/drawing/2014/main" id="{B281CAAA-5029-156B-8160-6B3EF4FF41B2}"/>
+                </a:ext>
+              </a:extLst>
+            </p:cNvPr>
+            <p:cNvCxnSpPr>
+              <a:cxnSpLocks/>
+              <a:stCxn id="26" idx="2"/>
+              <a:endCxn id="32" idx="0"/>
+            </p:cNvCxnSpPr>
+            <p:nvPr/>
+          </p:nvCxnSpPr>
+          <p:spPr>
+            <a:xfrm>
+              <a:off x="8046301" y="4625960"/>
+              <a:ext cx="0" cy="441667"/>
+            </a:xfrm>
+            <a:prstGeom prst="straightConnector1">
+              <a:avLst/>
+            </a:prstGeom>
+            <a:ln w="38100">
+              <a:tailEnd type="triangle"/>
+            </a:ln>
+          </p:spPr>
+          <p:style>
+            <a:lnRef idx="3">
+              <a:schemeClr val="dk1"/>
+            </a:lnRef>
+            <a:fillRef idx="0">
+              <a:schemeClr val="dk1"/>
+            </a:fillRef>
+            <a:effectRef idx="2">
+              <a:schemeClr val="dk1"/>
+            </a:effectRef>
+            <a:fontRef idx="minor">
+              <a:schemeClr val="tx1"/>
+            </a:fontRef>
+          </p:style>
+        </p:cxnSp>
+        <p:pic>
+          <p:nvPicPr>
+            <p:cNvPr id="37" name="Picture 36">
+              <a:extLst>
+                <a:ext uri="{FF2B5EF4-FFF2-40B4-BE49-F238E27FC236}">
+                  <a16:creationId xmlns:a16="http://schemas.microsoft.com/office/drawing/2014/main" id="{DD089568-CD82-B07D-898B-EE0FAECB8054}"/>
+                </a:ext>
+              </a:extLst>
+            </p:cNvPr>
+            <p:cNvPicPr>
+              <a:picLocks noChangeAspect="1"/>
+            </p:cNvPicPr>
+            <p:nvPr/>
+          </p:nvPicPr>
+          <p:blipFill>
+            <a:blip r:embed="rId5"/>
+            <a:stretch>
+              <a:fillRect/>
+            </a:stretch>
+          </p:blipFill>
+          <p:spPr>
+            <a:xfrm>
+              <a:off x="3563754" y="5146930"/>
+              <a:ext cx="3101609" cy="243861"/>
+            </a:xfrm>
+            <a:prstGeom prst="rect">
+              <a:avLst/>
+            </a:prstGeom>
+          </p:spPr>
+        </p:pic>
+        <p:pic>
+          <p:nvPicPr>
+            <p:cNvPr id="39" name="Picture 38">
+              <a:extLst>
+                <a:ext uri="{FF2B5EF4-FFF2-40B4-BE49-F238E27FC236}">
+                  <a16:creationId xmlns:a16="http://schemas.microsoft.com/office/drawing/2014/main" id="{AC18CDF2-126D-CDE5-D935-2970D8000859}"/>
+                </a:ext>
+              </a:extLst>
+            </p:cNvPr>
+            <p:cNvPicPr>
+              <a:picLocks noChangeAspect="1"/>
+            </p:cNvPicPr>
+            <p:nvPr/>
+          </p:nvPicPr>
+          <p:blipFill>
+            <a:blip r:embed="rId6"/>
+            <a:stretch>
+              <a:fillRect/>
+            </a:stretch>
+          </p:blipFill>
+          <p:spPr>
+            <a:xfrm>
+              <a:off x="3003611" y="5360690"/>
+              <a:ext cx="3680779" cy="205758"/>
+            </a:xfrm>
+            <a:prstGeom prst="rect">
+              <a:avLst/>
+            </a:prstGeom>
+          </p:spPr>
+        </p:pic>
+      </p:grpSp>
+      <p:pic>
+        <p:nvPicPr>
+          <p:cNvPr id="45" name="Picture 6" descr="Snowflake logo in transparent PNG and vectorized SVG formats">
+            <a:extLst>
+              <a:ext uri="{FF2B5EF4-FFF2-40B4-BE49-F238E27FC236}">
+                <a16:creationId xmlns:a16="http://schemas.microsoft.com/office/drawing/2014/main" id="{557DA0BD-02B1-3605-DC1E-FF581339C298}"/>
+              </a:ext>
+            </a:extLst>
+          </p:cNvPr>
+          <p:cNvPicPr>
+            <a:picLocks noChangeAspect="1" noChangeArrowheads="1"/>
+          </p:cNvPicPr>
+          <p:nvPr/>
+        </p:nvPicPr>
+        <p:blipFill>
+          <a:blip r:embed="rId7">
+            <a:extLst>
+              <a:ext uri="{28A0092B-C50C-407E-A947-70E740481C1C}">
+                <a14:useLocalDpi xmlns:a14="http://schemas.microsoft.com/office/drawing/2010/main" val="0"/>
+              </a:ext>
+            </a:extLst>
+          </a:blip>
+          <a:srcRect/>
+          <a:stretch>
+            <a:fillRect/>
+          </a:stretch>
+        </p:blipFill>
+        <p:spPr bwMode="auto">
+          <a:xfrm>
+            <a:off x="3473374" y="3214797"/>
+            <a:ext cx="973310" cy="969495"/>
+          </a:xfrm>
+          <a:prstGeom prst="rect">
+            <a:avLst/>
+          </a:prstGeom>
+          <a:noFill/>
+          <a:extLst>
+            <a:ext uri="{909E8E84-426E-40DD-AFC4-6F175D3DCCD1}">
+              <a14:hiddenFill xmlns:a14="http://schemas.microsoft.com/office/drawing/2010/main">
+                <a:solidFill>
+                  <a:srgbClr val="FFFFFF"/>
+                </a:solidFill>
+              </a14:hiddenFill>
+            </a:ext>
+          </a:extLst>
+        </p:spPr>
+      </p:pic>
+    </p:spTree>
+    <p:extLst>
+      <p:ext uri="{BB962C8B-B14F-4D97-AF65-F5344CB8AC3E}">
+        <p14:creationId xmlns:p14="http://schemas.microsoft.com/office/powerpoint/2010/main" val="2894499529"/>
+      </p:ext>
+    </p:extLst>
+  </p:cSld>
+  <p:clrMapOvr>
+    <a:masterClrMapping/>
+  </p:clrMapOvr>
+</p:sld>
+</file>
+
+<file path=ppt/slides/slide8.xml><?xml version="1.0" encoding="utf-8"?>
+<p:sld xmlns:a="http://schemas.openxmlformats.org/drawingml/2006/main" xmlns:r="http://schemas.openxmlformats.org/officeDocument/2006/relationships" xmlns:p="http://schemas.openxmlformats.org/presentationml/2006/main">
+  <p:cSld>
+    <p:spTree>
+      <p:nvGrpSpPr>
+        <p:cNvPr id="1" name=""/>
+        <p:cNvGrpSpPr/>
+        <p:nvPr/>
+      </p:nvGrpSpPr>
+      <p:grpSpPr>
+        <a:xfrm>
+          <a:off x="0" y="0"/>
+          <a:ext cx="0" cy="0"/>
+          <a:chOff x="0" y="0"/>
+          <a:chExt cx="0" cy="0"/>
+        </a:xfrm>
+      </p:grpSpPr>
+      <p:sp>
+        <p:nvSpPr>
+          <p:cNvPr id="2" name="TextBox 1">
+            <a:extLst>
+              <a:ext uri="{FF2B5EF4-FFF2-40B4-BE49-F238E27FC236}">
+                <a16:creationId xmlns:a16="http://schemas.microsoft.com/office/drawing/2014/main" id="{15726383-B407-319E-030C-10F657ACC3A3}"/>
+              </a:ext>
+            </a:extLst>
+          </p:cNvPr>
+          <p:cNvSpPr txBox="1"/>
+          <p:nvPr/>
+        </p:nvSpPr>
+        <p:spPr>
+          <a:xfrm>
+            <a:off x="0" y="323165"/>
+            <a:ext cx="12192000" cy="646331"/>
+          </a:xfrm>
+          <a:prstGeom prst="rect">
+            <a:avLst/>
+          </a:prstGeom>
+          <a:noFill/>
+        </p:spPr>
+        <p:txBody>
+          <a:bodyPr wrap="square" rtlCol="0">
+            <a:spAutoFit/>
+          </a:bodyPr>
+          <a:lstStyle/>
+          <a:p>
+            <a:pPr algn="ctr"/>
+            <a:r>
+              <a:rPr lang="en-US" sz="3600" i="1" dirty="0">
+                <a:solidFill>
+                  <a:srgbClr val="7030A0"/>
+                </a:solidFill>
+                <a:latin typeface="Calisto MT" panose="02040603050505030304" pitchFamily="18" charset="0"/>
+              </a:rPr>
+              <a:t>Snowflake – Ingesting the Data</a:t>
+            </a:r>
+          </a:p>
+        </p:txBody>
+      </p:sp>
+      <p:grpSp>
+        <p:nvGrpSpPr>
+          <p:cNvPr id="11" name="Group 10">
+            <a:extLst>
+              <a:ext uri="{FF2B5EF4-FFF2-40B4-BE49-F238E27FC236}">
+                <a16:creationId xmlns:a16="http://schemas.microsoft.com/office/drawing/2014/main" id="{F1744702-ED5C-FA73-7B8D-254DF5C9D3A2}"/>
+              </a:ext>
+            </a:extLst>
+          </p:cNvPr>
+          <p:cNvGrpSpPr/>
+          <p:nvPr/>
+        </p:nvGrpSpPr>
+        <p:grpSpPr>
+          <a:xfrm>
+            <a:off x="130045" y="2492579"/>
+            <a:ext cx="4316639" cy="2381426"/>
+            <a:chOff x="1027667" y="2450634"/>
+            <a:chExt cx="4316639" cy="2381426"/>
+          </a:xfrm>
+        </p:grpSpPr>
+        <p:sp>
+          <p:nvSpPr>
+            <p:cNvPr id="3" name="Cylinder 2">
+              <a:extLst>
+                <a:ext uri="{FF2B5EF4-FFF2-40B4-BE49-F238E27FC236}">
+                  <a16:creationId xmlns:a16="http://schemas.microsoft.com/office/drawing/2014/main" id="{11FEF3CF-684A-D1ED-6DA8-00B8EB047948}"/>
+                </a:ext>
+              </a:extLst>
+            </p:cNvPr>
+            <p:cNvSpPr/>
+            <p:nvPr/>
+          </p:nvSpPr>
+          <p:spPr>
+            <a:xfrm rot="5400000">
+              <a:off x="2890006" y="2659420"/>
+              <a:ext cx="385894" cy="1837189"/>
+            </a:xfrm>
+            <a:prstGeom prst="can">
+              <a:avLst/>
+            </a:prstGeom>
+            <a:solidFill>
+              <a:srgbClr val="00B0F0">
+                <a:alpha val="38000"/>
+              </a:srgbClr>
+            </a:solidFill>
           </p:spPr>
           <p:style>
             <a:lnRef idx="2">
@@ -3850,103 +7117,1351 @@
             </a:p>
           </p:txBody>
         </p:sp>
-        <p:sp>
-          <p:nvSpPr>
-            <p:cNvPr id="23" name="Rectangle 22">
+        <p:grpSp>
+          <p:nvGrpSpPr>
+            <p:cNvPr id="6" name="Group 5">
               <a:extLst>
                 <a:ext uri="{FF2B5EF4-FFF2-40B4-BE49-F238E27FC236}">
-                  <a16:creationId xmlns:a16="http://schemas.microsoft.com/office/drawing/2014/main" id="{165D8E83-A6DF-44CD-58DA-FADAA67AF58F}"/>
+                  <a16:creationId xmlns:a16="http://schemas.microsoft.com/office/drawing/2014/main" id="{02B8ED2C-7FEA-7F1C-B63A-F2BE792CCEEC}"/>
                 </a:ext>
               </a:extLst>
             </p:cNvPr>
-            <p:cNvSpPr/>
+            <p:cNvGrpSpPr/>
             <p:nvPr/>
-          </p:nvSpPr>
+          </p:nvGrpSpPr>
+          <p:grpSpPr>
+            <a:xfrm>
+              <a:off x="1027667" y="2450634"/>
+              <a:ext cx="4316639" cy="2381426"/>
+              <a:chOff x="1027667" y="2450634"/>
+              <a:chExt cx="4316639" cy="2381426"/>
+            </a:xfrm>
+          </p:grpSpPr>
+          <p:grpSp>
+            <p:nvGrpSpPr>
+              <p:cNvPr id="9" name="Group 8">
+                <a:extLst>
+                  <a:ext uri="{FF2B5EF4-FFF2-40B4-BE49-F238E27FC236}">
+                    <a16:creationId xmlns:a16="http://schemas.microsoft.com/office/drawing/2014/main" id="{908CCBC9-C6EC-72C6-9C52-2CE3F0983264}"/>
+                  </a:ext>
+                </a:extLst>
+              </p:cNvPr>
+              <p:cNvGrpSpPr/>
+              <p:nvPr/>
+            </p:nvGrpSpPr>
+            <p:grpSpPr>
+              <a:xfrm>
+                <a:off x="1027667" y="2450634"/>
+                <a:ext cx="2277595" cy="2381426"/>
+                <a:chOff x="1027667" y="2450634"/>
+                <a:chExt cx="2277595" cy="2381426"/>
+              </a:xfrm>
+            </p:grpSpPr>
+            <p:pic>
+              <p:nvPicPr>
+                <p:cNvPr id="3076" name="Picture 4" descr="AWS S3 (Simple Storage Service)&quot; Icon - Download for free – Iconduck">
+                  <a:extLst>
+                    <a:ext uri="{FF2B5EF4-FFF2-40B4-BE49-F238E27FC236}">
+                      <a16:creationId xmlns:a16="http://schemas.microsoft.com/office/drawing/2014/main" id="{5807CD86-8115-4052-5173-0C040E9DFAA3}"/>
+                    </a:ext>
+                  </a:extLst>
+                </p:cNvPr>
+                <p:cNvPicPr>
+                  <a:picLocks noChangeAspect="1" noChangeArrowheads="1"/>
+                </p:cNvPicPr>
+                <p:nvPr/>
+              </p:nvPicPr>
+              <p:blipFill>
+                <a:blip r:embed="rId2">
+                  <a:duotone>
+                    <a:schemeClr val="accent1">
+                      <a:shade val="45000"/>
+                      <a:satMod val="135000"/>
+                    </a:schemeClr>
+                    <a:prstClr val="white"/>
+                  </a:duotone>
+                  <a:extLst>
+                    <a:ext uri="{28A0092B-C50C-407E-A947-70E740481C1C}">
+                      <a14:useLocalDpi xmlns:a14="http://schemas.microsoft.com/office/drawing/2010/main" val="0"/>
+                    </a:ext>
+                  </a:extLst>
+                </a:blip>
+                <a:srcRect/>
+                <a:stretch>
+                  <a:fillRect/>
+                </a:stretch>
+              </p:blipFill>
+              <p:spPr bwMode="auto">
+                <a:xfrm>
+                  <a:off x="1027667" y="2450634"/>
+                  <a:ext cx="809190" cy="978366"/>
+                </a:xfrm>
+                <a:prstGeom prst="rect">
+                  <a:avLst/>
+                </a:prstGeom>
+                <a:noFill/>
+                <a:extLst>
+                  <a:ext uri="{909E8E84-426E-40DD-AFC4-6F175D3DCCD1}">
+                    <a14:hiddenFill xmlns:a14="http://schemas.microsoft.com/office/drawing/2010/main">
+                      <a:solidFill>
+                        <a:srgbClr val="FFFFFF"/>
+                      </a:solidFill>
+                    </a14:hiddenFill>
+                  </a:ext>
+                </a:extLst>
+              </p:spPr>
+            </p:pic>
+            <p:pic>
+              <p:nvPicPr>
+                <p:cNvPr id="4" name="Picture 4" descr="AWS S3 (Simple Storage Service)&quot; Icon - Download for free – Iconduck">
+                  <a:extLst>
+                    <a:ext uri="{FF2B5EF4-FFF2-40B4-BE49-F238E27FC236}">
+                      <a16:creationId xmlns:a16="http://schemas.microsoft.com/office/drawing/2014/main" id="{F90ADBB5-025F-1854-419E-D5319F9D77F7}"/>
+                    </a:ext>
+                  </a:extLst>
+                </p:cNvPr>
+                <p:cNvPicPr>
+                  <a:picLocks noChangeAspect="1" noChangeArrowheads="1"/>
+                </p:cNvPicPr>
+                <p:nvPr/>
+              </p:nvPicPr>
+              <p:blipFill>
+                <a:blip r:embed="rId2">
+                  <a:duotone>
+                    <a:schemeClr val="accent6">
+                      <a:shade val="45000"/>
+                      <a:satMod val="135000"/>
+                    </a:schemeClr>
+                    <a:prstClr val="white"/>
+                  </a:duotone>
+                  <a:extLst>
+                    <a:ext uri="{28A0092B-C50C-407E-A947-70E740481C1C}">
+                      <a14:useLocalDpi xmlns:a14="http://schemas.microsoft.com/office/drawing/2010/main" val="0"/>
+                    </a:ext>
+                  </a:extLst>
+                </a:blip>
+                <a:srcRect/>
+                <a:stretch>
+                  <a:fillRect/>
+                </a:stretch>
+              </p:blipFill>
+              <p:spPr bwMode="auto">
+                <a:xfrm>
+                  <a:off x="1027667" y="3853694"/>
+                  <a:ext cx="809190" cy="978366"/>
+                </a:xfrm>
+                <a:prstGeom prst="rect">
+                  <a:avLst/>
+                </a:prstGeom>
+                <a:noFill/>
+                <a:extLst>
+                  <a:ext uri="{909E8E84-426E-40DD-AFC4-6F175D3DCCD1}">
+                    <a14:hiddenFill xmlns:a14="http://schemas.microsoft.com/office/drawing/2010/main">
+                      <a:solidFill>
+                        <a:srgbClr val="FFFFFF"/>
+                      </a:solidFill>
+                    </a14:hiddenFill>
+                  </a:ext>
+                </a:extLst>
+              </p:spPr>
+            </p:pic>
+            <p:sp>
+              <p:nvSpPr>
+                <p:cNvPr id="8" name="TextBox 7">
+                  <a:extLst>
+                    <a:ext uri="{FF2B5EF4-FFF2-40B4-BE49-F238E27FC236}">
+                      <a16:creationId xmlns:a16="http://schemas.microsoft.com/office/drawing/2014/main" id="{CA41A722-2770-84EB-E68E-F9729598F786}"/>
+                    </a:ext>
+                  </a:extLst>
+                </p:cNvPr>
+                <p:cNvSpPr txBox="1"/>
+                <p:nvPr/>
+              </p:nvSpPr>
+              <p:spPr>
+                <a:xfrm>
+                  <a:off x="2860646" y="3385067"/>
+                  <a:ext cx="444616" cy="369332"/>
+                </a:xfrm>
+                <a:prstGeom prst="rect">
+                  <a:avLst/>
+                </a:prstGeom>
+                <a:noFill/>
+              </p:spPr>
+              <p:txBody>
+                <a:bodyPr wrap="square" rtlCol="0">
+                  <a:spAutoFit/>
+                </a:bodyPr>
+                <a:lstStyle/>
+                <a:p>
+                  <a:r>
+                    <a:rPr lang="en-US" b="1" i="1" dirty="0"/>
+                    <a:t>EL</a:t>
+                  </a:r>
+                </a:p>
+              </p:txBody>
+            </p:sp>
+          </p:grpSp>
+          <p:pic>
+            <p:nvPicPr>
+              <p:cNvPr id="3078" name="Picture 6" descr="Snowflake logo in transparent PNG and vectorized SVG formats">
+                <a:extLst>
+                  <a:ext uri="{FF2B5EF4-FFF2-40B4-BE49-F238E27FC236}">
+                    <a16:creationId xmlns:a16="http://schemas.microsoft.com/office/drawing/2014/main" id="{BEC9F3E6-1BB1-1297-F3DE-1EF7DD78582B}"/>
+                  </a:ext>
+                </a:extLst>
+              </p:cNvPr>
+              <p:cNvPicPr>
+                <a:picLocks noChangeAspect="1" noChangeArrowheads="1"/>
+              </p:cNvPicPr>
+              <p:nvPr/>
+            </p:nvPicPr>
+            <p:blipFill>
+              <a:blip r:embed="rId3">
+                <a:extLst>
+                  <a:ext uri="{28A0092B-C50C-407E-A947-70E740481C1C}">
+                    <a14:useLocalDpi xmlns:a14="http://schemas.microsoft.com/office/drawing/2010/main" val="0"/>
+                  </a:ext>
+                </a:extLst>
+              </a:blip>
+              <a:srcRect/>
+              <a:stretch>
+                <a:fillRect/>
+              </a:stretch>
+            </p:blipFill>
+            <p:spPr bwMode="auto">
+              <a:xfrm>
+                <a:off x="4370996" y="3172852"/>
+                <a:ext cx="973310" cy="969495"/>
+              </a:xfrm>
+              <a:prstGeom prst="rect">
+                <a:avLst/>
+              </a:prstGeom>
+              <a:noFill/>
+              <a:extLst>
+                <a:ext uri="{909E8E84-426E-40DD-AFC4-6F175D3DCCD1}">
+                  <a14:hiddenFill xmlns:a14="http://schemas.microsoft.com/office/drawing/2010/main">
+                    <a:solidFill>
+                      <a:srgbClr val="FFFFFF"/>
+                    </a:solidFill>
+                  </a14:hiddenFill>
+                </a:ext>
+              </a:extLst>
+            </p:spPr>
+          </p:pic>
+          <p:pic>
+            <p:nvPicPr>
+              <p:cNvPr id="20" name="Picture 6" descr="Snowflake logo in transparent PNG and vectorized SVG formats">
+                <a:extLst>
+                  <a:ext uri="{FF2B5EF4-FFF2-40B4-BE49-F238E27FC236}">
+                    <a16:creationId xmlns:a16="http://schemas.microsoft.com/office/drawing/2014/main" id="{76BB70CA-3AE2-D85F-86A7-539F70AB3B74}"/>
+                  </a:ext>
+                </a:extLst>
+              </p:cNvPr>
+              <p:cNvPicPr>
+                <a:picLocks noChangeAspect="1" noChangeArrowheads="1"/>
+              </p:cNvPicPr>
+              <p:nvPr/>
+            </p:nvPicPr>
+            <p:blipFill>
+              <a:blip r:embed="rId3">
+                <a:extLst>
+                  <a:ext uri="{28A0092B-C50C-407E-A947-70E740481C1C}">
+                    <a14:useLocalDpi xmlns:a14="http://schemas.microsoft.com/office/drawing/2010/main" val="0"/>
+                  </a:ext>
+                </a:extLst>
+              </a:blip>
+              <a:srcRect/>
+              <a:stretch>
+                <a:fillRect/>
+              </a:stretch>
+            </p:blipFill>
+            <p:spPr bwMode="auto">
+              <a:xfrm>
+                <a:off x="2860468" y="2850269"/>
+                <a:ext cx="450506" cy="448740"/>
+              </a:xfrm>
+              <a:prstGeom prst="rect">
+                <a:avLst/>
+              </a:prstGeom>
+              <a:noFill/>
+              <a:extLst>
+                <a:ext uri="{909E8E84-426E-40DD-AFC4-6F175D3DCCD1}">
+                  <a14:hiddenFill xmlns:a14="http://schemas.microsoft.com/office/drawing/2010/main">
+                    <a:solidFill>
+                      <a:srgbClr val="FFFFFF"/>
+                    </a:solidFill>
+                  </a14:hiddenFill>
+                </a:ext>
+              </a:extLst>
+            </p:spPr>
+          </p:pic>
+        </p:grpSp>
+      </p:grpSp>
+      <p:grpSp>
+        <p:nvGrpSpPr>
+          <p:cNvPr id="27" name="Group 26">
+            <a:extLst>
+              <a:ext uri="{FF2B5EF4-FFF2-40B4-BE49-F238E27FC236}">
+                <a16:creationId xmlns:a16="http://schemas.microsoft.com/office/drawing/2014/main" id="{2A4BCE5A-6C51-3655-36D9-106041C098EB}"/>
+              </a:ext>
+            </a:extLst>
+          </p:cNvPr>
+          <p:cNvGrpSpPr/>
+          <p:nvPr/>
+        </p:nvGrpSpPr>
+        <p:grpSpPr>
+          <a:xfrm>
+            <a:off x="3713831" y="1794940"/>
+            <a:ext cx="7538325" cy="2831020"/>
+            <a:chOff x="3713831" y="1794940"/>
+            <a:chExt cx="7538325" cy="2831020"/>
+          </a:xfrm>
+        </p:grpSpPr>
+        <p:grpSp>
+          <p:nvGrpSpPr>
+            <p:cNvPr id="5" name="Group 4">
+              <a:extLst>
+                <a:ext uri="{FF2B5EF4-FFF2-40B4-BE49-F238E27FC236}">
+                  <a16:creationId xmlns:a16="http://schemas.microsoft.com/office/drawing/2014/main" id="{B54B0FC7-B589-C119-FE42-9EB12F7A8089}"/>
+                </a:ext>
+              </a:extLst>
+            </p:cNvPr>
+            <p:cNvGrpSpPr/>
+            <p:nvPr/>
+          </p:nvGrpSpPr>
+          <p:grpSpPr>
+            <a:xfrm>
+              <a:off x="8783276" y="1803633"/>
+              <a:ext cx="2468880" cy="2822327"/>
+              <a:chOff x="6811861" y="1803633"/>
+              <a:chExt cx="2468880" cy="2822327"/>
+            </a:xfrm>
+          </p:grpSpPr>
+          <p:sp>
+            <p:nvSpPr>
+              <p:cNvPr id="7" name="Rectangle 6">
+                <a:extLst>
+                  <a:ext uri="{FF2B5EF4-FFF2-40B4-BE49-F238E27FC236}">
+                    <a16:creationId xmlns:a16="http://schemas.microsoft.com/office/drawing/2014/main" id="{602C2FF7-46CF-D76C-0AA0-E6FF484420D5}"/>
+                  </a:ext>
+                </a:extLst>
+              </p:cNvPr>
+              <p:cNvSpPr/>
+              <p:nvPr/>
+            </p:nvSpPr>
+            <p:spPr>
+              <a:xfrm>
+                <a:off x="6811861" y="1803633"/>
+                <a:ext cx="2468880" cy="646331"/>
+              </a:xfrm>
+              <a:prstGeom prst="rect">
+                <a:avLst/>
+              </a:prstGeom>
+              <a:solidFill>
+                <a:srgbClr val="00B0F0">
+                  <a:alpha val="50000"/>
+                </a:srgbClr>
+              </a:solidFill>
+            </p:spPr>
+            <p:style>
+              <a:lnRef idx="2">
+                <a:schemeClr val="accent1">
+                  <a:shade val="15000"/>
+                </a:schemeClr>
+              </a:lnRef>
+              <a:fillRef idx="1">
+                <a:schemeClr val="accent1"/>
+              </a:fillRef>
+              <a:effectRef idx="0">
+                <a:schemeClr val="accent1"/>
+              </a:effectRef>
+              <a:fontRef idx="minor">
+                <a:schemeClr val="lt1"/>
+              </a:fontRef>
+            </p:style>
+            <p:txBody>
+              <a:bodyPr rtlCol="0" anchor="ctr"/>
+              <a:lstStyle/>
+              <a:p>
+                <a:pPr algn="ctr"/>
+                <a:r>
+                  <a:rPr lang="en-US" dirty="0">
+                    <a:solidFill>
+                      <a:schemeClr val="tx1"/>
+                    </a:solidFill>
+                  </a:rPr>
+                  <a:t>Create Stages</a:t>
+                </a:r>
+              </a:p>
+            </p:txBody>
+          </p:sp>
+          <p:sp>
+            <p:nvSpPr>
+              <p:cNvPr id="10" name="Rectangle 9">
+                <a:extLst>
+                  <a:ext uri="{FF2B5EF4-FFF2-40B4-BE49-F238E27FC236}">
+                    <a16:creationId xmlns:a16="http://schemas.microsoft.com/office/drawing/2014/main" id="{8DE34962-4346-969D-1C5B-8EF8F0120DAB}"/>
+                  </a:ext>
+                </a:extLst>
+              </p:cNvPr>
+              <p:cNvSpPr/>
+              <p:nvPr/>
+            </p:nvSpPr>
+            <p:spPr>
+              <a:xfrm>
+                <a:off x="6811861" y="2891631"/>
+                <a:ext cx="2468880" cy="646331"/>
+              </a:xfrm>
+              <a:prstGeom prst="rect">
+                <a:avLst/>
+              </a:prstGeom>
+              <a:solidFill>
+                <a:srgbClr val="00B0F0">
+                  <a:alpha val="50000"/>
+                </a:srgbClr>
+              </a:solidFill>
+            </p:spPr>
+            <p:style>
+              <a:lnRef idx="2">
+                <a:schemeClr val="accent1">
+                  <a:shade val="15000"/>
+                </a:schemeClr>
+              </a:lnRef>
+              <a:fillRef idx="1">
+                <a:schemeClr val="accent1"/>
+              </a:fillRef>
+              <a:effectRef idx="0">
+                <a:schemeClr val="accent1"/>
+              </a:effectRef>
+              <a:fontRef idx="minor">
+                <a:schemeClr val="lt1"/>
+              </a:fontRef>
+            </p:style>
+            <p:txBody>
+              <a:bodyPr rtlCol="0" anchor="ctr"/>
+              <a:lstStyle/>
+              <a:p>
+                <a:pPr algn="ctr"/>
+                <a:r>
+                  <a:rPr lang="en-US" dirty="0">
+                    <a:solidFill>
+                      <a:schemeClr val="tx1"/>
+                    </a:solidFill>
+                  </a:rPr>
+                  <a:t>Create External </a:t>
+                </a:r>
+              </a:p>
+            </p:txBody>
+          </p:sp>
+          <p:cxnSp>
+            <p:nvCxnSpPr>
+              <p:cNvPr id="12" name="Straight Arrow Connector 11">
+                <a:extLst>
+                  <a:ext uri="{FF2B5EF4-FFF2-40B4-BE49-F238E27FC236}">
+                    <a16:creationId xmlns:a16="http://schemas.microsoft.com/office/drawing/2014/main" id="{F23EE859-46B1-8D81-0206-97CDF803B0FE}"/>
+                  </a:ext>
+                </a:extLst>
+              </p:cNvPr>
+              <p:cNvCxnSpPr>
+                <a:stCxn id="7" idx="2"/>
+                <a:endCxn id="10" idx="0"/>
+              </p:cNvCxnSpPr>
+              <p:nvPr/>
+            </p:nvCxnSpPr>
+            <p:spPr>
+              <a:xfrm>
+                <a:off x="8046301" y="2449964"/>
+                <a:ext cx="0" cy="441667"/>
+              </a:xfrm>
+              <a:prstGeom prst="straightConnector1">
+                <a:avLst/>
+              </a:prstGeom>
+              <a:ln w="38100">
+                <a:tailEnd type="triangle"/>
+              </a:ln>
+            </p:spPr>
+            <p:style>
+              <a:lnRef idx="3">
+                <a:schemeClr val="dk1"/>
+              </a:lnRef>
+              <a:fillRef idx="0">
+                <a:schemeClr val="dk1"/>
+              </a:fillRef>
+              <a:effectRef idx="2">
+                <a:schemeClr val="dk1"/>
+              </a:effectRef>
+              <a:fontRef idx="minor">
+                <a:schemeClr val="tx1"/>
+              </a:fontRef>
+            </p:style>
+          </p:cxnSp>
+          <p:sp>
+            <p:nvSpPr>
+              <p:cNvPr id="15" name="Rectangle 14">
+                <a:extLst>
+                  <a:ext uri="{FF2B5EF4-FFF2-40B4-BE49-F238E27FC236}">
+                    <a16:creationId xmlns:a16="http://schemas.microsoft.com/office/drawing/2014/main" id="{8CAA12B0-D428-9FDA-A450-5DD73EE68748}"/>
+                  </a:ext>
+                </a:extLst>
+              </p:cNvPr>
+              <p:cNvSpPr/>
+              <p:nvPr/>
+            </p:nvSpPr>
+            <p:spPr>
+              <a:xfrm>
+                <a:off x="6811861" y="3979629"/>
+                <a:ext cx="2468880" cy="646331"/>
+              </a:xfrm>
+              <a:prstGeom prst="rect">
+                <a:avLst/>
+              </a:prstGeom>
+              <a:solidFill>
+                <a:srgbClr val="00B0F0">
+                  <a:alpha val="50000"/>
+                </a:srgbClr>
+              </a:solidFill>
+            </p:spPr>
+            <p:style>
+              <a:lnRef idx="2">
+                <a:schemeClr val="accent1">
+                  <a:shade val="15000"/>
+                </a:schemeClr>
+              </a:lnRef>
+              <a:fillRef idx="1">
+                <a:schemeClr val="accent1"/>
+              </a:fillRef>
+              <a:effectRef idx="0">
+                <a:schemeClr val="accent1"/>
+              </a:effectRef>
+              <a:fontRef idx="minor">
+                <a:schemeClr val="lt1"/>
+              </a:fontRef>
+            </p:style>
+            <p:txBody>
+              <a:bodyPr rtlCol="0" anchor="ctr"/>
+              <a:lstStyle/>
+              <a:p>
+                <a:pPr algn="ctr"/>
+                <a:r>
+                  <a:rPr lang="en-US" dirty="0">
+                    <a:solidFill>
+                      <a:schemeClr val="tx1"/>
+                    </a:solidFill>
+                  </a:rPr>
+                  <a:t>Ingest Data into Corresponding Tables </a:t>
+                </a:r>
+              </a:p>
+            </p:txBody>
+          </p:sp>
+          <p:cxnSp>
+            <p:nvCxnSpPr>
+              <p:cNvPr id="16" name="Straight Arrow Connector 15">
+                <a:extLst>
+                  <a:ext uri="{FF2B5EF4-FFF2-40B4-BE49-F238E27FC236}">
+                    <a16:creationId xmlns:a16="http://schemas.microsoft.com/office/drawing/2014/main" id="{67A3D253-CC26-B4DC-9F71-3A891DA9D9FF}"/>
+                  </a:ext>
+                </a:extLst>
+              </p:cNvPr>
+              <p:cNvCxnSpPr>
+                <a:cxnSpLocks/>
+                <a:stCxn id="10" idx="2"/>
+                <a:endCxn id="15" idx="0"/>
+              </p:cNvCxnSpPr>
+              <p:nvPr/>
+            </p:nvCxnSpPr>
+            <p:spPr>
+              <a:xfrm>
+                <a:off x="8046301" y="3537962"/>
+                <a:ext cx="0" cy="441667"/>
+              </a:xfrm>
+              <a:prstGeom prst="straightConnector1">
+                <a:avLst/>
+              </a:prstGeom>
+              <a:ln w="38100">
+                <a:tailEnd type="triangle"/>
+              </a:ln>
+            </p:spPr>
+            <p:style>
+              <a:lnRef idx="3">
+                <a:schemeClr val="dk1"/>
+              </a:lnRef>
+              <a:fillRef idx="0">
+                <a:schemeClr val="dk1"/>
+              </a:fillRef>
+              <a:effectRef idx="2">
+                <a:schemeClr val="dk1"/>
+              </a:effectRef>
+              <a:fontRef idx="minor">
+                <a:schemeClr val="tx1"/>
+              </a:fontRef>
+            </p:style>
+          </p:cxnSp>
+        </p:grpSp>
+        <p:pic>
+          <p:nvPicPr>
+            <p:cNvPr id="24" name="Picture 23">
+              <a:extLst>
+                <a:ext uri="{FF2B5EF4-FFF2-40B4-BE49-F238E27FC236}">
+                  <a16:creationId xmlns:a16="http://schemas.microsoft.com/office/drawing/2014/main" id="{B9D80671-299A-9879-DC23-BDD94BBC9084}"/>
+                </a:ext>
+              </a:extLst>
+            </p:cNvPr>
+            <p:cNvPicPr>
+              <a:picLocks noChangeAspect="1"/>
+            </p:cNvPicPr>
+            <p:nvPr/>
+          </p:nvPicPr>
+          <p:blipFill>
+            <a:blip r:embed="rId4"/>
+            <a:stretch>
+              <a:fillRect/>
+            </a:stretch>
+          </p:blipFill>
           <p:spPr>
             <a:xfrm>
-              <a:off x="4908669" y="3745733"/>
-              <a:ext cx="413239" cy="316523"/>
+              <a:off x="3713831" y="1794940"/>
+              <a:ext cx="4922947" cy="594412"/>
             </a:xfrm>
             <a:prstGeom prst="rect">
               <a:avLst/>
             </a:prstGeom>
           </p:spPr>
-          <p:style>
-            <a:lnRef idx="2">
-              <a:schemeClr val="accent1">
-                <a:shade val="15000"/>
-              </a:schemeClr>
-            </a:lnRef>
-            <a:fillRef idx="1">
-              <a:schemeClr val="accent1"/>
-            </a:fillRef>
-            <a:effectRef idx="0">
-              <a:schemeClr val="accent1"/>
-            </a:effectRef>
-            <a:fontRef idx="minor">
-              <a:schemeClr val="lt1"/>
-            </a:fontRef>
-          </p:style>
-          <p:txBody>
-            <a:bodyPr rtlCol="0" anchor="ctr"/>
-            <a:lstStyle/>
-            <a:p>
-              <a:pPr algn="ctr"/>
-              <a:endParaRPr lang="en-US"/>
-            </a:p>
-          </p:txBody>
-        </p:sp>
-        <p:sp>
-          <p:nvSpPr>
-            <p:cNvPr id="24" name="Rectangle 23">
+        </p:pic>
+        <p:pic>
+          <p:nvPicPr>
+            <p:cNvPr id="26" name="Picture 25">
               <a:extLst>
                 <a:ext uri="{FF2B5EF4-FFF2-40B4-BE49-F238E27FC236}">
-                  <a16:creationId xmlns:a16="http://schemas.microsoft.com/office/drawing/2014/main" id="{8DF12A1B-C36A-300E-C8ED-777BC9F34DFB}"/>
+                  <a16:creationId xmlns:a16="http://schemas.microsoft.com/office/drawing/2014/main" id="{A35792F3-1E61-ACD8-B330-753D5C2F2CA0}"/>
                 </a:ext>
               </a:extLst>
             </p:cNvPr>
-            <p:cNvSpPr/>
+            <p:cNvPicPr>
+              <a:picLocks noChangeAspect="1"/>
+            </p:cNvPicPr>
             <p:nvPr/>
-          </p:nvSpPr>
+          </p:nvPicPr>
+          <p:blipFill>
+            <a:blip r:embed="rId5"/>
+            <a:stretch>
+              <a:fillRect/>
+            </a:stretch>
+          </p:blipFill>
           <p:spPr>
             <a:xfrm>
-              <a:off x="4908669" y="4216135"/>
-              <a:ext cx="413239" cy="316523"/>
+              <a:off x="5540518" y="3153852"/>
+              <a:ext cx="2880610" cy="190517"/>
             </a:xfrm>
             <a:prstGeom prst="rect">
               <a:avLst/>
             </a:prstGeom>
           </p:spPr>
-          <p:style>
-            <a:lnRef idx="2">
-              <a:schemeClr val="accent1">
-                <a:shade val="15000"/>
-              </a:schemeClr>
-            </a:lnRef>
-            <a:fillRef idx="1">
-              <a:schemeClr val="accent1"/>
-            </a:fillRef>
-            <a:effectRef idx="0">
-              <a:schemeClr val="accent1"/>
-            </a:effectRef>
-            <a:fontRef idx="minor">
-              <a:schemeClr val="lt1"/>
-            </a:fontRef>
-          </p:style>
-          <p:txBody>
-            <a:bodyPr rtlCol="0" anchor="ctr"/>
-            <a:lstStyle/>
-            <a:p>
-              <a:pPr algn="ctr"/>
-              <a:endParaRPr lang="en-US"/>
-            </a:p>
-          </p:txBody>
-        </p:sp>
+        </p:pic>
+      </p:grpSp>
+      <p:pic>
+        <p:nvPicPr>
+          <p:cNvPr id="29" name="Picture 28">
+            <a:extLst>
+              <a:ext uri="{FF2B5EF4-FFF2-40B4-BE49-F238E27FC236}">
+                <a16:creationId xmlns:a16="http://schemas.microsoft.com/office/drawing/2014/main" id="{1B256647-13F3-1A6E-A499-9F6CF9BA1ABF}"/>
+              </a:ext>
+            </a:extLst>
+          </p:cNvPr>
+          <p:cNvPicPr>
+            <a:picLocks noChangeAspect="1"/>
+          </p:cNvPicPr>
+          <p:nvPr/>
+        </p:nvPicPr>
+        <p:blipFill>
+          <a:blip r:embed="rId6"/>
+          <a:stretch>
+            <a:fillRect/>
+          </a:stretch>
+        </p:blipFill>
+        <p:spPr>
+          <a:xfrm>
+            <a:off x="5093146" y="4028652"/>
+            <a:ext cx="3444538" cy="647756"/>
+          </a:xfrm>
+          <a:prstGeom prst="rect">
+            <a:avLst/>
+          </a:prstGeom>
+        </p:spPr>
+      </p:pic>
+    </p:spTree>
+    <p:extLst>
+      <p:ext uri="{BB962C8B-B14F-4D97-AF65-F5344CB8AC3E}">
+        <p14:creationId xmlns:p14="http://schemas.microsoft.com/office/powerpoint/2010/main" val="3297257504"/>
+      </p:ext>
+    </p:extLst>
+  </p:cSld>
+  <p:clrMapOvr>
+    <a:masterClrMapping/>
+  </p:clrMapOvr>
+</p:sld>
+</file>
+
+<file path=ppt/slides/slide9.xml><?xml version="1.0" encoding="utf-8"?>
+<p:sld xmlns:a="http://schemas.openxmlformats.org/drawingml/2006/main" xmlns:r="http://schemas.openxmlformats.org/officeDocument/2006/relationships" xmlns:p="http://schemas.openxmlformats.org/presentationml/2006/main">
+  <p:cSld>
+    <p:spTree>
+      <p:nvGrpSpPr>
+        <p:cNvPr id="1" name=""/>
+        <p:cNvGrpSpPr/>
+        <p:nvPr/>
+      </p:nvGrpSpPr>
+      <p:grpSpPr>
+        <a:xfrm>
+          <a:off x="0" y="0"/>
+          <a:ext cx="0" cy="0"/>
+          <a:chOff x="0" y="0"/>
+          <a:chExt cx="0" cy="0"/>
+        </a:xfrm>
+      </p:grpSpPr>
+      <p:sp>
+        <p:nvSpPr>
+          <p:cNvPr id="2" name="TextBox 1">
+            <a:extLst>
+              <a:ext uri="{FF2B5EF4-FFF2-40B4-BE49-F238E27FC236}">
+                <a16:creationId xmlns:a16="http://schemas.microsoft.com/office/drawing/2014/main" id="{15726383-B407-319E-030C-10F657ACC3A3}"/>
+              </a:ext>
+            </a:extLst>
+          </p:cNvPr>
+          <p:cNvSpPr txBox="1"/>
+          <p:nvPr/>
+        </p:nvSpPr>
+        <p:spPr>
+          <a:xfrm>
+            <a:off x="0" y="323165"/>
+            <a:ext cx="12192000" cy="646331"/>
+          </a:xfrm>
+          <a:prstGeom prst="rect">
+            <a:avLst/>
+          </a:prstGeom>
+          <a:noFill/>
+        </p:spPr>
+        <p:txBody>
+          <a:bodyPr wrap="square" rtlCol="0">
+            <a:spAutoFit/>
+          </a:bodyPr>
+          <a:lstStyle/>
+          <a:p>
+            <a:pPr algn="ctr"/>
+            <a:r>
+              <a:rPr lang="en-US" sz="3600" i="1" dirty="0">
+                <a:solidFill>
+                  <a:srgbClr val="7030A0"/>
+                </a:solidFill>
+                <a:latin typeface="Calisto MT" panose="02040603050505030304" pitchFamily="18" charset="0"/>
+              </a:rPr>
+              <a:t>Technical Architecture – Transforming the Data</a:t>
+            </a:r>
+          </a:p>
+        </p:txBody>
+      </p:sp>
+      <p:grpSp>
+        <p:nvGrpSpPr>
+          <p:cNvPr id="15" name="Group 14">
+            <a:extLst>
+              <a:ext uri="{FF2B5EF4-FFF2-40B4-BE49-F238E27FC236}">
+                <a16:creationId xmlns:a16="http://schemas.microsoft.com/office/drawing/2014/main" id="{29AC0BE3-E873-6B06-34D7-C5AE0B32D29F}"/>
+              </a:ext>
+            </a:extLst>
+          </p:cNvPr>
+          <p:cNvGrpSpPr/>
+          <p:nvPr/>
+        </p:nvGrpSpPr>
+        <p:grpSpPr>
+          <a:xfrm>
+            <a:off x="1027667" y="2450634"/>
+            <a:ext cx="7860499" cy="2381426"/>
+            <a:chOff x="1027667" y="2450634"/>
+            <a:chExt cx="7860499" cy="2381426"/>
+          </a:xfrm>
+        </p:grpSpPr>
+        <p:grpSp>
+          <p:nvGrpSpPr>
+            <p:cNvPr id="11" name="Group 10">
+              <a:extLst>
+                <a:ext uri="{FF2B5EF4-FFF2-40B4-BE49-F238E27FC236}">
+                  <a16:creationId xmlns:a16="http://schemas.microsoft.com/office/drawing/2014/main" id="{F1744702-ED5C-FA73-7B8D-254DF5C9D3A2}"/>
+                </a:ext>
+              </a:extLst>
+            </p:cNvPr>
+            <p:cNvGrpSpPr/>
+            <p:nvPr/>
+          </p:nvGrpSpPr>
+          <p:grpSpPr>
+            <a:xfrm>
+              <a:off x="1027667" y="2450634"/>
+              <a:ext cx="7860499" cy="2381426"/>
+              <a:chOff x="1027667" y="2450634"/>
+              <a:chExt cx="7860499" cy="2381426"/>
+            </a:xfrm>
+          </p:grpSpPr>
+          <p:sp>
+            <p:nvSpPr>
+              <p:cNvPr id="12" name="Cylinder 11">
+                <a:extLst>
+                  <a:ext uri="{FF2B5EF4-FFF2-40B4-BE49-F238E27FC236}">
+                    <a16:creationId xmlns:a16="http://schemas.microsoft.com/office/drawing/2014/main" id="{BEF70F46-44AB-CB03-2EE7-4A4C7ADDC072}"/>
+                  </a:ext>
+                </a:extLst>
+              </p:cNvPr>
+              <p:cNvSpPr/>
+              <p:nvPr/>
+            </p:nvSpPr>
+            <p:spPr>
+              <a:xfrm rot="5400000">
+                <a:off x="6436634" y="2659421"/>
+                <a:ext cx="385894" cy="1837189"/>
+              </a:xfrm>
+              <a:prstGeom prst="can">
+                <a:avLst/>
+              </a:prstGeom>
+              <a:solidFill>
+                <a:srgbClr val="C00000">
+                  <a:alpha val="56000"/>
+                </a:srgbClr>
+              </a:solidFill>
+            </p:spPr>
+            <p:style>
+              <a:lnRef idx="2">
+                <a:schemeClr val="accent1">
+                  <a:shade val="15000"/>
+                </a:schemeClr>
+              </a:lnRef>
+              <a:fillRef idx="1">
+                <a:schemeClr val="accent1"/>
+              </a:fillRef>
+              <a:effectRef idx="0">
+                <a:schemeClr val="accent1"/>
+              </a:effectRef>
+              <a:fontRef idx="minor">
+                <a:schemeClr val="lt1"/>
+              </a:fontRef>
+            </p:style>
+            <p:txBody>
+              <a:bodyPr rtlCol="0" anchor="ctr"/>
+              <a:lstStyle/>
+              <a:p>
+                <a:pPr algn="ctr"/>
+                <a:endParaRPr lang="en-US" dirty="0"/>
+              </a:p>
+            </p:txBody>
+          </p:sp>
+          <p:sp>
+            <p:nvSpPr>
+              <p:cNvPr id="3" name="Cylinder 2">
+                <a:extLst>
+                  <a:ext uri="{FF2B5EF4-FFF2-40B4-BE49-F238E27FC236}">
+                    <a16:creationId xmlns:a16="http://schemas.microsoft.com/office/drawing/2014/main" id="{11FEF3CF-684A-D1ED-6DA8-00B8EB047948}"/>
+                  </a:ext>
+                </a:extLst>
+              </p:cNvPr>
+              <p:cNvSpPr/>
+              <p:nvPr/>
+            </p:nvSpPr>
+            <p:spPr>
+              <a:xfrm rot="5400000">
+                <a:off x="2890006" y="2659420"/>
+                <a:ext cx="385894" cy="1837189"/>
+              </a:xfrm>
+              <a:prstGeom prst="can">
+                <a:avLst/>
+              </a:prstGeom>
+              <a:solidFill>
+                <a:srgbClr val="00B0F0">
+                  <a:alpha val="38000"/>
+                </a:srgbClr>
+              </a:solidFill>
+            </p:spPr>
+            <p:style>
+              <a:lnRef idx="2">
+                <a:schemeClr val="accent1">
+                  <a:shade val="15000"/>
+                </a:schemeClr>
+              </a:lnRef>
+              <a:fillRef idx="1">
+                <a:schemeClr val="accent1"/>
+              </a:fillRef>
+              <a:effectRef idx="0">
+                <a:schemeClr val="accent1"/>
+              </a:effectRef>
+              <a:fontRef idx="minor">
+                <a:schemeClr val="lt1"/>
+              </a:fontRef>
+            </p:style>
+            <p:txBody>
+              <a:bodyPr rtlCol="0" anchor="ctr"/>
+              <a:lstStyle/>
+              <a:p>
+                <a:pPr algn="ctr"/>
+                <a:endParaRPr lang="en-US"/>
+              </a:p>
+            </p:txBody>
+          </p:sp>
+          <p:grpSp>
+            <p:nvGrpSpPr>
+              <p:cNvPr id="6" name="Group 5">
+                <a:extLst>
+                  <a:ext uri="{FF2B5EF4-FFF2-40B4-BE49-F238E27FC236}">
+                    <a16:creationId xmlns:a16="http://schemas.microsoft.com/office/drawing/2014/main" id="{02B8ED2C-7FEA-7F1C-B63A-F2BE792CCEEC}"/>
+                  </a:ext>
+                </a:extLst>
+              </p:cNvPr>
+              <p:cNvGrpSpPr/>
+              <p:nvPr/>
+            </p:nvGrpSpPr>
+            <p:grpSpPr>
+              <a:xfrm>
+                <a:off x="1027667" y="2450634"/>
+                <a:ext cx="7860499" cy="2381426"/>
+                <a:chOff x="1027667" y="2450634"/>
+                <a:chExt cx="7860499" cy="2381426"/>
+              </a:xfrm>
+            </p:grpSpPr>
+            <p:grpSp>
+              <p:nvGrpSpPr>
+                <p:cNvPr id="9" name="Group 8">
+                  <a:extLst>
+                    <a:ext uri="{FF2B5EF4-FFF2-40B4-BE49-F238E27FC236}">
+                      <a16:creationId xmlns:a16="http://schemas.microsoft.com/office/drawing/2014/main" id="{908CCBC9-C6EC-72C6-9C52-2CE3F0983264}"/>
+                    </a:ext>
+                  </a:extLst>
+                </p:cNvPr>
+                <p:cNvGrpSpPr/>
+                <p:nvPr/>
+              </p:nvGrpSpPr>
+              <p:grpSpPr>
+                <a:xfrm>
+                  <a:off x="1027667" y="2450634"/>
+                  <a:ext cx="5872494" cy="2381426"/>
+                  <a:chOff x="1027667" y="2450634"/>
+                  <a:chExt cx="5872494" cy="2381426"/>
+                </a:xfrm>
+              </p:grpSpPr>
+              <p:pic>
+                <p:nvPicPr>
+                  <p:cNvPr id="3076" name="Picture 4" descr="AWS S3 (Simple Storage Service)&quot; Icon - Download for free – Iconduck">
+                    <a:extLst>
+                      <a:ext uri="{FF2B5EF4-FFF2-40B4-BE49-F238E27FC236}">
+                        <a16:creationId xmlns:a16="http://schemas.microsoft.com/office/drawing/2014/main" id="{5807CD86-8115-4052-5173-0C040E9DFAA3}"/>
+                      </a:ext>
+                    </a:extLst>
+                  </p:cNvPr>
+                  <p:cNvPicPr>
+                    <a:picLocks noChangeAspect="1" noChangeArrowheads="1"/>
+                  </p:cNvPicPr>
+                  <p:nvPr/>
+                </p:nvPicPr>
+                <p:blipFill>
+                  <a:blip r:embed="rId2">
+                    <a:duotone>
+                      <a:schemeClr val="accent1">
+                        <a:shade val="45000"/>
+                        <a:satMod val="135000"/>
+                      </a:schemeClr>
+                      <a:prstClr val="white"/>
+                    </a:duotone>
+                    <a:extLst>
+                      <a:ext uri="{28A0092B-C50C-407E-A947-70E740481C1C}">
+                        <a14:useLocalDpi xmlns:a14="http://schemas.microsoft.com/office/drawing/2010/main" val="0"/>
+                      </a:ext>
+                    </a:extLst>
+                  </a:blip>
+                  <a:srcRect/>
+                  <a:stretch>
+                    <a:fillRect/>
+                  </a:stretch>
+                </p:blipFill>
+                <p:spPr bwMode="auto">
+                  <a:xfrm>
+                    <a:off x="1027667" y="2450634"/>
+                    <a:ext cx="809190" cy="978366"/>
+                  </a:xfrm>
+                  <a:prstGeom prst="rect">
+                    <a:avLst/>
+                  </a:prstGeom>
+                  <a:noFill/>
+                  <a:extLst>
+                    <a:ext uri="{909E8E84-426E-40DD-AFC4-6F175D3DCCD1}">
+                      <a14:hiddenFill xmlns:a14="http://schemas.microsoft.com/office/drawing/2010/main">
+                        <a:solidFill>
+                          <a:srgbClr val="FFFFFF"/>
+                        </a:solidFill>
+                      </a14:hiddenFill>
+                    </a:ext>
+                  </a:extLst>
+                </p:spPr>
+              </p:pic>
+              <p:pic>
+                <p:nvPicPr>
+                  <p:cNvPr id="4" name="Picture 4" descr="AWS S3 (Simple Storage Service)&quot; Icon - Download for free – Iconduck">
+                    <a:extLst>
+                      <a:ext uri="{FF2B5EF4-FFF2-40B4-BE49-F238E27FC236}">
+                        <a16:creationId xmlns:a16="http://schemas.microsoft.com/office/drawing/2014/main" id="{F90ADBB5-025F-1854-419E-D5319F9D77F7}"/>
+                      </a:ext>
+                    </a:extLst>
+                  </p:cNvPr>
+                  <p:cNvPicPr>
+                    <a:picLocks noChangeAspect="1" noChangeArrowheads="1"/>
+                  </p:cNvPicPr>
+                  <p:nvPr/>
+                </p:nvPicPr>
+                <p:blipFill>
+                  <a:blip r:embed="rId2">
+                    <a:duotone>
+                      <a:schemeClr val="accent6">
+                        <a:shade val="45000"/>
+                        <a:satMod val="135000"/>
+                      </a:schemeClr>
+                      <a:prstClr val="white"/>
+                    </a:duotone>
+                    <a:extLst>
+                      <a:ext uri="{28A0092B-C50C-407E-A947-70E740481C1C}">
+                        <a14:useLocalDpi xmlns:a14="http://schemas.microsoft.com/office/drawing/2010/main" val="0"/>
+                      </a:ext>
+                    </a:extLst>
+                  </a:blip>
+                  <a:srcRect/>
+                  <a:stretch>
+                    <a:fillRect/>
+                  </a:stretch>
+                </p:blipFill>
+                <p:spPr bwMode="auto">
+                  <a:xfrm>
+                    <a:off x="1027667" y="3853694"/>
+                    <a:ext cx="809190" cy="978366"/>
+                  </a:xfrm>
+                  <a:prstGeom prst="rect">
+                    <a:avLst/>
+                  </a:prstGeom>
+                  <a:noFill/>
+                  <a:extLst>
+                    <a:ext uri="{909E8E84-426E-40DD-AFC4-6F175D3DCCD1}">
+                      <a14:hiddenFill xmlns:a14="http://schemas.microsoft.com/office/drawing/2010/main">
+                        <a:solidFill>
+                          <a:srgbClr val="FFFFFF"/>
+                        </a:solidFill>
+                      </a14:hiddenFill>
+                    </a:ext>
+                  </a:extLst>
+                </p:spPr>
+              </p:pic>
+              <p:sp>
+                <p:nvSpPr>
+                  <p:cNvPr id="8" name="TextBox 7">
+                    <a:extLst>
+                      <a:ext uri="{FF2B5EF4-FFF2-40B4-BE49-F238E27FC236}">
+                        <a16:creationId xmlns:a16="http://schemas.microsoft.com/office/drawing/2014/main" id="{CA41A722-2770-84EB-E68E-F9729598F786}"/>
+                      </a:ext>
+                    </a:extLst>
+                  </p:cNvPr>
+                  <p:cNvSpPr txBox="1"/>
+                  <p:nvPr/>
+                </p:nvSpPr>
+                <p:spPr>
+                  <a:xfrm>
+                    <a:off x="2860646" y="3385067"/>
+                    <a:ext cx="444616" cy="369332"/>
+                  </a:xfrm>
+                  <a:prstGeom prst="rect">
+                    <a:avLst/>
+                  </a:prstGeom>
+                  <a:noFill/>
+                </p:spPr>
+                <p:txBody>
+                  <a:bodyPr wrap="square" rtlCol="0">
+                    <a:spAutoFit/>
+                  </a:bodyPr>
+                  <a:lstStyle/>
+                  <a:p>
+                    <a:r>
+                      <a:rPr lang="en-US" b="1" i="1" dirty="0"/>
+                      <a:t>EL</a:t>
+                    </a:r>
+                  </a:p>
+                </p:txBody>
+              </p:sp>
+              <p:sp>
+                <p:nvSpPr>
+                  <p:cNvPr id="13" name="TextBox 12">
+                    <a:extLst>
+                      <a:ext uri="{FF2B5EF4-FFF2-40B4-BE49-F238E27FC236}">
+                        <a16:creationId xmlns:a16="http://schemas.microsoft.com/office/drawing/2014/main" id="{3229CCE7-8EC7-A578-C575-3A4A5C25B4D0}"/>
+                      </a:ext>
+                    </a:extLst>
+                  </p:cNvPr>
+                  <p:cNvSpPr txBox="1"/>
+                  <p:nvPr/>
+                </p:nvSpPr>
+                <p:spPr>
+                  <a:xfrm>
+                    <a:off x="6455545" y="3393348"/>
+                    <a:ext cx="444616" cy="369332"/>
+                  </a:xfrm>
+                  <a:prstGeom prst="rect">
+                    <a:avLst/>
+                  </a:prstGeom>
+                  <a:noFill/>
+                </p:spPr>
+                <p:txBody>
+                  <a:bodyPr wrap="square" rtlCol="0">
+                    <a:spAutoFit/>
+                  </a:bodyPr>
+                  <a:lstStyle/>
+                  <a:p>
+                    <a:r>
+                      <a:rPr lang="en-US" b="1" i="1" dirty="0"/>
+                      <a:t>T</a:t>
+                    </a:r>
+                  </a:p>
+                </p:txBody>
+              </p:sp>
+            </p:grpSp>
+            <p:pic>
+              <p:nvPicPr>
+                <p:cNvPr id="3078" name="Picture 6" descr="Snowflake logo in transparent PNG and vectorized SVG formats">
+                  <a:extLst>
+                    <a:ext uri="{FF2B5EF4-FFF2-40B4-BE49-F238E27FC236}">
+                      <a16:creationId xmlns:a16="http://schemas.microsoft.com/office/drawing/2014/main" id="{BEC9F3E6-1BB1-1297-F3DE-1EF7DD78582B}"/>
+                    </a:ext>
+                  </a:extLst>
+                </p:cNvPr>
+                <p:cNvPicPr>
+                  <a:picLocks noChangeAspect="1" noChangeArrowheads="1"/>
+                </p:cNvPicPr>
+                <p:nvPr/>
+              </p:nvPicPr>
+              <p:blipFill>
+                <a:blip r:embed="rId3">
+                  <a:extLst>
+                    <a:ext uri="{28A0092B-C50C-407E-A947-70E740481C1C}">
+                      <a14:useLocalDpi xmlns:a14="http://schemas.microsoft.com/office/drawing/2010/main" val="0"/>
+                    </a:ext>
+                  </a:extLst>
+                </a:blip>
+                <a:srcRect/>
+                <a:stretch>
+                  <a:fillRect/>
+                </a:stretch>
+              </p:blipFill>
+              <p:spPr bwMode="auto">
+                <a:xfrm>
+                  <a:off x="4370996" y="3172852"/>
+                  <a:ext cx="973310" cy="969495"/>
+                </a:xfrm>
+                <a:prstGeom prst="rect">
+                  <a:avLst/>
+                </a:prstGeom>
+                <a:noFill/>
+                <a:extLst>
+                  <a:ext uri="{909E8E84-426E-40DD-AFC4-6F175D3DCCD1}">
+                    <a14:hiddenFill xmlns:a14="http://schemas.microsoft.com/office/drawing/2010/main">
+                      <a:solidFill>
+                        <a:srgbClr val="FFFFFF"/>
+                      </a:solidFill>
+                    </a14:hiddenFill>
+                  </a:ext>
+                </a:extLst>
+              </p:spPr>
+            </p:pic>
+            <p:pic>
+              <p:nvPicPr>
+                <p:cNvPr id="14" name="Picture 6" descr="Snowflake logo in transparent PNG and vectorized SVG formats">
+                  <a:extLst>
+                    <a:ext uri="{FF2B5EF4-FFF2-40B4-BE49-F238E27FC236}">
+                      <a16:creationId xmlns:a16="http://schemas.microsoft.com/office/drawing/2014/main" id="{F9F59468-E82F-4563-478A-4C152CECBC54}"/>
+                    </a:ext>
+                  </a:extLst>
+                </p:cNvPr>
+                <p:cNvPicPr>
+                  <a:picLocks noChangeAspect="1" noChangeArrowheads="1"/>
+                </p:cNvPicPr>
+                <p:nvPr/>
+              </p:nvPicPr>
+              <p:blipFill>
+                <a:blip r:embed="rId3">
+                  <a:extLst>
+                    <a:ext uri="{28A0092B-C50C-407E-A947-70E740481C1C}">
+                      <a14:useLocalDpi xmlns:a14="http://schemas.microsoft.com/office/drawing/2010/main" val="0"/>
+                    </a:ext>
+                  </a:extLst>
+                </a:blip>
+                <a:srcRect/>
+                <a:stretch>
+                  <a:fillRect/>
+                </a:stretch>
+              </p:blipFill>
+              <p:spPr bwMode="auto">
+                <a:xfrm>
+                  <a:off x="6069249" y="2699267"/>
+                  <a:ext cx="450506" cy="448740"/>
+                </a:xfrm>
+                <a:prstGeom prst="rect">
+                  <a:avLst/>
+                </a:prstGeom>
+                <a:noFill/>
+                <a:extLst>
+                  <a:ext uri="{909E8E84-426E-40DD-AFC4-6F175D3DCCD1}">
+                    <a14:hiddenFill xmlns:a14="http://schemas.microsoft.com/office/drawing/2010/main">
+                      <a:solidFill>
+                        <a:srgbClr val="FFFFFF"/>
+                      </a:solidFill>
+                    </a14:hiddenFill>
+                  </a:ext>
+                </a:extLst>
+              </p:spPr>
+            </p:pic>
+            <p:pic>
+              <p:nvPicPr>
+                <p:cNvPr id="16" name="Picture 6" descr="Snowflake logo in transparent PNG and vectorized SVG formats">
+                  <a:extLst>
+                    <a:ext uri="{FF2B5EF4-FFF2-40B4-BE49-F238E27FC236}">
+                      <a16:creationId xmlns:a16="http://schemas.microsoft.com/office/drawing/2014/main" id="{6060C3F5-8CE3-614E-4A15-EF4D5C8C1B4C}"/>
+                    </a:ext>
+                  </a:extLst>
+                </p:cNvPr>
+                <p:cNvPicPr>
+                  <a:picLocks noChangeAspect="1" noChangeArrowheads="1"/>
+                </p:cNvPicPr>
+                <p:nvPr/>
+              </p:nvPicPr>
+              <p:blipFill>
+                <a:blip r:embed="rId3">
+                  <a:extLst>
+                    <a:ext uri="{28A0092B-C50C-407E-A947-70E740481C1C}">
+                      <a14:useLocalDpi xmlns:a14="http://schemas.microsoft.com/office/drawing/2010/main" val="0"/>
+                    </a:ext>
+                  </a:extLst>
+                </a:blip>
+                <a:srcRect/>
+                <a:stretch>
+                  <a:fillRect/>
+                </a:stretch>
+              </p:blipFill>
+              <p:spPr bwMode="auto">
+                <a:xfrm>
+                  <a:off x="7914856" y="3148007"/>
+                  <a:ext cx="973310" cy="969495"/>
+                </a:xfrm>
+                <a:prstGeom prst="rect">
+                  <a:avLst/>
+                </a:prstGeom>
+                <a:noFill/>
+                <a:extLst>
+                  <a:ext uri="{909E8E84-426E-40DD-AFC4-6F175D3DCCD1}">
+                    <a14:hiddenFill xmlns:a14="http://schemas.microsoft.com/office/drawing/2010/main">
+                      <a:solidFill>
+                        <a:srgbClr val="FFFFFF"/>
+                      </a:solidFill>
+                    </a14:hiddenFill>
+                  </a:ext>
+                </a:extLst>
+              </p:spPr>
+            </p:pic>
+            <p:pic>
+              <p:nvPicPr>
+                <p:cNvPr id="20" name="Picture 6" descr="Snowflake logo in transparent PNG and vectorized SVG formats">
+                  <a:extLst>
+                    <a:ext uri="{FF2B5EF4-FFF2-40B4-BE49-F238E27FC236}">
+                      <a16:creationId xmlns:a16="http://schemas.microsoft.com/office/drawing/2014/main" id="{76BB70CA-3AE2-D85F-86A7-539F70AB3B74}"/>
+                    </a:ext>
+                  </a:extLst>
+                </p:cNvPr>
+                <p:cNvPicPr>
+                  <a:picLocks noChangeAspect="1" noChangeArrowheads="1"/>
+                </p:cNvPicPr>
+                <p:nvPr/>
+              </p:nvPicPr>
+              <p:blipFill>
+                <a:blip r:embed="rId3">
+                  <a:extLst>
+                    <a:ext uri="{28A0092B-C50C-407E-A947-70E740481C1C}">
+                      <a14:useLocalDpi xmlns:a14="http://schemas.microsoft.com/office/drawing/2010/main" val="0"/>
+                    </a:ext>
+                  </a:extLst>
+                </a:blip>
+                <a:srcRect/>
+                <a:stretch>
+                  <a:fillRect/>
+                </a:stretch>
+              </p:blipFill>
+              <p:spPr bwMode="auto">
+                <a:xfrm>
+                  <a:off x="2860468" y="2850269"/>
+                  <a:ext cx="450506" cy="448740"/>
+                </a:xfrm>
+                <a:prstGeom prst="rect">
+                  <a:avLst/>
+                </a:prstGeom>
+                <a:noFill/>
+                <a:extLst>
+                  <a:ext uri="{909E8E84-426E-40DD-AFC4-6F175D3DCCD1}">
+                    <a14:hiddenFill xmlns:a14="http://schemas.microsoft.com/office/drawing/2010/main">
+                      <a:solidFill>
+                        <a:srgbClr val="FFFFFF"/>
+                      </a:solidFill>
+                    </a14:hiddenFill>
+                  </a:ext>
+                </a:extLst>
+              </p:spPr>
+            </p:pic>
+          </p:grpSp>
+        </p:grpSp>
+        <p:pic>
+          <p:nvPicPr>
+            <p:cNvPr id="4098" name="Picture 2" descr="Dbt Logo PNG Vectors Free Download">
+              <a:extLst>
+                <a:ext uri="{FF2B5EF4-FFF2-40B4-BE49-F238E27FC236}">
+                  <a16:creationId xmlns:a16="http://schemas.microsoft.com/office/drawing/2014/main" id="{216076B6-EBAC-09B1-359D-EFA7CF126547}"/>
+                </a:ext>
+              </a:extLst>
+            </p:cNvPr>
+            <p:cNvPicPr>
+              <a:picLocks noChangeAspect="1" noChangeArrowheads="1"/>
+            </p:cNvPicPr>
+            <p:nvPr/>
+          </p:nvPicPr>
+          <p:blipFill>
+            <a:blip r:embed="rId4">
+              <a:extLst>
+                <a:ext uri="{28A0092B-C50C-407E-A947-70E740481C1C}">
+                  <a14:useLocalDpi xmlns:a14="http://schemas.microsoft.com/office/drawing/2010/main" val="0"/>
+                </a:ext>
+              </a:extLst>
+            </a:blip>
+            <a:srcRect/>
+            <a:stretch>
+              <a:fillRect/>
+            </a:stretch>
+          </p:blipFill>
+          <p:spPr bwMode="auto">
+            <a:xfrm>
+              <a:off x="6627519" y="2699267"/>
+              <a:ext cx="448740" cy="448740"/>
+            </a:xfrm>
+            <a:prstGeom prst="rect">
+              <a:avLst/>
+            </a:prstGeom>
+            <a:noFill/>
+            <a:extLst>
+              <a:ext uri="{909E8E84-426E-40DD-AFC4-6F175D3DCCD1}">
+                <a14:hiddenFill xmlns:a14="http://schemas.microsoft.com/office/drawing/2010/main">
+                  <a:solidFill>
+                    <a:srgbClr val="FFFFFF"/>
+                  </a:solidFill>
+                </a14:hiddenFill>
+              </a:ext>
+            </a:extLst>
+          </p:spPr>
+        </p:pic>
       </p:grpSp>
     </p:spTree>
     <p:extLst>
       <p:ext uri="{BB962C8B-B14F-4D97-AF65-F5344CB8AC3E}">
-        <p14:creationId xmlns:p14="http://schemas.microsoft.com/office/powerpoint/2010/main" val="1327095021"/>
+        <p14:creationId xmlns:p14="http://schemas.microsoft.com/office/powerpoint/2010/main" val="2047480615"/>
       </p:ext>
     </p:extLst>
   </p:cSld>

--- a/Case Study - Presentation.pptx
+++ b/Case Study - Presentation.pptx
@@ -4,6 +4,12 @@
   <p:sldMasterIdLst>
     <p:sldMasterId id="2147483648" r:id="rId1"/>
   </p:sldMasterIdLst>
+  <p:notesMasterIdLst>
+    <p:notesMasterId r:id="rId18"/>
+  </p:notesMasterIdLst>
+  <p:handoutMasterIdLst>
+    <p:handoutMasterId r:id="rId19"/>
+  </p:handoutMasterIdLst>
   <p:sldIdLst>
     <p:sldId id="256" r:id="rId2"/>
     <p:sldId id="258" r:id="rId3"/>
@@ -14,6 +20,13 @@
     <p:sldId id="261" r:id="rId8"/>
     <p:sldId id="262" r:id="rId9"/>
     <p:sldId id="265" r:id="rId10"/>
+    <p:sldId id="266" r:id="rId11"/>
+    <p:sldId id="267" r:id="rId12"/>
+    <p:sldId id="268" r:id="rId13"/>
+    <p:sldId id="270" r:id="rId14"/>
+    <p:sldId id="271" r:id="rId15"/>
+    <p:sldId id="272" r:id="rId16"/>
+    <p:sldId id="273" r:id="rId17"/>
   </p:sldIdLst>
   <p:sldSz cx="12192000" cy="6858000"/>
   <p:notesSz cx="6858000" cy="9144000"/>
@@ -118,6 +131,506 @@
     </p:ext>
   </p:extLst>
 </p:presentation>
+</file>
+
+<file path=ppt/handoutMasters/handoutMaster1.xml><?xml version="1.0" encoding="utf-8"?>
+<p:handoutMaster xmlns:a="http://schemas.openxmlformats.org/drawingml/2006/main" xmlns:r="http://schemas.openxmlformats.org/officeDocument/2006/relationships" xmlns:p="http://schemas.openxmlformats.org/presentationml/2006/main">
+  <p:cSld>
+    <p:bg>
+      <p:bgRef idx="1001">
+        <a:schemeClr val="bg1"/>
+      </p:bgRef>
+    </p:bg>
+    <p:spTree>
+      <p:nvGrpSpPr>
+        <p:cNvPr id="1" name=""/>
+        <p:cNvGrpSpPr/>
+        <p:nvPr/>
+      </p:nvGrpSpPr>
+      <p:grpSpPr>
+        <a:xfrm>
+          <a:off x="0" y="0"/>
+          <a:ext cx="0" cy="0"/>
+          <a:chOff x="0" y="0"/>
+          <a:chExt cx="0" cy="0"/>
+        </a:xfrm>
+      </p:grpSpPr>
+      <p:sp>
+        <p:nvSpPr>
+          <p:cNvPr id="2" name="Header Placeholder 1">
+            <a:extLst>
+              <a:ext uri="{FF2B5EF4-FFF2-40B4-BE49-F238E27FC236}">
+                <a16:creationId xmlns:a16="http://schemas.microsoft.com/office/drawing/2014/main" id="{44A5648E-C84B-3FEF-C8C8-A481B28B1DDE}"/>
+              </a:ext>
+            </a:extLst>
+          </p:cNvPr>
+          <p:cNvSpPr>
+            <a:spLocks noGrp="1"/>
+          </p:cNvSpPr>
+          <p:nvPr>
+            <p:ph type="hdr" sz="quarter"/>
+          </p:nvPr>
+        </p:nvSpPr>
+        <p:spPr>
+          <a:xfrm>
+            <a:off x="0" y="0"/>
+            <a:ext cx="2971800" cy="458788"/>
+          </a:xfrm>
+          <a:prstGeom prst="rect">
+            <a:avLst/>
+          </a:prstGeom>
+        </p:spPr>
+        <p:txBody>
+          <a:bodyPr vert="horz" lIns="91440" tIns="45720" rIns="91440" bIns="45720" rtlCol="0"/>
+          <a:lstStyle>
+            <a:lvl1pPr algn="l">
+              <a:defRPr sz="1200"/>
+            </a:lvl1pPr>
+          </a:lstStyle>
+          <a:p>
+            <a:r>
+              <a:rPr lang="en-US" dirty="0"/>
+              <a:t>FIRN Analytics</a:t>
+            </a:r>
+          </a:p>
+        </p:txBody>
+      </p:sp>
+      <p:sp>
+        <p:nvSpPr>
+          <p:cNvPr id="3" name="Date Placeholder 2">
+            <a:extLst>
+              <a:ext uri="{FF2B5EF4-FFF2-40B4-BE49-F238E27FC236}">
+                <a16:creationId xmlns:a16="http://schemas.microsoft.com/office/drawing/2014/main" id="{BEAF3661-B71C-D7F2-7418-1C43AD1DB815}"/>
+              </a:ext>
+            </a:extLst>
+          </p:cNvPr>
+          <p:cNvSpPr>
+            <a:spLocks noGrp="1"/>
+          </p:cNvSpPr>
+          <p:nvPr>
+            <p:ph type="dt" sz="quarter" idx="1"/>
+          </p:nvPr>
+        </p:nvSpPr>
+        <p:spPr>
+          <a:xfrm>
+            <a:off x="3884613" y="0"/>
+            <a:ext cx="2971800" cy="458788"/>
+          </a:xfrm>
+          <a:prstGeom prst="rect">
+            <a:avLst/>
+          </a:prstGeom>
+        </p:spPr>
+        <p:txBody>
+          <a:bodyPr vert="horz" lIns="91440" tIns="45720" rIns="91440" bIns="45720" rtlCol="0"/>
+          <a:lstStyle>
+            <a:lvl1pPr algn="r">
+              <a:defRPr sz="1200"/>
+            </a:lvl1pPr>
+          </a:lstStyle>
+          <a:p>
+            <a:fld id="{726AF5E2-7225-4B2B-9BAA-9899E67A39CD}" type="datetimeFigureOut">
+              <a:rPr lang="en-US" smtClean="0"/>
+              <a:t>9/26/2024</a:t>
+            </a:fld>
+            <a:endParaRPr lang="en-US" dirty="0"/>
+          </a:p>
+        </p:txBody>
+      </p:sp>
+      <p:sp>
+        <p:nvSpPr>
+          <p:cNvPr id="4" name="Footer Placeholder 3">
+            <a:extLst>
+              <a:ext uri="{FF2B5EF4-FFF2-40B4-BE49-F238E27FC236}">
+                <a16:creationId xmlns:a16="http://schemas.microsoft.com/office/drawing/2014/main" id="{DA68E62A-EE6B-58CE-A341-95BCDF143BBA}"/>
+              </a:ext>
+            </a:extLst>
+          </p:cNvPr>
+          <p:cNvSpPr>
+            <a:spLocks noGrp="1"/>
+          </p:cNvSpPr>
+          <p:nvPr>
+            <p:ph type="ftr" sz="quarter" idx="2"/>
+          </p:nvPr>
+        </p:nvSpPr>
+        <p:spPr>
+          <a:xfrm>
+            <a:off x="0" y="8685213"/>
+            <a:ext cx="2971800" cy="458787"/>
+          </a:xfrm>
+          <a:prstGeom prst="rect">
+            <a:avLst/>
+          </a:prstGeom>
+        </p:spPr>
+        <p:txBody>
+          <a:bodyPr vert="horz" lIns="91440" tIns="45720" rIns="91440" bIns="45720" rtlCol="0" anchor="b"/>
+          <a:lstStyle>
+            <a:lvl1pPr algn="l">
+              <a:defRPr sz="1200"/>
+            </a:lvl1pPr>
+          </a:lstStyle>
+          <a:p>
+            <a:endParaRPr lang="en-US" dirty="0"/>
+          </a:p>
+        </p:txBody>
+      </p:sp>
+    </p:spTree>
+    <p:extLst>
+      <p:ext uri="{BB962C8B-B14F-4D97-AF65-F5344CB8AC3E}">
+        <p14:creationId xmlns:p14="http://schemas.microsoft.com/office/powerpoint/2010/main" val="3903458842"/>
+      </p:ext>
+    </p:extLst>
+  </p:cSld>
+  <p:clrMap bg1="lt1" tx1="dk1" bg2="lt2" tx2="dk2" accent1="accent1" accent2="accent2" accent3="accent3" accent4="accent4" accent5="accent5" accent6="accent6" hlink="hlink" folHlink="folHlink"/>
+</p:handoutMaster>
+</file>
+
+<file path=ppt/notesMasters/notesMaster1.xml><?xml version="1.0" encoding="utf-8"?>
+<p:notesMaster xmlns:a="http://schemas.openxmlformats.org/drawingml/2006/main" xmlns:r="http://schemas.openxmlformats.org/officeDocument/2006/relationships" xmlns:p="http://schemas.openxmlformats.org/presentationml/2006/main">
+  <p:cSld>
+    <p:bg>
+      <p:bgRef idx="1001">
+        <a:schemeClr val="bg1"/>
+      </p:bgRef>
+    </p:bg>
+    <p:spTree>
+      <p:nvGrpSpPr>
+        <p:cNvPr id="1" name=""/>
+        <p:cNvGrpSpPr/>
+        <p:nvPr/>
+      </p:nvGrpSpPr>
+      <p:grpSpPr>
+        <a:xfrm>
+          <a:off x="0" y="0"/>
+          <a:ext cx="0" cy="0"/>
+          <a:chOff x="0" y="0"/>
+          <a:chExt cx="0" cy="0"/>
+        </a:xfrm>
+      </p:grpSpPr>
+      <p:sp>
+        <p:nvSpPr>
+          <p:cNvPr id="2" name="Header Placeholder 1"/>
+          <p:cNvSpPr>
+            <a:spLocks noGrp="1"/>
+          </p:cNvSpPr>
+          <p:nvPr>
+            <p:ph type="hdr" sz="quarter"/>
+          </p:nvPr>
+        </p:nvSpPr>
+        <p:spPr>
+          <a:xfrm>
+            <a:off x="0" y="0"/>
+            <a:ext cx="2971800" cy="458788"/>
+          </a:xfrm>
+          <a:prstGeom prst="rect">
+            <a:avLst/>
+          </a:prstGeom>
+        </p:spPr>
+        <p:txBody>
+          <a:bodyPr vert="horz" lIns="91440" tIns="45720" rIns="91440" bIns="45720" rtlCol="0"/>
+          <a:lstStyle>
+            <a:lvl1pPr algn="l">
+              <a:defRPr sz="1200"/>
+            </a:lvl1pPr>
+          </a:lstStyle>
+          <a:p>
+            <a:endParaRPr lang="en-US"/>
+          </a:p>
+        </p:txBody>
+      </p:sp>
+      <p:sp>
+        <p:nvSpPr>
+          <p:cNvPr id="3" name="Date Placeholder 2"/>
+          <p:cNvSpPr>
+            <a:spLocks noGrp="1"/>
+          </p:cNvSpPr>
+          <p:nvPr>
+            <p:ph type="dt" idx="1"/>
+          </p:nvPr>
+        </p:nvSpPr>
+        <p:spPr>
+          <a:xfrm>
+            <a:off x="3884613" y="0"/>
+            <a:ext cx="2971800" cy="458788"/>
+          </a:xfrm>
+          <a:prstGeom prst="rect">
+            <a:avLst/>
+          </a:prstGeom>
+        </p:spPr>
+        <p:txBody>
+          <a:bodyPr vert="horz" lIns="91440" tIns="45720" rIns="91440" bIns="45720" rtlCol="0"/>
+          <a:lstStyle>
+            <a:lvl1pPr algn="r">
+              <a:defRPr sz="1200"/>
+            </a:lvl1pPr>
+          </a:lstStyle>
+          <a:p>
+            <a:fld id="{25C93E86-340B-4878-B198-F09408A7FEC6}" type="datetimeFigureOut">
+              <a:rPr lang="en-US" smtClean="0"/>
+              <a:t>9/26/2024</a:t>
+            </a:fld>
+            <a:endParaRPr lang="en-US"/>
+          </a:p>
+        </p:txBody>
+      </p:sp>
+      <p:sp>
+        <p:nvSpPr>
+          <p:cNvPr id="4" name="Slide Image Placeholder 3"/>
+          <p:cNvSpPr>
+            <a:spLocks noGrp="1" noRot="1" noChangeAspect="1"/>
+          </p:cNvSpPr>
+          <p:nvPr>
+            <p:ph type="sldImg" idx="2"/>
+          </p:nvPr>
+        </p:nvSpPr>
+        <p:spPr>
+          <a:xfrm>
+            <a:off x="685800" y="1143000"/>
+            <a:ext cx="5486400" cy="3086100"/>
+          </a:xfrm>
+          <a:prstGeom prst="rect">
+            <a:avLst/>
+          </a:prstGeom>
+          <a:noFill/>
+          <a:ln w="12700">
+            <a:solidFill>
+              <a:prstClr val="black"/>
+            </a:solidFill>
+          </a:ln>
+        </p:spPr>
+        <p:txBody>
+          <a:bodyPr vert="horz" lIns="91440" tIns="45720" rIns="91440" bIns="45720" rtlCol="0" anchor="ctr"/>
+          <a:lstStyle/>
+          <a:p>
+            <a:endParaRPr lang="en-US"/>
+          </a:p>
+        </p:txBody>
+      </p:sp>
+      <p:sp>
+        <p:nvSpPr>
+          <p:cNvPr id="5" name="Notes Placeholder 4"/>
+          <p:cNvSpPr>
+            <a:spLocks noGrp="1"/>
+          </p:cNvSpPr>
+          <p:nvPr>
+            <p:ph type="body" sz="quarter" idx="3"/>
+          </p:nvPr>
+        </p:nvSpPr>
+        <p:spPr>
+          <a:xfrm>
+            <a:off x="685800" y="4400550"/>
+            <a:ext cx="5486400" cy="3600450"/>
+          </a:xfrm>
+          <a:prstGeom prst="rect">
+            <a:avLst/>
+          </a:prstGeom>
+        </p:spPr>
+        <p:txBody>
+          <a:bodyPr vert="horz" lIns="91440" tIns="45720" rIns="91440" bIns="45720" rtlCol="0"/>
+          <a:lstStyle/>
+          <a:p>
+            <a:pPr lvl="0"/>
+            <a:r>
+              <a:rPr lang="en-US"/>
+              <a:t>Click to edit Master text styles</a:t>
+            </a:r>
+          </a:p>
+          <a:p>
+            <a:pPr lvl="1"/>
+            <a:r>
+              <a:rPr lang="en-US"/>
+              <a:t>Second level</a:t>
+            </a:r>
+          </a:p>
+          <a:p>
+            <a:pPr lvl="2"/>
+            <a:r>
+              <a:rPr lang="en-US"/>
+              <a:t>Third level</a:t>
+            </a:r>
+          </a:p>
+          <a:p>
+            <a:pPr lvl="3"/>
+            <a:r>
+              <a:rPr lang="en-US"/>
+              <a:t>Fourth level</a:t>
+            </a:r>
+          </a:p>
+          <a:p>
+            <a:pPr lvl="4"/>
+            <a:r>
+              <a:rPr lang="en-US"/>
+              <a:t>Fifth level</a:t>
+            </a:r>
+          </a:p>
+        </p:txBody>
+      </p:sp>
+      <p:sp>
+        <p:nvSpPr>
+          <p:cNvPr id="6" name="Footer Placeholder 5"/>
+          <p:cNvSpPr>
+            <a:spLocks noGrp="1"/>
+          </p:cNvSpPr>
+          <p:nvPr>
+            <p:ph type="ftr" sz="quarter" idx="4"/>
+          </p:nvPr>
+        </p:nvSpPr>
+        <p:spPr>
+          <a:xfrm>
+            <a:off x="0" y="8685213"/>
+            <a:ext cx="2971800" cy="458787"/>
+          </a:xfrm>
+          <a:prstGeom prst="rect">
+            <a:avLst/>
+          </a:prstGeom>
+        </p:spPr>
+        <p:txBody>
+          <a:bodyPr vert="horz" lIns="91440" tIns="45720" rIns="91440" bIns="45720" rtlCol="0" anchor="b"/>
+          <a:lstStyle>
+            <a:lvl1pPr algn="l">
+              <a:defRPr sz="1200"/>
+            </a:lvl1pPr>
+          </a:lstStyle>
+          <a:p>
+            <a:endParaRPr lang="en-US"/>
+          </a:p>
+        </p:txBody>
+      </p:sp>
+      <p:sp>
+        <p:nvSpPr>
+          <p:cNvPr id="7" name="Slide Number Placeholder 6"/>
+          <p:cNvSpPr>
+            <a:spLocks noGrp="1"/>
+          </p:cNvSpPr>
+          <p:nvPr>
+            <p:ph type="sldNum" sz="quarter" idx="5"/>
+          </p:nvPr>
+        </p:nvSpPr>
+        <p:spPr>
+          <a:xfrm>
+            <a:off x="3884613" y="8685213"/>
+            <a:ext cx="2971800" cy="458787"/>
+          </a:xfrm>
+          <a:prstGeom prst="rect">
+            <a:avLst/>
+          </a:prstGeom>
+        </p:spPr>
+        <p:txBody>
+          <a:bodyPr vert="horz" lIns="91440" tIns="45720" rIns="91440" bIns="45720" rtlCol="0" anchor="b"/>
+          <a:lstStyle>
+            <a:lvl1pPr algn="r">
+              <a:defRPr sz="1200"/>
+            </a:lvl1pPr>
+          </a:lstStyle>
+          <a:p>
+            <a:fld id="{85C22E23-AE96-4115-8F1C-2E633293F704}" type="slidenum">
+              <a:rPr lang="en-US" smtClean="0"/>
+              <a:t>‹#›</a:t>
+            </a:fld>
+            <a:endParaRPr lang="en-US"/>
+          </a:p>
+        </p:txBody>
+      </p:sp>
+    </p:spTree>
+    <p:extLst>
+      <p:ext uri="{BB962C8B-B14F-4D97-AF65-F5344CB8AC3E}">
+        <p14:creationId xmlns:p14="http://schemas.microsoft.com/office/powerpoint/2010/main" val="1192667946"/>
+      </p:ext>
+    </p:extLst>
+  </p:cSld>
+  <p:clrMap bg1="lt1" tx1="dk1" bg2="lt2" tx2="dk2" accent1="accent1" accent2="accent2" accent3="accent3" accent4="accent4" accent5="accent5" accent6="accent6" hlink="hlink" folHlink="folHlink"/>
+  <p:notesStyle>
+    <a:lvl1pPr marL="0" algn="l" defTabSz="914400" rtl="0" eaLnBrk="1" latinLnBrk="0" hangingPunct="1">
+      <a:defRPr sz="1200" kern="1200">
+        <a:solidFill>
+          <a:schemeClr val="tx1"/>
+        </a:solidFill>
+        <a:latin typeface="+mn-lt"/>
+        <a:ea typeface="+mn-ea"/>
+        <a:cs typeface="+mn-cs"/>
+      </a:defRPr>
+    </a:lvl1pPr>
+    <a:lvl2pPr marL="457200" algn="l" defTabSz="914400" rtl="0" eaLnBrk="1" latinLnBrk="0" hangingPunct="1">
+      <a:defRPr sz="1200" kern="1200">
+        <a:solidFill>
+          <a:schemeClr val="tx1"/>
+        </a:solidFill>
+        <a:latin typeface="+mn-lt"/>
+        <a:ea typeface="+mn-ea"/>
+        <a:cs typeface="+mn-cs"/>
+      </a:defRPr>
+    </a:lvl2pPr>
+    <a:lvl3pPr marL="914400" algn="l" defTabSz="914400" rtl="0" eaLnBrk="1" latinLnBrk="0" hangingPunct="1">
+      <a:defRPr sz="1200" kern="1200">
+        <a:solidFill>
+          <a:schemeClr val="tx1"/>
+        </a:solidFill>
+        <a:latin typeface="+mn-lt"/>
+        <a:ea typeface="+mn-ea"/>
+        <a:cs typeface="+mn-cs"/>
+      </a:defRPr>
+    </a:lvl3pPr>
+    <a:lvl4pPr marL="1371600" algn="l" defTabSz="914400" rtl="0" eaLnBrk="1" latinLnBrk="0" hangingPunct="1">
+      <a:defRPr sz="1200" kern="1200">
+        <a:solidFill>
+          <a:schemeClr val="tx1"/>
+        </a:solidFill>
+        <a:latin typeface="+mn-lt"/>
+        <a:ea typeface="+mn-ea"/>
+        <a:cs typeface="+mn-cs"/>
+      </a:defRPr>
+    </a:lvl4pPr>
+    <a:lvl5pPr marL="1828800" algn="l" defTabSz="914400" rtl="0" eaLnBrk="1" latinLnBrk="0" hangingPunct="1">
+      <a:defRPr sz="1200" kern="1200">
+        <a:solidFill>
+          <a:schemeClr val="tx1"/>
+        </a:solidFill>
+        <a:latin typeface="+mn-lt"/>
+        <a:ea typeface="+mn-ea"/>
+        <a:cs typeface="+mn-cs"/>
+      </a:defRPr>
+    </a:lvl5pPr>
+    <a:lvl6pPr marL="2286000" algn="l" defTabSz="914400" rtl="0" eaLnBrk="1" latinLnBrk="0" hangingPunct="1">
+      <a:defRPr sz="1200" kern="1200">
+        <a:solidFill>
+          <a:schemeClr val="tx1"/>
+        </a:solidFill>
+        <a:latin typeface="+mn-lt"/>
+        <a:ea typeface="+mn-ea"/>
+        <a:cs typeface="+mn-cs"/>
+      </a:defRPr>
+    </a:lvl6pPr>
+    <a:lvl7pPr marL="2743200" algn="l" defTabSz="914400" rtl="0" eaLnBrk="1" latinLnBrk="0" hangingPunct="1">
+      <a:defRPr sz="1200" kern="1200">
+        <a:solidFill>
+          <a:schemeClr val="tx1"/>
+        </a:solidFill>
+        <a:latin typeface="+mn-lt"/>
+        <a:ea typeface="+mn-ea"/>
+        <a:cs typeface="+mn-cs"/>
+      </a:defRPr>
+    </a:lvl7pPr>
+    <a:lvl8pPr marL="3200400" algn="l" defTabSz="914400" rtl="0" eaLnBrk="1" latinLnBrk="0" hangingPunct="1">
+      <a:defRPr sz="1200" kern="1200">
+        <a:solidFill>
+          <a:schemeClr val="tx1"/>
+        </a:solidFill>
+        <a:latin typeface="+mn-lt"/>
+        <a:ea typeface="+mn-ea"/>
+        <a:cs typeface="+mn-cs"/>
+      </a:defRPr>
+    </a:lvl8pPr>
+    <a:lvl9pPr marL="3657600" algn="l" defTabSz="914400" rtl="0" eaLnBrk="1" latinLnBrk="0" hangingPunct="1">
+      <a:defRPr sz="1200" kern="1200">
+        <a:solidFill>
+          <a:schemeClr val="tx1"/>
+        </a:solidFill>
+        <a:latin typeface="+mn-lt"/>
+        <a:ea typeface="+mn-ea"/>
+        <a:cs typeface="+mn-cs"/>
+      </a:defRPr>
+    </a:lvl9pPr>
+  </p:notesStyle>
+</p:notesMaster>
 </file>
 
 <file path=ppt/slideLayouts/slideLayout1.xml><?xml version="1.0" encoding="utf-8"?>
@@ -267,7 +780,7 @@
           <a:p>
             <a:fld id="{9A14E0AF-AD2A-4193-9655-79BDE8175BA9}" type="datetimeFigureOut">
               <a:rPr lang="en-US" smtClean="0"/>
-              <a:t>9/25/2024</a:t>
+              <a:t>9/26/2024</a:t>
             </a:fld>
             <a:endParaRPr lang="en-US"/>
           </a:p>
@@ -465,7 +978,7 @@
           <a:p>
             <a:fld id="{9A14E0AF-AD2A-4193-9655-79BDE8175BA9}" type="datetimeFigureOut">
               <a:rPr lang="en-US" smtClean="0"/>
-              <a:t>9/25/2024</a:t>
+              <a:t>9/26/2024</a:t>
             </a:fld>
             <a:endParaRPr lang="en-US"/>
           </a:p>
@@ -673,7 +1186,7 @@
           <a:p>
             <a:fld id="{9A14E0AF-AD2A-4193-9655-79BDE8175BA9}" type="datetimeFigureOut">
               <a:rPr lang="en-US" smtClean="0"/>
-              <a:t>9/25/2024</a:t>
+              <a:t>9/26/2024</a:t>
             </a:fld>
             <a:endParaRPr lang="en-US"/>
           </a:p>
@@ -871,7 +1384,7 @@
           <a:p>
             <a:fld id="{9A14E0AF-AD2A-4193-9655-79BDE8175BA9}" type="datetimeFigureOut">
               <a:rPr lang="en-US" smtClean="0"/>
-              <a:t>9/25/2024</a:t>
+              <a:t>9/26/2024</a:t>
             </a:fld>
             <a:endParaRPr lang="en-US"/>
           </a:p>
@@ -1146,7 +1659,7 @@
           <a:p>
             <a:fld id="{9A14E0AF-AD2A-4193-9655-79BDE8175BA9}" type="datetimeFigureOut">
               <a:rPr lang="en-US" smtClean="0"/>
-              <a:t>9/25/2024</a:t>
+              <a:t>9/26/2024</a:t>
             </a:fld>
             <a:endParaRPr lang="en-US"/>
           </a:p>
@@ -1411,7 +1924,7 @@
           <a:p>
             <a:fld id="{9A14E0AF-AD2A-4193-9655-79BDE8175BA9}" type="datetimeFigureOut">
               <a:rPr lang="en-US" smtClean="0"/>
-              <a:t>9/25/2024</a:t>
+              <a:t>9/26/2024</a:t>
             </a:fld>
             <a:endParaRPr lang="en-US"/>
           </a:p>
@@ -1823,7 +2336,7 @@
           <a:p>
             <a:fld id="{9A14E0AF-AD2A-4193-9655-79BDE8175BA9}" type="datetimeFigureOut">
               <a:rPr lang="en-US" smtClean="0"/>
-              <a:t>9/25/2024</a:t>
+              <a:t>9/26/2024</a:t>
             </a:fld>
             <a:endParaRPr lang="en-US"/>
           </a:p>
@@ -1964,7 +2477,7 @@
           <a:p>
             <a:fld id="{9A14E0AF-AD2A-4193-9655-79BDE8175BA9}" type="datetimeFigureOut">
               <a:rPr lang="en-US" smtClean="0"/>
-              <a:t>9/25/2024</a:t>
+              <a:t>9/26/2024</a:t>
             </a:fld>
             <a:endParaRPr lang="en-US"/>
           </a:p>
@@ -2077,7 +2590,7 @@
           <a:p>
             <a:fld id="{9A14E0AF-AD2A-4193-9655-79BDE8175BA9}" type="datetimeFigureOut">
               <a:rPr lang="en-US" smtClean="0"/>
-              <a:t>9/25/2024</a:t>
+              <a:t>9/26/2024</a:t>
             </a:fld>
             <a:endParaRPr lang="en-US"/>
           </a:p>
@@ -2388,7 +2901,7 @@
           <a:p>
             <a:fld id="{9A14E0AF-AD2A-4193-9655-79BDE8175BA9}" type="datetimeFigureOut">
               <a:rPr lang="en-US" smtClean="0"/>
-              <a:t>9/25/2024</a:t>
+              <a:t>9/26/2024</a:t>
             </a:fld>
             <a:endParaRPr lang="en-US"/>
           </a:p>
@@ -2676,7 +3189,7 @@
           <a:p>
             <a:fld id="{9A14E0AF-AD2A-4193-9655-79BDE8175BA9}" type="datetimeFigureOut">
               <a:rPr lang="en-US" smtClean="0"/>
-              <a:t>9/25/2024</a:t>
+              <a:t>9/26/2024</a:t>
             </a:fld>
             <a:endParaRPr lang="en-US"/>
           </a:p>
@@ -2917,7 +3430,7 @@
           <a:p>
             <a:fld id="{9A14E0AF-AD2A-4193-9655-79BDE8175BA9}" type="datetimeFigureOut">
               <a:rPr lang="en-US" smtClean="0"/>
-              <a:t>9/25/2024</a:t>
+              <a:t>9/26/2024</a:t>
             </a:fld>
             <a:endParaRPr lang="en-US"/>
           </a:p>
@@ -3412,7 +3925,7 @@
               <a:t>Help the business find out if there is a </a:t>
             </a:r>
             <a:r>
-              <a:rPr lang="en-US" i="1" u="sng" dirty="0"/>
+              <a:rPr lang="en-US" b="1" i="1" u="sng" dirty="0"/>
               <a:t>Correlation</a:t>
             </a:r>
             <a:r>
@@ -3443,7 +3956,7 @@
                   <a:schemeClr val="accent6"/>
                 </a:solidFill>
               </a:rPr>
-              <a:t>Bikes hired</a:t>
+              <a:t>Bikes usage</a:t>
             </a:r>
           </a:p>
           <a:p>
@@ -3472,10 +3985,10 @@
         </p:nvGrpSpPr>
         <p:grpSpPr>
           <a:xfrm>
-            <a:off x="3722964" y="3056359"/>
-            <a:ext cx="4746072" cy="3005065"/>
-            <a:chOff x="3366082" y="2829857"/>
-            <a:chExt cx="4746072" cy="3005065"/>
+            <a:off x="4333418" y="3154191"/>
+            <a:ext cx="2608035" cy="2608036"/>
+            <a:chOff x="4405161" y="2958168"/>
+            <a:chExt cx="2608035" cy="2608036"/>
           </a:xfrm>
         </p:grpSpPr>
         <p:pic>
@@ -3539,8 +4052,8 @@
           </p:nvSpPr>
           <p:spPr>
             <a:xfrm>
-              <a:off x="6895750" y="5188591"/>
-              <a:ext cx="1216404" cy="646331"/>
+              <a:off x="4808202" y="5196872"/>
+              <a:ext cx="1986618" cy="369332"/>
             </a:xfrm>
             <a:prstGeom prst="rect">
               <a:avLst/>
@@ -3554,7 +4067,7 @@
             <a:lstStyle/>
             <a:p>
               <a:r>
-                <a:rPr lang="en-US" dirty="0">
+                <a:rPr lang="en-US" b="1" dirty="0">
                   <a:solidFill>
                     <a:srgbClr val="0000FF"/>
                   </a:solidFill>
@@ -3577,9 +4090,9 @@
             <p:nvPr/>
           </p:nvSpPr>
           <p:spPr>
-            <a:xfrm>
-              <a:off x="3366082" y="2829857"/>
-              <a:ext cx="1223744" cy="646331"/>
+            <a:xfrm rot="16200000">
+              <a:off x="3892461" y="3936175"/>
+              <a:ext cx="1394731" cy="369332"/>
             </a:xfrm>
             <a:prstGeom prst="rect">
               <a:avLst/>
@@ -3593,21 +4106,4284 @@
             <a:lstStyle/>
             <a:p>
               <a:r>
-                <a:rPr lang="en-US" dirty="0">
+                <a:rPr lang="en-US" b="1" dirty="0">
                   <a:solidFill>
                     <a:schemeClr val="accent6"/>
                   </a:solidFill>
                 </a:rPr>
-                <a:t>Nbr of Bikes hired</a:t>
+                <a:t>Bikes Usage</a:t>
               </a:r>
             </a:p>
           </p:txBody>
         </p:sp>
       </p:grpSp>
+      <p:pic>
+        <p:nvPicPr>
+          <p:cNvPr id="2050" name="Picture 2" descr="FIRN Analytics: Timely Data Solutions &amp; Expert Consultancy">
+            <a:extLst>
+              <a:ext uri="{FF2B5EF4-FFF2-40B4-BE49-F238E27FC236}">
+                <a16:creationId xmlns:a16="http://schemas.microsoft.com/office/drawing/2014/main" id="{14A52F25-2DAE-5DA7-4039-D4DC6699D305}"/>
+              </a:ext>
+            </a:extLst>
+          </p:cNvPr>
+          <p:cNvPicPr>
+            <a:picLocks noChangeAspect="1" noChangeArrowheads="1"/>
+          </p:cNvPicPr>
+          <p:nvPr/>
+        </p:nvPicPr>
+        <p:blipFill>
+          <a:blip r:embed="rId3">
+            <a:extLst>
+              <a:ext uri="{28A0092B-C50C-407E-A947-70E740481C1C}">
+                <a14:useLocalDpi xmlns:a14="http://schemas.microsoft.com/office/drawing/2010/main" val="0"/>
+              </a:ext>
+            </a:extLst>
+          </a:blip>
+          <a:srcRect/>
+          <a:stretch>
+            <a:fillRect/>
+          </a:stretch>
+        </p:blipFill>
+        <p:spPr bwMode="auto">
+          <a:xfrm>
+            <a:off x="11182350" y="5848350"/>
+            <a:ext cx="1009650" cy="1009650"/>
+          </a:xfrm>
+          <a:prstGeom prst="rect">
+            <a:avLst/>
+          </a:prstGeom>
+          <a:noFill/>
+          <a:extLst>
+            <a:ext uri="{909E8E84-426E-40DD-AFC4-6F175D3DCCD1}">
+              <a14:hiddenFill xmlns:a14="http://schemas.microsoft.com/office/drawing/2010/main">
+                <a:solidFill>
+                  <a:srgbClr val="FFFFFF"/>
+                </a:solidFill>
+              </a14:hiddenFill>
+            </a:ext>
+          </a:extLst>
+        </p:spPr>
+      </p:pic>
     </p:spTree>
     <p:extLst>
       <p:ext uri="{BB962C8B-B14F-4D97-AF65-F5344CB8AC3E}">
         <p14:creationId xmlns:p14="http://schemas.microsoft.com/office/powerpoint/2010/main" val="1327095021"/>
+      </p:ext>
+    </p:extLst>
+  </p:cSld>
+  <p:clrMapOvr>
+    <a:masterClrMapping/>
+  </p:clrMapOvr>
+</p:sld>
+</file>
+
+<file path=ppt/slides/slide10.xml><?xml version="1.0" encoding="utf-8"?>
+<p:sld xmlns:a="http://schemas.openxmlformats.org/drawingml/2006/main" xmlns:r="http://schemas.openxmlformats.org/officeDocument/2006/relationships" xmlns:p="http://schemas.openxmlformats.org/presentationml/2006/main">
+  <p:cSld>
+    <p:spTree>
+      <p:nvGrpSpPr>
+        <p:cNvPr id="1" name=""/>
+        <p:cNvGrpSpPr/>
+        <p:nvPr/>
+      </p:nvGrpSpPr>
+      <p:grpSpPr>
+        <a:xfrm>
+          <a:off x="0" y="0"/>
+          <a:ext cx="0" cy="0"/>
+          <a:chOff x="0" y="0"/>
+          <a:chExt cx="0" cy="0"/>
+        </a:xfrm>
+      </p:grpSpPr>
+      <p:sp>
+        <p:nvSpPr>
+          <p:cNvPr id="2" name="TextBox 1">
+            <a:extLst>
+              <a:ext uri="{FF2B5EF4-FFF2-40B4-BE49-F238E27FC236}">
+                <a16:creationId xmlns:a16="http://schemas.microsoft.com/office/drawing/2014/main" id="{15726383-B407-319E-030C-10F657ACC3A3}"/>
+              </a:ext>
+            </a:extLst>
+          </p:cNvPr>
+          <p:cNvSpPr txBox="1"/>
+          <p:nvPr/>
+        </p:nvSpPr>
+        <p:spPr>
+          <a:xfrm>
+            <a:off x="0" y="323165"/>
+            <a:ext cx="12192000" cy="646331"/>
+          </a:xfrm>
+          <a:prstGeom prst="rect">
+            <a:avLst/>
+          </a:prstGeom>
+          <a:noFill/>
+        </p:spPr>
+        <p:txBody>
+          <a:bodyPr wrap="square" rtlCol="0">
+            <a:spAutoFit/>
+          </a:bodyPr>
+          <a:lstStyle/>
+          <a:p>
+            <a:pPr algn="ctr"/>
+            <a:r>
+              <a:rPr lang="en-US" sz="3600" i="1" dirty="0">
+                <a:solidFill>
+                  <a:srgbClr val="7030A0"/>
+                </a:solidFill>
+                <a:latin typeface="Calisto MT" panose="02040603050505030304" pitchFamily="18" charset="0"/>
+              </a:rPr>
+              <a:t>Dbt Cloud – Connect to Snowflake via Partner Connect</a:t>
+            </a:r>
+          </a:p>
+        </p:txBody>
+      </p:sp>
+      <p:grpSp>
+        <p:nvGrpSpPr>
+          <p:cNvPr id="28" name="Group 27">
+            <a:extLst>
+              <a:ext uri="{FF2B5EF4-FFF2-40B4-BE49-F238E27FC236}">
+                <a16:creationId xmlns:a16="http://schemas.microsoft.com/office/drawing/2014/main" id="{A804D14B-5C44-4BD6-B1F0-9292D7F7B520}"/>
+              </a:ext>
+            </a:extLst>
+          </p:cNvPr>
+          <p:cNvGrpSpPr/>
+          <p:nvPr/>
+        </p:nvGrpSpPr>
+        <p:grpSpPr>
+          <a:xfrm>
+            <a:off x="404812" y="1431037"/>
+            <a:ext cx="11382375" cy="4327255"/>
+            <a:chOff x="0" y="1659637"/>
+            <a:chExt cx="11382375" cy="4327255"/>
+          </a:xfrm>
+        </p:grpSpPr>
+        <p:grpSp>
+          <p:nvGrpSpPr>
+            <p:cNvPr id="21" name="Group 20">
+              <a:extLst>
+                <a:ext uri="{FF2B5EF4-FFF2-40B4-BE49-F238E27FC236}">
+                  <a16:creationId xmlns:a16="http://schemas.microsoft.com/office/drawing/2014/main" id="{4B45B0D1-99CF-86C4-71B8-FDF85EFDD0BF}"/>
+                </a:ext>
+              </a:extLst>
+            </p:cNvPr>
+            <p:cNvGrpSpPr/>
+            <p:nvPr/>
+          </p:nvGrpSpPr>
+          <p:grpSpPr>
+            <a:xfrm>
+              <a:off x="0" y="1659637"/>
+              <a:ext cx="11382375" cy="4327255"/>
+              <a:chOff x="0" y="1659637"/>
+              <a:chExt cx="11382375" cy="4327255"/>
+            </a:xfrm>
+          </p:grpSpPr>
+          <p:pic>
+            <p:nvPicPr>
+              <p:cNvPr id="1026" name="Picture 2" descr="Snowflake Partner Connect Box">
+                <a:extLst>
+                  <a:ext uri="{FF2B5EF4-FFF2-40B4-BE49-F238E27FC236}">
+                    <a16:creationId xmlns:a16="http://schemas.microsoft.com/office/drawing/2014/main" id="{15FFF6E1-5538-115A-23B0-F6D96A68F38D}"/>
+                  </a:ext>
+                </a:extLst>
+              </p:cNvPr>
+              <p:cNvPicPr>
+                <a:picLocks noChangeAspect="1" noChangeArrowheads="1"/>
+              </p:cNvPicPr>
+              <p:nvPr/>
+            </p:nvPicPr>
+            <p:blipFill>
+              <a:blip r:embed="rId2">
+                <a:extLst>
+                  <a:ext uri="{28A0092B-C50C-407E-A947-70E740481C1C}">
+                    <a14:useLocalDpi xmlns:a14="http://schemas.microsoft.com/office/drawing/2010/main" val="0"/>
+                  </a:ext>
+                </a:extLst>
+              </a:blip>
+              <a:srcRect/>
+              <a:stretch>
+                <a:fillRect/>
+              </a:stretch>
+            </p:blipFill>
+            <p:spPr bwMode="auto">
+              <a:xfrm>
+                <a:off x="0" y="2419349"/>
+                <a:ext cx="3446941" cy="3038475"/>
+              </a:xfrm>
+              <a:prstGeom prst="rect">
+                <a:avLst/>
+              </a:prstGeom>
+              <a:noFill/>
+              <a:extLst>
+                <a:ext uri="{909E8E84-426E-40DD-AFC4-6F175D3DCCD1}">
+                  <a14:hiddenFill xmlns:a14="http://schemas.microsoft.com/office/drawing/2010/main">
+                    <a:solidFill>
+                      <a:srgbClr val="FFFFFF"/>
+                    </a:solidFill>
+                  </a14:hiddenFill>
+                </a:ext>
+              </a:extLst>
+            </p:spPr>
+          </p:pic>
+          <p:pic>
+            <p:nvPicPr>
+              <p:cNvPr id="1030" name="Picture 6" descr="Snowflake New UI - Connection Box">
+                <a:extLst>
+                  <a:ext uri="{FF2B5EF4-FFF2-40B4-BE49-F238E27FC236}">
+                    <a16:creationId xmlns:a16="http://schemas.microsoft.com/office/drawing/2014/main" id="{66723F01-75B2-E582-6649-ABB958F404C6}"/>
+                  </a:ext>
+                </a:extLst>
+              </p:cNvPr>
+              <p:cNvPicPr>
+                <a:picLocks noChangeAspect="1" noChangeArrowheads="1"/>
+              </p:cNvPicPr>
+              <p:nvPr/>
+            </p:nvPicPr>
+            <p:blipFill>
+              <a:blip r:embed="rId3">
+                <a:extLst>
+                  <a:ext uri="{28A0092B-C50C-407E-A947-70E740481C1C}">
+                    <a14:useLocalDpi xmlns:a14="http://schemas.microsoft.com/office/drawing/2010/main" val="0"/>
+                  </a:ext>
+                </a:extLst>
+              </a:blip>
+              <a:srcRect/>
+              <a:stretch>
+                <a:fillRect/>
+              </a:stretch>
+            </p:blipFill>
+            <p:spPr bwMode="auto">
+              <a:xfrm>
+                <a:off x="4278462" y="2105026"/>
+                <a:ext cx="3113660" cy="3667124"/>
+              </a:xfrm>
+              <a:prstGeom prst="rect">
+                <a:avLst/>
+              </a:prstGeom>
+              <a:noFill/>
+              <a:extLst>
+                <a:ext uri="{909E8E84-426E-40DD-AFC4-6F175D3DCCD1}">
+                  <a14:hiddenFill xmlns:a14="http://schemas.microsoft.com/office/drawing/2010/main">
+                    <a:solidFill>
+                      <a:srgbClr val="FFFFFF"/>
+                    </a:solidFill>
+                  </a14:hiddenFill>
+                </a:ext>
+              </a:extLst>
+            </p:spPr>
+          </p:pic>
+          <p:grpSp>
+            <p:nvGrpSpPr>
+              <p:cNvPr id="17" name="Group 16">
+                <a:extLst>
+                  <a:ext uri="{FF2B5EF4-FFF2-40B4-BE49-F238E27FC236}">
+                    <a16:creationId xmlns:a16="http://schemas.microsoft.com/office/drawing/2014/main" id="{B1A400E6-3BE8-AD15-A44F-FBC400C79111}"/>
+                  </a:ext>
+                </a:extLst>
+              </p:cNvPr>
+              <p:cNvGrpSpPr/>
+              <p:nvPr/>
+            </p:nvGrpSpPr>
+            <p:grpSpPr>
+              <a:xfrm>
+                <a:off x="8425013" y="2205037"/>
+                <a:ext cx="2957362" cy="3781855"/>
+                <a:chOff x="8425013" y="1557337"/>
+                <a:chExt cx="2957362" cy="3781855"/>
+              </a:xfrm>
+            </p:grpSpPr>
+            <p:pic>
+              <p:nvPicPr>
+                <p:cNvPr id="4" name="Picture 3">
+                  <a:extLst>
+                    <a:ext uri="{FF2B5EF4-FFF2-40B4-BE49-F238E27FC236}">
+                      <a16:creationId xmlns:a16="http://schemas.microsoft.com/office/drawing/2014/main" id="{7372E2F3-A85C-CAEE-F762-194295DCD4D5}"/>
+                    </a:ext>
+                  </a:extLst>
+                </p:cNvPr>
+                <p:cNvPicPr>
+                  <a:picLocks noChangeAspect="1"/>
+                </p:cNvPicPr>
+                <p:nvPr/>
+              </p:nvPicPr>
+              <p:blipFill>
+                <a:blip r:embed="rId4"/>
+                <a:srcRect r="66002"/>
+                <a:stretch/>
+              </p:blipFill>
+              <p:spPr>
+                <a:xfrm>
+                  <a:off x="8425014" y="3852863"/>
+                  <a:ext cx="2407218" cy="1486329"/>
+                </a:xfrm>
+                <a:prstGeom prst="rect">
+                  <a:avLst/>
+                </a:prstGeom>
+              </p:spPr>
+            </p:pic>
+            <p:pic>
+              <p:nvPicPr>
+                <p:cNvPr id="9" name="Picture 8">
+                  <a:extLst>
+                    <a:ext uri="{FF2B5EF4-FFF2-40B4-BE49-F238E27FC236}">
+                      <a16:creationId xmlns:a16="http://schemas.microsoft.com/office/drawing/2014/main" id="{F08D0736-E2E2-28B6-C09D-DC3003FC5B82}"/>
+                    </a:ext>
+                  </a:extLst>
+                </p:cNvPr>
+                <p:cNvPicPr>
+                  <a:picLocks noChangeAspect="1"/>
+                </p:cNvPicPr>
+                <p:nvPr/>
+              </p:nvPicPr>
+              <p:blipFill>
+                <a:blip r:embed="rId5"/>
+                <a:srcRect l="-1" t="69885" r="54876"/>
+                <a:stretch/>
+              </p:blipFill>
+              <p:spPr>
+                <a:xfrm>
+                  <a:off x="8425013" y="2705100"/>
+                  <a:ext cx="2957362" cy="1009795"/>
+                </a:xfrm>
+                <a:prstGeom prst="rect">
+                  <a:avLst/>
+                </a:prstGeom>
+              </p:spPr>
+            </p:pic>
+            <p:pic>
+              <p:nvPicPr>
+                <p:cNvPr id="14" name="Picture 13">
+                  <a:extLst>
+                    <a:ext uri="{FF2B5EF4-FFF2-40B4-BE49-F238E27FC236}">
+                      <a16:creationId xmlns:a16="http://schemas.microsoft.com/office/drawing/2014/main" id="{4C0CA0B4-E251-3639-3306-9DB0199F1E2C}"/>
+                    </a:ext>
+                  </a:extLst>
+                </p:cNvPr>
+                <p:cNvPicPr>
+                  <a:picLocks noChangeAspect="1"/>
+                </p:cNvPicPr>
+                <p:nvPr/>
+              </p:nvPicPr>
+              <p:blipFill>
+                <a:blip r:embed="rId5"/>
+                <a:srcRect r="60286" b="65770"/>
+                <a:stretch/>
+              </p:blipFill>
+              <p:spPr>
+                <a:xfrm>
+                  <a:off x="8425014" y="1557337"/>
+                  <a:ext cx="2407218" cy="1147763"/>
+                </a:xfrm>
+                <a:prstGeom prst="rect">
+                  <a:avLst/>
+                </a:prstGeom>
+              </p:spPr>
+            </p:pic>
+          </p:grpSp>
+          <p:sp>
+            <p:nvSpPr>
+              <p:cNvPr id="18" name="TextBox 17">
+                <a:extLst>
+                  <a:ext uri="{FF2B5EF4-FFF2-40B4-BE49-F238E27FC236}">
+                    <a16:creationId xmlns:a16="http://schemas.microsoft.com/office/drawing/2014/main" id="{F7A1BBAA-12B2-57C9-EA76-77C5962B09E0}"/>
+                  </a:ext>
+                </a:extLst>
+              </p:cNvPr>
+              <p:cNvSpPr txBox="1"/>
+              <p:nvPr/>
+            </p:nvSpPr>
+            <p:spPr>
+              <a:xfrm>
+                <a:off x="1318658" y="1659637"/>
+                <a:ext cx="809624" cy="369332"/>
+              </a:xfrm>
+              <a:prstGeom prst="rect">
+                <a:avLst/>
+              </a:prstGeom>
+              <a:noFill/>
+            </p:spPr>
+            <p:txBody>
+              <a:bodyPr wrap="square" rtlCol="0">
+                <a:spAutoFit/>
+              </a:bodyPr>
+              <a:lstStyle/>
+              <a:p>
+                <a:r>
+                  <a:rPr lang="en-US" dirty="0">
+                    <a:solidFill>
+                      <a:srgbClr val="00B0F0"/>
+                    </a:solidFill>
+                  </a:rPr>
+                  <a:t>Step 1</a:t>
+                </a:r>
+              </a:p>
+            </p:txBody>
+          </p:sp>
+          <p:sp>
+            <p:nvSpPr>
+              <p:cNvPr id="19" name="TextBox 18">
+                <a:extLst>
+                  <a:ext uri="{FF2B5EF4-FFF2-40B4-BE49-F238E27FC236}">
+                    <a16:creationId xmlns:a16="http://schemas.microsoft.com/office/drawing/2014/main" id="{F7DFB7E8-CEE0-0CFE-A298-2F02B083BDA8}"/>
+                  </a:ext>
+                </a:extLst>
+              </p:cNvPr>
+              <p:cNvSpPr txBox="1"/>
+              <p:nvPr/>
+            </p:nvSpPr>
+            <p:spPr>
+              <a:xfrm>
+                <a:off x="5430480" y="1659637"/>
+                <a:ext cx="809624" cy="369332"/>
+              </a:xfrm>
+              <a:prstGeom prst="rect">
+                <a:avLst/>
+              </a:prstGeom>
+              <a:noFill/>
+            </p:spPr>
+            <p:txBody>
+              <a:bodyPr wrap="square" rtlCol="0">
+                <a:spAutoFit/>
+              </a:bodyPr>
+              <a:lstStyle/>
+              <a:p>
+                <a:r>
+                  <a:rPr lang="en-US" dirty="0">
+                    <a:solidFill>
+                      <a:srgbClr val="00B0F0"/>
+                    </a:solidFill>
+                  </a:rPr>
+                  <a:t>Step 2</a:t>
+                </a:r>
+              </a:p>
+            </p:txBody>
+          </p:sp>
+          <p:sp>
+            <p:nvSpPr>
+              <p:cNvPr id="20" name="TextBox 19">
+                <a:extLst>
+                  <a:ext uri="{FF2B5EF4-FFF2-40B4-BE49-F238E27FC236}">
+                    <a16:creationId xmlns:a16="http://schemas.microsoft.com/office/drawing/2014/main" id="{7AC52878-3692-FB2A-1322-BEE5B3070048}"/>
+                  </a:ext>
+                </a:extLst>
+              </p:cNvPr>
+              <p:cNvSpPr txBox="1"/>
+              <p:nvPr/>
+            </p:nvSpPr>
+            <p:spPr>
+              <a:xfrm>
+                <a:off x="9326205" y="1659637"/>
+                <a:ext cx="809624" cy="369332"/>
+              </a:xfrm>
+              <a:prstGeom prst="rect">
+                <a:avLst/>
+              </a:prstGeom>
+              <a:noFill/>
+            </p:spPr>
+            <p:txBody>
+              <a:bodyPr wrap="square" rtlCol="0">
+                <a:spAutoFit/>
+              </a:bodyPr>
+              <a:lstStyle/>
+              <a:p>
+                <a:r>
+                  <a:rPr lang="en-US" dirty="0">
+                    <a:solidFill>
+                      <a:schemeClr val="accent2"/>
+                    </a:solidFill>
+                  </a:rPr>
+                  <a:t>Step 3</a:t>
+                </a:r>
+              </a:p>
+            </p:txBody>
+          </p:sp>
+        </p:grpSp>
+        <p:cxnSp>
+          <p:nvCxnSpPr>
+            <p:cNvPr id="23" name="Straight Arrow Connector 22">
+              <a:extLst>
+                <a:ext uri="{FF2B5EF4-FFF2-40B4-BE49-F238E27FC236}">
+                  <a16:creationId xmlns:a16="http://schemas.microsoft.com/office/drawing/2014/main" id="{3A61F3D3-DD3F-9229-6E88-2475FFA937B2}"/>
+                </a:ext>
+              </a:extLst>
+            </p:cNvPr>
+            <p:cNvCxnSpPr>
+              <a:stCxn id="1026" idx="3"/>
+              <a:endCxn id="1030" idx="1"/>
+            </p:cNvCxnSpPr>
+            <p:nvPr/>
+          </p:nvCxnSpPr>
+          <p:spPr>
+            <a:xfrm>
+              <a:off x="3446941" y="3938587"/>
+              <a:ext cx="831521" cy="1"/>
+            </a:xfrm>
+            <a:prstGeom prst="straightConnector1">
+              <a:avLst/>
+            </a:prstGeom>
+            <a:ln w="38100">
+              <a:tailEnd type="triangle"/>
+            </a:ln>
+          </p:spPr>
+          <p:style>
+            <a:lnRef idx="3">
+              <a:schemeClr val="dk1"/>
+            </a:lnRef>
+            <a:fillRef idx="0">
+              <a:schemeClr val="dk1"/>
+            </a:fillRef>
+            <a:effectRef idx="2">
+              <a:schemeClr val="dk1"/>
+            </a:effectRef>
+            <a:fontRef idx="minor">
+              <a:schemeClr val="tx1"/>
+            </a:fontRef>
+          </p:style>
+        </p:cxnSp>
+        <p:cxnSp>
+          <p:nvCxnSpPr>
+            <p:cNvPr id="25" name="Straight Arrow Connector 24">
+              <a:extLst>
+                <a:ext uri="{FF2B5EF4-FFF2-40B4-BE49-F238E27FC236}">
+                  <a16:creationId xmlns:a16="http://schemas.microsoft.com/office/drawing/2014/main" id="{CF0D9792-C16B-5821-6F1B-B480FB1B977C}"/>
+                </a:ext>
+              </a:extLst>
+            </p:cNvPr>
+            <p:cNvCxnSpPr>
+              <a:cxnSpLocks/>
+            </p:cNvCxnSpPr>
+            <p:nvPr/>
+          </p:nvCxnSpPr>
+          <p:spPr>
+            <a:xfrm>
+              <a:off x="7593491" y="3938586"/>
+              <a:ext cx="831521" cy="1"/>
+            </a:xfrm>
+            <a:prstGeom prst="straightConnector1">
+              <a:avLst/>
+            </a:prstGeom>
+            <a:ln w="38100">
+              <a:tailEnd type="triangle"/>
+            </a:ln>
+          </p:spPr>
+          <p:style>
+            <a:lnRef idx="3">
+              <a:schemeClr val="dk1"/>
+            </a:lnRef>
+            <a:fillRef idx="0">
+              <a:schemeClr val="dk1"/>
+            </a:fillRef>
+            <a:effectRef idx="2">
+              <a:schemeClr val="dk1"/>
+            </a:effectRef>
+            <a:fontRef idx="minor">
+              <a:schemeClr val="tx1"/>
+            </a:fontRef>
+          </p:style>
+        </p:cxnSp>
+      </p:grpSp>
+      <p:pic>
+        <p:nvPicPr>
+          <p:cNvPr id="30" name="Picture 2" descr="FIRN Analytics: Timely Data Solutions &amp; Expert Consultancy">
+            <a:extLst>
+              <a:ext uri="{FF2B5EF4-FFF2-40B4-BE49-F238E27FC236}">
+                <a16:creationId xmlns:a16="http://schemas.microsoft.com/office/drawing/2014/main" id="{EC4E0CB6-A9A1-AA93-273B-B557BE6509DC}"/>
+              </a:ext>
+            </a:extLst>
+          </p:cNvPr>
+          <p:cNvPicPr>
+            <a:picLocks noChangeAspect="1" noChangeArrowheads="1"/>
+          </p:cNvPicPr>
+          <p:nvPr/>
+        </p:nvPicPr>
+        <p:blipFill>
+          <a:blip r:embed="rId6">
+            <a:extLst>
+              <a:ext uri="{28A0092B-C50C-407E-A947-70E740481C1C}">
+                <a14:useLocalDpi xmlns:a14="http://schemas.microsoft.com/office/drawing/2010/main" val="0"/>
+              </a:ext>
+            </a:extLst>
+          </a:blip>
+          <a:srcRect/>
+          <a:stretch>
+            <a:fillRect/>
+          </a:stretch>
+        </p:blipFill>
+        <p:spPr bwMode="auto">
+          <a:xfrm>
+            <a:off x="11182350" y="5848350"/>
+            <a:ext cx="1009650" cy="1009650"/>
+          </a:xfrm>
+          <a:prstGeom prst="rect">
+            <a:avLst/>
+          </a:prstGeom>
+          <a:noFill/>
+          <a:extLst>
+            <a:ext uri="{909E8E84-426E-40DD-AFC4-6F175D3DCCD1}">
+              <a14:hiddenFill xmlns:a14="http://schemas.microsoft.com/office/drawing/2010/main">
+                <a:solidFill>
+                  <a:srgbClr val="FFFFFF"/>
+                </a:solidFill>
+              </a14:hiddenFill>
+            </a:ext>
+          </a:extLst>
+        </p:spPr>
+      </p:pic>
+    </p:spTree>
+    <p:extLst>
+      <p:ext uri="{BB962C8B-B14F-4D97-AF65-F5344CB8AC3E}">
+        <p14:creationId xmlns:p14="http://schemas.microsoft.com/office/powerpoint/2010/main" val="155831479"/>
+      </p:ext>
+    </p:extLst>
+  </p:cSld>
+  <p:clrMapOvr>
+    <a:masterClrMapping/>
+  </p:clrMapOvr>
+</p:sld>
+</file>
+
+<file path=ppt/slides/slide11.xml><?xml version="1.0" encoding="utf-8"?>
+<p:sld xmlns:a="http://schemas.openxmlformats.org/drawingml/2006/main" xmlns:r="http://schemas.openxmlformats.org/officeDocument/2006/relationships" xmlns:p="http://schemas.openxmlformats.org/presentationml/2006/main">
+  <p:cSld>
+    <p:spTree>
+      <p:nvGrpSpPr>
+        <p:cNvPr id="1" name=""/>
+        <p:cNvGrpSpPr/>
+        <p:nvPr/>
+      </p:nvGrpSpPr>
+      <p:grpSpPr>
+        <a:xfrm>
+          <a:off x="0" y="0"/>
+          <a:ext cx="0" cy="0"/>
+          <a:chOff x="0" y="0"/>
+          <a:chExt cx="0" cy="0"/>
+        </a:xfrm>
+      </p:grpSpPr>
+      <p:sp>
+        <p:nvSpPr>
+          <p:cNvPr id="2" name="TextBox 1">
+            <a:extLst>
+              <a:ext uri="{FF2B5EF4-FFF2-40B4-BE49-F238E27FC236}">
+                <a16:creationId xmlns:a16="http://schemas.microsoft.com/office/drawing/2014/main" id="{15726383-B407-319E-030C-10F657ACC3A3}"/>
+              </a:ext>
+            </a:extLst>
+          </p:cNvPr>
+          <p:cNvSpPr txBox="1"/>
+          <p:nvPr/>
+        </p:nvSpPr>
+        <p:spPr>
+          <a:xfrm>
+            <a:off x="0" y="323165"/>
+            <a:ext cx="12192000" cy="646331"/>
+          </a:xfrm>
+          <a:prstGeom prst="rect">
+            <a:avLst/>
+          </a:prstGeom>
+          <a:noFill/>
+        </p:spPr>
+        <p:txBody>
+          <a:bodyPr wrap="square" rtlCol="0">
+            <a:spAutoFit/>
+          </a:bodyPr>
+          <a:lstStyle/>
+          <a:p>
+            <a:pPr algn="ctr"/>
+            <a:r>
+              <a:rPr lang="en-US" sz="3600" i="1" dirty="0">
+                <a:solidFill>
+                  <a:srgbClr val="7030A0"/>
+                </a:solidFill>
+                <a:latin typeface="Calisto MT" panose="02040603050505030304" pitchFamily="18" charset="0"/>
+              </a:rPr>
+              <a:t>Dbt Cloud – Ideas to fulfill the Business Requirement </a:t>
+            </a:r>
+          </a:p>
+        </p:txBody>
+      </p:sp>
+      <p:grpSp>
+        <p:nvGrpSpPr>
+          <p:cNvPr id="36" name="Group 35">
+            <a:extLst>
+              <a:ext uri="{FF2B5EF4-FFF2-40B4-BE49-F238E27FC236}">
+                <a16:creationId xmlns:a16="http://schemas.microsoft.com/office/drawing/2014/main" id="{659361F4-33D3-E9EC-634D-925D0EC1CA6F}"/>
+              </a:ext>
+            </a:extLst>
+          </p:cNvPr>
+          <p:cNvGrpSpPr/>
+          <p:nvPr/>
+        </p:nvGrpSpPr>
+        <p:grpSpPr>
+          <a:xfrm>
+            <a:off x="705866" y="2107942"/>
+            <a:ext cx="10780268" cy="2642115"/>
+            <a:chOff x="180735" y="1759210"/>
+            <a:chExt cx="10780268" cy="2642115"/>
+          </a:xfrm>
+        </p:grpSpPr>
+        <p:grpSp>
+          <p:nvGrpSpPr>
+            <p:cNvPr id="13" name="Group 12">
+              <a:extLst>
+                <a:ext uri="{FF2B5EF4-FFF2-40B4-BE49-F238E27FC236}">
+                  <a16:creationId xmlns:a16="http://schemas.microsoft.com/office/drawing/2014/main" id="{19F28E7D-C3A9-B27F-1FAE-60782DEB55BD}"/>
+                </a:ext>
+              </a:extLst>
+            </p:cNvPr>
+            <p:cNvGrpSpPr/>
+            <p:nvPr/>
+          </p:nvGrpSpPr>
+          <p:grpSpPr>
+            <a:xfrm>
+              <a:off x="180735" y="1759210"/>
+              <a:ext cx="7162800" cy="2457449"/>
+              <a:chOff x="0" y="1476462"/>
+              <a:chExt cx="12192000" cy="2457449"/>
+            </a:xfrm>
+          </p:grpSpPr>
+          <p:sp>
+            <p:nvSpPr>
+              <p:cNvPr id="5" name="TextBox 4">
+                <a:extLst>
+                  <a:ext uri="{FF2B5EF4-FFF2-40B4-BE49-F238E27FC236}">
+                    <a16:creationId xmlns:a16="http://schemas.microsoft.com/office/drawing/2014/main" id="{931F3E74-5C3E-0B97-1E52-81550E685E45}"/>
+                  </a:ext>
+                </a:extLst>
+              </p:cNvPr>
+              <p:cNvSpPr txBox="1"/>
+              <p:nvPr/>
+            </p:nvSpPr>
+            <p:spPr>
+              <a:xfrm>
+                <a:off x="0" y="1476462"/>
+                <a:ext cx="12192000" cy="646331"/>
+              </a:xfrm>
+              <a:prstGeom prst="rect">
+                <a:avLst/>
+              </a:prstGeom>
+              <a:noFill/>
+            </p:spPr>
+            <p:txBody>
+              <a:bodyPr wrap="square" rtlCol="0">
+                <a:spAutoFit/>
+              </a:bodyPr>
+              <a:lstStyle/>
+              <a:p>
+                <a:pPr marL="285750" indent="-285750">
+                  <a:buFont typeface="Arial" panose="020B0604020202020204" pitchFamily="34" charset="0"/>
+                  <a:buChar char="•"/>
+                </a:pPr>
+                <a:r>
+                  <a:rPr lang="en-US" dirty="0"/>
+                  <a:t>The </a:t>
+                </a:r>
+                <a:r>
+                  <a:rPr lang="en-US" b="1" dirty="0">
+                    <a:solidFill>
+                      <a:schemeClr val="accent6"/>
+                    </a:solidFill>
+                  </a:rPr>
+                  <a:t>number of trips</a:t>
+                </a:r>
+                <a:r>
+                  <a:rPr lang="en-US" dirty="0"/>
+                  <a:t> within months:</a:t>
+                </a:r>
+              </a:p>
+              <a:p>
+                <a:pPr marL="742950" lvl="1" indent="-285750">
+                  <a:buFont typeface="Wingdings" panose="05000000000000000000" pitchFamily="2" charset="2"/>
+                  <a:buChar char="Ø"/>
+                </a:pPr>
+                <a:r>
+                  <a:rPr lang="en-US" dirty="0"/>
+                  <a:t> Are bikes used more in February or June, or September maybe?</a:t>
+                </a:r>
+              </a:p>
+            </p:txBody>
+          </p:sp>
+          <p:sp>
+            <p:nvSpPr>
+              <p:cNvPr id="11" name="TextBox 10">
+                <a:extLst>
+                  <a:ext uri="{FF2B5EF4-FFF2-40B4-BE49-F238E27FC236}">
+                    <a16:creationId xmlns:a16="http://schemas.microsoft.com/office/drawing/2014/main" id="{F314916F-A773-55F1-D2A9-659663A8A457}"/>
+                  </a:ext>
+                </a:extLst>
+              </p:cNvPr>
+              <p:cNvSpPr txBox="1"/>
+              <p:nvPr/>
+            </p:nvSpPr>
+            <p:spPr>
+              <a:xfrm>
+                <a:off x="0" y="2382021"/>
+                <a:ext cx="12192000" cy="646331"/>
+              </a:xfrm>
+              <a:prstGeom prst="rect">
+                <a:avLst/>
+              </a:prstGeom>
+              <a:noFill/>
+            </p:spPr>
+            <p:txBody>
+              <a:bodyPr wrap="square" rtlCol="0">
+                <a:spAutoFit/>
+              </a:bodyPr>
+              <a:lstStyle/>
+              <a:p>
+                <a:pPr marL="285750" indent="-285750">
+                  <a:buFont typeface="Arial" panose="020B0604020202020204" pitchFamily="34" charset="0"/>
+                  <a:buChar char="•"/>
+                </a:pPr>
+                <a:r>
+                  <a:rPr lang="en-US" dirty="0"/>
+                  <a:t>The </a:t>
+                </a:r>
+                <a:r>
+                  <a:rPr lang="en-US" b="1" dirty="0">
+                    <a:solidFill>
+                      <a:schemeClr val="accent6"/>
+                    </a:solidFill>
+                  </a:rPr>
+                  <a:t>average trip duration</a:t>
+                </a:r>
+                <a:r>
+                  <a:rPr lang="en-US" dirty="0">
+                    <a:solidFill>
+                      <a:schemeClr val="accent6"/>
+                    </a:solidFill>
+                  </a:rPr>
+                  <a:t>/</a:t>
+                </a:r>
+                <a:r>
+                  <a:rPr lang="en-US" b="1" dirty="0">
+                    <a:solidFill>
+                      <a:schemeClr val="accent6"/>
+                    </a:solidFill>
+                  </a:rPr>
+                  <a:t>distance</a:t>
+                </a:r>
+                <a:r>
+                  <a:rPr lang="en-US" dirty="0">
+                    <a:solidFill>
+                      <a:schemeClr val="accent6"/>
+                    </a:solidFill>
+                  </a:rPr>
+                  <a:t> </a:t>
+                </a:r>
+                <a:r>
+                  <a:rPr lang="en-US" dirty="0"/>
+                  <a:t>within a specific period of time</a:t>
+                </a:r>
+              </a:p>
+              <a:p>
+                <a:pPr marL="742950" lvl="1" indent="-285750">
+                  <a:buFont typeface="Wingdings" panose="05000000000000000000" pitchFamily="2" charset="2"/>
+                  <a:buChar char="Ø"/>
+                </a:pPr>
+                <a:r>
+                  <a:rPr lang="en-US" dirty="0"/>
+                  <a:t> Are trips longer in February compared to June?</a:t>
+                </a:r>
+              </a:p>
+            </p:txBody>
+          </p:sp>
+          <p:sp>
+            <p:nvSpPr>
+              <p:cNvPr id="12" name="TextBox 11">
+                <a:extLst>
+                  <a:ext uri="{FF2B5EF4-FFF2-40B4-BE49-F238E27FC236}">
+                    <a16:creationId xmlns:a16="http://schemas.microsoft.com/office/drawing/2014/main" id="{C2AEDD6D-ED73-55B5-6569-53A4EEAC6BDF}"/>
+                  </a:ext>
+                </a:extLst>
+              </p:cNvPr>
+              <p:cNvSpPr txBox="1"/>
+              <p:nvPr/>
+            </p:nvSpPr>
+            <p:spPr>
+              <a:xfrm>
+                <a:off x="0" y="3287580"/>
+                <a:ext cx="12192000" cy="646331"/>
+              </a:xfrm>
+              <a:prstGeom prst="rect">
+                <a:avLst/>
+              </a:prstGeom>
+              <a:noFill/>
+            </p:spPr>
+            <p:txBody>
+              <a:bodyPr wrap="square" rtlCol="0">
+                <a:spAutoFit/>
+              </a:bodyPr>
+              <a:lstStyle/>
+              <a:p>
+                <a:pPr marL="285750" indent="-285750">
+                  <a:buFont typeface="Arial" panose="020B0604020202020204" pitchFamily="34" charset="0"/>
+                  <a:buChar char="•"/>
+                </a:pPr>
+                <a:r>
+                  <a:rPr lang="en-US" dirty="0"/>
+                  <a:t>The </a:t>
+                </a:r>
+                <a:r>
+                  <a:rPr lang="en-US" b="1" dirty="0">
+                    <a:solidFill>
+                      <a:schemeClr val="accent6"/>
+                    </a:solidFill>
+                  </a:rPr>
+                  <a:t>number of trips</a:t>
+                </a:r>
+                <a:r>
+                  <a:rPr lang="en-US" dirty="0"/>
+                  <a:t> by </a:t>
+                </a:r>
+                <a:r>
+                  <a:rPr lang="en-US" b="1" dirty="0">
+                    <a:solidFill>
+                      <a:srgbClr val="0000FF"/>
+                    </a:solidFill>
+                  </a:rPr>
+                  <a:t>weather condition</a:t>
+                </a:r>
+                <a:r>
+                  <a:rPr lang="en-US" dirty="0"/>
+                  <a:t>:</a:t>
+                </a:r>
+              </a:p>
+              <a:p>
+                <a:pPr marL="742950" lvl="1" indent="-285750">
+                  <a:buFont typeface="Wingdings" panose="05000000000000000000" pitchFamily="2" charset="2"/>
+                  <a:buChar char="Ø"/>
+                </a:pPr>
+                <a:r>
+                  <a:rPr lang="en-US" dirty="0"/>
+                  <a:t> Are bikes used more when the weather is sunny or rainy?</a:t>
+                </a:r>
+                <a:endParaRPr lang="en-US" b="1" dirty="0"/>
+              </a:p>
+            </p:txBody>
+          </p:sp>
+        </p:grpSp>
+        <p:grpSp>
+          <p:nvGrpSpPr>
+            <p:cNvPr id="31" name="Group 30">
+              <a:extLst>
+                <a:ext uri="{FF2B5EF4-FFF2-40B4-BE49-F238E27FC236}">
+                  <a16:creationId xmlns:a16="http://schemas.microsoft.com/office/drawing/2014/main" id="{3B0174BB-A38B-A10B-9942-61029CEAC75A}"/>
+                </a:ext>
+              </a:extLst>
+            </p:cNvPr>
+            <p:cNvGrpSpPr/>
+            <p:nvPr/>
+          </p:nvGrpSpPr>
+          <p:grpSpPr>
+            <a:xfrm>
+              <a:off x="8352968" y="1793289"/>
+              <a:ext cx="2608035" cy="2608036"/>
+              <a:chOff x="4405161" y="2958168"/>
+              <a:chExt cx="2608035" cy="2608036"/>
+            </a:xfrm>
+          </p:grpSpPr>
+          <p:pic>
+            <p:nvPicPr>
+              <p:cNvPr id="32" name="Picture 4" descr="positive correlation Icon - Free PNG &amp; SVG 1569699 - Noun Project">
+                <a:extLst>
+                  <a:ext uri="{FF2B5EF4-FFF2-40B4-BE49-F238E27FC236}">
+                    <a16:creationId xmlns:a16="http://schemas.microsoft.com/office/drawing/2014/main" id="{14876840-D8CD-DC94-9F9E-A4E63EB37247}"/>
+                  </a:ext>
+                </a:extLst>
+              </p:cNvPr>
+              <p:cNvPicPr>
+                <a:picLocks noChangeAspect="1" noChangeArrowheads="1"/>
+              </p:cNvPicPr>
+              <p:nvPr/>
+            </p:nvPicPr>
+            <p:blipFill>
+              <a:blip r:embed="rId2">
+                <a:extLst>
+                  <a:ext uri="{28A0092B-C50C-407E-A947-70E740481C1C}">
+                    <a14:useLocalDpi xmlns:a14="http://schemas.microsoft.com/office/drawing/2010/main" val="0"/>
+                  </a:ext>
+                </a:extLst>
+              </a:blip>
+              <a:srcRect/>
+              <a:stretch>
+                <a:fillRect/>
+              </a:stretch>
+            </p:blipFill>
+            <p:spPr bwMode="auto">
+              <a:xfrm>
+                <a:off x="4589826" y="2958168"/>
+                <a:ext cx="2423370" cy="2423370"/>
+              </a:xfrm>
+              <a:prstGeom prst="rect">
+                <a:avLst/>
+              </a:prstGeom>
+              <a:noFill/>
+              <a:extLst>
+                <a:ext uri="{909E8E84-426E-40DD-AFC4-6F175D3DCCD1}">
+                  <a14:hiddenFill xmlns:a14="http://schemas.microsoft.com/office/drawing/2010/main">
+                    <a:solidFill>
+                      <a:srgbClr val="FFFFFF"/>
+                    </a:solidFill>
+                  </a14:hiddenFill>
+                </a:ext>
+              </a:extLst>
+            </p:spPr>
+          </p:pic>
+          <p:sp>
+            <p:nvSpPr>
+              <p:cNvPr id="33" name="TextBox 32">
+                <a:extLst>
+                  <a:ext uri="{FF2B5EF4-FFF2-40B4-BE49-F238E27FC236}">
+                    <a16:creationId xmlns:a16="http://schemas.microsoft.com/office/drawing/2014/main" id="{0AADC248-C6E3-D794-2987-6435B23FD15D}"/>
+                  </a:ext>
+                </a:extLst>
+              </p:cNvPr>
+              <p:cNvSpPr txBox="1"/>
+              <p:nvPr/>
+            </p:nvSpPr>
+            <p:spPr>
+              <a:xfrm>
+                <a:off x="4808202" y="5196872"/>
+                <a:ext cx="1986618" cy="369332"/>
+              </a:xfrm>
+              <a:prstGeom prst="rect">
+                <a:avLst/>
+              </a:prstGeom>
+              <a:noFill/>
+            </p:spPr>
+            <p:txBody>
+              <a:bodyPr wrap="square" rtlCol="0">
+                <a:spAutoFit/>
+              </a:bodyPr>
+              <a:lstStyle/>
+              <a:p>
+                <a:r>
+                  <a:rPr lang="en-US" b="1" dirty="0">
+                    <a:solidFill>
+                      <a:srgbClr val="0000FF"/>
+                    </a:solidFill>
+                  </a:rPr>
+                  <a:t>Weather condition</a:t>
+                </a:r>
+              </a:p>
+            </p:txBody>
+          </p:sp>
+          <p:sp>
+            <p:nvSpPr>
+              <p:cNvPr id="34" name="TextBox 33">
+                <a:extLst>
+                  <a:ext uri="{FF2B5EF4-FFF2-40B4-BE49-F238E27FC236}">
+                    <a16:creationId xmlns:a16="http://schemas.microsoft.com/office/drawing/2014/main" id="{3C86AD69-6DE3-2FFC-9EDC-8961FD24F2BB}"/>
+                  </a:ext>
+                </a:extLst>
+              </p:cNvPr>
+              <p:cNvSpPr txBox="1"/>
+              <p:nvPr/>
+            </p:nvSpPr>
+            <p:spPr>
+              <a:xfrm rot="16200000">
+                <a:off x="3892461" y="3936175"/>
+                <a:ext cx="1394731" cy="369332"/>
+              </a:xfrm>
+              <a:prstGeom prst="rect">
+                <a:avLst/>
+              </a:prstGeom>
+              <a:noFill/>
+            </p:spPr>
+            <p:txBody>
+              <a:bodyPr wrap="square" rtlCol="0">
+                <a:spAutoFit/>
+              </a:bodyPr>
+              <a:lstStyle/>
+              <a:p>
+                <a:r>
+                  <a:rPr lang="en-US" b="1" dirty="0">
+                    <a:solidFill>
+                      <a:schemeClr val="accent6"/>
+                    </a:solidFill>
+                  </a:rPr>
+                  <a:t>Bikes Usage</a:t>
+                </a:r>
+              </a:p>
+            </p:txBody>
+          </p:sp>
+        </p:grpSp>
+        <p:sp>
+          <p:nvSpPr>
+            <p:cNvPr id="35" name="Right Brace 34">
+              <a:extLst>
+                <a:ext uri="{FF2B5EF4-FFF2-40B4-BE49-F238E27FC236}">
+                  <a16:creationId xmlns:a16="http://schemas.microsoft.com/office/drawing/2014/main" id="{C2EBBE9E-7C13-B770-BFD2-6E3E39354F53}"/>
+                </a:ext>
+              </a:extLst>
+            </p:cNvPr>
+            <p:cNvSpPr/>
+            <p:nvPr/>
+          </p:nvSpPr>
+          <p:spPr>
+            <a:xfrm>
+              <a:off x="7529993" y="1793289"/>
+              <a:ext cx="318257" cy="2423370"/>
+            </a:xfrm>
+            <a:prstGeom prst="rightBrace">
+              <a:avLst/>
+            </a:prstGeom>
+            <a:ln w="38100">
+              <a:solidFill>
+                <a:schemeClr val="accent4">
+                  <a:lumMod val="75000"/>
+                </a:schemeClr>
+              </a:solidFill>
+            </a:ln>
+          </p:spPr>
+          <p:style>
+            <a:lnRef idx="3">
+              <a:schemeClr val="accent2"/>
+            </a:lnRef>
+            <a:fillRef idx="0">
+              <a:schemeClr val="accent2"/>
+            </a:fillRef>
+            <a:effectRef idx="2">
+              <a:schemeClr val="accent2"/>
+            </a:effectRef>
+            <a:fontRef idx="minor">
+              <a:schemeClr val="tx1"/>
+            </a:fontRef>
+          </p:style>
+          <p:txBody>
+            <a:bodyPr rtlCol="0" anchor="ctr"/>
+            <a:lstStyle/>
+            <a:p>
+              <a:pPr algn="ctr"/>
+              <a:endParaRPr lang="en-US"/>
+            </a:p>
+          </p:txBody>
+        </p:sp>
+      </p:grpSp>
+      <p:pic>
+        <p:nvPicPr>
+          <p:cNvPr id="39" name="Picture 2" descr="FIRN Analytics: Timely Data Solutions &amp; Expert Consultancy">
+            <a:extLst>
+              <a:ext uri="{FF2B5EF4-FFF2-40B4-BE49-F238E27FC236}">
+                <a16:creationId xmlns:a16="http://schemas.microsoft.com/office/drawing/2014/main" id="{DC0B0425-5A11-B8A4-83D9-D81D1C821200}"/>
+              </a:ext>
+            </a:extLst>
+          </p:cNvPr>
+          <p:cNvPicPr>
+            <a:picLocks noChangeAspect="1" noChangeArrowheads="1"/>
+          </p:cNvPicPr>
+          <p:nvPr/>
+        </p:nvPicPr>
+        <p:blipFill>
+          <a:blip r:embed="rId3">
+            <a:extLst>
+              <a:ext uri="{28A0092B-C50C-407E-A947-70E740481C1C}">
+                <a14:useLocalDpi xmlns:a14="http://schemas.microsoft.com/office/drawing/2010/main" val="0"/>
+              </a:ext>
+            </a:extLst>
+          </a:blip>
+          <a:srcRect/>
+          <a:stretch>
+            <a:fillRect/>
+          </a:stretch>
+        </p:blipFill>
+        <p:spPr bwMode="auto">
+          <a:xfrm>
+            <a:off x="11182350" y="5848350"/>
+            <a:ext cx="1009650" cy="1009650"/>
+          </a:xfrm>
+          <a:prstGeom prst="rect">
+            <a:avLst/>
+          </a:prstGeom>
+          <a:noFill/>
+          <a:extLst>
+            <a:ext uri="{909E8E84-426E-40DD-AFC4-6F175D3DCCD1}">
+              <a14:hiddenFill xmlns:a14="http://schemas.microsoft.com/office/drawing/2010/main">
+                <a:solidFill>
+                  <a:srgbClr val="FFFFFF"/>
+                </a:solidFill>
+              </a14:hiddenFill>
+            </a:ext>
+          </a:extLst>
+        </p:spPr>
+      </p:pic>
+    </p:spTree>
+    <p:extLst>
+      <p:ext uri="{BB962C8B-B14F-4D97-AF65-F5344CB8AC3E}">
+        <p14:creationId xmlns:p14="http://schemas.microsoft.com/office/powerpoint/2010/main" val="2922380159"/>
+      </p:ext>
+    </p:extLst>
+  </p:cSld>
+  <p:clrMapOvr>
+    <a:masterClrMapping/>
+  </p:clrMapOvr>
+</p:sld>
+</file>
+
+<file path=ppt/slides/slide12.xml><?xml version="1.0" encoding="utf-8"?>
+<p:sld xmlns:a="http://schemas.openxmlformats.org/drawingml/2006/main" xmlns:r="http://schemas.openxmlformats.org/officeDocument/2006/relationships" xmlns:p="http://schemas.openxmlformats.org/presentationml/2006/main">
+  <p:cSld>
+    <p:spTree>
+      <p:nvGrpSpPr>
+        <p:cNvPr id="1" name=""/>
+        <p:cNvGrpSpPr/>
+        <p:nvPr/>
+      </p:nvGrpSpPr>
+      <p:grpSpPr>
+        <a:xfrm>
+          <a:off x="0" y="0"/>
+          <a:ext cx="0" cy="0"/>
+          <a:chOff x="0" y="0"/>
+          <a:chExt cx="0" cy="0"/>
+        </a:xfrm>
+      </p:grpSpPr>
+      <p:sp>
+        <p:nvSpPr>
+          <p:cNvPr id="2" name="TextBox 1">
+            <a:extLst>
+              <a:ext uri="{FF2B5EF4-FFF2-40B4-BE49-F238E27FC236}">
+                <a16:creationId xmlns:a16="http://schemas.microsoft.com/office/drawing/2014/main" id="{15726383-B407-319E-030C-10F657ACC3A3}"/>
+              </a:ext>
+            </a:extLst>
+          </p:cNvPr>
+          <p:cNvSpPr txBox="1"/>
+          <p:nvPr/>
+        </p:nvSpPr>
+        <p:spPr>
+          <a:xfrm>
+            <a:off x="0" y="323165"/>
+            <a:ext cx="12192000" cy="646331"/>
+          </a:xfrm>
+          <a:prstGeom prst="rect">
+            <a:avLst/>
+          </a:prstGeom>
+          <a:noFill/>
+        </p:spPr>
+        <p:txBody>
+          <a:bodyPr wrap="square" rtlCol="0">
+            <a:spAutoFit/>
+          </a:bodyPr>
+          <a:lstStyle/>
+          <a:p>
+            <a:pPr algn="ctr"/>
+            <a:r>
+              <a:rPr lang="en-US" sz="3600" i="1" dirty="0">
+                <a:solidFill>
+                  <a:srgbClr val="7030A0"/>
+                </a:solidFill>
+                <a:latin typeface="Calisto MT" panose="02040603050505030304" pitchFamily="18" charset="0"/>
+              </a:rPr>
+              <a:t>Dbt Cloud – Building your Models</a:t>
+            </a:r>
+          </a:p>
+        </p:txBody>
+      </p:sp>
+      <p:sp>
+        <p:nvSpPr>
+          <p:cNvPr id="10" name="TextBox 9">
+            <a:extLst>
+              <a:ext uri="{FF2B5EF4-FFF2-40B4-BE49-F238E27FC236}">
+                <a16:creationId xmlns:a16="http://schemas.microsoft.com/office/drawing/2014/main" id="{6467F0E2-8C80-95CB-D13A-9A22631C173D}"/>
+              </a:ext>
+            </a:extLst>
+          </p:cNvPr>
+          <p:cNvSpPr txBox="1"/>
+          <p:nvPr/>
+        </p:nvSpPr>
+        <p:spPr>
+          <a:xfrm>
+            <a:off x="117219" y="1451038"/>
+            <a:ext cx="7162800" cy="369332"/>
+          </a:xfrm>
+          <a:prstGeom prst="rect">
+            <a:avLst/>
+          </a:prstGeom>
+          <a:noFill/>
+        </p:spPr>
+        <p:txBody>
+          <a:bodyPr wrap="square" rtlCol="0">
+            <a:spAutoFit/>
+          </a:bodyPr>
+          <a:lstStyle/>
+          <a:p>
+            <a:pPr marL="285750" indent="-285750">
+              <a:buFont typeface="Arial" panose="020B0604020202020204" pitchFamily="34" charset="0"/>
+              <a:buChar char="•"/>
+            </a:pPr>
+            <a:r>
+              <a:rPr lang="en-US" dirty="0"/>
+              <a:t>The </a:t>
+            </a:r>
+            <a:r>
+              <a:rPr lang="en-US" b="1" dirty="0">
+                <a:solidFill>
+                  <a:schemeClr val="accent6"/>
+                </a:solidFill>
+              </a:rPr>
+              <a:t>number of trips</a:t>
+            </a:r>
+            <a:r>
+              <a:rPr lang="en-US" dirty="0"/>
+              <a:t> within months</a:t>
+            </a:r>
+          </a:p>
+        </p:txBody>
+      </p:sp>
+      <p:grpSp>
+        <p:nvGrpSpPr>
+          <p:cNvPr id="31" name="Group 30">
+            <a:extLst>
+              <a:ext uri="{FF2B5EF4-FFF2-40B4-BE49-F238E27FC236}">
+                <a16:creationId xmlns:a16="http://schemas.microsoft.com/office/drawing/2014/main" id="{9DA3F4AE-1D18-AD18-2E06-D85D6465C467}"/>
+              </a:ext>
+            </a:extLst>
+          </p:cNvPr>
+          <p:cNvGrpSpPr/>
+          <p:nvPr/>
+        </p:nvGrpSpPr>
+        <p:grpSpPr>
+          <a:xfrm>
+            <a:off x="1635105" y="2140241"/>
+            <a:ext cx="8146990" cy="3893175"/>
+            <a:chOff x="1501755" y="2654591"/>
+            <a:chExt cx="8146990" cy="3893175"/>
+          </a:xfrm>
+        </p:grpSpPr>
+        <p:grpSp>
+          <p:nvGrpSpPr>
+            <p:cNvPr id="28" name="Group 27">
+              <a:extLst>
+                <a:ext uri="{FF2B5EF4-FFF2-40B4-BE49-F238E27FC236}">
+                  <a16:creationId xmlns:a16="http://schemas.microsoft.com/office/drawing/2014/main" id="{5A8338CC-374C-224B-910D-DEAD91163375}"/>
+                </a:ext>
+              </a:extLst>
+            </p:cNvPr>
+            <p:cNvGrpSpPr/>
+            <p:nvPr/>
+          </p:nvGrpSpPr>
+          <p:grpSpPr>
+            <a:xfrm>
+              <a:off x="1501755" y="2654591"/>
+              <a:ext cx="7099387" cy="3893175"/>
+              <a:chOff x="1501755" y="2654591"/>
+              <a:chExt cx="7099387" cy="3893175"/>
+            </a:xfrm>
+          </p:grpSpPr>
+          <p:grpSp>
+            <p:nvGrpSpPr>
+              <p:cNvPr id="13" name="Group 12">
+                <a:extLst>
+                  <a:ext uri="{FF2B5EF4-FFF2-40B4-BE49-F238E27FC236}">
+                    <a16:creationId xmlns:a16="http://schemas.microsoft.com/office/drawing/2014/main" id="{C180C4D5-602D-69A4-FB32-02DA25883B2E}"/>
+                  </a:ext>
+                </a:extLst>
+              </p:cNvPr>
+              <p:cNvGrpSpPr/>
+              <p:nvPr/>
+            </p:nvGrpSpPr>
+            <p:grpSpPr>
+              <a:xfrm>
+                <a:off x="3228907" y="2654591"/>
+                <a:ext cx="5372235" cy="1201014"/>
+                <a:chOff x="3409882" y="2112234"/>
+                <a:chExt cx="5372235" cy="1201013"/>
+              </a:xfrm>
+            </p:grpSpPr>
+            <p:grpSp>
+              <p:nvGrpSpPr>
+                <p:cNvPr id="14" name="Group 13">
+                  <a:extLst>
+                    <a:ext uri="{FF2B5EF4-FFF2-40B4-BE49-F238E27FC236}">
+                      <a16:creationId xmlns:a16="http://schemas.microsoft.com/office/drawing/2014/main" id="{AC2C4F69-3B68-618E-2829-7D8E57B58FC9}"/>
+                    </a:ext>
+                  </a:extLst>
+                </p:cNvPr>
+                <p:cNvGrpSpPr/>
+                <p:nvPr/>
+              </p:nvGrpSpPr>
+              <p:grpSpPr>
+                <a:xfrm>
+                  <a:off x="4004029" y="2148519"/>
+                  <a:ext cx="4097045" cy="1164728"/>
+                  <a:chOff x="4537610" y="2145126"/>
+                  <a:chExt cx="4097045" cy="1164728"/>
+                </a:xfrm>
+              </p:grpSpPr>
+              <p:grpSp>
+                <p:nvGrpSpPr>
+                  <p:cNvPr id="17" name="Group 16">
+                    <a:extLst>
+                      <a:ext uri="{FF2B5EF4-FFF2-40B4-BE49-F238E27FC236}">
+                        <a16:creationId xmlns:a16="http://schemas.microsoft.com/office/drawing/2014/main" id="{770A9B4D-9F0F-B4D5-F76A-D186C6C2717F}"/>
+                      </a:ext>
+                    </a:extLst>
+                  </p:cNvPr>
+                  <p:cNvGrpSpPr/>
+                  <p:nvPr/>
+                </p:nvGrpSpPr>
+                <p:grpSpPr>
+                  <a:xfrm>
+                    <a:off x="4537610" y="2672283"/>
+                    <a:ext cx="4097045" cy="637571"/>
+                    <a:chOff x="4537610" y="2672283"/>
+                    <a:chExt cx="4097045" cy="637571"/>
+                  </a:xfrm>
+                </p:grpSpPr>
+                <p:sp>
+                  <p:nvSpPr>
+                    <p:cNvPr id="19" name="Cylinder 18">
+                      <a:extLst>
+                        <a:ext uri="{FF2B5EF4-FFF2-40B4-BE49-F238E27FC236}">
+                          <a16:creationId xmlns:a16="http://schemas.microsoft.com/office/drawing/2014/main" id="{9122C456-EAD0-C50C-EB44-1A97E5F1514E}"/>
+                        </a:ext>
+                      </a:extLst>
+                    </p:cNvPr>
+                    <p:cNvSpPr/>
+                    <p:nvPr/>
+                  </p:nvSpPr>
+                  <p:spPr>
+                    <a:xfrm rot="5400000">
+                      <a:off x="6353325" y="2078921"/>
+                      <a:ext cx="385894" cy="1837189"/>
+                    </a:xfrm>
+                    <a:prstGeom prst="can">
+                      <a:avLst/>
+                    </a:prstGeom>
+                    <a:solidFill>
+                      <a:srgbClr val="C00000">
+                        <a:alpha val="56000"/>
+                      </a:srgbClr>
+                    </a:solidFill>
+                  </p:spPr>
+                  <p:style>
+                    <a:lnRef idx="2">
+                      <a:schemeClr val="accent1">
+                        <a:shade val="15000"/>
+                      </a:schemeClr>
+                    </a:lnRef>
+                    <a:fillRef idx="1">
+                      <a:schemeClr val="accent1"/>
+                    </a:fillRef>
+                    <a:effectRef idx="0">
+                      <a:schemeClr val="accent1"/>
+                    </a:effectRef>
+                    <a:fontRef idx="minor">
+                      <a:schemeClr val="lt1"/>
+                    </a:fontRef>
+                  </p:style>
+                  <p:txBody>
+                    <a:bodyPr rtlCol="0" anchor="ctr"/>
+                    <a:lstStyle/>
+                    <a:p>
+                      <a:pPr algn="ctr"/>
+                      <a:endParaRPr lang="en-US" dirty="0"/>
+                    </a:p>
+                  </p:txBody>
+                </p:sp>
+                <p:grpSp>
+                  <p:nvGrpSpPr>
+                    <p:cNvPr id="20" name="Group 19">
+                      <a:extLst>
+                        <a:ext uri="{FF2B5EF4-FFF2-40B4-BE49-F238E27FC236}">
+                          <a16:creationId xmlns:a16="http://schemas.microsoft.com/office/drawing/2014/main" id="{80E28A5F-B731-ED62-AE43-D44AEB19275F}"/>
+                        </a:ext>
+                      </a:extLst>
+                    </p:cNvPr>
+                    <p:cNvGrpSpPr/>
+                    <p:nvPr/>
+                  </p:nvGrpSpPr>
+                  <p:grpSpPr>
+                    <a:xfrm>
+                      <a:off x="4537610" y="2672283"/>
+                      <a:ext cx="4097045" cy="637571"/>
+                      <a:chOff x="4537610" y="2672283"/>
+                      <a:chExt cx="4097045" cy="637571"/>
+                    </a:xfrm>
+                  </p:grpSpPr>
+                  <p:sp>
+                    <p:nvSpPr>
+                      <p:cNvPr id="21" name="TextBox 20">
+                        <a:extLst>
+                          <a:ext uri="{FF2B5EF4-FFF2-40B4-BE49-F238E27FC236}">
+                            <a16:creationId xmlns:a16="http://schemas.microsoft.com/office/drawing/2014/main" id="{55B5D6EA-A0EA-A843-E076-3E36CED1119C}"/>
+                          </a:ext>
+                        </a:extLst>
+                      </p:cNvPr>
+                      <p:cNvSpPr txBox="1"/>
+                      <p:nvPr/>
+                    </p:nvSpPr>
+                    <p:spPr>
+                      <a:xfrm>
+                        <a:off x="6372237" y="2812847"/>
+                        <a:ext cx="444616" cy="369332"/>
+                      </a:xfrm>
+                      <a:prstGeom prst="rect">
+                        <a:avLst/>
+                      </a:prstGeom>
+                      <a:noFill/>
+                    </p:spPr>
+                    <p:txBody>
+                      <a:bodyPr wrap="square" rtlCol="0">
+                        <a:spAutoFit/>
+                      </a:bodyPr>
+                      <a:lstStyle/>
+                      <a:p>
+                        <a:r>
+                          <a:rPr lang="en-US" b="1" i="1" dirty="0"/>
+                          <a:t>T</a:t>
+                        </a:r>
+                      </a:p>
+                    </p:txBody>
+                  </p:sp>
+                  <p:pic>
+                    <p:nvPicPr>
+                      <p:cNvPr id="22" name="Picture 6" descr="Snowflake logo in transparent PNG and vectorized SVG formats">
+                        <a:extLst>
+                          <a:ext uri="{FF2B5EF4-FFF2-40B4-BE49-F238E27FC236}">
+                            <a16:creationId xmlns:a16="http://schemas.microsoft.com/office/drawing/2014/main" id="{B19E6F70-6C8F-4643-E645-95490EBBEC97}"/>
+                          </a:ext>
+                        </a:extLst>
+                      </p:cNvPr>
+                      <p:cNvPicPr>
+                        <a:picLocks noChangeAspect="1" noChangeArrowheads="1"/>
+                      </p:cNvPicPr>
+                      <p:nvPr/>
+                    </p:nvPicPr>
+                    <p:blipFill>
+                      <a:blip r:embed="rId2">
+                        <a:extLst>
+                          <a:ext uri="{28A0092B-C50C-407E-A947-70E740481C1C}">
+                            <a14:useLocalDpi xmlns:a14="http://schemas.microsoft.com/office/drawing/2010/main" val="0"/>
+                          </a:ext>
+                        </a:extLst>
+                      </a:blip>
+                      <a:srcRect/>
+                      <a:stretch>
+                        <a:fillRect/>
+                      </a:stretch>
+                    </p:blipFill>
+                    <p:spPr bwMode="auto">
+                      <a:xfrm>
+                        <a:off x="4537610" y="2672284"/>
+                        <a:ext cx="640080" cy="637570"/>
+                      </a:xfrm>
+                      <a:prstGeom prst="rect">
+                        <a:avLst/>
+                      </a:prstGeom>
+                      <a:noFill/>
+                      <a:extLst>
+                        <a:ext uri="{909E8E84-426E-40DD-AFC4-6F175D3DCCD1}">
+                          <a14:hiddenFill xmlns:a14="http://schemas.microsoft.com/office/drawing/2010/main">
+                            <a:solidFill>
+                              <a:srgbClr val="FFFFFF"/>
+                            </a:solidFill>
+                          </a14:hiddenFill>
+                        </a:ext>
+                      </a:extLst>
+                    </p:spPr>
+                  </p:pic>
+                  <p:pic>
+                    <p:nvPicPr>
+                      <p:cNvPr id="23" name="Picture 6" descr="Snowflake logo in transparent PNG and vectorized SVG formats">
+                        <a:extLst>
+                          <a:ext uri="{FF2B5EF4-FFF2-40B4-BE49-F238E27FC236}">
+                            <a16:creationId xmlns:a16="http://schemas.microsoft.com/office/drawing/2014/main" id="{3218EA09-3B2E-B0F0-8F55-44C8445E20DE}"/>
+                          </a:ext>
+                        </a:extLst>
+                      </p:cNvPr>
+                      <p:cNvPicPr>
+                        <a:picLocks noChangeAspect="1" noChangeArrowheads="1"/>
+                      </p:cNvPicPr>
+                      <p:nvPr/>
+                    </p:nvPicPr>
+                    <p:blipFill>
+                      <a:blip r:embed="rId2">
+                        <a:extLst>
+                          <a:ext uri="{28A0092B-C50C-407E-A947-70E740481C1C}">
+                            <a14:useLocalDpi xmlns:a14="http://schemas.microsoft.com/office/drawing/2010/main" val="0"/>
+                          </a:ext>
+                        </a:extLst>
+                      </a:blip>
+                      <a:srcRect/>
+                      <a:stretch>
+                        <a:fillRect/>
+                      </a:stretch>
+                    </p:blipFill>
+                    <p:spPr bwMode="auto">
+                      <a:xfrm>
+                        <a:off x="7994575" y="2672283"/>
+                        <a:ext cx="640080" cy="637570"/>
+                      </a:xfrm>
+                      <a:prstGeom prst="rect">
+                        <a:avLst/>
+                      </a:prstGeom>
+                      <a:noFill/>
+                      <a:extLst>
+                        <a:ext uri="{909E8E84-426E-40DD-AFC4-6F175D3DCCD1}">
+                          <a14:hiddenFill xmlns:a14="http://schemas.microsoft.com/office/drawing/2010/main">
+                            <a:solidFill>
+                              <a:srgbClr val="FFFFFF"/>
+                            </a:solidFill>
+                          </a14:hiddenFill>
+                        </a:ext>
+                      </a:extLst>
+                    </p:spPr>
+                  </p:pic>
+                </p:grpSp>
+              </p:grpSp>
+              <p:pic>
+                <p:nvPicPr>
+                  <p:cNvPr id="18" name="Picture 2" descr="Dbt Logo PNG Vectors Free Download">
+                    <a:extLst>
+                      <a:ext uri="{FF2B5EF4-FFF2-40B4-BE49-F238E27FC236}">
+                        <a16:creationId xmlns:a16="http://schemas.microsoft.com/office/drawing/2014/main" id="{B685A8BB-2227-3818-2BAE-09C2FE27DF4F}"/>
+                      </a:ext>
+                    </a:extLst>
+                  </p:cNvPr>
+                  <p:cNvPicPr>
+                    <a:picLocks noChangeAspect="1" noChangeArrowheads="1"/>
+                  </p:cNvPicPr>
+                  <p:nvPr/>
+                </p:nvPicPr>
+                <p:blipFill>
+                  <a:blip r:embed="rId3">
+                    <a:extLst>
+                      <a:ext uri="{28A0092B-C50C-407E-A947-70E740481C1C}">
+                        <a14:useLocalDpi xmlns:a14="http://schemas.microsoft.com/office/drawing/2010/main" val="0"/>
+                      </a:ext>
+                    </a:extLst>
+                  </a:blip>
+                  <a:srcRect/>
+                  <a:stretch>
+                    <a:fillRect/>
+                  </a:stretch>
+                </p:blipFill>
+                <p:spPr bwMode="auto">
+                  <a:xfrm>
+                    <a:off x="6282496" y="2145126"/>
+                    <a:ext cx="548640" cy="548639"/>
+                  </a:xfrm>
+                  <a:prstGeom prst="rect">
+                    <a:avLst/>
+                  </a:prstGeom>
+                  <a:noFill/>
+                  <a:extLst>
+                    <a:ext uri="{909E8E84-426E-40DD-AFC4-6F175D3DCCD1}">
+                      <a14:hiddenFill xmlns:a14="http://schemas.microsoft.com/office/drawing/2010/main">
+                        <a:solidFill>
+                          <a:srgbClr val="FFFFFF"/>
+                        </a:solidFill>
+                      </a14:hiddenFill>
+                    </a:ext>
+                  </a:extLst>
+                </p:spPr>
+              </p:pic>
+            </p:grpSp>
+            <p:sp>
+              <p:nvSpPr>
+                <p:cNvPr id="15" name="TextBox 14">
+                  <a:extLst>
+                    <a:ext uri="{FF2B5EF4-FFF2-40B4-BE49-F238E27FC236}">
+                      <a16:creationId xmlns:a16="http://schemas.microsoft.com/office/drawing/2014/main" id="{BF5F7292-332C-3E95-1576-178AF84D9D64}"/>
+                    </a:ext>
+                  </a:extLst>
+                </p:cNvPr>
+                <p:cNvSpPr txBox="1"/>
+                <p:nvPr/>
+              </p:nvSpPr>
+              <p:spPr>
+                <a:xfrm>
+                  <a:off x="3409882" y="2115465"/>
+                  <a:ext cx="1828375" cy="369332"/>
+                </a:xfrm>
+                <a:prstGeom prst="rect">
+                  <a:avLst/>
+                </a:prstGeom>
+                <a:noFill/>
+              </p:spPr>
+              <p:txBody>
+                <a:bodyPr wrap="square" rtlCol="0">
+                  <a:spAutoFit/>
+                </a:bodyPr>
+                <a:lstStyle/>
+                <a:p>
+                  <a:pPr algn="ctr"/>
+                  <a:r>
+                    <a:rPr lang="en-US" dirty="0">
+                      <a:solidFill>
+                        <a:srgbClr val="00B0F0"/>
+                      </a:solidFill>
+                    </a:rPr>
+                    <a:t>Trips</a:t>
+                  </a:r>
+                </a:p>
+              </p:txBody>
+            </p:sp>
+            <p:sp>
+              <p:nvSpPr>
+                <p:cNvPr id="16" name="TextBox 15">
+                  <a:extLst>
+                    <a:ext uri="{FF2B5EF4-FFF2-40B4-BE49-F238E27FC236}">
+                      <a16:creationId xmlns:a16="http://schemas.microsoft.com/office/drawing/2014/main" id="{9C82CE7A-1613-F8FC-0AA6-54BE7A9E418E}"/>
+                    </a:ext>
+                  </a:extLst>
+                </p:cNvPr>
+                <p:cNvSpPr txBox="1"/>
+                <p:nvPr/>
+              </p:nvSpPr>
+              <p:spPr>
+                <a:xfrm>
+                  <a:off x="6953742" y="2112234"/>
+                  <a:ext cx="1828375" cy="369332"/>
+                </a:xfrm>
+                <a:prstGeom prst="rect">
+                  <a:avLst/>
+                </a:prstGeom>
+                <a:noFill/>
+              </p:spPr>
+              <p:txBody>
+                <a:bodyPr wrap="square" rtlCol="0">
+                  <a:spAutoFit/>
+                </a:bodyPr>
+                <a:lstStyle/>
+                <a:p>
+                  <a:pPr algn="ctr"/>
+                  <a:r>
+                    <a:rPr lang="en-US" dirty="0" err="1">
+                      <a:solidFill>
+                        <a:srgbClr val="00B0F0"/>
+                      </a:solidFill>
+                    </a:rPr>
+                    <a:t>Monthly_Trips</a:t>
+                  </a:r>
+                  <a:endParaRPr lang="en-US" dirty="0">
+                    <a:solidFill>
+                      <a:srgbClr val="00B0F0"/>
+                    </a:solidFill>
+                  </a:endParaRPr>
+                </a:p>
+              </p:txBody>
+            </p:sp>
+          </p:grpSp>
+          <p:pic>
+            <p:nvPicPr>
+              <p:cNvPr id="25" name="Picture 24">
+                <a:extLst>
+                  <a:ext uri="{FF2B5EF4-FFF2-40B4-BE49-F238E27FC236}">
+                    <a16:creationId xmlns:a16="http://schemas.microsoft.com/office/drawing/2014/main" id="{5ECA5D7A-94E2-FC3D-2D20-40EC33A4BE8A}"/>
+                  </a:ext>
+                </a:extLst>
+              </p:cNvPr>
+              <p:cNvPicPr>
+                <a:picLocks noChangeAspect="1"/>
+              </p:cNvPicPr>
+              <p:nvPr/>
+            </p:nvPicPr>
+            <p:blipFill>
+              <a:blip r:embed="rId4"/>
+              <a:stretch>
+                <a:fillRect/>
+              </a:stretch>
+            </p:blipFill>
+            <p:spPr>
+              <a:xfrm>
+                <a:off x="1501755" y="4395657"/>
+                <a:ext cx="5200931" cy="2152109"/>
+              </a:xfrm>
+              <a:prstGeom prst="rect">
+                <a:avLst/>
+              </a:prstGeom>
+            </p:spPr>
+          </p:pic>
+        </p:grpSp>
+        <p:pic>
+          <p:nvPicPr>
+            <p:cNvPr id="30" name="Picture 29">
+              <a:extLst>
+                <a:ext uri="{FF2B5EF4-FFF2-40B4-BE49-F238E27FC236}">
+                  <a16:creationId xmlns:a16="http://schemas.microsoft.com/office/drawing/2014/main" id="{40CBA7FD-206A-8178-92B5-FC237F5F9775}"/>
+                </a:ext>
+              </a:extLst>
+            </p:cNvPr>
+            <p:cNvPicPr>
+              <a:picLocks noChangeAspect="1"/>
+            </p:cNvPicPr>
+            <p:nvPr/>
+          </p:nvPicPr>
+          <p:blipFill>
+            <a:blip r:embed="rId5"/>
+            <a:stretch>
+              <a:fillRect/>
+            </a:stretch>
+          </p:blipFill>
+          <p:spPr>
+            <a:xfrm>
+              <a:off x="7553539" y="4907243"/>
+              <a:ext cx="2095206" cy="969682"/>
+            </a:xfrm>
+            <a:prstGeom prst="rect">
+              <a:avLst/>
+            </a:prstGeom>
+          </p:spPr>
+        </p:pic>
+      </p:grpSp>
+      <p:pic>
+        <p:nvPicPr>
+          <p:cNvPr id="33" name="Picture 2" descr="FIRN Analytics: Timely Data Solutions &amp; Expert Consultancy">
+            <a:extLst>
+              <a:ext uri="{FF2B5EF4-FFF2-40B4-BE49-F238E27FC236}">
+                <a16:creationId xmlns:a16="http://schemas.microsoft.com/office/drawing/2014/main" id="{A9AD30DF-6C78-F83B-CA9E-4F3147D9E04B}"/>
+              </a:ext>
+            </a:extLst>
+          </p:cNvPr>
+          <p:cNvPicPr>
+            <a:picLocks noChangeAspect="1" noChangeArrowheads="1"/>
+          </p:cNvPicPr>
+          <p:nvPr/>
+        </p:nvPicPr>
+        <p:blipFill>
+          <a:blip r:embed="rId6">
+            <a:extLst>
+              <a:ext uri="{28A0092B-C50C-407E-A947-70E740481C1C}">
+                <a14:useLocalDpi xmlns:a14="http://schemas.microsoft.com/office/drawing/2010/main" val="0"/>
+              </a:ext>
+            </a:extLst>
+          </a:blip>
+          <a:srcRect/>
+          <a:stretch>
+            <a:fillRect/>
+          </a:stretch>
+        </p:blipFill>
+        <p:spPr bwMode="auto">
+          <a:xfrm>
+            <a:off x="11182350" y="5848350"/>
+            <a:ext cx="1009650" cy="1009650"/>
+          </a:xfrm>
+          <a:prstGeom prst="rect">
+            <a:avLst/>
+          </a:prstGeom>
+          <a:noFill/>
+          <a:extLst>
+            <a:ext uri="{909E8E84-426E-40DD-AFC4-6F175D3DCCD1}">
+              <a14:hiddenFill xmlns:a14="http://schemas.microsoft.com/office/drawing/2010/main">
+                <a:solidFill>
+                  <a:srgbClr val="FFFFFF"/>
+                </a:solidFill>
+              </a14:hiddenFill>
+            </a:ext>
+          </a:extLst>
+        </p:spPr>
+      </p:pic>
+    </p:spTree>
+    <p:extLst>
+      <p:ext uri="{BB962C8B-B14F-4D97-AF65-F5344CB8AC3E}">
+        <p14:creationId xmlns:p14="http://schemas.microsoft.com/office/powerpoint/2010/main" val="2592768064"/>
+      </p:ext>
+    </p:extLst>
+  </p:cSld>
+  <p:clrMapOvr>
+    <a:masterClrMapping/>
+  </p:clrMapOvr>
+</p:sld>
+</file>
+
+<file path=ppt/slides/slide13.xml><?xml version="1.0" encoding="utf-8"?>
+<p:sld xmlns:a="http://schemas.openxmlformats.org/drawingml/2006/main" xmlns:r="http://schemas.openxmlformats.org/officeDocument/2006/relationships" xmlns:p="http://schemas.openxmlformats.org/presentationml/2006/main">
+  <p:cSld>
+    <p:spTree>
+      <p:nvGrpSpPr>
+        <p:cNvPr id="1" name=""/>
+        <p:cNvGrpSpPr/>
+        <p:nvPr/>
+      </p:nvGrpSpPr>
+      <p:grpSpPr>
+        <a:xfrm>
+          <a:off x="0" y="0"/>
+          <a:ext cx="0" cy="0"/>
+          <a:chOff x="0" y="0"/>
+          <a:chExt cx="0" cy="0"/>
+        </a:xfrm>
+      </p:grpSpPr>
+      <p:sp>
+        <p:nvSpPr>
+          <p:cNvPr id="2" name="TextBox 1">
+            <a:extLst>
+              <a:ext uri="{FF2B5EF4-FFF2-40B4-BE49-F238E27FC236}">
+                <a16:creationId xmlns:a16="http://schemas.microsoft.com/office/drawing/2014/main" id="{15726383-B407-319E-030C-10F657ACC3A3}"/>
+              </a:ext>
+            </a:extLst>
+          </p:cNvPr>
+          <p:cNvSpPr txBox="1"/>
+          <p:nvPr/>
+        </p:nvSpPr>
+        <p:spPr>
+          <a:xfrm>
+            <a:off x="0" y="323165"/>
+            <a:ext cx="12192000" cy="646331"/>
+          </a:xfrm>
+          <a:prstGeom prst="rect">
+            <a:avLst/>
+          </a:prstGeom>
+          <a:noFill/>
+        </p:spPr>
+        <p:txBody>
+          <a:bodyPr wrap="square" rtlCol="0">
+            <a:spAutoFit/>
+          </a:bodyPr>
+          <a:lstStyle/>
+          <a:p>
+            <a:pPr algn="ctr"/>
+            <a:r>
+              <a:rPr lang="en-US" sz="3600" i="1" dirty="0">
+                <a:solidFill>
+                  <a:srgbClr val="7030A0"/>
+                </a:solidFill>
+                <a:latin typeface="Calisto MT" panose="02040603050505030304" pitchFamily="18" charset="0"/>
+              </a:rPr>
+              <a:t>Dbt Cloud – Building your Models</a:t>
+            </a:r>
+          </a:p>
+        </p:txBody>
+      </p:sp>
+      <p:sp>
+        <p:nvSpPr>
+          <p:cNvPr id="10" name="TextBox 9">
+            <a:extLst>
+              <a:ext uri="{FF2B5EF4-FFF2-40B4-BE49-F238E27FC236}">
+                <a16:creationId xmlns:a16="http://schemas.microsoft.com/office/drawing/2014/main" id="{6467F0E2-8C80-95CB-D13A-9A22631C173D}"/>
+              </a:ext>
+            </a:extLst>
+          </p:cNvPr>
+          <p:cNvSpPr txBox="1"/>
+          <p:nvPr/>
+        </p:nvSpPr>
+        <p:spPr>
+          <a:xfrm>
+            <a:off x="117219" y="1451038"/>
+            <a:ext cx="7162800" cy="369332"/>
+          </a:xfrm>
+          <a:prstGeom prst="rect">
+            <a:avLst/>
+          </a:prstGeom>
+          <a:noFill/>
+        </p:spPr>
+        <p:txBody>
+          <a:bodyPr wrap="square" rtlCol="0">
+            <a:spAutoFit/>
+          </a:bodyPr>
+          <a:lstStyle/>
+          <a:p>
+            <a:pPr marL="285750" indent="-285750">
+              <a:buFont typeface="Arial" panose="020B0604020202020204" pitchFamily="34" charset="0"/>
+              <a:buChar char="•"/>
+            </a:pPr>
+            <a:r>
+              <a:rPr lang="en-US" dirty="0"/>
+              <a:t>The </a:t>
+            </a:r>
+            <a:r>
+              <a:rPr lang="en-US" b="1" dirty="0">
+                <a:solidFill>
+                  <a:schemeClr val="accent6"/>
+                </a:solidFill>
+              </a:rPr>
+              <a:t>average trip duration</a:t>
+            </a:r>
+            <a:r>
+              <a:rPr lang="en-US" dirty="0">
+                <a:solidFill>
+                  <a:schemeClr val="accent6"/>
+                </a:solidFill>
+              </a:rPr>
+              <a:t>/</a:t>
+            </a:r>
+            <a:r>
+              <a:rPr lang="en-US" b="1" dirty="0">
+                <a:solidFill>
+                  <a:schemeClr val="accent6"/>
+                </a:solidFill>
+              </a:rPr>
+              <a:t>distance</a:t>
+            </a:r>
+            <a:r>
+              <a:rPr lang="en-US" dirty="0">
+                <a:solidFill>
+                  <a:schemeClr val="accent6"/>
+                </a:solidFill>
+              </a:rPr>
+              <a:t> </a:t>
+            </a:r>
+            <a:r>
+              <a:rPr lang="en-US" dirty="0"/>
+              <a:t>within a specific period of time</a:t>
+            </a:r>
+          </a:p>
+        </p:txBody>
+      </p:sp>
+      <p:grpSp>
+        <p:nvGrpSpPr>
+          <p:cNvPr id="7" name="Group 6">
+            <a:extLst>
+              <a:ext uri="{FF2B5EF4-FFF2-40B4-BE49-F238E27FC236}">
+                <a16:creationId xmlns:a16="http://schemas.microsoft.com/office/drawing/2014/main" id="{0915D6CC-7336-BEED-54C0-91F47B12F689}"/>
+              </a:ext>
+            </a:extLst>
+          </p:cNvPr>
+          <p:cNvGrpSpPr/>
+          <p:nvPr/>
+        </p:nvGrpSpPr>
+        <p:grpSpPr>
+          <a:xfrm>
+            <a:off x="3214915" y="1978316"/>
+            <a:ext cx="5966447" cy="4879684"/>
+            <a:chOff x="3214915" y="1978316"/>
+            <a:chExt cx="5966447" cy="4879684"/>
+          </a:xfrm>
+        </p:grpSpPr>
+        <p:grpSp>
+          <p:nvGrpSpPr>
+            <p:cNvPr id="13" name="Group 12">
+              <a:extLst>
+                <a:ext uri="{FF2B5EF4-FFF2-40B4-BE49-F238E27FC236}">
+                  <a16:creationId xmlns:a16="http://schemas.microsoft.com/office/drawing/2014/main" id="{C180C4D5-602D-69A4-FB32-02DA25883B2E}"/>
+                </a:ext>
+              </a:extLst>
+            </p:cNvPr>
+            <p:cNvGrpSpPr/>
+            <p:nvPr/>
+          </p:nvGrpSpPr>
+          <p:grpSpPr>
+            <a:xfrm>
+              <a:off x="3362257" y="1978316"/>
+              <a:ext cx="5372235" cy="1201014"/>
+              <a:chOff x="3409882" y="2112234"/>
+              <a:chExt cx="5372235" cy="1201013"/>
+            </a:xfrm>
+          </p:grpSpPr>
+          <p:grpSp>
+            <p:nvGrpSpPr>
+              <p:cNvPr id="14" name="Group 13">
+                <a:extLst>
+                  <a:ext uri="{FF2B5EF4-FFF2-40B4-BE49-F238E27FC236}">
+                    <a16:creationId xmlns:a16="http://schemas.microsoft.com/office/drawing/2014/main" id="{AC2C4F69-3B68-618E-2829-7D8E57B58FC9}"/>
+                  </a:ext>
+                </a:extLst>
+              </p:cNvPr>
+              <p:cNvGrpSpPr/>
+              <p:nvPr/>
+            </p:nvGrpSpPr>
+            <p:grpSpPr>
+              <a:xfrm>
+                <a:off x="4004029" y="2161174"/>
+                <a:ext cx="4097045" cy="1152073"/>
+                <a:chOff x="4537610" y="2157781"/>
+                <a:chExt cx="4097045" cy="1152073"/>
+              </a:xfrm>
+            </p:grpSpPr>
+            <p:grpSp>
+              <p:nvGrpSpPr>
+                <p:cNvPr id="17" name="Group 16">
+                  <a:extLst>
+                    <a:ext uri="{FF2B5EF4-FFF2-40B4-BE49-F238E27FC236}">
+                      <a16:creationId xmlns:a16="http://schemas.microsoft.com/office/drawing/2014/main" id="{770A9B4D-9F0F-B4D5-F76A-D186C6C2717F}"/>
+                    </a:ext>
+                  </a:extLst>
+                </p:cNvPr>
+                <p:cNvGrpSpPr/>
+                <p:nvPr/>
+              </p:nvGrpSpPr>
+              <p:grpSpPr>
+                <a:xfrm>
+                  <a:off x="4537610" y="2672283"/>
+                  <a:ext cx="4097045" cy="637571"/>
+                  <a:chOff x="4537610" y="2672283"/>
+                  <a:chExt cx="4097045" cy="637571"/>
+                </a:xfrm>
+              </p:grpSpPr>
+              <p:sp>
+                <p:nvSpPr>
+                  <p:cNvPr id="19" name="Cylinder 18">
+                    <a:extLst>
+                      <a:ext uri="{FF2B5EF4-FFF2-40B4-BE49-F238E27FC236}">
+                        <a16:creationId xmlns:a16="http://schemas.microsoft.com/office/drawing/2014/main" id="{9122C456-EAD0-C50C-EB44-1A97E5F1514E}"/>
+                      </a:ext>
+                    </a:extLst>
+                  </p:cNvPr>
+                  <p:cNvSpPr/>
+                  <p:nvPr/>
+                </p:nvSpPr>
+                <p:spPr>
+                  <a:xfrm rot="5400000">
+                    <a:off x="6353325" y="2078921"/>
+                    <a:ext cx="385894" cy="1837189"/>
+                  </a:xfrm>
+                  <a:prstGeom prst="can">
+                    <a:avLst/>
+                  </a:prstGeom>
+                  <a:solidFill>
+                    <a:srgbClr val="C00000">
+                      <a:alpha val="56000"/>
+                    </a:srgbClr>
+                  </a:solidFill>
+                </p:spPr>
+                <p:style>
+                  <a:lnRef idx="2">
+                    <a:schemeClr val="accent1">
+                      <a:shade val="15000"/>
+                    </a:schemeClr>
+                  </a:lnRef>
+                  <a:fillRef idx="1">
+                    <a:schemeClr val="accent1"/>
+                  </a:fillRef>
+                  <a:effectRef idx="0">
+                    <a:schemeClr val="accent1"/>
+                  </a:effectRef>
+                  <a:fontRef idx="minor">
+                    <a:schemeClr val="lt1"/>
+                  </a:fontRef>
+                </p:style>
+                <p:txBody>
+                  <a:bodyPr rtlCol="0" anchor="ctr"/>
+                  <a:lstStyle/>
+                  <a:p>
+                    <a:pPr algn="ctr"/>
+                    <a:endParaRPr lang="en-US" dirty="0"/>
+                  </a:p>
+                </p:txBody>
+              </p:sp>
+              <p:grpSp>
+                <p:nvGrpSpPr>
+                  <p:cNvPr id="20" name="Group 19">
+                    <a:extLst>
+                      <a:ext uri="{FF2B5EF4-FFF2-40B4-BE49-F238E27FC236}">
+                        <a16:creationId xmlns:a16="http://schemas.microsoft.com/office/drawing/2014/main" id="{80E28A5F-B731-ED62-AE43-D44AEB19275F}"/>
+                      </a:ext>
+                    </a:extLst>
+                  </p:cNvPr>
+                  <p:cNvGrpSpPr/>
+                  <p:nvPr/>
+                </p:nvGrpSpPr>
+                <p:grpSpPr>
+                  <a:xfrm>
+                    <a:off x="4537610" y="2672283"/>
+                    <a:ext cx="4097045" cy="637571"/>
+                    <a:chOff x="4537610" y="2672283"/>
+                    <a:chExt cx="4097045" cy="637571"/>
+                  </a:xfrm>
+                </p:grpSpPr>
+                <p:sp>
+                  <p:nvSpPr>
+                    <p:cNvPr id="21" name="TextBox 20">
+                      <a:extLst>
+                        <a:ext uri="{FF2B5EF4-FFF2-40B4-BE49-F238E27FC236}">
+                          <a16:creationId xmlns:a16="http://schemas.microsoft.com/office/drawing/2014/main" id="{55B5D6EA-A0EA-A843-E076-3E36CED1119C}"/>
+                        </a:ext>
+                      </a:extLst>
+                    </p:cNvPr>
+                    <p:cNvSpPr txBox="1"/>
+                    <p:nvPr/>
+                  </p:nvSpPr>
+                  <p:spPr>
+                    <a:xfrm>
+                      <a:off x="6372237" y="2812847"/>
+                      <a:ext cx="444616" cy="369332"/>
+                    </a:xfrm>
+                    <a:prstGeom prst="rect">
+                      <a:avLst/>
+                    </a:prstGeom>
+                    <a:noFill/>
+                  </p:spPr>
+                  <p:txBody>
+                    <a:bodyPr wrap="square" rtlCol="0">
+                      <a:spAutoFit/>
+                    </a:bodyPr>
+                    <a:lstStyle/>
+                    <a:p>
+                      <a:r>
+                        <a:rPr lang="en-US" b="1" i="1" dirty="0"/>
+                        <a:t>T</a:t>
+                      </a:r>
+                    </a:p>
+                  </p:txBody>
+                </p:sp>
+                <p:pic>
+                  <p:nvPicPr>
+                    <p:cNvPr id="22" name="Picture 6" descr="Snowflake logo in transparent PNG and vectorized SVG formats">
+                      <a:extLst>
+                        <a:ext uri="{FF2B5EF4-FFF2-40B4-BE49-F238E27FC236}">
+                          <a16:creationId xmlns:a16="http://schemas.microsoft.com/office/drawing/2014/main" id="{B19E6F70-6C8F-4643-E645-95490EBBEC97}"/>
+                        </a:ext>
+                      </a:extLst>
+                    </p:cNvPr>
+                    <p:cNvPicPr>
+                      <a:picLocks noChangeAspect="1" noChangeArrowheads="1"/>
+                    </p:cNvPicPr>
+                    <p:nvPr/>
+                  </p:nvPicPr>
+                  <p:blipFill>
+                    <a:blip r:embed="rId2">
+                      <a:extLst>
+                        <a:ext uri="{28A0092B-C50C-407E-A947-70E740481C1C}">
+                          <a14:useLocalDpi xmlns:a14="http://schemas.microsoft.com/office/drawing/2010/main" val="0"/>
+                        </a:ext>
+                      </a:extLst>
+                    </a:blip>
+                    <a:srcRect/>
+                    <a:stretch>
+                      <a:fillRect/>
+                    </a:stretch>
+                  </p:blipFill>
+                  <p:spPr bwMode="auto">
+                    <a:xfrm>
+                      <a:off x="4537610" y="2672284"/>
+                      <a:ext cx="640080" cy="637570"/>
+                    </a:xfrm>
+                    <a:prstGeom prst="rect">
+                      <a:avLst/>
+                    </a:prstGeom>
+                    <a:noFill/>
+                    <a:extLst>
+                      <a:ext uri="{909E8E84-426E-40DD-AFC4-6F175D3DCCD1}">
+                        <a14:hiddenFill xmlns:a14="http://schemas.microsoft.com/office/drawing/2010/main">
+                          <a:solidFill>
+                            <a:srgbClr val="FFFFFF"/>
+                          </a:solidFill>
+                        </a14:hiddenFill>
+                      </a:ext>
+                    </a:extLst>
+                  </p:spPr>
+                </p:pic>
+                <p:pic>
+                  <p:nvPicPr>
+                    <p:cNvPr id="23" name="Picture 6" descr="Snowflake logo in transparent PNG and vectorized SVG formats">
+                      <a:extLst>
+                        <a:ext uri="{FF2B5EF4-FFF2-40B4-BE49-F238E27FC236}">
+                          <a16:creationId xmlns:a16="http://schemas.microsoft.com/office/drawing/2014/main" id="{3218EA09-3B2E-B0F0-8F55-44C8445E20DE}"/>
+                        </a:ext>
+                      </a:extLst>
+                    </p:cNvPr>
+                    <p:cNvPicPr>
+                      <a:picLocks noChangeAspect="1" noChangeArrowheads="1"/>
+                    </p:cNvPicPr>
+                    <p:nvPr/>
+                  </p:nvPicPr>
+                  <p:blipFill>
+                    <a:blip r:embed="rId2">
+                      <a:extLst>
+                        <a:ext uri="{28A0092B-C50C-407E-A947-70E740481C1C}">
+                          <a14:useLocalDpi xmlns:a14="http://schemas.microsoft.com/office/drawing/2010/main" val="0"/>
+                        </a:ext>
+                      </a:extLst>
+                    </a:blip>
+                    <a:srcRect/>
+                    <a:stretch>
+                      <a:fillRect/>
+                    </a:stretch>
+                  </p:blipFill>
+                  <p:spPr bwMode="auto">
+                    <a:xfrm>
+                      <a:off x="7994575" y="2672283"/>
+                      <a:ext cx="640080" cy="637570"/>
+                    </a:xfrm>
+                    <a:prstGeom prst="rect">
+                      <a:avLst/>
+                    </a:prstGeom>
+                    <a:noFill/>
+                    <a:extLst>
+                      <a:ext uri="{909E8E84-426E-40DD-AFC4-6F175D3DCCD1}">
+                        <a14:hiddenFill xmlns:a14="http://schemas.microsoft.com/office/drawing/2010/main">
+                          <a:solidFill>
+                            <a:srgbClr val="FFFFFF"/>
+                          </a:solidFill>
+                        </a14:hiddenFill>
+                      </a:ext>
+                    </a:extLst>
+                  </p:spPr>
+                </p:pic>
+              </p:grpSp>
+            </p:grpSp>
+            <p:pic>
+              <p:nvPicPr>
+                <p:cNvPr id="18" name="Picture 2" descr="Dbt Logo PNG Vectors Free Download">
+                  <a:extLst>
+                    <a:ext uri="{FF2B5EF4-FFF2-40B4-BE49-F238E27FC236}">
+                      <a16:creationId xmlns:a16="http://schemas.microsoft.com/office/drawing/2014/main" id="{B685A8BB-2227-3818-2BAE-09C2FE27DF4F}"/>
+                    </a:ext>
+                  </a:extLst>
+                </p:cNvPr>
+                <p:cNvPicPr>
+                  <a:picLocks noChangeAspect="1" noChangeArrowheads="1"/>
+                </p:cNvPicPr>
+                <p:nvPr/>
+              </p:nvPicPr>
+              <p:blipFill>
+                <a:blip r:embed="rId3">
+                  <a:extLst>
+                    <a:ext uri="{28A0092B-C50C-407E-A947-70E740481C1C}">
+                      <a14:useLocalDpi xmlns:a14="http://schemas.microsoft.com/office/drawing/2010/main" val="0"/>
+                    </a:ext>
+                  </a:extLst>
+                </a:blip>
+                <a:srcRect/>
+                <a:stretch>
+                  <a:fillRect/>
+                </a:stretch>
+              </p:blipFill>
+              <p:spPr bwMode="auto">
+                <a:xfrm>
+                  <a:off x="6320225" y="2157781"/>
+                  <a:ext cx="548640" cy="548639"/>
+                </a:xfrm>
+                <a:prstGeom prst="rect">
+                  <a:avLst/>
+                </a:prstGeom>
+                <a:noFill/>
+                <a:extLst>
+                  <a:ext uri="{909E8E84-426E-40DD-AFC4-6F175D3DCCD1}">
+                    <a14:hiddenFill xmlns:a14="http://schemas.microsoft.com/office/drawing/2010/main">
+                      <a:solidFill>
+                        <a:srgbClr val="FFFFFF"/>
+                      </a:solidFill>
+                    </a14:hiddenFill>
+                  </a:ext>
+                </a:extLst>
+              </p:spPr>
+            </p:pic>
+          </p:grpSp>
+          <p:sp>
+            <p:nvSpPr>
+              <p:cNvPr id="15" name="TextBox 14">
+                <a:extLst>
+                  <a:ext uri="{FF2B5EF4-FFF2-40B4-BE49-F238E27FC236}">
+                    <a16:creationId xmlns:a16="http://schemas.microsoft.com/office/drawing/2014/main" id="{BF5F7292-332C-3E95-1576-178AF84D9D64}"/>
+                  </a:ext>
+                </a:extLst>
+              </p:cNvPr>
+              <p:cNvSpPr txBox="1"/>
+              <p:nvPr/>
+            </p:nvSpPr>
+            <p:spPr>
+              <a:xfrm>
+                <a:off x="3409882" y="2115465"/>
+                <a:ext cx="1828375" cy="369332"/>
+              </a:xfrm>
+              <a:prstGeom prst="rect">
+                <a:avLst/>
+              </a:prstGeom>
+              <a:noFill/>
+            </p:spPr>
+            <p:txBody>
+              <a:bodyPr wrap="square" rtlCol="0">
+                <a:spAutoFit/>
+              </a:bodyPr>
+              <a:lstStyle/>
+              <a:p>
+                <a:pPr algn="ctr"/>
+                <a:r>
+                  <a:rPr lang="en-US" dirty="0">
+                    <a:solidFill>
+                      <a:srgbClr val="00B0F0"/>
+                    </a:solidFill>
+                  </a:rPr>
+                  <a:t>Trips</a:t>
+                </a:r>
+              </a:p>
+            </p:txBody>
+          </p:sp>
+          <p:sp>
+            <p:nvSpPr>
+              <p:cNvPr id="16" name="TextBox 15">
+                <a:extLst>
+                  <a:ext uri="{FF2B5EF4-FFF2-40B4-BE49-F238E27FC236}">
+                    <a16:creationId xmlns:a16="http://schemas.microsoft.com/office/drawing/2014/main" id="{9C82CE7A-1613-F8FC-0AA6-54BE7A9E418E}"/>
+                  </a:ext>
+                </a:extLst>
+              </p:cNvPr>
+              <p:cNvSpPr txBox="1"/>
+              <p:nvPr/>
+            </p:nvSpPr>
+            <p:spPr>
+              <a:xfrm>
+                <a:off x="6953742" y="2112234"/>
+                <a:ext cx="1828375" cy="369332"/>
+              </a:xfrm>
+              <a:prstGeom prst="rect">
+                <a:avLst/>
+              </a:prstGeom>
+              <a:noFill/>
+            </p:spPr>
+            <p:txBody>
+              <a:bodyPr wrap="square" rtlCol="0">
+                <a:spAutoFit/>
+              </a:bodyPr>
+              <a:lstStyle/>
+              <a:p>
+                <a:pPr algn="ctr"/>
+                <a:r>
+                  <a:rPr lang="en-US" dirty="0" err="1">
+                    <a:solidFill>
+                      <a:srgbClr val="00B0F0"/>
+                    </a:solidFill>
+                  </a:rPr>
+                  <a:t>Bikes_Usage</a:t>
+                </a:r>
+                <a:endParaRPr lang="en-US" dirty="0">
+                  <a:solidFill>
+                    <a:srgbClr val="00B0F0"/>
+                  </a:solidFill>
+                </a:endParaRPr>
+              </a:p>
+            </p:txBody>
+          </p:sp>
+        </p:grpSp>
+        <p:pic>
+          <p:nvPicPr>
+            <p:cNvPr id="4" name="Picture 3">
+              <a:extLst>
+                <a:ext uri="{FF2B5EF4-FFF2-40B4-BE49-F238E27FC236}">
+                  <a16:creationId xmlns:a16="http://schemas.microsoft.com/office/drawing/2014/main" id="{199CFE11-C30C-5A96-EAFE-F199DDB0355B}"/>
+                </a:ext>
+              </a:extLst>
+            </p:cNvPr>
+            <p:cNvPicPr>
+              <a:picLocks noChangeAspect="1"/>
+            </p:cNvPicPr>
+            <p:nvPr/>
+          </p:nvPicPr>
+          <p:blipFill>
+            <a:blip r:embed="rId4"/>
+            <a:stretch>
+              <a:fillRect/>
+            </a:stretch>
+          </p:blipFill>
+          <p:spPr>
+            <a:xfrm>
+              <a:off x="7413369" y="4730937"/>
+              <a:ext cx="1767993" cy="883997"/>
+            </a:xfrm>
+            <a:prstGeom prst="rect">
+              <a:avLst/>
+            </a:prstGeom>
+          </p:spPr>
+        </p:pic>
+        <p:pic>
+          <p:nvPicPr>
+            <p:cNvPr id="6" name="Picture 5">
+              <a:extLst>
+                <a:ext uri="{FF2B5EF4-FFF2-40B4-BE49-F238E27FC236}">
+                  <a16:creationId xmlns:a16="http://schemas.microsoft.com/office/drawing/2014/main" id="{5575658B-6E0E-1DAC-BE88-664A34804A98}"/>
+                </a:ext>
+              </a:extLst>
+            </p:cNvPr>
+            <p:cNvPicPr>
+              <a:picLocks noChangeAspect="1"/>
+            </p:cNvPicPr>
+            <p:nvPr/>
+          </p:nvPicPr>
+          <p:blipFill>
+            <a:blip r:embed="rId5"/>
+            <a:stretch>
+              <a:fillRect/>
+            </a:stretch>
+          </p:blipFill>
+          <p:spPr>
+            <a:xfrm>
+              <a:off x="3214915" y="3487873"/>
+              <a:ext cx="3668746" cy="3370127"/>
+            </a:xfrm>
+            <a:prstGeom prst="rect">
+              <a:avLst/>
+            </a:prstGeom>
+          </p:spPr>
+        </p:pic>
+      </p:grpSp>
+      <p:pic>
+        <p:nvPicPr>
+          <p:cNvPr id="9" name="Picture 2" descr="FIRN Analytics: Timely Data Solutions &amp; Expert Consultancy">
+            <a:extLst>
+              <a:ext uri="{FF2B5EF4-FFF2-40B4-BE49-F238E27FC236}">
+                <a16:creationId xmlns:a16="http://schemas.microsoft.com/office/drawing/2014/main" id="{EEB369E6-520F-6F27-6B21-888AAAEA6D7F}"/>
+              </a:ext>
+            </a:extLst>
+          </p:cNvPr>
+          <p:cNvPicPr>
+            <a:picLocks noChangeAspect="1" noChangeArrowheads="1"/>
+          </p:cNvPicPr>
+          <p:nvPr/>
+        </p:nvPicPr>
+        <p:blipFill>
+          <a:blip r:embed="rId6">
+            <a:extLst>
+              <a:ext uri="{28A0092B-C50C-407E-A947-70E740481C1C}">
+                <a14:useLocalDpi xmlns:a14="http://schemas.microsoft.com/office/drawing/2010/main" val="0"/>
+              </a:ext>
+            </a:extLst>
+          </a:blip>
+          <a:srcRect/>
+          <a:stretch>
+            <a:fillRect/>
+          </a:stretch>
+        </p:blipFill>
+        <p:spPr bwMode="auto">
+          <a:xfrm>
+            <a:off x="11182350" y="5848350"/>
+            <a:ext cx="1009650" cy="1009650"/>
+          </a:xfrm>
+          <a:prstGeom prst="rect">
+            <a:avLst/>
+          </a:prstGeom>
+          <a:noFill/>
+          <a:extLst>
+            <a:ext uri="{909E8E84-426E-40DD-AFC4-6F175D3DCCD1}">
+              <a14:hiddenFill xmlns:a14="http://schemas.microsoft.com/office/drawing/2010/main">
+                <a:solidFill>
+                  <a:srgbClr val="FFFFFF"/>
+                </a:solidFill>
+              </a14:hiddenFill>
+            </a:ext>
+          </a:extLst>
+        </p:spPr>
+      </p:pic>
+    </p:spTree>
+    <p:extLst>
+      <p:ext uri="{BB962C8B-B14F-4D97-AF65-F5344CB8AC3E}">
+        <p14:creationId xmlns:p14="http://schemas.microsoft.com/office/powerpoint/2010/main" val="653160254"/>
+      </p:ext>
+    </p:extLst>
+  </p:cSld>
+  <p:clrMapOvr>
+    <a:masterClrMapping/>
+  </p:clrMapOvr>
+</p:sld>
+</file>
+
+<file path=ppt/slides/slide14.xml><?xml version="1.0" encoding="utf-8"?>
+<p:sld xmlns:a="http://schemas.openxmlformats.org/drawingml/2006/main" xmlns:r="http://schemas.openxmlformats.org/officeDocument/2006/relationships" xmlns:p="http://schemas.openxmlformats.org/presentationml/2006/main">
+  <p:cSld>
+    <p:spTree>
+      <p:nvGrpSpPr>
+        <p:cNvPr id="1" name=""/>
+        <p:cNvGrpSpPr/>
+        <p:nvPr/>
+      </p:nvGrpSpPr>
+      <p:grpSpPr>
+        <a:xfrm>
+          <a:off x="0" y="0"/>
+          <a:ext cx="0" cy="0"/>
+          <a:chOff x="0" y="0"/>
+          <a:chExt cx="0" cy="0"/>
+        </a:xfrm>
+      </p:grpSpPr>
+      <p:sp>
+        <p:nvSpPr>
+          <p:cNvPr id="2" name="TextBox 1">
+            <a:extLst>
+              <a:ext uri="{FF2B5EF4-FFF2-40B4-BE49-F238E27FC236}">
+                <a16:creationId xmlns:a16="http://schemas.microsoft.com/office/drawing/2014/main" id="{15726383-B407-319E-030C-10F657ACC3A3}"/>
+              </a:ext>
+            </a:extLst>
+          </p:cNvPr>
+          <p:cNvSpPr txBox="1"/>
+          <p:nvPr/>
+        </p:nvSpPr>
+        <p:spPr>
+          <a:xfrm>
+            <a:off x="0" y="323165"/>
+            <a:ext cx="12192000" cy="646331"/>
+          </a:xfrm>
+          <a:prstGeom prst="rect">
+            <a:avLst/>
+          </a:prstGeom>
+          <a:noFill/>
+        </p:spPr>
+        <p:txBody>
+          <a:bodyPr wrap="square" rtlCol="0">
+            <a:spAutoFit/>
+          </a:bodyPr>
+          <a:lstStyle/>
+          <a:p>
+            <a:pPr algn="ctr"/>
+            <a:r>
+              <a:rPr lang="en-US" sz="3600" i="1" dirty="0">
+                <a:solidFill>
+                  <a:srgbClr val="7030A0"/>
+                </a:solidFill>
+                <a:latin typeface="Calisto MT" panose="02040603050505030304" pitchFamily="18" charset="0"/>
+              </a:rPr>
+              <a:t>Dbt Cloud – Building your Models</a:t>
+            </a:r>
+          </a:p>
+        </p:txBody>
+      </p:sp>
+      <p:sp>
+        <p:nvSpPr>
+          <p:cNvPr id="10" name="TextBox 9">
+            <a:extLst>
+              <a:ext uri="{FF2B5EF4-FFF2-40B4-BE49-F238E27FC236}">
+                <a16:creationId xmlns:a16="http://schemas.microsoft.com/office/drawing/2014/main" id="{6467F0E2-8C80-95CB-D13A-9A22631C173D}"/>
+              </a:ext>
+            </a:extLst>
+          </p:cNvPr>
+          <p:cNvSpPr txBox="1"/>
+          <p:nvPr/>
+        </p:nvSpPr>
+        <p:spPr>
+          <a:xfrm>
+            <a:off x="117219" y="1451038"/>
+            <a:ext cx="7162800" cy="369332"/>
+          </a:xfrm>
+          <a:prstGeom prst="rect">
+            <a:avLst/>
+          </a:prstGeom>
+          <a:noFill/>
+        </p:spPr>
+        <p:txBody>
+          <a:bodyPr wrap="square" rtlCol="0">
+            <a:spAutoFit/>
+          </a:bodyPr>
+          <a:lstStyle/>
+          <a:p>
+            <a:pPr marL="285750" indent="-285750">
+              <a:buFont typeface="Arial" panose="020B0604020202020204" pitchFamily="34" charset="0"/>
+              <a:buChar char="•"/>
+            </a:pPr>
+            <a:r>
+              <a:rPr lang="en-US" dirty="0"/>
+              <a:t>The </a:t>
+            </a:r>
+            <a:r>
+              <a:rPr lang="en-US" b="1" dirty="0">
+                <a:solidFill>
+                  <a:schemeClr val="accent6"/>
+                </a:solidFill>
+              </a:rPr>
+              <a:t>number of trips</a:t>
+            </a:r>
+            <a:r>
+              <a:rPr lang="en-US" dirty="0"/>
+              <a:t> by </a:t>
+            </a:r>
+            <a:r>
+              <a:rPr lang="en-US" b="1" dirty="0">
+                <a:solidFill>
+                  <a:srgbClr val="0000FF"/>
+                </a:solidFill>
+              </a:rPr>
+              <a:t>weather condition</a:t>
+            </a:r>
+            <a:endParaRPr lang="en-US" dirty="0"/>
+          </a:p>
+        </p:txBody>
+      </p:sp>
+      <p:grpSp>
+        <p:nvGrpSpPr>
+          <p:cNvPr id="13" name="Group 12">
+            <a:extLst>
+              <a:ext uri="{FF2B5EF4-FFF2-40B4-BE49-F238E27FC236}">
+                <a16:creationId xmlns:a16="http://schemas.microsoft.com/office/drawing/2014/main" id="{C180C4D5-602D-69A4-FB32-02DA25883B2E}"/>
+              </a:ext>
+            </a:extLst>
+          </p:cNvPr>
+          <p:cNvGrpSpPr/>
+          <p:nvPr/>
+        </p:nvGrpSpPr>
+        <p:grpSpPr>
+          <a:xfrm>
+            <a:off x="219006" y="2391576"/>
+            <a:ext cx="5372236" cy="2919724"/>
+            <a:chOff x="3409881" y="2115465"/>
+            <a:chExt cx="5372236" cy="2919722"/>
+          </a:xfrm>
+        </p:grpSpPr>
+        <p:grpSp>
+          <p:nvGrpSpPr>
+            <p:cNvPr id="14" name="Group 13">
+              <a:extLst>
+                <a:ext uri="{FF2B5EF4-FFF2-40B4-BE49-F238E27FC236}">
+                  <a16:creationId xmlns:a16="http://schemas.microsoft.com/office/drawing/2014/main" id="{AC2C4F69-3B68-618E-2829-7D8E57B58FC9}"/>
+                </a:ext>
+              </a:extLst>
+            </p:cNvPr>
+            <p:cNvGrpSpPr/>
+            <p:nvPr/>
+          </p:nvGrpSpPr>
+          <p:grpSpPr>
+            <a:xfrm>
+              <a:off x="4004029" y="2675677"/>
+              <a:ext cx="4097045" cy="1941885"/>
+              <a:chOff x="4537610" y="2672284"/>
+              <a:chExt cx="4097045" cy="1941885"/>
+            </a:xfrm>
+          </p:grpSpPr>
+          <p:grpSp>
+            <p:nvGrpSpPr>
+              <p:cNvPr id="17" name="Group 16">
+                <a:extLst>
+                  <a:ext uri="{FF2B5EF4-FFF2-40B4-BE49-F238E27FC236}">
+                    <a16:creationId xmlns:a16="http://schemas.microsoft.com/office/drawing/2014/main" id="{770A9B4D-9F0F-B4D5-F76A-D186C6C2717F}"/>
+                  </a:ext>
+                </a:extLst>
+              </p:cNvPr>
+              <p:cNvGrpSpPr/>
+              <p:nvPr/>
+            </p:nvGrpSpPr>
+            <p:grpSpPr>
+              <a:xfrm>
+                <a:off x="4537610" y="2672284"/>
+                <a:ext cx="4097045" cy="1941885"/>
+                <a:chOff x="4537610" y="2672284"/>
+                <a:chExt cx="4097045" cy="1941885"/>
+              </a:xfrm>
+            </p:grpSpPr>
+            <p:sp>
+              <p:nvSpPr>
+                <p:cNvPr id="19" name="Cylinder 18">
+                  <a:extLst>
+                    <a:ext uri="{FF2B5EF4-FFF2-40B4-BE49-F238E27FC236}">
+                      <a16:creationId xmlns:a16="http://schemas.microsoft.com/office/drawing/2014/main" id="{9122C456-EAD0-C50C-EB44-1A97E5F1514E}"/>
+                    </a:ext>
+                  </a:extLst>
+                </p:cNvPr>
+                <p:cNvSpPr/>
+                <p:nvPr/>
+              </p:nvSpPr>
+              <p:spPr>
+                <a:xfrm rot="5400000">
+                  <a:off x="6353325" y="2745671"/>
+                  <a:ext cx="385894" cy="1837189"/>
+                </a:xfrm>
+                <a:prstGeom prst="can">
+                  <a:avLst/>
+                </a:prstGeom>
+                <a:solidFill>
+                  <a:srgbClr val="C00000">
+                    <a:alpha val="56000"/>
+                  </a:srgbClr>
+                </a:solidFill>
+              </p:spPr>
+              <p:style>
+                <a:lnRef idx="2">
+                  <a:schemeClr val="accent1">
+                    <a:shade val="15000"/>
+                  </a:schemeClr>
+                </a:lnRef>
+                <a:fillRef idx="1">
+                  <a:schemeClr val="accent1"/>
+                </a:fillRef>
+                <a:effectRef idx="0">
+                  <a:schemeClr val="accent1"/>
+                </a:effectRef>
+                <a:fontRef idx="minor">
+                  <a:schemeClr val="lt1"/>
+                </a:fontRef>
+              </p:style>
+              <p:txBody>
+                <a:bodyPr rtlCol="0" anchor="ctr"/>
+                <a:lstStyle/>
+                <a:p>
+                  <a:pPr algn="ctr"/>
+                  <a:endParaRPr lang="en-US" dirty="0"/>
+                </a:p>
+              </p:txBody>
+            </p:sp>
+            <p:grpSp>
+              <p:nvGrpSpPr>
+                <p:cNvPr id="20" name="Group 19">
+                  <a:extLst>
+                    <a:ext uri="{FF2B5EF4-FFF2-40B4-BE49-F238E27FC236}">
+                      <a16:creationId xmlns:a16="http://schemas.microsoft.com/office/drawing/2014/main" id="{80E28A5F-B731-ED62-AE43-D44AEB19275F}"/>
+                    </a:ext>
+                  </a:extLst>
+                </p:cNvPr>
+                <p:cNvGrpSpPr/>
+                <p:nvPr/>
+              </p:nvGrpSpPr>
+              <p:grpSpPr>
+                <a:xfrm>
+                  <a:off x="4537610" y="2672284"/>
+                  <a:ext cx="4097045" cy="1941885"/>
+                  <a:chOff x="4537610" y="2672284"/>
+                  <a:chExt cx="4097045" cy="1941885"/>
+                </a:xfrm>
+              </p:grpSpPr>
+              <p:sp>
+                <p:nvSpPr>
+                  <p:cNvPr id="21" name="TextBox 20">
+                    <a:extLst>
+                      <a:ext uri="{FF2B5EF4-FFF2-40B4-BE49-F238E27FC236}">
+                        <a16:creationId xmlns:a16="http://schemas.microsoft.com/office/drawing/2014/main" id="{55B5D6EA-A0EA-A843-E076-3E36CED1119C}"/>
+                      </a:ext>
+                    </a:extLst>
+                  </p:cNvPr>
+                  <p:cNvSpPr txBox="1"/>
+                  <p:nvPr/>
+                </p:nvSpPr>
+                <p:spPr>
+                  <a:xfrm>
+                    <a:off x="6372237" y="3479595"/>
+                    <a:ext cx="444616" cy="369332"/>
+                  </a:xfrm>
+                  <a:prstGeom prst="rect">
+                    <a:avLst/>
+                  </a:prstGeom>
+                  <a:noFill/>
+                </p:spPr>
+                <p:txBody>
+                  <a:bodyPr wrap="square" rtlCol="0">
+                    <a:spAutoFit/>
+                  </a:bodyPr>
+                  <a:lstStyle/>
+                  <a:p>
+                    <a:r>
+                      <a:rPr lang="en-US" b="1" i="1" dirty="0"/>
+                      <a:t>T</a:t>
+                    </a:r>
+                  </a:p>
+                </p:txBody>
+              </p:sp>
+              <p:pic>
+                <p:nvPicPr>
+                  <p:cNvPr id="22" name="Picture 6" descr="Snowflake logo in transparent PNG and vectorized SVG formats">
+                    <a:extLst>
+                      <a:ext uri="{FF2B5EF4-FFF2-40B4-BE49-F238E27FC236}">
+                        <a16:creationId xmlns:a16="http://schemas.microsoft.com/office/drawing/2014/main" id="{B19E6F70-6C8F-4643-E645-95490EBBEC97}"/>
+                      </a:ext>
+                    </a:extLst>
+                  </p:cNvPr>
+                  <p:cNvPicPr>
+                    <a:picLocks noChangeAspect="1" noChangeArrowheads="1"/>
+                  </p:cNvPicPr>
+                  <p:nvPr/>
+                </p:nvPicPr>
+                <p:blipFill>
+                  <a:blip r:embed="rId2">
+                    <a:extLst>
+                      <a:ext uri="{28A0092B-C50C-407E-A947-70E740481C1C}">
+                        <a14:useLocalDpi xmlns:a14="http://schemas.microsoft.com/office/drawing/2010/main" val="0"/>
+                      </a:ext>
+                    </a:extLst>
+                  </a:blip>
+                  <a:srcRect/>
+                  <a:stretch>
+                    <a:fillRect/>
+                  </a:stretch>
+                </p:blipFill>
+                <p:spPr bwMode="auto">
+                  <a:xfrm>
+                    <a:off x="4537610" y="2672284"/>
+                    <a:ext cx="640080" cy="637570"/>
+                  </a:xfrm>
+                  <a:prstGeom prst="rect">
+                    <a:avLst/>
+                  </a:prstGeom>
+                  <a:noFill/>
+                  <a:extLst>
+                    <a:ext uri="{909E8E84-426E-40DD-AFC4-6F175D3DCCD1}">
+                      <a14:hiddenFill xmlns:a14="http://schemas.microsoft.com/office/drawing/2010/main">
+                        <a:solidFill>
+                          <a:srgbClr val="FFFFFF"/>
+                        </a:solidFill>
+                      </a14:hiddenFill>
+                    </a:ext>
+                  </a:extLst>
+                </p:spPr>
+              </p:pic>
+              <p:pic>
+                <p:nvPicPr>
+                  <p:cNvPr id="23" name="Picture 6" descr="Snowflake logo in transparent PNG and vectorized SVG formats">
+                    <a:extLst>
+                      <a:ext uri="{FF2B5EF4-FFF2-40B4-BE49-F238E27FC236}">
+                        <a16:creationId xmlns:a16="http://schemas.microsoft.com/office/drawing/2014/main" id="{3218EA09-3B2E-B0F0-8F55-44C8445E20DE}"/>
+                      </a:ext>
+                    </a:extLst>
+                  </p:cNvPr>
+                  <p:cNvPicPr>
+                    <a:picLocks noChangeAspect="1" noChangeArrowheads="1"/>
+                  </p:cNvPicPr>
+                  <p:nvPr/>
+                </p:nvPicPr>
+                <p:blipFill>
+                  <a:blip r:embed="rId2">
+                    <a:extLst>
+                      <a:ext uri="{28A0092B-C50C-407E-A947-70E740481C1C}">
+                        <a14:useLocalDpi xmlns:a14="http://schemas.microsoft.com/office/drawing/2010/main" val="0"/>
+                      </a:ext>
+                    </a:extLst>
+                  </a:blip>
+                  <a:srcRect/>
+                  <a:stretch>
+                    <a:fillRect/>
+                  </a:stretch>
+                </p:blipFill>
+                <p:spPr bwMode="auto">
+                  <a:xfrm>
+                    <a:off x="7994575" y="3339030"/>
+                    <a:ext cx="640080" cy="637570"/>
+                  </a:xfrm>
+                  <a:prstGeom prst="rect">
+                    <a:avLst/>
+                  </a:prstGeom>
+                  <a:noFill/>
+                  <a:extLst>
+                    <a:ext uri="{909E8E84-426E-40DD-AFC4-6F175D3DCCD1}">
+                      <a14:hiddenFill xmlns:a14="http://schemas.microsoft.com/office/drawing/2010/main">
+                        <a:solidFill>
+                          <a:srgbClr val="FFFFFF"/>
+                        </a:solidFill>
+                      </a14:hiddenFill>
+                    </a:ext>
+                  </a:extLst>
+                </p:spPr>
+              </p:pic>
+              <p:pic>
+                <p:nvPicPr>
+                  <p:cNvPr id="11" name="Picture 6" descr="Snowflake logo in transparent PNG and vectorized SVG formats">
+                    <a:extLst>
+                      <a:ext uri="{FF2B5EF4-FFF2-40B4-BE49-F238E27FC236}">
+                        <a16:creationId xmlns:a16="http://schemas.microsoft.com/office/drawing/2014/main" id="{A71191C1-4DB5-9C5C-DBD2-040785177B1A}"/>
+                      </a:ext>
+                    </a:extLst>
+                  </p:cNvPr>
+                  <p:cNvPicPr>
+                    <a:picLocks noChangeAspect="1" noChangeArrowheads="1"/>
+                  </p:cNvPicPr>
+                  <p:nvPr/>
+                </p:nvPicPr>
+                <p:blipFill>
+                  <a:blip r:embed="rId2">
+                    <a:extLst>
+                      <a:ext uri="{28A0092B-C50C-407E-A947-70E740481C1C}">
+                        <a14:useLocalDpi xmlns:a14="http://schemas.microsoft.com/office/drawing/2010/main" val="0"/>
+                      </a:ext>
+                    </a:extLst>
+                  </a:blip>
+                  <a:srcRect/>
+                  <a:stretch>
+                    <a:fillRect/>
+                  </a:stretch>
+                </p:blipFill>
+                <p:spPr bwMode="auto">
+                  <a:xfrm>
+                    <a:off x="4537610" y="3976599"/>
+                    <a:ext cx="640080" cy="637570"/>
+                  </a:xfrm>
+                  <a:prstGeom prst="rect">
+                    <a:avLst/>
+                  </a:prstGeom>
+                  <a:noFill/>
+                  <a:extLst>
+                    <a:ext uri="{909E8E84-426E-40DD-AFC4-6F175D3DCCD1}">
+                      <a14:hiddenFill xmlns:a14="http://schemas.microsoft.com/office/drawing/2010/main">
+                        <a:solidFill>
+                          <a:srgbClr val="FFFFFF"/>
+                        </a:solidFill>
+                      </a14:hiddenFill>
+                    </a:ext>
+                  </a:extLst>
+                </p:spPr>
+              </p:pic>
+            </p:grpSp>
+          </p:grpSp>
+          <p:pic>
+            <p:nvPicPr>
+              <p:cNvPr id="18" name="Picture 2" descr="Dbt Logo PNG Vectors Free Download">
+                <a:extLst>
+                  <a:ext uri="{FF2B5EF4-FFF2-40B4-BE49-F238E27FC236}">
+                    <a16:creationId xmlns:a16="http://schemas.microsoft.com/office/drawing/2014/main" id="{B685A8BB-2227-3818-2BAE-09C2FE27DF4F}"/>
+                  </a:ext>
+                </a:extLst>
+              </p:cNvPr>
+              <p:cNvPicPr>
+                <a:picLocks noChangeAspect="1" noChangeArrowheads="1"/>
+              </p:cNvPicPr>
+              <p:nvPr/>
+            </p:nvPicPr>
+            <p:blipFill>
+              <a:blip r:embed="rId3">
+                <a:extLst>
+                  <a:ext uri="{28A0092B-C50C-407E-A947-70E740481C1C}">
+                    <a14:useLocalDpi xmlns:a14="http://schemas.microsoft.com/office/drawing/2010/main" val="0"/>
+                  </a:ext>
+                </a:extLst>
+              </a:blip>
+              <a:srcRect/>
+              <a:stretch>
+                <a:fillRect/>
+              </a:stretch>
+            </p:blipFill>
+            <p:spPr bwMode="auto">
+              <a:xfrm>
+                <a:off x="6311813" y="2827345"/>
+                <a:ext cx="548640" cy="548640"/>
+              </a:xfrm>
+              <a:prstGeom prst="rect">
+                <a:avLst/>
+              </a:prstGeom>
+              <a:noFill/>
+              <a:extLst>
+                <a:ext uri="{909E8E84-426E-40DD-AFC4-6F175D3DCCD1}">
+                  <a14:hiddenFill xmlns:a14="http://schemas.microsoft.com/office/drawing/2010/main">
+                    <a:solidFill>
+                      <a:srgbClr val="FFFFFF"/>
+                    </a:solidFill>
+                  </a14:hiddenFill>
+                </a:ext>
+              </a:extLst>
+            </p:spPr>
+          </p:pic>
+        </p:grpSp>
+        <p:sp>
+          <p:nvSpPr>
+            <p:cNvPr id="15" name="TextBox 14">
+              <a:extLst>
+                <a:ext uri="{FF2B5EF4-FFF2-40B4-BE49-F238E27FC236}">
+                  <a16:creationId xmlns:a16="http://schemas.microsoft.com/office/drawing/2014/main" id="{BF5F7292-332C-3E95-1576-178AF84D9D64}"/>
+                </a:ext>
+              </a:extLst>
+            </p:cNvPr>
+            <p:cNvSpPr txBox="1"/>
+            <p:nvPr/>
+          </p:nvSpPr>
+          <p:spPr>
+            <a:xfrm>
+              <a:off x="3409882" y="2115465"/>
+              <a:ext cx="1828375" cy="369332"/>
+            </a:xfrm>
+            <a:prstGeom prst="rect">
+              <a:avLst/>
+            </a:prstGeom>
+            <a:noFill/>
+          </p:spPr>
+          <p:txBody>
+            <a:bodyPr wrap="square" rtlCol="0">
+              <a:spAutoFit/>
+            </a:bodyPr>
+            <a:lstStyle/>
+            <a:p>
+              <a:pPr algn="ctr"/>
+              <a:r>
+                <a:rPr lang="en-US" dirty="0">
+                  <a:solidFill>
+                    <a:srgbClr val="00B0F0"/>
+                  </a:solidFill>
+                </a:rPr>
+                <a:t>Trips</a:t>
+              </a:r>
+            </a:p>
+          </p:txBody>
+        </p:sp>
+        <p:sp>
+          <p:nvSpPr>
+            <p:cNvPr id="16" name="TextBox 15">
+              <a:extLst>
+                <a:ext uri="{FF2B5EF4-FFF2-40B4-BE49-F238E27FC236}">
+                  <a16:creationId xmlns:a16="http://schemas.microsoft.com/office/drawing/2014/main" id="{9C82CE7A-1613-F8FC-0AA6-54BE7A9E418E}"/>
+                </a:ext>
+              </a:extLst>
+            </p:cNvPr>
+            <p:cNvSpPr txBox="1"/>
+            <p:nvPr/>
+          </p:nvSpPr>
+          <p:spPr>
+            <a:xfrm>
+              <a:off x="6953742" y="2778984"/>
+              <a:ext cx="1828375" cy="369332"/>
+            </a:xfrm>
+            <a:prstGeom prst="rect">
+              <a:avLst/>
+            </a:prstGeom>
+            <a:noFill/>
+          </p:spPr>
+          <p:txBody>
+            <a:bodyPr wrap="square" rtlCol="0">
+              <a:spAutoFit/>
+            </a:bodyPr>
+            <a:lstStyle/>
+            <a:p>
+              <a:pPr algn="ctr"/>
+              <a:r>
+                <a:rPr lang="en-US" dirty="0" err="1">
+                  <a:solidFill>
+                    <a:srgbClr val="00B0F0"/>
+                  </a:solidFill>
+                </a:rPr>
+                <a:t>Bikes_Usage</a:t>
+              </a:r>
+              <a:endParaRPr lang="en-US" dirty="0">
+                <a:solidFill>
+                  <a:srgbClr val="00B0F0"/>
+                </a:solidFill>
+              </a:endParaRPr>
+            </a:p>
+          </p:txBody>
+        </p:sp>
+        <p:sp>
+          <p:nvSpPr>
+            <p:cNvPr id="12" name="TextBox 11">
+              <a:extLst>
+                <a:ext uri="{FF2B5EF4-FFF2-40B4-BE49-F238E27FC236}">
+                  <a16:creationId xmlns:a16="http://schemas.microsoft.com/office/drawing/2014/main" id="{18F69B17-17D6-054E-6EC7-CE21648272C5}"/>
+                </a:ext>
+              </a:extLst>
+            </p:cNvPr>
+            <p:cNvSpPr txBox="1"/>
+            <p:nvPr/>
+          </p:nvSpPr>
+          <p:spPr>
+            <a:xfrm>
+              <a:off x="3409881" y="4665855"/>
+              <a:ext cx="1828375" cy="369332"/>
+            </a:xfrm>
+            <a:prstGeom prst="rect">
+              <a:avLst/>
+            </a:prstGeom>
+            <a:noFill/>
+          </p:spPr>
+          <p:txBody>
+            <a:bodyPr wrap="square" rtlCol="0">
+              <a:spAutoFit/>
+            </a:bodyPr>
+            <a:lstStyle/>
+            <a:p>
+              <a:pPr algn="ctr"/>
+              <a:r>
+                <a:rPr lang="en-US" dirty="0">
+                  <a:solidFill>
+                    <a:srgbClr val="00B0F0"/>
+                  </a:solidFill>
+                </a:rPr>
+                <a:t>Weather</a:t>
+              </a:r>
+            </a:p>
+          </p:txBody>
+        </p:sp>
+      </p:grpSp>
+      <p:pic>
+        <p:nvPicPr>
+          <p:cNvPr id="9" name="Picture 8">
+            <a:extLst>
+              <a:ext uri="{FF2B5EF4-FFF2-40B4-BE49-F238E27FC236}">
+                <a16:creationId xmlns:a16="http://schemas.microsoft.com/office/drawing/2014/main" id="{B6E6AECC-EEE4-13F0-64DD-8E06BB870633}"/>
+              </a:ext>
+            </a:extLst>
+          </p:cNvPr>
+          <p:cNvPicPr>
+            <a:picLocks noChangeAspect="1"/>
+          </p:cNvPicPr>
+          <p:nvPr/>
+        </p:nvPicPr>
+        <p:blipFill>
+          <a:blip r:embed="rId4"/>
+          <a:stretch>
+            <a:fillRect/>
+          </a:stretch>
+        </p:blipFill>
+        <p:spPr>
+          <a:xfrm>
+            <a:off x="3656628" y="5037631"/>
+            <a:ext cx="1867062" cy="823031"/>
+          </a:xfrm>
+          <a:prstGeom prst="rect">
+            <a:avLst/>
+          </a:prstGeom>
+        </p:spPr>
+      </p:pic>
+      <p:pic>
+        <p:nvPicPr>
+          <p:cNvPr id="25" name="Picture 24">
+            <a:extLst>
+              <a:ext uri="{FF2B5EF4-FFF2-40B4-BE49-F238E27FC236}">
+                <a16:creationId xmlns:a16="http://schemas.microsoft.com/office/drawing/2014/main" id="{03CD871D-BAC3-9760-BA68-B13F72784186}"/>
+              </a:ext>
+            </a:extLst>
+          </p:cNvPr>
+          <p:cNvPicPr>
+            <a:picLocks noChangeAspect="1"/>
+          </p:cNvPicPr>
+          <p:nvPr/>
+        </p:nvPicPr>
+        <p:blipFill>
+          <a:blip r:embed="rId5"/>
+          <a:stretch>
+            <a:fillRect/>
+          </a:stretch>
+        </p:blipFill>
+        <p:spPr>
+          <a:xfrm>
+            <a:off x="5909282" y="1451038"/>
+            <a:ext cx="4698347" cy="4495673"/>
+          </a:xfrm>
+          <a:prstGeom prst="rect">
+            <a:avLst/>
+          </a:prstGeom>
+        </p:spPr>
+      </p:pic>
+      <p:pic>
+        <p:nvPicPr>
+          <p:cNvPr id="27" name="Picture 2" descr="FIRN Analytics: Timely Data Solutions &amp; Expert Consultancy">
+            <a:extLst>
+              <a:ext uri="{FF2B5EF4-FFF2-40B4-BE49-F238E27FC236}">
+                <a16:creationId xmlns:a16="http://schemas.microsoft.com/office/drawing/2014/main" id="{C3F20CFB-D467-7791-C263-5B185FA785B0}"/>
+              </a:ext>
+            </a:extLst>
+          </p:cNvPr>
+          <p:cNvPicPr>
+            <a:picLocks noChangeAspect="1" noChangeArrowheads="1"/>
+          </p:cNvPicPr>
+          <p:nvPr/>
+        </p:nvPicPr>
+        <p:blipFill>
+          <a:blip r:embed="rId6">
+            <a:extLst>
+              <a:ext uri="{28A0092B-C50C-407E-A947-70E740481C1C}">
+                <a14:useLocalDpi xmlns:a14="http://schemas.microsoft.com/office/drawing/2010/main" val="0"/>
+              </a:ext>
+            </a:extLst>
+          </a:blip>
+          <a:srcRect/>
+          <a:stretch>
+            <a:fillRect/>
+          </a:stretch>
+        </p:blipFill>
+        <p:spPr bwMode="auto">
+          <a:xfrm>
+            <a:off x="11182350" y="5848350"/>
+            <a:ext cx="1009650" cy="1009650"/>
+          </a:xfrm>
+          <a:prstGeom prst="rect">
+            <a:avLst/>
+          </a:prstGeom>
+          <a:noFill/>
+          <a:extLst>
+            <a:ext uri="{909E8E84-426E-40DD-AFC4-6F175D3DCCD1}">
+              <a14:hiddenFill xmlns:a14="http://schemas.microsoft.com/office/drawing/2010/main">
+                <a:solidFill>
+                  <a:srgbClr val="FFFFFF"/>
+                </a:solidFill>
+              </a14:hiddenFill>
+            </a:ext>
+          </a:extLst>
+        </p:spPr>
+      </p:pic>
+    </p:spTree>
+    <p:extLst>
+      <p:ext uri="{BB962C8B-B14F-4D97-AF65-F5344CB8AC3E}">
+        <p14:creationId xmlns:p14="http://schemas.microsoft.com/office/powerpoint/2010/main" val="1440896414"/>
+      </p:ext>
+    </p:extLst>
+  </p:cSld>
+  <p:clrMapOvr>
+    <a:masterClrMapping/>
+  </p:clrMapOvr>
+</p:sld>
+</file>
+
+<file path=ppt/slides/slide15.xml><?xml version="1.0" encoding="utf-8"?>
+<p:sld xmlns:a="http://schemas.openxmlformats.org/drawingml/2006/main" xmlns:r="http://schemas.openxmlformats.org/officeDocument/2006/relationships" xmlns:p="http://schemas.openxmlformats.org/presentationml/2006/main">
+  <p:cSld>
+    <p:spTree>
+      <p:nvGrpSpPr>
+        <p:cNvPr id="1" name=""/>
+        <p:cNvGrpSpPr/>
+        <p:nvPr/>
+      </p:nvGrpSpPr>
+      <p:grpSpPr>
+        <a:xfrm>
+          <a:off x="0" y="0"/>
+          <a:ext cx="0" cy="0"/>
+          <a:chOff x="0" y="0"/>
+          <a:chExt cx="0" cy="0"/>
+        </a:xfrm>
+      </p:grpSpPr>
+      <p:sp>
+        <p:nvSpPr>
+          <p:cNvPr id="2" name="TextBox 1">
+            <a:extLst>
+              <a:ext uri="{FF2B5EF4-FFF2-40B4-BE49-F238E27FC236}">
+                <a16:creationId xmlns:a16="http://schemas.microsoft.com/office/drawing/2014/main" id="{15726383-B407-319E-030C-10F657ACC3A3}"/>
+              </a:ext>
+            </a:extLst>
+          </p:cNvPr>
+          <p:cNvSpPr txBox="1"/>
+          <p:nvPr/>
+        </p:nvSpPr>
+        <p:spPr>
+          <a:xfrm>
+            <a:off x="0" y="323165"/>
+            <a:ext cx="12192000" cy="646331"/>
+          </a:xfrm>
+          <a:prstGeom prst="rect">
+            <a:avLst/>
+          </a:prstGeom>
+          <a:noFill/>
+        </p:spPr>
+        <p:txBody>
+          <a:bodyPr wrap="square" rtlCol="0">
+            <a:spAutoFit/>
+          </a:bodyPr>
+          <a:lstStyle/>
+          <a:p>
+            <a:pPr algn="ctr"/>
+            <a:r>
+              <a:rPr lang="en-US" sz="3600" i="1" dirty="0">
+                <a:solidFill>
+                  <a:srgbClr val="7030A0"/>
+                </a:solidFill>
+                <a:latin typeface="Calisto MT" panose="02040603050505030304" pitchFamily="18" charset="0"/>
+              </a:rPr>
+              <a:t>Snowflake– Analytics</a:t>
+            </a:r>
+          </a:p>
+        </p:txBody>
+      </p:sp>
+      <p:grpSp>
+        <p:nvGrpSpPr>
+          <p:cNvPr id="41" name="Group 40">
+            <a:extLst>
+              <a:ext uri="{FF2B5EF4-FFF2-40B4-BE49-F238E27FC236}">
+                <a16:creationId xmlns:a16="http://schemas.microsoft.com/office/drawing/2014/main" id="{C04DC856-C550-BD17-1D79-1181ACFD2BC2}"/>
+              </a:ext>
+            </a:extLst>
+          </p:cNvPr>
+          <p:cNvGrpSpPr/>
+          <p:nvPr/>
+        </p:nvGrpSpPr>
+        <p:grpSpPr>
+          <a:xfrm>
+            <a:off x="480754" y="1566907"/>
+            <a:ext cx="8387269" cy="3293728"/>
+            <a:chOff x="928429" y="1538332"/>
+            <a:chExt cx="8387269" cy="3293728"/>
+          </a:xfrm>
+        </p:grpSpPr>
+        <p:grpSp>
+          <p:nvGrpSpPr>
+            <p:cNvPr id="47" name="Group 46">
+              <a:extLst>
+                <a:ext uri="{FF2B5EF4-FFF2-40B4-BE49-F238E27FC236}">
+                  <a16:creationId xmlns:a16="http://schemas.microsoft.com/office/drawing/2014/main" id="{36954644-BB1D-CFE9-2CD9-2EC3D4E0B40A}"/>
+                </a:ext>
+              </a:extLst>
+            </p:cNvPr>
+            <p:cNvGrpSpPr/>
+            <p:nvPr/>
+          </p:nvGrpSpPr>
+          <p:grpSpPr>
+            <a:xfrm>
+              <a:off x="1027667" y="2450634"/>
+              <a:ext cx="7648163" cy="2381426"/>
+              <a:chOff x="1027667" y="2450634"/>
+              <a:chExt cx="7648163" cy="2381426"/>
+            </a:xfrm>
+          </p:grpSpPr>
+          <p:grpSp>
+            <p:nvGrpSpPr>
+              <p:cNvPr id="50" name="Group 49">
+                <a:extLst>
+                  <a:ext uri="{FF2B5EF4-FFF2-40B4-BE49-F238E27FC236}">
+                    <a16:creationId xmlns:a16="http://schemas.microsoft.com/office/drawing/2014/main" id="{75D72BFA-067F-E026-4D82-8E90101C9379}"/>
+                  </a:ext>
+                </a:extLst>
+              </p:cNvPr>
+              <p:cNvGrpSpPr/>
+              <p:nvPr/>
+            </p:nvGrpSpPr>
+            <p:grpSpPr>
+              <a:xfrm>
+                <a:off x="1027667" y="2450634"/>
+                <a:ext cx="7648163" cy="2381426"/>
+                <a:chOff x="1027667" y="2450634"/>
+                <a:chExt cx="7648163" cy="2381426"/>
+              </a:xfrm>
+            </p:grpSpPr>
+            <p:sp>
+              <p:nvSpPr>
+                <p:cNvPr id="52" name="Cylinder 51">
+                  <a:extLst>
+                    <a:ext uri="{FF2B5EF4-FFF2-40B4-BE49-F238E27FC236}">
+                      <a16:creationId xmlns:a16="http://schemas.microsoft.com/office/drawing/2014/main" id="{F990127A-E7E0-2593-F592-A83B5B119E2B}"/>
+                    </a:ext>
+                  </a:extLst>
+                </p:cNvPr>
+                <p:cNvSpPr/>
+                <p:nvPr/>
+              </p:nvSpPr>
+              <p:spPr>
+                <a:xfrm rot="5400000">
+                  <a:off x="6436634" y="2659421"/>
+                  <a:ext cx="385894" cy="1837189"/>
+                </a:xfrm>
+                <a:prstGeom prst="can">
+                  <a:avLst/>
+                </a:prstGeom>
+                <a:solidFill>
+                  <a:srgbClr val="C00000">
+                    <a:alpha val="56000"/>
+                  </a:srgbClr>
+                </a:solidFill>
+              </p:spPr>
+              <p:style>
+                <a:lnRef idx="2">
+                  <a:schemeClr val="accent1">
+                    <a:shade val="15000"/>
+                  </a:schemeClr>
+                </a:lnRef>
+                <a:fillRef idx="1">
+                  <a:schemeClr val="accent1"/>
+                </a:fillRef>
+                <a:effectRef idx="0">
+                  <a:schemeClr val="accent1"/>
+                </a:effectRef>
+                <a:fontRef idx="minor">
+                  <a:schemeClr val="lt1"/>
+                </a:fontRef>
+              </p:style>
+              <p:txBody>
+                <a:bodyPr rtlCol="0" anchor="ctr"/>
+                <a:lstStyle/>
+                <a:p>
+                  <a:pPr algn="ctr"/>
+                  <a:endParaRPr lang="en-US" dirty="0"/>
+                </a:p>
+              </p:txBody>
+            </p:sp>
+            <p:sp>
+              <p:nvSpPr>
+                <p:cNvPr id="53" name="Cylinder 52">
+                  <a:extLst>
+                    <a:ext uri="{FF2B5EF4-FFF2-40B4-BE49-F238E27FC236}">
+                      <a16:creationId xmlns:a16="http://schemas.microsoft.com/office/drawing/2014/main" id="{A707586D-0A4E-53B4-F32B-109F05F02DFD}"/>
+                    </a:ext>
+                  </a:extLst>
+                </p:cNvPr>
+                <p:cNvSpPr/>
+                <p:nvPr/>
+              </p:nvSpPr>
+              <p:spPr>
+                <a:xfrm rot="5400000">
+                  <a:off x="2890006" y="2659420"/>
+                  <a:ext cx="385894" cy="1837189"/>
+                </a:xfrm>
+                <a:prstGeom prst="can">
+                  <a:avLst/>
+                </a:prstGeom>
+                <a:solidFill>
+                  <a:srgbClr val="00B0F0">
+                    <a:alpha val="38000"/>
+                  </a:srgbClr>
+                </a:solidFill>
+              </p:spPr>
+              <p:style>
+                <a:lnRef idx="2">
+                  <a:schemeClr val="accent1">
+                    <a:shade val="15000"/>
+                  </a:schemeClr>
+                </a:lnRef>
+                <a:fillRef idx="1">
+                  <a:schemeClr val="accent1"/>
+                </a:fillRef>
+                <a:effectRef idx="0">
+                  <a:schemeClr val="accent1"/>
+                </a:effectRef>
+                <a:fontRef idx="minor">
+                  <a:schemeClr val="lt1"/>
+                </a:fontRef>
+              </p:style>
+              <p:txBody>
+                <a:bodyPr rtlCol="0" anchor="ctr"/>
+                <a:lstStyle/>
+                <a:p>
+                  <a:pPr algn="ctr"/>
+                  <a:endParaRPr lang="en-US"/>
+                </a:p>
+              </p:txBody>
+            </p:sp>
+            <p:grpSp>
+              <p:nvGrpSpPr>
+                <p:cNvPr id="54" name="Group 53">
+                  <a:extLst>
+                    <a:ext uri="{FF2B5EF4-FFF2-40B4-BE49-F238E27FC236}">
+                      <a16:creationId xmlns:a16="http://schemas.microsoft.com/office/drawing/2014/main" id="{847425EC-6E6D-4EC2-B68E-39C58DD4D3B3}"/>
+                    </a:ext>
+                  </a:extLst>
+                </p:cNvPr>
+                <p:cNvGrpSpPr/>
+                <p:nvPr/>
+              </p:nvGrpSpPr>
+              <p:grpSpPr>
+                <a:xfrm>
+                  <a:off x="1027667" y="2450634"/>
+                  <a:ext cx="7648163" cy="2381426"/>
+                  <a:chOff x="1027667" y="2450634"/>
+                  <a:chExt cx="7648163" cy="2381426"/>
+                </a:xfrm>
+              </p:grpSpPr>
+              <p:grpSp>
+                <p:nvGrpSpPr>
+                  <p:cNvPr id="55" name="Group 54">
+                    <a:extLst>
+                      <a:ext uri="{FF2B5EF4-FFF2-40B4-BE49-F238E27FC236}">
+                        <a16:creationId xmlns:a16="http://schemas.microsoft.com/office/drawing/2014/main" id="{1CE8C9AA-22AD-8EFF-57B8-BE3CF54DD335}"/>
+                      </a:ext>
+                    </a:extLst>
+                  </p:cNvPr>
+                  <p:cNvGrpSpPr/>
+                  <p:nvPr/>
+                </p:nvGrpSpPr>
+                <p:grpSpPr>
+                  <a:xfrm>
+                    <a:off x="1027667" y="2450634"/>
+                    <a:ext cx="5872494" cy="2381426"/>
+                    <a:chOff x="1027667" y="2450634"/>
+                    <a:chExt cx="5872494" cy="2381426"/>
+                  </a:xfrm>
+                </p:grpSpPr>
+                <p:pic>
+                  <p:nvPicPr>
+                    <p:cNvPr id="59" name="Picture 4" descr="AWS S3 (Simple Storage Service)&quot; Icon - Download for free – Iconduck">
+                      <a:extLst>
+                        <a:ext uri="{FF2B5EF4-FFF2-40B4-BE49-F238E27FC236}">
+                          <a16:creationId xmlns:a16="http://schemas.microsoft.com/office/drawing/2014/main" id="{9F76281C-B594-14EF-388E-14494F90536B}"/>
+                        </a:ext>
+                      </a:extLst>
+                    </p:cNvPr>
+                    <p:cNvPicPr>
+                      <a:picLocks noChangeAspect="1" noChangeArrowheads="1"/>
+                    </p:cNvPicPr>
+                    <p:nvPr/>
+                  </p:nvPicPr>
+                  <p:blipFill>
+                    <a:blip r:embed="rId2">
+                      <a:duotone>
+                        <a:schemeClr val="accent1">
+                          <a:shade val="45000"/>
+                          <a:satMod val="135000"/>
+                        </a:schemeClr>
+                        <a:prstClr val="white"/>
+                      </a:duotone>
+                      <a:extLst>
+                        <a:ext uri="{28A0092B-C50C-407E-A947-70E740481C1C}">
+                          <a14:useLocalDpi xmlns:a14="http://schemas.microsoft.com/office/drawing/2010/main" val="0"/>
+                        </a:ext>
+                      </a:extLst>
+                    </a:blip>
+                    <a:srcRect/>
+                    <a:stretch>
+                      <a:fillRect/>
+                    </a:stretch>
+                  </p:blipFill>
+                  <p:spPr bwMode="auto">
+                    <a:xfrm>
+                      <a:off x="1027667" y="2450634"/>
+                      <a:ext cx="809190" cy="978366"/>
+                    </a:xfrm>
+                    <a:prstGeom prst="rect">
+                      <a:avLst/>
+                    </a:prstGeom>
+                    <a:noFill/>
+                    <a:extLst>
+                      <a:ext uri="{909E8E84-426E-40DD-AFC4-6F175D3DCCD1}">
+                        <a14:hiddenFill xmlns:a14="http://schemas.microsoft.com/office/drawing/2010/main">
+                          <a:solidFill>
+                            <a:srgbClr val="FFFFFF"/>
+                          </a:solidFill>
+                        </a14:hiddenFill>
+                      </a:ext>
+                    </a:extLst>
+                  </p:spPr>
+                </p:pic>
+                <p:pic>
+                  <p:nvPicPr>
+                    <p:cNvPr id="60" name="Picture 4" descr="AWS S3 (Simple Storage Service)&quot; Icon - Download for free – Iconduck">
+                      <a:extLst>
+                        <a:ext uri="{FF2B5EF4-FFF2-40B4-BE49-F238E27FC236}">
+                          <a16:creationId xmlns:a16="http://schemas.microsoft.com/office/drawing/2014/main" id="{8D409AA3-83B0-B374-A8AB-BB1EE21FFB9A}"/>
+                        </a:ext>
+                      </a:extLst>
+                    </p:cNvPr>
+                    <p:cNvPicPr>
+                      <a:picLocks noChangeAspect="1" noChangeArrowheads="1"/>
+                    </p:cNvPicPr>
+                    <p:nvPr/>
+                  </p:nvPicPr>
+                  <p:blipFill>
+                    <a:blip r:embed="rId2">
+                      <a:duotone>
+                        <a:schemeClr val="accent6">
+                          <a:shade val="45000"/>
+                          <a:satMod val="135000"/>
+                        </a:schemeClr>
+                        <a:prstClr val="white"/>
+                      </a:duotone>
+                      <a:extLst>
+                        <a:ext uri="{28A0092B-C50C-407E-A947-70E740481C1C}">
+                          <a14:useLocalDpi xmlns:a14="http://schemas.microsoft.com/office/drawing/2010/main" val="0"/>
+                        </a:ext>
+                      </a:extLst>
+                    </a:blip>
+                    <a:srcRect/>
+                    <a:stretch>
+                      <a:fillRect/>
+                    </a:stretch>
+                  </p:blipFill>
+                  <p:spPr bwMode="auto">
+                    <a:xfrm>
+                      <a:off x="1027667" y="3853694"/>
+                      <a:ext cx="809190" cy="978366"/>
+                    </a:xfrm>
+                    <a:prstGeom prst="rect">
+                      <a:avLst/>
+                    </a:prstGeom>
+                    <a:noFill/>
+                    <a:extLst>
+                      <a:ext uri="{909E8E84-426E-40DD-AFC4-6F175D3DCCD1}">
+                        <a14:hiddenFill xmlns:a14="http://schemas.microsoft.com/office/drawing/2010/main">
+                          <a:solidFill>
+                            <a:srgbClr val="FFFFFF"/>
+                          </a:solidFill>
+                        </a14:hiddenFill>
+                      </a:ext>
+                    </a:extLst>
+                  </p:spPr>
+                </p:pic>
+                <p:sp>
+                  <p:nvSpPr>
+                    <p:cNvPr id="61" name="TextBox 60">
+                      <a:extLst>
+                        <a:ext uri="{FF2B5EF4-FFF2-40B4-BE49-F238E27FC236}">
+                          <a16:creationId xmlns:a16="http://schemas.microsoft.com/office/drawing/2014/main" id="{4438B8C2-9426-05B9-D433-C5169EC7FE2B}"/>
+                        </a:ext>
+                      </a:extLst>
+                    </p:cNvPr>
+                    <p:cNvSpPr txBox="1"/>
+                    <p:nvPr/>
+                  </p:nvSpPr>
+                  <p:spPr>
+                    <a:xfrm>
+                      <a:off x="2860646" y="3385067"/>
+                      <a:ext cx="444616" cy="369332"/>
+                    </a:xfrm>
+                    <a:prstGeom prst="rect">
+                      <a:avLst/>
+                    </a:prstGeom>
+                    <a:noFill/>
+                  </p:spPr>
+                  <p:txBody>
+                    <a:bodyPr wrap="square" rtlCol="0">
+                      <a:spAutoFit/>
+                    </a:bodyPr>
+                    <a:lstStyle/>
+                    <a:p>
+                      <a:r>
+                        <a:rPr lang="en-US" b="1" i="1" dirty="0"/>
+                        <a:t>EL</a:t>
+                      </a:r>
+                    </a:p>
+                  </p:txBody>
+                </p:sp>
+                <p:sp>
+                  <p:nvSpPr>
+                    <p:cNvPr id="62" name="TextBox 61">
+                      <a:extLst>
+                        <a:ext uri="{FF2B5EF4-FFF2-40B4-BE49-F238E27FC236}">
+                          <a16:creationId xmlns:a16="http://schemas.microsoft.com/office/drawing/2014/main" id="{30199DC2-EFF9-1C8B-A2B9-24EEDD1FF731}"/>
+                        </a:ext>
+                      </a:extLst>
+                    </p:cNvPr>
+                    <p:cNvSpPr txBox="1"/>
+                    <p:nvPr/>
+                  </p:nvSpPr>
+                  <p:spPr>
+                    <a:xfrm>
+                      <a:off x="6455545" y="3393348"/>
+                      <a:ext cx="444616" cy="369332"/>
+                    </a:xfrm>
+                    <a:prstGeom prst="rect">
+                      <a:avLst/>
+                    </a:prstGeom>
+                    <a:noFill/>
+                  </p:spPr>
+                  <p:txBody>
+                    <a:bodyPr wrap="square" rtlCol="0">
+                      <a:spAutoFit/>
+                    </a:bodyPr>
+                    <a:lstStyle/>
+                    <a:p>
+                      <a:r>
+                        <a:rPr lang="en-US" b="1" i="1" dirty="0"/>
+                        <a:t>T</a:t>
+                      </a:r>
+                    </a:p>
+                  </p:txBody>
+                </p:sp>
+              </p:grpSp>
+              <p:pic>
+                <p:nvPicPr>
+                  <p:cNvPr id="56" name="Picture 6" descr="Snowflake logo in transparent PNG and vectorized SVG formats">
+                    <a:extLst>
+                      <a:ext uri="{FF2B5EF4-FFF2-40B4-BE49-F238E27FC236}">
+                        <a16:creationId xmlns:a16="http://schemas.microsoft.com/office/drawing/2014/main" id="{DD1A04AD-989B-E7AA-52B1-81BD97073A00}"/>
+                      </a:ext>
+                    </a:extLst>
+                  </p:cNvPr>
+                  <p:cNvPicPr>
+                    <a:picLocks noChangeAspect="1" noChangeArrowheads="1"/>
+                  </p:cNvPicPr>
+                  <p:nvPr/>
+                </p:nvPicPr>
+                <p:blipFill>
+                  <a:blip r:embed="rId3">
+                    <a:extLst>
+                      <a:ext uri="{28A0092B-C50C-407E-A947-70E740481C1C}">
+                        <a14:useLocalDpi xmlns:a14="http://schemas.microsoft.com/office/drawing/2010/main" val="0"/>
+                      </a:ext>
+                    </a:extLst>
+                  </a:blip>
+                  <a:srcRect/>
+                  <a:stretch>
+                    <a:fillRect/>
+                  </a:stretch>
+                </p:blipFill>
+                <p:spPr bwMode="auto">
+                  <a:xfrm>
+                    <a:off x="4583330" y="3340421"/>
+                    <a:ext cx="548640" cy="546489"/>
+                  </a:xfrm>
+                  <a:prstGeom prst="rect">
+                    <a:avLst/>
+                  </a:prstGeom>
+                  <a:noFill/>
+                  <a:extLst>
+                    <a:ext uri="{909E8E84-426E-40DD-AFC4-6F175D3DCCD1}">
+                      <a14:hiddenFill xmlns:a14="http://schemas.microsoft.com/office/drawing/2010/main">
+                        <a:solidFill>
+                          <a:srgbClr val="FFFFFF"/>
+                        </a:solidFill>
+                      </a14:hiddenFill>
+                    </a:ext>
+                  </a:extLst>
+                </p:spPr>
+              </p:pic>
+              <p:pic>
+                <p:nvPicPr>
+                  <p:cNvPr id="57" name="Picture 6" descr="Snowflake logo in transparent PNG and vectorized SVG formats">
+                    <a:extLst>
+                      <a:ext uri="{FF2B5EF4-FFF2-40B4-BE49-F238E27FC236}">
+                        <a16:creationId xmlns:a16="http://schemas.microsoft.com/office/drawing/2014/main" id="{84E5BB89-3ED9-B827-B7B3-539EB8633222}"/>
+                      </a:ext>
+                    </a:extLst>
+                  </p:cNvPr>
+                  <p:cNvPicPr>
+                    <a:picLocks noChangeAspect="1" noChangeArrowheads="1"/>
+                  </p:cNvPicPr>
+                  <p:nvPr/>
+                </p:nvPicPr>
+                <p:blipFill>
+                  <a:blip r:embed="rId3">
+                    <a:extLst>
+                      <a:ext uri="{28A0092B-C50C-407E-A947-70E740481C1C}">
+                        <a14:useLocalDpi xmlns:a14="http://schemas.microsoft.com/office/drawing/2010/main" val="0"/>
+                      </a:ext>
+                    </a:extLst>
+                  </a:blip>
+                  <a:srcRect/>
+                  <a:stretch>
+                    <a:fillRect/>
+                  </a:stretch>
+                </p:blipFill>
+                <p:spPr bwMode="auto">
+                  <a:xfrm>
+                    <a:off x="8127190" y="3307205"/>
+                    <a:ext cx="548640" cy="546489"/>
+                  </a:xfrm>
+                  <a:prstGeom prst="rect">
+                    <a:avLst/>
+                  </a:prstGeom>
+                  <a:noFill/>
+                  <a:extLst>
+                    <a:ext uri="{909E8E84-426E-40DD-AFC4-6F175D3DCCD1}">
+                      <a14:hiddenFill xmlns:a14="http://schemas.microsoft.com/office/drawing/2010/main">
+                        <a:solidFill>
+                          <a:srgbClr val="FFFFFF"/>
+                        </a:solidFill>
+                      </a14:hiddenFill>
+                    </a:ext>
+                  </a:extLst>
+                </p:spPr>
+              </p:pic>
+              <p:pic>
+                <p:nvPicPr>
+                  <p:cNvPr id="58" name="Picture 6" descr="Snowflake logo in transparent PNG and vectorized SVG formats">
+                    <a:extLst>
+                      <a:ext uri="{FF2B5EF4-FFF2-40B4-BE49-F238E27FC236}">
+                        <a16:creationId xmlns:a16="http://schemas.microsoft.com/office/drawing/2014/main" id="{A98BC584-BD17-5862-6FAF-57C8341A271D}"/>
+                      </a:ext>
+                    </a:extLst>
+                  </p:cNvPr>
+                  <p:cNvPicPr>
+                    <a:picLocks noChangeAspect="1" noChangeArrowheads="1"/>
+                  </p:cNvPicPr>
+                  <p:nvPr/>
+                </p:nvPicPr>
+                <p:blipFill>
+                  <a:blip r:embed="rId3">
+                    <a:extLst>
+                      <a:ext uri="{28A0092B-C50C-407E-A947-70E740481C1C}">
+                        <a14:useLocalDpi xmlns:a14="http://schemas.microsoft.com/office/drawing/2010/main" val="0"/>
+                      </a:ext>
+                    </a:extLst>
+                  </a:blip>
+                  <a:srcRect/>
+                  <a:stretch>
+                    <a:fillRect/>
+                  </a:stretch>
+                </p:blipFill>
+                <p:spPr bwMode="auto">
+                  <a:xfrm>
+                    <a:off x="2860646" y="2699267"/>
+                    <a:ext cx="450506" cy="448740"/>
+                  </a:xfrm>
+                  <a:prstGeom prst="rect">
+                    <a:avLst/>
+                  </a:prstGeom>
+                  <a:noFill/>
+                  <a:extLst>
+                    <a:ext uri="{909E8E84-426E-40DD-AFC4-6F175D3DCCD1}">
+                      <a14:hiddenFill xmlns:a14="http://schemas.microsoft.com/office/drawing/2010/main">
+                        <a:solidFill>
+                          <a:srgbClr val="FFFFFF"/>
+                        </a:solidFill>
+                      </a14:hiddenFill>
+                    </a:ext>
+                  </a:extLst>
+                </p:spPr>
+              </p:pic>
+            </p:grpSp>
+          </p:grpSp>
+          <p:pic>
+            <p:nvPicPr>
+              <p:cNvPr id="51" name="Picture 2" descr="Dbt Logo PNG Vectors Free Download">
+                <a:extLst>
+                  <a:ext uri="{FF2B5EF4-FFF2-40B4-BE49-F238E27FC236}">
+                    <a16:creationId xmlns:a16="http://schemas.microsoft.com/office/drawing/2014/main" id="{82A99013-12FD-26AA-CFDA-5FE0304D8E1B}"/>
+                  </a:ext>
+                </a:extLst>
+              </p:cNvPr>
+              <p:cNvPicPr>
+                <a:picLocks noChangeAspect="1" noChangeArrowheads="1"/>
+              </p:cNvPicPr>
+              <p:nvPr/>
+            </p:nvPicPr>
+            <p:blipFill>
+              <a:blip r:embed="rId4">
+                <a:extLst>
+                  <a:ext uri="{28A0092B-C50C-407E-A947-70E740481C1C}">
+                    <a14:useLocalDpi xmlns:a14="http://schemas.microsoft.com/office/drawing/2010/main" val="0"/>
+                  </a:ext>
+                </a:extLst>
+              </a:blip>
+              <a:srcRect/>
+              <a:stretch>
+                <a:fillRect/>
+              </a:stretch>
+            </p:blipFill>
+            <p:spPr bwMode="auto">
+              <a:xfrm>
+                <a:off x="6386600" y="2699267"/>
+                <a:ext cx="548640" cy="548640"/>
+              </a:xfrm>
+              <a:prstGeom prst="rect">
+                <a:avLst/>
+              </a:prstGeom>
+              <a:noFill/>
+              <a:extLst>
+                <a:ext uri="{909E8E84-426E-40DD-AFC4-6F175D3DCCD1}">
+                  <a14:hiddenFill xmlns:a14="http://schemas.microsoft.com/office/drawing/2010/main">
+                    <a:solidFill>
+                      <a:srgbClr val="FFFFFF"/>
+                    </a:solidFill>
+                  </a14:hiddenFill>
+                </a:ext>
+              </a:extLst>
+            </p:spPr>
+          </p:pic>
+        </p:grpSp>
+        <p:sp>
+          <p:nvSpPr>
+            <p:cNvPr id="43" name="TextBox 42">
+              <a:extLst>
+                <a:ext uri="{FF2B5EF4-FFF2-40B4-BE49-F238E27FC236}">
+                  <a16:creationId xmlns:a16="http://schemas.microsoft.com/office/drawing/2014/main" id="{202A9BD6-FD7E-69B6-294A-548F9936CA7C}"/>
+                </a:ext>
+              </a:extLst>
+            </p:cNvPr>
+            <p:cNvSpPr txBox="1"/>
+            <p:nvPr/>
+          </p:nvSpPr>
+          <p:spPr>
+            <a:xfrm>
+              <a:off x="3943463" y="1676831"/>
+              <a:ext cx="1828375" cy="369332"/>
+            </a:xfrm>
+            <a:prstGeom prst="rect">
+              <a:avLst/>
+            </a:prstGeom>
+            <a:noFill/>
+          </p:spPr>
+          <p:txBody>
+            <a:bodyPr wrap="square" rtlCol="0">
+              <a:spAutoFit/>
+            </a:bodyPr>
+            <a:lstStyle/>
+            <a:p>
+              <a:pPr algn="ctr"/>
+              <a:r>
+                <a:rPr lang="en-US" b="1" dirty="0">
+                  <a:solidFill>
+                    <a:srgbClr val="00B0F0"/>
+                  </a:solidFill>
+                </a:rPr>
+                <a:t>Raw Data</a:t>
+              </a:r>
+            </a:p>
+          </p:txBody>
+        </p:sp>
+        <p:sp>
+          <p:nvSpPr>
+            <p:cNvPr id="44" name="TextBox 43">
+              <a:extLst>
+                <a:ext uri="{FF2B5EF4-FFF2-40B4-BE49-F238E27FC236}">
+                  <a16:creationId xmlns:a16="http://schemas.microsoft.com/office/drawing/2014/main" id="{866F01F1-8B3A-E6CC-7C52-492813DDC77C}"/>
+                </a:ext>
+              </a:extLst>
+            </p:cNvPr>
+            <p:cNvSpPr txBox="1"/>
+            <p:nvPr/>
+          </p:nvSpPr>
+          <p:spPr>
+            <a:xfrm>
+              <a:off x="928429" y="1538332"/>
+              <a:ext cx="1490208" cy="646331"/>
+            </a:xfrm>
+            <a:prstGeom prst="rect">
+              <a:avLst/>
+            </a:prstGeom>
+            <a:noFill/>
+          </p:spPr>
+          <p:txBody>
+            <a:bodyPr wrap="square" rtlCol="0">
+              <a:spAutoFit/>
+            </a:bodyPr>
+            <a:lstStyle/>
+            <a:p>
+              <a:r>
+                <a:rPr lang="en-US" b="1" dirty="0">
+                  <a:solidFill>
+                    <a:schemeClr val="bg1">
+                      <a:lumMod val="50000"/>
+                    </a:schemeClr>
+                  </a:solidFill>
+                </a:rPr>
+                <a:t>External </a:t>
+              </a:r>
+            </a:p>
+            <a:p>
+              <a:r>
+                <a:rPr lang="en-US" b="1" dirty="0">
+                  <a:solidFill>
+                    <a:schemeClr val="bg1">
+                      <a:lumMod val="50000"/>
+                    </a:schemeClr>
+                  </a:solidFill>
+                </a:rPr>
+                <a:t>Data Sources</a:t>
+              </a:r>
+            </a:p>
+          </p:txBody>
+        </p:sp>
+        <p:sp>
+          <p:nvSpPr>
+            <p:cNvPr id="45" name="TextBox 44">
+              <a:extLst>
+                <a:ext uri="{FF2B5EF4-FFF2-40B4-BE49-F238E27FC236}">
+                  <a16:creationId xmlns:a16="http://schemas.microsoft.com/office/drawing/2014/main" id="{4879FCBA-2629-2039-6AFC-743AE34561D2}"/>
+                </a:ext>
+              </a:extLst>
+            </p:cNvPr>
+            <p:cNvSpPr txBox="1"/>
+            <p:nvPr/>
+          </p:nvSpPr>
+          <p:spPr>
+            <a:xfrm>
+              <a:off x="7487323" y="1676831"/>
+              <a:ext cx="1828375" cy="369332"/>
+            </a:xfrm>
+            <a:prstGeom prst="rect">
+              <a:avLst/>
+            </a:prstGeom>
+            <a:noFill/>
+          </p:spPr>
+          <p:txBody>
+            <a:bodyPr wrap="square" rtlCol="0">
+              <a:spAutoFit/>
+            </a:bodyPr>
+            <a:lstStyle/>
+            <a:p>
+              <a:pPr algn="ctr"/>
+              <a:r>
+                <a:rPr lang="en-US" b="1" dirty="0">
+                  <a:solidFill>
+                    <a:srgbClr val="00B0F0"/>
+                  </a:solidFill>
+                </a:rPr>
+                <a:t>Prepared Data</a:t>
+              </a:r>
+            </a:p>
+          </p:txBody>
+        </p:sp>
+      </p:grpSp>
+      <p:pic>
+        <p:nvPicPr>
+          <p:cNvPr id="66" name="Picture 65">
+            <a:extLst>
+              <a:ext uri="{FF2B5EF4-FFF2-40B4-BE49-F238E27FC236}">
+                <a16:creationId xmlns:a16="http://schemas.microsoft.com/office/drawing/2014/main" id="{D8A5D47A-7F6A-04B7-2BDC-6C23FF5BD0BE}"/>
+              </a:ext>
+            </a:extLst>
+          </p:cNvPr>
+          <p:cNvPicPr>
+            <a:picLocks noChangeAspect="1"/>
+          </p:cNvPicPr>
+          <p:nvPr/>
+        </p:nvPicPr>
+        <p:blipFill>
+          <a:blip r:embed="rId5"/>
+          <a:stretch>
+            <a:fillRect/>
+          </a:stretch>
+        </p:blipFill>
+        <p:spPr>
+          <a:xfrm>
+            <a:off x="8868023" y="2498141"/>
+            <a:ext cx="3169371" cy="2460433"/>
+          </a:xfrm>
+          <a:prstGeom prst="rect">
+            <a:avLst/>
+          </a:prstGeom>
+        </p:spPr>
+      </p:pic>
+      <p:pic>
+        <p:nvPicPr>
+          <p:cNvPr id="68" name="Picture 2" descr="FIRN Analytics: Timely Data Solutions &amp; Expert Consultancy">
+            <a:extLst>
+              <a:ext uri="{FF2B5EF4-FFF2-40B4-BE49-F238E27FC236}">
+                <a16:creationId xmlns:a16="http://schemas.microsoft.com/office/drawing/2014/main" id="{C64EB989-BDEF-450D-C383-DD6F42A08395}"/>
+              </a:ext>
+            </a:extLst>
+          </p:cNvPr>
+          <p:cNvPicPr>
+            <a:picLocks noChangeAspect="1" noChangeArrowheads="1"/>
+          </p:cNvPicPr>
+          <p:nvPr/>
+        </p:nvPicPr>
+        <p:blipFill>
+          <a:blip r:embed="rId6">
+            <a:extLst>
+              <a:ext uri="{28A0092B-C50C-407E-A947-70E740481C1C}">
+                <a14:useLocalDpi xmlns:a14="http://schemas.microsoft.com/office/drawing/2010/main" val="0"/>
+              </a:ext>
+            </a:extLst>
+          </a:blip>
+          <a:srcRect/>
+          <a:stretch>
+            <a:fillRect/>
+          </a:stretch>
+        </p:blipFill>
+        <p:spPr bwMode="auto">
+          <a:xfrm>
+            <a:off x="11182350" y="5848350"/>
+            <a:ext cx="1009650" cy="1009650"/>
+          </a:xfrm>
+          <a:prstGeom prst="rect">
+            <a:avLst/>
+          </a:prstGeom>
+          <a:noFill/>
+          <a:extLst>
+            <a:ext uri="{909E8E84-426E-40DD-AFC4-6F175D3DCCD1}">
+              <a14:hiddenFill xmlns:a14="http://schemas.microsoft.com/office/drawing/2010/main">
+                <a:solidFill>
+                  <a:srgbClr val="FFFFFF"/>
+                </a:solidFill>
+              </a14:hiddenFill>
+            </a:ext>
+          </a:extLst>
+        </p:spPr>
+      </p:pic>
+    </p:spTree>
+    <p:extLst>
+      <p:ext uri="{BB962C8B-B14F-4D97-AF65-F5344CB8AC3E}">
+        <p14:creationId xmlns:p14="http://schemas.microsoft.com/office/powerpoint/2010/main" val="2315678147"/>
+      </p:ext>
+    </p:extLst>
+  </p:cSld>
+  <p:clrMapOvr>
+    <a:masterClrMapping/>
+  </p:clrMapOvr>
+</p:sld>
+</file>
+
+<file path=ppt/slides/slide16.xml><?xml version="1.0" encoding="utf-8"?>
+<p:sld xmlns:a="http://schemas.openxmlformats.org/drawingml/2006/main" xmlns:r="http://schemas.openxmlformats.org/officeDocument/2006/relationships" xmlns:p="http://schemas.openxmlformats.org/presentationml/2006/main">
+  <p:cSld>
+    <p:spTree>
+      <p:nvGrpSpPr>
+        <p:cNvPr id="1" name=""/>
+        <p:cNvGrpSpPr/>
+        <p:nvPr/>
+      </p:nvGrpSpPr>
+      <p:grpSpPr>
+        <a:xfrm>
+          <a:off x="0" y="0"/>
+          <a:ext cx="0" cy="0"/>
+          <a:chOff x="0" y="0"/>
+          <a:chExt cx="0" cy="0"/>
+        </a:xfrm>
+      </p:grpSpPr>
+      <p:sp>
+        <p:nvSpPr>
+          <p:cNvPr id="2" name="TextBox 1">
+            <a:extLst>
+              <a:ext uri="{FF2B5EF4-FFF2-40B4-BE49-F238E27FC236}">
+                <a16:creationId xmlns:a16="http://schemas.microsoft.com/office/drawing/2014/main" id="{15726383-B407-319E-030C-10F657ACC3A3}"/>
+              </a:ext>
+            </a:extLst>
+          </p:cNvPr>
+          <p:cNvSpPr txBox="1"/>
+          <p:nvPr/>
+        </p:nvSpPr>
+        <p:spPr>
+          <a:xfrm>
+            <a:off x="0" y="323165"/>
+            <a:ext cx="12192000" cy="646331"/>
+          </a:xfrm>
+          <a:prstGeom prst="rect">
+            <a:avLst/>
+          </a:prstGeom>
+          <a:noFill/>
+        </p:spPr>
+        <p:txBody>
+          <a:bodyPr wrap="square" rtlCol="0">
+            <a:spAutoFit/>
+          </a:bodyPr>
+          <a:lstStyle/>
+          <a:p>
+            <a:pPr algn="ctr"/>
+            <a:r>
+              <a:rPr lang="en-US" sz="3600" i="1" dirty="0">
+                <a:solidFill>
+                  <a:srgbClr val="7030A0"/>
+                </a:solidFill>
+                <a:latin typeface="Calisto MT" panose="02040603050505030304" pitchFamily="18" charset="0"/>
+              </a:rPr>
+              <a:t>Power BI – Reporting</a:t>
+            </a:r>
+          </a:p>
+        </p:txBody>
+      </p:sp>
+      <p:pic>
+        <p:nvPicPr>
+          <p:cNvPr id="10" name="Picture 4" descr="Power BI icon PNG and SVG Vector Free Download">
+            <a:extLst>
+              <a:ext uri="{FF2B5EF4-FFF2-40B4-BE49-F238E27FC236}">
+                <a16:creationId xmlns:a16="http://schemas.microsoft.com/office/drawing/2014/main" id="{FE7F31BC-CCA7-B9C3-8AFB-81B532166D71}"/>
+              </a:ext>
+            </a:extLst>
+          </p:cNvPr>
+          <p:cNvPicPr>
+            <a:picLocks noChangeAspect="1" noChangeArrowheads="1"/>
+          </p:cNvPicPr>
+          <p:nvPr/>
+        </p:nvPicPr>
+        <p:blipFill>
+          <a:blip r:embed="rId2">
+            <a:extLst>
+              <a:ext uri="{28A0092B-C50C-407E-A947-70E740481C1C}">
+                <a14:useLocalDpi xmlns:a14="http://schemas.microsoft.com/office/drawing/2010/main" val="0"/>
+              </a:ext>
+            </a:extLst>
+          </a:blip>
+          <a:srcRect/>
+          <a:stretch>
+            <a:fillRect/>
+          </a:stretch>
+        </p:blipFill>
+        <p:spPr bwMode="auto">
+          <a:xfrm>
+            <a:off x="271542" y="2712241"/>
+            <a:ext cx="1359365" cy="1433518"/>
+          </a:xfrm>
+          <a:prstGeom prst="rect">
+            <a:avLst/>
+          </a:prstGeom>
+          <a:noFill/>
+          <a:extLst>
+            <a:ext uri="{909E8E84-426E-40DD-AFC4-6F175D3DCCD1}">
+              <a14:hiddenFill xmlns:a14="http://schemas.microsoft.com/office/drawing/2010/main">
+                <a:solidFill>
+                  <a:srgbClr val="FFFFFF"/>
+                </a:solidFill>
+              </a14:hiddenFill>
+            </a:ext>
+          </a:extLst>
+        </p:spPr>
+      </p:pic>
+      <p:pic>
+        <p:nvPicPr>
+          <p:cNvPr id="30" name="Picture 2" descr="FIRN Analytics: Timely Data Solutions &amp; Expert Consultancy">
+            <a:extLst>
+              <a:ext uri="{FF2B5EF4-FFF2-40B4-BE49-F238E27FC236}">
+                <a16:creationId xmlns:a16="http://schemas.microsoft.com/office/drawing/2014/main" id="{C397D2E6-7F99-5891-2E45-3C4AE311AAB1}"/>
+              </a:ext>
+            </a:extLst>
+          </p:cNvPr>
+          <p:cNvPicPr>
+            <a:picLocks noChangeAspect="1" noChangeArrowheads="1"/>
+          </p:cNvPicPr>
+          <p:nvPr/>
+        </p:nvPicPr>
+        <p:blipFill>
+          <a:blip r:embed="rId3">
+            <a:extLst>
+              <a:ext uri="{28A0092B-C50C-407E-A947-70E740481C1C}">
+                <a14:useLocalDpi xmlns:a14="http://schemas.microsoft.com/office/drawing/2010/main" val="0"/>
+              </a:ext>
+            </a:extLst>
+          </a:blip>
+          <a:srcRect/>
+          <a:stretch>
+            <a:fillRect/>
+          </a:stretch>
+        </p:blipFill>
+        <p:spPr bwMode="auto">
+          <a:xfrm>
+            <a:off x="11182350" y="5848350"/>
+            <a:ext cx="1009650" cy="1009650"/>
+          </a:xfrm>
+          <a:prstGeom prst="rect">
+            <a:avLst/>
+          </a:prstGeom>
+          <a:noFill/>
+          <a:extLst>
+            <a:ext uri="{909E8E84-426E-40DD-AFC4-6F175D3DCCD1}">
+              <a14:hiddenFill xmlns:a14="http://schemas.microsoft.com/office/drawing/2010/main">
+                <a:solidFill>
+                  <a:srgbClr val="FFFFFF"/>
+                </a:solidFill>
+              </a14:hiddenFill>
+            </a:ext>
+          </a:extLst>
+        </p:spPr>
+      </p:pic>
+    </p:spTree>
+    <p:extLst>
+      <p:ext uri="{BB962C8B-B14F-4D97-AF65-F5344CB8AC3E}">
+        <p14:creationId xmlns:p14="http://schemas.microsoft.com/office/powerpoint/2010/main" val="3558210208"/>
       </p:ext>
     </p:extLst>
   </p:cSld>
@@ -3675,113 +8451,448 @@
           </a:p>
         </p:txBody>
       </p:sp>
-      <p:sp>
-        <p:nvSpPr>
-          <p:cNvPr id="3" name="TextBox 2">
+      <p:grpSp>
+        <p:nvGrpSpPr>
+          <p:cNvPr id="24" name="Group 23">
             <a:extLst>
               <a:ext uri="{FF2B5EF4-FFF2-40B4-BE49-F238E27FC236}">
-                <a16:creationId xmlns:a16="http://schemas.microsoft.com/office/drawing/2014/main" id="{9D188AD1-93A6-EFFE-3ACA-0B480B5135A9}"/>
+                <a16:creationId xmlns:a16="http://schemas.microsoft.com/office/drawing/2014/main" id="{429763CD-930D-48F6-FAB2-0186080042F7}"/>
               </a:ext>
             </a:extLst>
           </p:cNvPr>
-          <p:cNvSpPr txBox="1"/>
+          <p:cNvGrpSpPr/>
           <p:nvPr/>
-        </p:nvSpPr>
-        <p:spPr>
+        </p:nvGrpSpPr>
+        <p:grpSpPr>
           <a:xfrm>
-            <a:off x="0" y="1476462"/>
-            <a:ext cx="12192000" cy="2031325"/>
+            <a:off x="0" y="1124037"/>
+            <a:ext cx="12192000" cy="4724998"/>
+            <a:chOff x="0" y="1476462"/>
+            <a:chExt cx="12192000" cy="4724998"/>
+          </a:xfrm>
+        </p:grpSpPr>
+        <p:grpSp>
+          <p:nvGrpSpPr>
+            <p:cNvPr id="21" name="Group 20">
+              <a:extLst>
+                <a:ext uri="{FF2B5EF4-FFF2-40B4-BE49-F238E27FC236}">
+                  <a16:creationId xmlns:a16="http://schemas.microsoft.com/office/drawing/2014/main" id="{6091815F-AD39-5837-9DC0-0AA03DD9250D}"/>
+                </a:ext>
+              </a:extLst>
+            </p:cNvPr>
+            <p:cNvGrpSpPr/>
+            <p:nvPr/>
+          </p:nvGrpSpPr>
+          <p:grpSpPr>
+            <a:xfrm>
+              <a:off x="0" y="1476462"/>
+              <a:ext cx="12192000" cy="4724998"/>
+              <a:chOff x="0" y="1476462"/>
+              <a:chExt cx="12192000" cy="4724998"/>
+            </a:xfrm>
+          </p:grpSpPr>
+          <p:sp>
+            <p:nvSpPr>
+              <p:cNvPr id="3" name="TextBox 2">
+                <a:extLst>
+                  <a:ext uri="{FF2B5EF4-FFF2-40B4-BE49-F238E27FC236}">
+                    <a16:creationId xmlns:a16="http://schemas.microsoft.com/office/drawing/2014/main" id="{9D188AD1-93A6-EFFE-3ACA-0B480B5135A9}"/>
+                  </a:ext>
+                </a:extLst>
+              </p:cNvPr>
+              <p:cNvSpPr txBox="1"/>
+              <p:nvPr/>
+            </p:nvSpPr>
+            <p:spPr>
+              <a:xfrm>
+                <a:off x="0" y="1476462"/>
+                <a:ext cx="12192000" cy="3416320"/>
+              </a:xfrm>
+              <a:prstGeom prst="rect">
+                <a:avLst/>
+              </a:prstGeom>
+              <a:noFill/>
+            </p:spPr>
+            <p:txBody>
+              <a:bodyPr wrap="square" rtlCol="0">
+                <a:spAutoFit/>
+              </a:bodyPr>
+              <a:lstStyle/>
+              <a:p>
+                <a:pPr marL="285750" indent="-285750">
+                  <a:buFont typeface="Arial" panose="020B0604020202020204" pitchFamily="34" charset="0"/>
+                  <a:buChar char="•"/>
+                </a:pPr>
+                <a:r>
+                  <a:rPr lang="en-US" b="1" i="1" u="sng" dirty="0"/>
+                  <a:t>Data Profiling</a:t>
+                </a:r>
+              </a:p>
+              <a:p>
+                <a:endParaRPr lang="en-US" dirty="0"/>
+              </a:p>
+              <a:p>
+                <a:pPr marL="742950" lvl="1" indent="-285750">
+                  <a:buFont typeface="Wingdings" panose="05000000000000000000" pitchFamily="2" charset="2"/>
+                  <a:buChar char="Ø"/>
+                </a:pPr>
+                <a:r>
+                  <a:rPr lang="en-US" b="1" dirty="0">
+                    <a:solidFill>
+                      <a:srgbClr val="0000FF"/>
+                    </a:solidFill>
+                  </a:rPr>
+                  <a:t>Weather data</a:t>
+                </a:r>
+              </a:p>
+              <a:p>
+                <a:pPr marL="1200150" lvl="2" indent="-285750">
+                  <a:buFont typeface="Courier New" panose="02070309020205020404" pitchFamily="49" charset="0"/>
+                  <a:buChar char="o"/>
+                </a:pPr>
+                <a:r>
+                  <a:rPr lang="en-US" dirty="0"/>
+                  <a:t>S3 bucket: </a:t>
+                </a:r>
+                <a:r>
+                  <a:rPr lang="en-US" sz="1600" dirty="0"/>
+                  <a:t>s3://snowflake-workshop-lab/weather-nyc</a:t>
+                </a:r>
+                <a:endParaRPr lang="en-US" dirty="0"/>
+              </a:p>
+              <a:p>
+                <a:pPr marL="1200150" lvl="2" indent="-285750">
+                  <a:buFont typeface="Courier New" panose="02070309020205020404" pitchFamily="49" charset="0"/>
+                  <a:buChar char="o"/>
+                </a:pPr>
+                <a:endParaRPr lang="en-US" dirty="0"/>
+              </a:p>
+              <a:p>
+                <a:pPr marL="1200150" lvl="2" indent="-285750">
+                  <a:buFont typeface="Courier New" panose="02070309020205020404" pitchFamily="49" charset="0"/>
+                  <a:buChar char="o"/>
+                </a:pPr>
+                <a:endParaRPr lang="en-US" dirty="0"/>
+              </a:p>
+              <a:p>
+                <a:pPr marL="1200150" lvl="2" indent="-285750">
+                  <a:buFont typeface="Courier New" panose="02070309020205020404" pitchFamily="49" charset="0"/>
+                  <a:buChar char="o"/>
+                </a:pPr>
+                <a:endParaRPr lang="en-US" dirty="0"/>
+              </a:p>
+              <a:p>
+                <a:pPr marL="1200150" lvl="2" indent="-285750">
+                  <a:buFont typeface="Courier New" panose="02070309020205020404" pitchFamily="49" charset="0"/>
+                  <a:buChar char="o"/>
+                </a:pPr>
+                <a:endParaRPr lang="en-US" dirty="0"/>
+              </a:p>
+              <a:p>
+                <a:pPr marL="1200150" lvl="2" indent="-285750">
+                  <a:buFont typeface="Courier New" panose="02070309020205020404" pitchFamily="49" charset="0"/>
+                  <a:buChar char="o"/>
+                </a:pPr>
+                <a:endParaRPr lang="en-US" dirty="0"/>
+              </a:p>
+              <a:p>
+                <a:pPr lvl="2"/>
+                <a:endParaRPr lang="en-US" dirty="0"/>
+              </a:p>
+              <a:p>
+                <a:pPr marL="742950" lvl="1" indent="-285750">
+                  <a:buFont typeface="Wingdings" panose="05000000000000000000" pitchFamily="2" charset="2"/>
+                  <a:buChar char="Ø"/>
+                </a:pPr>
+                <a:r>
+                  <a:rPr lang="en-US" b="1" dirty="0">
+                    <a:solidFill>
+                      <a:schemeClr val="accent6"/>
+                    </a:solidFill>
+                  </a:rPr>
+                  <a:t>Bike data</a:t>
+                </a:r>
+              </a:p>
+              <a:p>
+                <a:pPr marL="1200150" lvl="2" indent="-285750">
+                  <a:buFont typeface="Courier New" panose="02070309020205020404" pitchFamily="49" charset="0"/>
+                  <a:buChar char="o"/>
+                </a:pPr>
+                <a:r>
+                  <a:rPr lang="en-US" dirty="0"/>
+                  <a:t>S3 bucket: </a:t>
+                </a:r>
+                <a:r>
+                  <a:rPr lang="en-US" sz="1600" dirty="0"/>
+                  <a:t>s3://snowflake-workshop-lab/citibike-trips</a:t>
+                </a:r>
+                <a:endParaRPr lang="en-US" dirty="0"/>
+              </a:p>
+            </p:txBody>
+          </p:sp>
+          <p:pic>
+            <p:nvPicPr>
+              <p:cNvPr id="5" name="Picture 4">
+                <a:extLst>
+                  <a:ext uri="{FF2B5EF4-FFF2-40B4-BE49-F238E27FC236}">
+                    <a16:creationId xmlns:a16="http://schemas.microsoft.com/office/drawing/2014/main" id="{975A3B9B-5B1C-B85B-EE42-BC01D09AA0A1}"/>
+                  </a:ext>
+                </a:extLst>
+              </p:cNvPr>
+              <p:cNvPicPr>
+                <a:picLocks noChangeAspect="1"/>
+              </p:cNvPicPr>
+              <p:nvPr/>
+            </p:nvPicPr>
+            <p:blipFill>
+              <a:blip r:embed="rId2"/>
+              <a:stretch>
+                <a:fillRect/>
+              </a:stretch>
+            </p:blipFill>
+            <p:spPr>
+              <a:xfrm>
+                <a:off x="420681" y="4968813"/>
+                <a:ext cx="5332419" cy="1232647"/>
+              </a:xfrm>
+              <a:prstGeom prst="rect">
+                <a:avLst/>
+              </a:prstGeom>
+            </p:spPr>
+          </p:pic>
+          <p:cxnSp>
+            <p:nvCxnSpPr>
+              <p:cNvPr id="7" name="Straight Connector 6">
+                <a:extLst>
+                  <a:ext uri="{FF2B5EF4-FFF2-40B4-BE49-F238E27FC236}">
+                    <a16:creationId xmlns:a16="http://schemas.microsoft.com/office/drawing/2014/main" id="{2AE019F7-31D9-2ECA-1EC0-ED67B6F00907}"/>
+                  </a:ext>
+                </a:extLst>
+              </p:cNvPr>
+              <p:cNvCxnSpPr>
+                <a:cxnSpLocks/>
+              </p:cNvCxnSpPr>
+              <p:nvPr/>
+            </p:nvCxnSpPr>
+            <p:spPr>
+              <a:xfrm>
+                <a:off x="5753100" y="5127937"/>
+                <a:ext cx="760686" cy="0"/>
+              </a:xfrm>
+              <a:prstGeom prst="line">
+                <a:avLst/>
+              </a:prstGeom>
+              <a:ln w="19050" cap="flat" cmpd="sng" algn="ctr">
+                <a:solidFill>
+                  <a:schemeClr val="accent6"/>
+                </a:solidFill>
+                <a:prstDash val="dash"/>
+                <a:round/>
+                <a:headEnd type="none" w="med" len="med"/>
+                <a:tailEnd type="none" w="med" len="med"/>
+              </a:ln>
+            </p:spPr>
+            <p:style>
+              <a:lnRef idx="0">
+                <a:scrgbClr r="0" g="0" b="0"/>
+              </a:lnRef>
+              <a:fillRef idx="0">
+                <a:scrgbClr r="0" g="0" b="0"/>
+              </a:fillRef>
+              <a:effectRef idx="0">
+                <a:scrgbClr r="0" g="0" b="0"/>
+              </a:effectRef>
+              <a:fontRef idx="minor">
+                <a:schemeClr val="tx1"/>
+              </a:fontRef>
+            </p:style>
+          </p:cxnSp>
+          <p:pic>
+            <p:nvPicPr>
+              <p:cNvPr id="11" name="Picture 10">
+                <a:extLst>
+                  <a:ext uri="{FF2B5EF4-FFF2-40B4-BE49-F238E27FC236}">
+                    <a16:creationId xmlns:a16="http://schemas.microsoft.com/office/drawing/2014/main" id="{0755CA8A-BCB8-4C07-33BA-58B3B81371AE}"/>
+                  </a:ext>
+                </a:extLst>
+              </p:cNvPr>
+              <p:cNvPicPr>
+                <a:picLocks noChangeAspect="1"/>
+              </p:cNvPicPr>
+              <p:nvPr/>
+            </p:nvPicPr>
+            <p:blipFill>
+              <a:blip r:embed="rId3"/>
+              <a:stretch>
+                <a:fillRect/>
+              </a:stretch>
+            </p:blipFill>
+            <p:spPr>
+              <a:xfrm>
+                <a:off x="6513786" y="4968813"/>
+                <a:ext cx="5059089" cy="1232647"/>
+              </a:xfrm>
+              <a:prstGeom prst="rect">
+                <a:avLst/>
+              </a:prstGeom>
+            </p:spPr>
+          </p:pic>
+          <p:pic>
+            <p:nvPicPr>
+              <p:cNvPr id="20" name="Picture 19">
+                <a:extLst>
+                  <a:ext uri="{FF2B5EF4-FFF2-40B4-BE49-F238E27FC236}">
+                    <a16:creationId xmlns:a16="http://schemas.microsoft.com/office/drawing/2014/main" id="{7C188E88-9A8C-1E2E-335E-100519B809DA}"/>
+                  </a:ext>
+                </a:extLst>
+              </p:cNvPr>
+              <p:cNvPicPr>
+                <a:picLocks noChangeAspect="1"/>
+              </p:cNvPicPr>
+              <p:nvPr/>
+            </p:nvPicPr>
+            <p:blipFill>
+              <a:blip r:embed="rId4"/>
+              <a:stretch>
+                <a:fillRect/>
+              </a:stretch>
+            </p:blipFill>
+            <p:spPr>
+              <a:xfrm>
+                <a:off x="420681" y="2812676"/>
+                <a:ext cx="5332419" cy="1232647"/>
+              </a:xfrm>
+              <a:prstGeom prst="rect">
+                <a:avLst/>
+              </a:prstGeom>
+            </p:spPr>
+          </p:pic>
+          <p:cxnSp>
+            <p:nvCxnSpPr>
+              <p:cNvPr id="25" name="Straight Connector 24">
+                <a:extLst>
+                  <a:ext uri="{FF2B5EF4-FFF2-40B4-BE49-F238E27FC236}">
+                    <a16:creationId xmlns:a16="http://schemas.microsoft.com/office/drawing/2014/main" id="{1C3F964F-6451-A3F9-8865-D0E9C46D858D}"/>
+                  </a:ext>
+                </a:extLst>
+              </p:cNvPr>
+              <p:cNvCxnSpPr>
+                <a:cxnSpLocks/>
+              </p:cNvCxnSpPr>
+              <p:nvPr/>
+            </p:nvCxnSpPr>
+            <p:spPr>
+              <a:xfrm>
+                <a:off x="5753100" y="2956237"/>
+                <a:ext cx="760686" cy="0"/>
+              </a:xfrm>
+              <a:prstGeom prst="line">
+                <a:avLst/>
+              </a:prstGeom>
+              <a:ln w="19050" cap="flat" cmpd="sng" algn="ctr">
+                <a:solidFill>
+                  <a:srgbClr val="0000FF"/>
+                </a:solidFill>
+                <a:prstDash val="dash"/>
+                <a:round/>
+                <a:headEnd type="none" w="med" len="med"/>
+                <a:tailEnd type="none" w="med" len="med"/>
+              </a:ln>
+            </p:spPr>
+            <p:style>
+              <a:lnRef idx="0">
+                <a:scrgbClr r="0" g="0" b="0"/>
+              </a:lnRef>
+              <a:fillRef idx="0">
+                <a:scrgbClr r="0" g="0" b="0"/>
+              </a:fillRef>
+              <a:effectRef idx="0">
+                <a:scrgbClr r="0" g="0" b="0"/>
+              </a:effectRef>
+              <a:fontRef idx="minor">
+                <a:schemeClr val="tx1"/>
+              </a:fontRef>
+            </p:style>
+          </p:cxnSp>
+        </p:grpSp>
+        <p:pic>
+          <p:nvPicPr>
+            <p:cNvPr id="23" name="Picture 22">
+              <a:extLst>
+                <a:ext uri="{FF2B5EF4-FFF2-40B4-BE49-F238E27FC236}">
+                  <a16:creationId xmlns:a16="http://schemas.microsoft.com/office/drawing/2014/main" id="{0051B3AF-03CD-6C37-E271-2E63AEB6DBF9}"/>
+                </a:ext>
+              </a:extLst>
+            </p:cNvPr>
+            <p:cNvPicPr>
+              <a:picLocks noChangeAspect="1"/>
+            </p:cNvPicPr>
+            <p:nvPr/>
+          </p:nvPicPr>
+          <p:blipFill>
+            <a:blip r:embed="rId5"/>
+            <a:stretch>
+              <a:fillRect/>
+            </a:stretch>
+          </p:blipFill>
+          <p:spPr>
+            <a:xfrm>
+              <a:off x="6513786" y="2812676"/>
+              <a:ext cx="5059089" cy="1232647"/>
+            </a:xfrm>
+            <a:prstGeom prst="rect">
+              <a:avLst/>
+            </a:prstGeom>
+          </p:spPr>
+        </p:pic>
+      </p:grpSp>
+      <p:pic>
+        <p:nvPicPr>
+          <p:cNvPr id="28" name="Picture 2" descr="FIRN Analytics: Timely Data Solutions &amp; Expert Consultancy">
+            <a:extLst>
+              <a:ext uri="{FF2B5EF4-FFF2-40B4-BE49-F238E27FC236}">
+                <a16:creationId xmlns:a16="http://schemas.microsoft.com/office/drawing/2014/main" id="{EDAB711B-E37E-D69B-1D15-6F86217E9CDE}"/>
+              </a:ext>
+            </a:extLst>
+          </p:cNvPr>
+          <p:cNvPicPr>
+            <a:picLocks noChangeAspect="1" noChangeArrowheads="1"/>
+          </p:cNvPicPr>
+          <p:nvPr/>
+        </p:nvPicPr>
+        <p:blipFill>
+          <a:blip r:embed="rId6">
+            <a:extLst>
+              <a:ext uri="{28A0092B-C50C-407E-A947-70E740481C1C}">
+                <a14:useLocalDpi xmlns:a14="http://schemas.microsoft.com/office/drawing/2010/main" val="0"/>
+              </a:ext>
+            </a:extLst>
+          </a:blip>
+          <a:srcRect/>
+          <a:stretch>
+            <a:fillRect/>
+          </a:stretch>
+        </p:blipFill>
+        <p:spPr bwMode="auto">
+          <a:xfrm>
+            <a:off x="11182350" y="5848350"/>
+            <a:ext cx="1009650" cy="1009650"/>
           </a:xfrm>
           <a:prstGeom prst="rect">
             <a:avLst/>
           </a:prstGeom>
           <a:noFill/>
+          <a:extLst>
+            <a:ext uri="{909E8E84-426E-40DD-AFC4-6F175D3DCCD1}">
+              <a14:hiddenFill xmlns:a14="http://schemas.microsoft.com/office/drawing/2010/main">
+                <a:solidFill>
+                  <a:srgbClr val="FFFFFF"/>
+                </a:solidFill>
+              </a14:hiddenFill>
+            </a:ext>
+          </a:extLst>
         </p:spPr>
-        <p:txBody>
-          <a:bodyPr wrap="square" rtlCol="0">
-            <a:spAutoFit/>
-          </a:bodyPr>
-          <a:lstStyle/>
-          <a:p>
-            <a:pPr marL="285750" indent="-285750">
-              <a:buFont typeface="Arial" panose="020B0604020202020204" pitchFamily="34" charset="0"/>
-              <a:buChar char="•"/>
-            </a:pPr>
-            <a:r>
-              <a:rPr lang="en-US" u="sng" dirty="0"/>
-              <a:t>Operational Source System</a:t>
-            </a:r>
-          </a:p>
-          <a:p>
-            <a:endParaRPr lang="en-US" dirty="0"/>
-          </a:p>
-          <a:p>
-            <a:pPr marL="742950" lvl="1" indent="-285750">
-              <a:buFont typeface="Wingdings" panose="05000000000000000000" pitchFamily="2" charset="2"/>
-              <a:buChar char="Ø"/>
-            </a:pPr>
-            <a:r>
-              <a:rPr lang="en-US" b="1" dirty="0">
-                <a:solidFill>
-                  <a:srgbClr val="0000FF"/>
-                </a:solidFill>
-              </a:rPr>
-              <a:t>Weather data</a:t>
-            </a:r>
-          </a:p>
-          <a:p>
-            <a:pPr marL="1200150" lvl="2" indent="-285750">
-              <a:buFont typeface="Courier New" panose="02070309020205020404" pitchFamily="49" charset="0"/>
-              <a:buChar char="o"/>
-            </a:pPr>
-            <a:r>
-              <a:rPr lang="en-US" dirty="0"/>
-              <a:t>S3 bucket: </a:t>
-            </a:r>
-            <a:r>
-              <a:rPr lang="en-US" sz="1600" dirty="0"/>
-              <a:t>s3://snowflake-workshop-lab/weather-nyc</a:t>
-            </a:r>
-            <a:endParaRPr lang="en-US" dirty="0"/>
-          </a:p>
-          <a:p>
-            <a:pPr marL="1200150" lvl="2" indent="-285750">
-              <a:buFont typeface="Courier New" panose="02070309020205020404" pitchFamily="49" charset="0"/>
-              <a:buChar char="o"/>
-            </a:pPr>
-            <a:endParaRPr lang="en-US" dirty="0"/>
-          </a:p>
-          <a:p>
-            <a:pPr marL="742950" lvl="1" indent="-285750">
-              <a:buFont typeface="Wingdings" panose="05000000000000000000" pitchFamily="2" charset="2"/>
-              <a:buChar char="Ø"/>
-            </a:pPr>
-            <a:r>
-              <a:rPr lang="en-US" b="1" dirty="0">
-                <a:solidFill>
-                  <a:schemeClr val="accent6"/>
-                </a:solidFill>
-              </a:rPr>
-              <a:t>Bike data</a:t>
-            </a:r>
-          </a:p>
-          <a:p>
-            <a:pPr marL="1200150" lvl="2" indent="-285750">
-              <a:buFont typeface="Courier New" panose="02070309020205020404" pitchFamily="49" charset="0"/>
-              <a:buChar char="o"/>
-            </a:pPr>
-            <a:r>
-              <a:rPr lang="en-US" dirty="0"/>
-              <a:t>S3 bucket: </a:t>
-            </a:r>
-            <a:r>
-              <a:rPr lang="en-US" sz="1600" dirty="0"/>
-              <a:t>s3://snowflake-workshop-lab/citibike-trips</a:t>
-            </a:r>
-            <a:endParaRPr lang="en-US" dirty="0"/>
-          </a:p>
-        </p:txBody>
-      </p:sp>
+      </p:pic>
     </p:spTree>
     <p:extLst>
       <p:ext uri="{BB962C8B-B14F-4D97-AF65-F5344CB8AC3E}">
@@ -3984,7 +9095,7 @@
                 <a:lstStyle/>
                 <a:p>
                   <a:r>
-                    <a:rPr lang="en-US" dirty="0"/>
+                    <a:rPr lang="en-US" b="1" dirty="0"/>
                     <a:t>Ingest</a:t>
                   </a:r>
                 </a:p>
@@ -4005,7 +9116,7 @@
               <p:spPr>
                 <a:xfrm>
                   <a:off x="3830195" y="2286431"/>
-                  <a:ext cx="1828375" cy="646331"/>
+                  <a:ext cx="1828375" cy="369332"/>
                 </a:xfrm>
                 <a:prstGeom prst="rect">
                   <a:avLst/>
@@ -4018,19 +9129,9 @@
                 </a:bodyPr>
                 <a:lstStyle/>
                 <a:p>
-                  <a:r>
-                    <a:rPr lang="en-US" dirty="0">
-                      <a:solidFill>
-                        <a:srgbClr val="00B0F0"/>
-                      </a:solidFill>
-                    </a:rPr>
-                    <a:t>Data Warehouse</a:t>
-                  </a:r>
-                </a:p>
-                <a:p>
                   <a:pPr algn="ctr"/>
                   <a:r>
-                    <a:rPr lang="en-US" dirty="0">
+                    <a:rPr lang="en-US" b="1" dirty="0">
                       <a:solidFill>
                         <a:srgbClr val="00B0F0"/>
                       </a:solidFill>
@@ -4069,7 +9170,7 @@
                 <a:lstStyle/>
                 <a:p>
                   <a:r>
-                    <a:rPr lang="en-US" dirty="0">
+                    <a:rPr lang="en-US" b="1" dirty="0">
                       <a:solidFill>
                         <a:schemeClr val="bg1">
                           <a:lumMod val="50000"/>
@@ -4081,7 +9182,7 @@
                 </a:p>
                 <a:p>
                   <a:r>
-                    <a:rPr lang="en-US" dirty="0">
+                    <a:rPr lang="en-US" b="1" dirty="0">
                       <a:solidFill>
                         <a:schemeClr val="bg1">
                           <a:lumMod val="50000"/>
@@ -4191,6 +9292,53 @@
           </p:sp>
         </p:grpSp>
       </p:grpSp>
+      <p:pic>
+        <p:nvPicPr>
+          <p:cNvPr id="4" name="Picture 2" descr="FIRN Analytics: Timely Data Solutions &amp; Expert Consultancy">
+            <a:extLst>
+              <a:ext uri="{FF2B5EF4-FFF2-40B4-BE49-F238E27FC236}">
+                <a16:creationId xmlns:a16="http://schemas.microsoft.com/office/drawing/2014/main" id="{78C16474-BC39-6A4B-5F8D-68F119208E26}"/>
+              </a:ext>
+            </a:extLst>
+          </p:cNvPr>
+          <p:cNvPicPr>
+            <a:picLocks noChangeAspect="1" noChangeArrowheads="1"/>
+          </p:cNvPicPr>
+          <p:nvPr/>
+        </p:nvPicPr>
+        <p:blipFill>
+          <a:blip r:embed="rId2">
+            <a:extLst>
+              <a:ext uri="{28A0092B-C50C-407E-A947-70E740481C1C}">
+                <a14:useLocalDpi xmlns:a14="http://schemas.microsoft.com/office/drawing/2010/main" val="0"/>
+              </a:ext>
+            </a:extLst>
+          </a:blip>
+          <a:srcRect/>
+          <a:stretch>
+            <a:fillRect/>
+          </a:stretch>
+        </p:blipFill>
+        <p:spPr bwMode="auto">
+          <a:xfrm>
+            <a:off x="11182350" y="5848350"/>
+            <a:ext cx="1009650" cy="1009650"/>
+          </a:xfrm>
+          <a:prstGeom prst="rect">
+            <a:avLst/>
+          </a:prstGeom>
+          <a:noFill/>
+          <a:extLst>
+            <a:ext uri="{909E8E84-426E-40DD-AFC4-6F175D3DCCD1}">
+              <a14:hiddenFill xmlns:a14="http://schemas.microsoft.com/office/drawing/2010/main">
+                <a:solidFill>
+                  <a:srgbClr val="FFFFFF"/>
+                </a:solidFill>
+              </a14:hiddenFill>
+            </a:ext>
+          </a:extLst>
+        </p:spPr>
+      </p:pic>
     </p:spTree>
     <p:extLst>
       <p:ext uri="{BB962C8B-B14F-4D97-AF65-F5344CB8AC3E}">
@@ -4393,7 +9541,7 @@
                 <a:lstStyle/>
                 <a:p>
                   <a:r>
-                    <a:rPr lang="en-US" dirty="0"/>
+                    <a:rPr lang="en-US" b="1" dirty="0"/>
                     <a:t>Ingest</a:t>
                   </a:r>
                 </a:p>
@@ -4414,7 +9562,7 @@
               <p:spPr>
                 <a:xfrm>
                   <a:off x="3830195" y="2286431"/>
-                  <a:ext cx="1828375" cy="646331"/>
+                  <a:ext cx="1828375" cy="369332"/>
                 </a:xfrm>
                 <a:prstGeom prst="rect">
                   <a:avLst/>
@@ -4427,19 +9575,9 @@
                 </a:bodyPr>
                 <a:lstStyle/>
                 <a:p>
-                  <a:r>
-                    <a:rPr lang="en-US" dirty="0">
-                      <a:solidFill>
-                        <a:srgbClr val="00B0F0"/>
-                      </a:solidFill>
-                    </a:rPr>
-                    <a:t>Data Warehouse</a:t>
-                  </a:r>
-                </a:p>
-                <a:p>
                   <a:pPr algn="ctr"/>
                   <a:r>
-                    <a:rPr lang="en-US" dirty="0">
+                    <a:rPr lang="en-US" b="1" dirty="0">
                       <a:solidFill>
                         <a:srgbClr val="00B0F0"/>
                       </a:solidFill>
@@ -4478,7 +9616,7 @@
                 <a:lstStyle/>
                 <a:p>
                   <a:r>
-                    <a:rPr lang="en-US" dirty="0">
+                    <a:rPr lang="en-US" b="1" dirty="0">
                       <a:solidFill>
                         <a:schemeClr val="bg1">
                           <a:lumMod val="50000"/>
@@ -4490,7 +9628,7 @@
                 </a:p>
                 <a:p>
                   <a:r>
-                    <a:rPr lang="en-US" dirty="0">
+                    <a:rPr lang="en-US" b="1" dirty="0">
                       <a:solidFill>
                         <a:schemeClr val="bg1">
                           <a:lumMod val="50000"/>
@@ -4531,7 +9669,7 @@
                 <a:lstStyle/>
                 <a:p>
                   <a:r>
-                    <a:rPr lang="en-US" dirty="0"/>
+                    <a:rPr lang="en-US" b="1" dirty="0"/>
                     <a:t>Process</a:t>
                   </a:r>
                 </a:p>
@@ -4552,7 +9690,7 @@
               <p:spPr>
                 <a:xfrm>
                   <a:off x="6937594" y="2286431"/>
-                  <a:ext cx="1828375" cy="646331"/>
+                  <a:ext cx="1828375" cy="369332"/>
                 </a:xfrm>
                 <a:prstGeom prst="rect">
                   <a:avLst/>
@@ -4565,19 +9703,9 @@
                 </a:bodyPr>
                 <a:lstStyle/>
                 <a:p>
-                  <a:r>
-                    <a:rPr lang="en-US" dirty="0">
-                      <a:solidFill>
-                        <a:srgbClr val="00B0F0"/>
-                      </a:solidFill>
-                    </a:rPr>
-                    <a:t>Data Warehouse</a:t>
-                  </a:r>
-                </a:p>
-                <a:p>
                   <a:pPr algn="ctr"/>
                   <a:r>
-                    <a:rPr lang="en-US" dirty="0">
+                    <a:rPr lang="en-US" b="1" dirty="0">
                       <a:solidFill>
                         <a:srgbClr val="00B0F0"/>
                       </a:solidFill>
@@ -4776,6 +9904,53 @@
           </p:style>
         </p:cxnSp>
       </p:grpSp>
+      <p:pic>
+        <p:nvPicPr>
+          <p:cNvPr id="4" name="Picture 2" descr="FIRN Analytics: Timely Data Solutions &amp; Expert Consultancy">
+            <a:extLst>
+              <a:ext uri="{FF2B5EF4-FFF2-40B4-BE49-F238E27FC236}">
+                <a16:creationId xmlns:a16="http://schemas.microsoft.com/office/drawing/2014/main" id="{F3F27890-89B1-97BE-4C9E-C020FC7B6D04}"/>
+              </a:ext>
+            </a:extLst>
+          </p:cNvPr>
+          <p:cNvPicPr>
+            <a:picLocks noChangeAspect="1" noChangeArrowheads="1"/>
+          </p:cNvPicPr>
+          <p:nvPr/>
+        </p:nvPicPr>
+        <p:blipFill>
+          <a:blip r:embed="rId2">
+            <a:extLst>
+              <a:ext uri="{28A0092B-C50C-407E-A947-70E740481C1C}">
+                <a14:useLocalDpi xmlns:a14="http://schemas.microsoft.com/office/drawing/2010/main" val="0"/>
+              </a:ext>
+            </a:extLst>
+          </a:blip>
+          <a:srcRect/>
+          <a:stretch>
+            <a:fillRect/>
+          </a:stretch>
+        </p:blipFill>
+        <p:spPr bwMode="auto">
+          <a:xfrm>
+            <a:off x="11182350" y="5848350"/>
+            <a:ext cx="1009650" cy="1009650"/>
+          </a:xfrm>
+          <a:prstGeom prst="rect">
+            <a:avLst/>
+          </a:prstGeom>
+          <a:noFill/>
+          <a:extLst>
+            <a:ext uri="{909E8E84-426E-40DD-AFC4-6F175D3DCCD1}">
+              <a14:hiddenFill xmlns:a14="http://schemas.microsoft.com/office/drawing/2010/main">
+                <a:solidFill>
+                  <a:srgbClr val="FFFFFF"/>
+                </a:solidFill>
+              </a14:hiddenFill>
+            </a:ext>
+          </a:extLst>
+        </p:spPr>
+      </p:pic>
     </p:spTree>
     <p:extLst>
       <p:ext uri="{BB962C8B-B14F-4D97-AF65-F5344CB8AC3E}">
@@ -4998,7 +10173,7 @@
                   <a:lstStyle/>
                   <a:p>
                     <a:r>
-                      <a:rPr lang="en-US" dirty="0"/>
+                      <a:rPr lang="en-US" b="1" dirty="0"/>
                       <a:t>Ingest</a:t>
                     </a:r>
                   </a:p>
@@ -5019,7 +10194,7 @@
                 <p:spPr>
                   <a:xfrm>
                     <a:off x="3830195" y="2286431"/>
-                    <a:ext cx="1828375" cy="646331"/>
+                    <a:ext cx="1828375" cy="369332"/>
                   </a:xfrm>
                   <a:prstGeom prst="rect">
                     <a:avLst/>
@@ -5032,19 +10207,9 @@
                   </a:bodyPr>
                   <a:lstStyle/>
                   <a:p>
-                    <a:r>
-                      <a:rPr lang="en-US" dirty="0">
-                        <a:solidFill>
-                          <a:srgbClr val="00B0F0"/>
-                        </a:solidFill>
-                      </a:rPr>
-                      <a:t>Data Warehouse</a:t>
-                    </a:r>
-                  </a:p>
-                  <a:p>
                     <a:pPr algn="ctr"/>
                     <a:r>
-                      <a:rPr lang="en-US" dirty="0">
+                      <a:rPr lang="en-US" b="1" dirty="0">
                         <a:solidFill>
                           <a:srgbClr val="00B0F0"/>
                         </a:solidFill>
@@ -5083,7 +10248,7 @@
                   <a:lstStyle/>
                   <a:p>
                     <a:r>
-                      <a:rPr lang="en-US" dirty="0">
+                      <a:rPr lang="en-US" b="1" dirty="0">
                         <a:solidFill>
                           <a:schemeClr val="bg1">
                             <a:lumMod val="50000"/>
@@ -5095,7 +10260,7 @@
                   </a:p>
                   <a:p>
                     <a:r>
-                      <a:rPr lang="en-US" dirty="0">
+                      <a:rPr lang="en-US" b="1" dirty="0">
                         <a:solidFill>
                           <a:schemeClr val="bg1">
                             <a:lumMod val="50000"/>
@@ -5136,7 +10301,7 @@
                   <a:lstStyle/>
                   <a:p>
                     <a:r>
-                      <a:rPr lang="en-US" dirty="0"/>
+                      <a:rPr lang="en-US" b="1" dirty="0"/>
                       <a:t>Process</a:t>
                     </a:r>
                   </a:p>
@@ -5157,7 +10322,7 @@
                 <p:spPr>
                   <a:xfrm>
                     <a:off x="6937594" y="2286431"/>
-                    <a:ext cx="1828375" cy="646331"/>
+                    <a:ext cx="1828375" cy="369332"/>
                   </a:xfrm>
                   <a:prstGeom prst="rect">
                     <a:avLst/>
@@ -5170,19 +10335,9 @@
                   </a:bodyPr>
                   <a:lstStyle/>
                   <a:p>
-                    <a:r>
-                      <a:rPr lang="en-US" dirty="0">
-                        <a:solidFill>
-                          <a:srgbClr val="00B0F0"/>
-                        </a:solidFill>
-                      </a:rPr>
-                      <a:t>Data Warehouse</a:t>
-                    </a:r>
-                  </a:p>
-                  <a:p>
                     <a:pPr algn="ctr"/>
                     <a:r>
-                      <a:rPr lang="en-US" dirty="0">
+                      <a:rPr lang="en-US" b="1" dirty="0">
                         <a:solidFill>
                           <a:srgbClr val="00B0F0"/>
                         </a:solidFill>
@@ -5221,7 +10376,7 @@
                   <a:lstStyle/>
                   <a:p>
                     <a:r>
-                      <a:rPr lang="en-US" dirty="0"/>
+                      <a:rPr lang="en-US" b="1" dirty="0"/>
                       <a:t>Analyze</a:t>
                     </a:r>
                   </a:p>
@@ -5256,7 +10411,7 @@
                   <a:lstStyle/>
                   <a:p>
                     <a:r>
-                      <a:rPr lang="en-US" dirty="0">
+                      <a:rPr lang="en-US" b="1" dirty="0">
                         <a:solidFill>
                           <a:schemeClr val="accent4">
                             <a:lumMod val="75000"/>
@@ -5547,6 +10702,53 @@
           </p:spPr>
         </p:pic>
       </p:grpSp>
+      <p:pic>
+        <p:nvPicPr>
+          <p:cNvPr id="4" name="Picture 2" descr="FIRN Analytics: Timely Data Solutions &amp; Expert Consultancy">
+            <a:extLst>
+              <a:ext uri="{FF2B5EF4-FFF2-40B4-BE49-F238E27FC236}">
+                <a16:creationId xmlns:a16="http://schemas.microsoft.com/office/drawing/2014/main" id="{D650831C-3869-AFB5-D29D-6E4CF0D18624}"/>
+              </a:ext>
+            </a:extLst>
+          </p:cNvPr>
+          <p:cNvPicPr>
+            <a:picLocks noChangeAspect="1" noChangeArrowheads="1"/>
+          </p:cNvPicPr>
+          <p:nvPr/>
+        </p:nvPicPr>
+        <p:blipFill>
+          <a:blip r:embed="rId3">
+            <a:extLst>
+              <a:ext uri="{28A0092B-C50C-407E-A947-70E740481C1C}">
+                <a14:useLocalDpi xmlns:a14="http://schemas.microsoft.com/office/drawing/2010/main" val="0"/>
+              </a:ext>
+            </a:extLst>
+          </a:blip>
+          <a:srcRect/>
+          <a:stretch>
+            <a:fillRect/>
+          </a:stretch>
+        </p:blipFill>
+        <p:spPr bwMode="auto">
+          <a:xfrm>
+            <a:off x="11182350" y="5848350"/>
+            <a:ext cx="1009650" cy="1009650"/>
+          </a:xfrm>
+          <a:prstGeom prst="rect">
+            <a:avLst/>
+          </a:prstGeom>
+          <a:noFill/>
+          <a:extLst>
+            <a:ext uri="{909E8E84-426E-40DD-AFC4-6F175D3DCCD1}">
+              <a14:hiddenFill xmlns:a14="http://schemas.microsoft.com/office/drawing/2010/main">
+                <a:solidFill>
+                  <a:srgbClr val="FFFFFF"/>
+                </a:solidFill>
+              </a14:hiddenFill>
+            </a:ext>
+          </a:extLst>
+        </p:spPr>
+      </p:pic>
     </p:spTree>
     <p:extLst>
       <p:ext uri="{BB962C8B-B14F-4D97-AF65-F5344CB8AC3E}">
@@ -5620,10 +10822,10 @@
       </p:sp>
       <p:grpSp>
         <p:nvGrpSpPr>
-          <p:cNvPr id="19" name="Group 18">
+          <p:cNvPr id="21" name="Group 20">
             <a:extLst>
               <a:ext uri="{FF2B5EF4-FFF2-40B4-BE49-F238E27FC236}">
-                <a16:creationId xmlns:a16="http://schemas.microsoft.com/office/drawing/2014/main" id="{0AF96F25-104A-C3B6-D5DB-71A99E388CF0}"/>
+                <a16:creationId xmlns:a16="http://schemas.microsoft.com/office/drawing/2014/main" id="{4A155DDF-91DB-24B8-B438-0EF44D22B49C}"/>
               </a:ext>
             </a:extLst>
           </p:cNvPr>
@@ -5632,18 +10834,18 @@
         </p:nvGrpSpPr>
         <p:grpSpPr>
           <a:xfrm>
-            <a:off x="1027667" y="2450634"/>
-            <a:ext cx="10596338" cy="2381426"/>
-            <a:chOff x="1027667" y="2450634"/>
-            <a:chExt cx="10596338" cy="2381426"/>
+            <a:off x="928429" y="1538332"/>
+            <a:ext cx="10813377" cy="3293728"/>
+            <a:chOff x="928429" y="1538332"/>
+            <a:chExt cx="10813377" cy="3293728"/>
           </a:xfrm>
         </p:grpSpPr>
         <p:grpSp>
           <p:nvGrpSpPr>
-            <p:cNvPr id="15" name="Group 14">
+            <p:cNvPr id="19" name="Group 18">
               <a:extLst>
                 <a:ext uri="{FF2B5EF4-FFF2-40B4-BE49-F238E27FC236}">
-                  <a16:creationId xmlns:a16="http://schemas.microsoft.com/office/drawing/2014/main" id="{29AC0BE3-E873-6B06-34D7-C5AE0B32D29F}"/>
+                  <a16:creationId xmlns:a16="http://schemas.microsoft.com/office/drawing/2014/main" id="{0AF96F25-104A-C3B6-D5DB-71A99E388CF0}"/>
                 </a:ext>
               </a:extLst>
             </p:cNvPr>
@@ -5653,17 +10855,17 @@
           <p:grpSpPr>
             <a:xfrm>
               <a:off x="1027667" y="2450634"/>
-              <a:ext cx="7860499" cy="2381426"/>
+              <a:ext cx="10456706" cy="2381426"/>
               <a:chOff x="1027667" y="2450634"/>
-              <a:chExt cx="7860499" cy="2381426"/>
+              <a:chExt cx="10456706" cy="2381426"/>
             </a:xfrm>
           </p:grpSpPr>
           <p:grpSp>
             <p:nvGrpSpPr>
-              <p:cNvPr id="11" name="Group 10">
+              <p:cNvPr id="15" name="Group 14">
                 <a:extLst>
                   <a:ext uri="{FF2B5EF4-FFF2-40B4-BE49-F238E27FC236}">
-                    <a16:creationId xmlns:a16="http://schemas.microsoft.com/office/drawing/2014/main" id="{F1744702-ED5C-FA73-7B8D-254DF5C9D3A2}"/>
+                    <a16:creationId xmlns:a16="http://schemas.microsoft.com/office/drawing/2014/main" id="{29AC0BE3-E873-6B06-34D7-C5AE0B32D29F}"/>
                   </a:ext>
                 </a:extLst>
               </p:cNvPr>
@@ -5673,119 +10875,17 @@
             <p:grpSpPr>
               <a:xfrm>
                 <a:off x="1027667" y="2450634"/>
-                <a:ext cx="7860499" cy="2381426"/>
+                <a:ext cx="7648163" cy="2381426"/>
                 <a:chOff x="1027667" y="2450634"/>
-                <a:chExt cx="7860499" cy="2381426"/>
+                <a:chExt cx="7648163" cy="2381426"/>
               </a:xfrm>
             </p:grpSpPr>
-            <p:sp>
-              <p:nvSpPr>
-                <p:cNvPr id="12" name="Cylinder 11">
+            <p:grpSp>
+              <p:nvGrpSpPr>
+                <p:cNvPr id="11" name="Group 10">
                   <a:extLst>
                     <a:ext uri="{FF2B5EF4-FFF2-40B4-BE49-F238E27FC236}">
-                      <a16:creationId xmlns:a16="http://schemas.microsoft.com/office/drawing/2014/main" id="{BEF70F46-44AB-CB03-2EE7-4A4C7ADDC072}"/>
-                    </a:ext>
-                  </a:extLst>
-                </p:cNvPr>
-                <p:cNvSpPr/>
-                <p:nvPr/>
-              </p:nvSpPr>
-              <p:spPr>
-                <a:xfrm rot="5400000">
-                  <a:off x="6436634" y="2659421"/>
-                  <a:ext cx="385894" cy="1837189"/>
-                </a:xfrm>
-                <a:prstGeom prst="can">
-                  <a:avLst/>
-                </a:prstGeom>
-                <a:solidFill>
-                  <a:srgbClr val="C00000">
-                    <a:alpha val="56000"/>
-                  </a:srgbClr>
-                </a:solidFill>
-              </p:spPr>
-              <p:style>
-                <a:lnRef idx="2">
-                  <a:schemeClr val="accent1">
-                    <a:shade val="15000"/>
-                  </a:schemeClr>
-                </a:lnRef>
-                <a:fillRef idx="1">
-                  <a:schemeClr val="accent1"/>
-                </a:fillRef>
-                <a:effectRef idx="0">
-                  <a:schemeClr val="accent1"/>
-                </a:effectRef>
-                <a:fontRef idx="minor">
-                  <a:schemeClr val="lt1"/>
-                </a:fontRef>
-              </p:style>
-              <p:txBody>
-                <a:bodyPr rtlCol="0" anchor="ctr"/>
-                <a:lstStyle/>
-                <a:p>
-                  <a:pPr algn="ctr"/>
-                  <a:endParaRPr lang="en-US" dirty="0"/>
-                </a:p>
-              </p:txBody>
-            </p:sp>
-            <p:sp>
-              <p:nvSpPr>
-                <p:cNvPr id="3" name="Cylinder 2">
-                  <a:extLst>
-                    <a:ext uri="{FF2B5EF4-FFF2-40B4-BE49-F238E27FC236}">
-                      <a16:creationId xmlns:a16="http://schemas.microsoft.com/office/drawing/2014/main" id="{11FEF3CF-684A-D1ED-6DA8-00B8EB047948}"/>
-                    </a:ext>
-                  </a:extLst>
-                </p:cNvPr>
-                <p:cNvSpPr/>
-                <p:nvPr/>
-              </p:nvSpPr>
-              <p:spPr>
-                <a:xfrm rot="5400000">
-                  <a:off x="2890006" y="2659420"/>
-                  <a:ext cx="385894" cy="1837189"/>
-                </a:xfrm>
-                <a:prstGeom prst="can">
-                  <a:avLst/>
-                </a:prstGeom>
-                <a:solidFill>
-                  <a:srgbClr val="00B0F0">
-                    <a:alpha val="38000"/>
-                  </a:srgbClr>
-                </a:solidFill>
-              </p:spPr>
-              <p:style>
-                <a:lnRef idx="2">
-                  <a:schemeClr val="accent1">
-                    <a:shade val="15000"/>
-                  </a:schemeClr>
-                </a:lnRef>
-                <a:fillRef idx="1">
-                  <a:schemeClr val="accent1"/>
-                </a:fillRef>
-                <a:effectRef idx="0">
-                  <a:schemeClr val="accent1"/>
-                </a:effectRef>
-                <a:fontRef idx="minor">
-                  <a:schemeClr val="lt1"/>
-                </a:fontRef>
-              </p:style>
-              <p:txBody>
-                <a:bodyPr rtlCol="0" anchor="ctr"/>
-                <a:lstStyle/>
-                <a:p>
-                  <a:pPr algn="ctr"/>
-                  <a:endParaRPr lang="en-US"/>
-                </a:p>
-              </p:txBody>
-            </p:sp>
-            <p:grpSp>
-              <p:nvGrpSpPr>
-                <p:cNvPr id="6" name="Group 5">
-                  <a:extLst>
-                    <a:ext uri="{FF2B5EF4-FFF2-40B4-BE49-F238E27FC236}">
-                      <a16:creationId xmlns:a16="http://schemas.microsoft.com/office/drawing/2014/main" id="{02B8ED2C-7FEA-7F1C-B63A-F2BE792CCEEC}"/>
+                      <a16:creationId xmlns:a16="http://schemas.microsoft.com/office/drawing/2014/main" id="{F1744702-ED5C-FA73-7B8D-254DF5C9D3A2}"/>
                     </a:ext>
                   </a:extLst>
                 </p:cNvPr>
@@ -5795,17 +10895,119 @@
               <p:grpSpPr>
                 <a:xfrm>
                   <a:off x="1027667" y="2450634"/>
-                  <a:ext cx="7860499" cy="2381426"/>
+                  <a:ext cx="7648163" cy="2381426"/>
                   <a:chOff x="1027667" y="2450634"/>
-                  <a:chExt cx="7860499" cy="2381426"/>
+                  <a:chExt cx="7648163" cy="2381426"/>
                 </a:xfrm>
               </p:grpSpPr>
+              <p:sp>
+                <p:nvSpPr>
+                  <p:cNvPr id="12" name="Cylinder 11">
+                    <a:extLst>
+                      <a:ext uri="{FF2B5EF4-FFF2-40B4-BE49-F238E27FC236}">
+                        <a16:creationId xmlns:a16="http://schemas.microsoft.com/office/drawing/2014/main" id="{BEF70F46-44AB-CB03-2EE7-4A4C7ADDC072}"/>
+                      </a:ext>
+                    </a:extLst>
+                  </p:cNvPr>
+                  <p:cNvSpPr/>
+                  <p:nvPr/>
+                </p:nvSpPr>
+                <p:spPr>
+                  <a:xfrm rot="5400000">
+                    <a:off x="6436634" y="2659421"/>
+                    <a:ext cx="385894" cy="1837189"/>
+                  </a:xfrm>
+                  <a:prstGeom prst="can">
+                    <a:avLst/>
+                  </a:prstGeom>
+                  <a:solidFill>
+                    <a:srgbClr val="C00000">
+                      <a:alpha val="56000"/>
+                    </a:srgbClr>
+                  </a:solidFill>
+                </p:spPr>
+                <p:style>
+                  <a:lnRef idx="2">
+                    <a:schemeClr val="accent1">
+                      <a:shade val="15000"/>
+                    </a:schemeClr>
+                  </a:lnRef>
+                  <a:fillRef idx="1">
+                    <a:schemeClr val="accent1"/>
+                  </a:fillRef>
+                  <a:effectRef idx="0">
+                    <a:schemeClr val="accent1"/>
+                  </a:effectRef>
+                  <a:fontRef idx="minor">
+                    <a:schemeClr val="lt1"/>
+                  </a:fontRef>
+                </p:style>
+                <p:txBody>
+                  <a:bodyPr rtlCol="0" anchor="ctr"/>
+                  <a:lstStyle/>
+                  <a:p>
+                    <a:pPr algn="ctr"/>
+                    <a:endParaRPr lang="en-US" dirty="0"/>
+                  </a:p>
+                </p:txBody>
+              </p:sp>
+              <p:sp>
+                <p:nvSpPr>
+                  <p:cNvPr id="3" name="Cylinder 2">
+                    <a:extLst>
+                      <a:ext uri="{FF2B5EF4-FFF2-40B4-BE49-F238E27FC236}">
+                        <a16:creationId xmlns:a16="http://schemas.microsoft.com/office/drawing/2014/main" id="{11FEF3CF-684A-D1ED-6DA8-00B8EB047948}"/>
+                      </a:ext>
+                    </a:extLst>
+                  </p:cNvPr>
+                  <p:cNvSpPr/>
+                  <p:nvPr/>
+                </p:nvSpPr>
+                <p:spPr>
+                  <a:xfrm rot="5400000">
+                    <a:off x="2890006" y="2659420"/>
+                    <a:ext cx="385894" cy="1837189"/>
+                  </a:xfrm>
+                  <a:prstGeom prst="can">
+                    <a:avLst/>
+                  </a:prstGeom>
+                  <a:solidFill>
+                    <a:srgbClr val="00B0F0">
+                      <a:alpha val="38000"/>
+                    </a:srgbClr>
+                  </a:solidFill>
+                </p:spPr>
+                <p:style>
+                  <a:lnRef idx="2">
+                    <a:schemeClr val="accent1">
+                      <a:shade val="15000"/>
+                    </a:schemeClr>
+                  </a:lnRef>
+                  <a:fillRef idx="1">
+                    <a:schemeClr val="accent1"/>
+                  </a:fillRef>
+                  <a:effectRef idx="0">
+                    <a:schemeClr val="accent1"/>
+                  </a:effectRef>
+                  <a:fontRef idx="minor">
+                    <a:schemeClr val="lt1"/>
+                  </a:fontRef>
+                </p:style>
+                <p:txBody>
+                  <a:bodyPr rtlCol="0" anchor="ctr"/>
+                  <a:lstStyle/>
+                  <a:p>
+                    <a:pPr algn="ctr"/>
+                    <a:endParaRPr lang="en-US"/>
+                  </a:p>
+                </p:txBody>
+              </p:sp>
               <p:grpSp>
                 <p:nvGrpSpPr>
-                  <p:cNvPr id="9" name="Group 8">
+                  <p:cNvPr id="6" name="Group 5">
                     <a:extLst>
                       <a:ext uri="{FF2B5EF4-FFF2-40B4-BE49-F238E27FC236}">
-                        <a16:creationId xmlns:a16="http://schemas.microsoft.com/office/drawing/2014/main" id="{908CCBC9-C6EC-72C6-9C52-2CE3F0983264}"/>
+                        <a16:creationId xmlns:a16="http://schemas.microsoft.com/office/drawing/2014/main" id="{02B8ED2C-7FEA-7F1C-B63A-F2BE792CCEEC}"/>
                       </a:ext>
                     </a:extLst>
                   </p:cNvPr>
@@ -5815,17 +11017,216 @@
                 <p:grpSpPr>
                   <a:xfrm>
                     <a:off x="1027667" y="2450634"/>
-                    <a:ext cx="5872494" cy="2381426"/>
+                    <a:ext cx="7648163" cy="2381426"/>
                     <a:chOff x="1027667" y="2450634"/>
-                    <a:chExt cx="5872494" cy="2381426"/>
+                    <a:chExt cx="7648163" cy="2381426"/>
                   </a:xfrm>
                 </p:grpSpPr>
+                <p:grpSp>
+                  <p:nvGrpSpPr>
+                    <p:cNvPr id="9" name="Group 8">
+                      <a:extLst>
+                        <a:ext uri="{FF2B5EF4-FFF2-40B4-BE49-F238E27FC236}">
+                          <a16:creationId xmlns:a16="http://schemas.microsoft.com/office/drawing/2014/main" id="{908CCBC9-C6EC-72C6-9C52-2CE3F0983264}"/>
+                        </a:ext>
+                      </a:extLst>
+                    </p:cNvPr>
+                    <p:cNvGrpSpPr/>
+                    <p:nvPr/>
+                  </p:nvGrpSpPr>
+                  <p:grpSpPr>
+                    <a:xfrm>
+                      <a:off x="1027667" y="2450634"/>
+                      <a:ext cx="5872494" cy="2381426"/>
+                      <a:chOff x="1027667" y="2450634"/>
+                      <a:chExt cx="5872494" cy="2381426"/>
+                    </a:xfrm>
+                  </p:grpSpPr>
+                  <p:pic>
+                    <p:nvPicPr>
+                      <p:cNvPr id="3076" name="Picture 4" descr="AWS S3 (Simple Storage Service)&quot; Icon - Download for free – Iconduck">
+                        <a:extLst>
+                          <a:ext uri="{FF2B5EF4-FFF2-40B4-BE49-F238E27FC236}">
+                            <a16:creationId xmlns:a16="http://schemas.microsoft.com/office/drawing/2014/main" id="{5807CD86-8115-4052-5173-0C040E9DFAA3}"/>
+                          </a:ext>
+                        </a:extLst>
+                      </p:cNvPr>
+                      <p:cNvPicPr>
+                        <a:picLocks noChangeAspect="1" noChangeArrowheads="1"/>
+                      </p:cNvPicPr>
+                      <p:nvPr/>
+                    </p:nvPicPr>
+                    <p:blipFill>
+                      <a:blip r:embed="rId2">
+                        <a:duotone>
+                          <a:schemeClr val="accent1">
+                            <a:shade val="45000"/>
+                            <a:satMod val="135000"/>
+                          </a:schemeClr>
+                          <a:prstClr val="white"/>
+                        </a:duotone>
+                        <a:extLst>
+                          <a:ext uri="{28A0092B-C50C-407E-A947-70E740481C1C}">
+                            <a14:useLocalDpi xmlns:a14="http://schemas.microsoft.com/office/drawing/2010/main" val="0"/>
+                          </a:ext>
+                        </a:extLst>
+                      </a:blip>
+                      <a:srcRect/>
+                      <a:stretch>
+                        <a:fillRect/>
+                      </a:stretch>
+                    </p:blipFill>
+                    <p:spPr bwMode="auto">
+                      <a:xfrm>
+                        <a:off x="1027667" y="2450634"/>
+                        <a:ext cx="809190" cy="978366"/>
+                      </a:xfrm>
+                      <a:prstGeom prst="rect">
+                        <a:avLst/>
+                      </a:prstGeom>
+                      <a:noFill/>
+                      <a:extLst>
+                        <a:ext uri="{909E8E84-426E-40DD-AFC4-6F175D3DCCD1}">
+                          <a14:hiddenFill xmlns:a14="http://schemas.microsoft.com/office/drawing/2010/main">
+                            <a:solidFill>
+                              <a:srgbClr val="FFFFFF"/>
+                            </a:solidFill>
+                          </a14:hiddenFill>
+                        </a:ext>
+                      </a:extLst>
+                    </p:spPr>
+                  </p:pic>
+                  <p:pic>
+                    <p:nvPicPr>
+                      <p:cNvPr id="4" name="Picture 4" descr="AWS S3 (Simple Storage Service)&quot; Icon - Download for free – Iconduck">
+                        <a:extLst>
+                          <a:ext uri="{FF2B5EF4-FFF2-40B4-BE49-F238E27FC236}">
+                            <a16:creationId xmlns:a16="http://schemas.microsoft.com/office/drawing/2014/main" id="{F90ADBB5-025F-1854-419E-D5319F9D77F7}"/>
+                          </a:ext>
+                        </a:extLst>
+                      </p:cNvPr>
+                      <p:cNvPicPr>
+                        <a:picLocks noChangeAspect="1" noChangeArrowheads="1"/>
+                      </p:cNvPicPr>
+                      <p:nvPr/>
+                    </p:nvPicPr>
+                    <p:blipFill>
+                      <a:blip r:embed="rId2">
+                        <a:duotone>
+                          <a:schemeClr val="accent6">
+                            <a:shade val="45000"/>
+                            <a:satMod val="135000"/>
+                          </a:schemeClr>
+                          <a:prstClr val="white"/>
+                        </a:duotone>
+                        <a:extLst>
+                          <a:ext uri="{28A0092B-C50C-407E-A947-70E740481C1C}">
+                            <a14:useLocalDpi xmlns:a14="http://schemas.microsoft.com/office/drawing/2010/main" val="0"/>
+                          </a:ext>
+                        </a:extLst>
+                      </a:blip>
+                      <a:srcRect/>
+                      <a:stretch>
+                        <a:fillRect/>
+                      </a:stretch>
+                    </p:blipFill>
+                    <p:spPr bwMode="auto">
+                      <a:xfrm>
+                        <a:off x="1027667" y="3853694"/>
+                        <a:ext cx="809190" cy="978366"/>
+                      </a:xfrm>
+                      <a:prstGeom prst="rect">
+                        <a:avLst/>
+                      </a:prstGeom>
+                      <a:noFill/>
+                      <a:extLst>
+                        <a:ext uri="{909E8E84-426E-40DD-AFC4-6F175D3DCCD1}">
+                          <a14:hiddenFill xmlns:a14="http://schemas.microsoft.com/office/drawing/2010/main">
+                            <a:solidFill>
+                              <a:srgbClr val="FFFFFF"/>
+                            </a:solidFill>
+                          </a14:hiddenFill>
+                        </a:ext>
+                      </a:extLst>
+                    </p:spPr>
+                  </p:pic>
+                  <p:sp>
+                    <p:nvSpPr>
+                      <p:cNvPr id="8" name="TextBox 7">
+                        <a:extLst>
+                          <a:ext uri="{FF2B5EF4-FFF2-40B4-BE49-F238E27FC236}">
+                            <a16:creationId xmlns:a16="http://schemas.microsoft.com/office/drawing/2014/main" id="{CA41A722-2770-84EB-E68E-F9729598F786}"/>
+                          </a:ext>
+                        </a:extLst>
+                      </p:cNvPr>
+                      <p:cNvSpPr txBox="1"/>
+                      <p:nvPr/>
+                    </p:nvSpPr>
+                    <p:spPr>
+                      <a:xfrm>
+                        <a:off x="2860646" y="3385067"/>
+                        <a:ext cx="444616" cy="369332"/>
+                      </a:xfrm>
+                      <a:prstGeom prst="rect">
+                        <a:avLst/>
+                      </a:prstGeom>
+                      <a:noFill/>
+                    </p:spPr>
+                    <p:txBody>
+                      <a:bodyPr wrap="square" rtlCol="0">
+                        <a:spAutoFit/>
+                      </a:bodyPr>
+                      <a:lstStyle/>
+                      <a:p>
+                        <a:r>
+                          <a:rPr lang="en-US" b="1" i="1" dirty="0"/>
+                          <a:t>EL</a:t>
+                        </a:r>
+                      </a:p>
+                    </p:txBody>
+                  </p:sp>
+                  <p:sp>
+                    <p:nvSpPr>
+                      <p:cNvPr id="13" name="TextBox 12">
+                        <a:extLst>
+                          <a:ext uri="{FF2B5EF4-FFF2-40B4-BE49-F238E27FC236}">
+                            <a16:creationId xmlns:a16="http://schemas.microsoft.com/office/drawing/2014/main" id="{3229CCE7-8EC7-A578-C575-3A4A5C25B4D0}"/>
+                          </a:ext>
+                        </a:extLst>
+                      </p:cNvPr>
+                      <p:cNvSpPr txBox="1"/>
+                      <p:nvPr/>
+                    </p:nvSpPr>
+                    <p:spPr>
+                      <a:xfrm>
+                        <a:off x="6455545" y="3393348"/>
+                        <a:ext cx="444616" cy="369332"/>
+                      </a:xfrm>
+                      <a:prstGeom prst="rect">
+                        <a:avLst/>
+                      </a:prstGeom>
+                      <a:noFill/>
+                    </p:spPr>
+                    <p:txBody>
+                      <a:bodyPr wrap="square" rtlCol="0">
+                        <a:spAutoFit/>
+                      </a:bodyPr>
+                      <a:lstStyle/>
+                      <a:p>
+                        <a:r>
+                          <a:rPr lang="en-US" b="1" i="1" dirty="0"/>
+                          <a:t>T</a:t>
+                        </a:r>
+                      </a:p>
+                    </p:txBody>
+                  </p:sp>
+                </p:grpSp>
                 <p:pic>
                   <p:nvPicPr>
-                    <p:cNvPr id="3076" name="Picture 4" descr="AWS S3 (Simple Storage Service)&quot; Icon - Download for free – Iconduck">
+                    <p:cNvPr id="3078" name="Picture 6" descr="Snowflake logo in transparent PNG and vectorized SVG formats">
                       <a:extLst>
                         <a:ext uri="{FF2B5EF4-FFF2-40B4-BE49-F238E27FC236}">
-                          <a16:creationId xmlns:a16="http://schemas.microsoft.com/office/drawing/2014/main" id="{5807CD86-8115-4052-5173-0C040E9DFAA3}"/>
+                          <a16:creationId xmlns:a16="http://schemas.microsoft.com/office/drawing/2014/main" id="{BEC9F3E6-1BB1-1297-F3DE-1EF7DD78582B}"/>
                         </a:ext>
                       </a:extLst>
                     </p:cNvPr>
@@ -5835,14 +11236,7 @@
                     <p:nvPr/>
                   </p:nvPicPr>
                   <p:blipFill>
-                    <a:blip r:embed="rId2">
-                      <a:duotone>
-                        <a:schemeClr val="accent1">
-                          <a:shade val="45000"/>
-                          <a:satMod val="135000"/>
-                        </a:schemeClr>
-                        <a:prstClr val="white"/>
-                      </a:duotone>
+                    <a:blip r:embed="rId3">
                       <a:extLst>
                         <a:ext uri="{28A0092B-C50C-407E-A947-70E740481C1C}">
                           <a14:useLocalDpi xmlns:a14="http://schemas.microsoft.com/office/drawing/2010/main" val="0"/>
@@ -5856,8 +11250,8 @@
                   </p:blipFill>
                   <p:spPr bwMode="auto">
                     <a:xfrm>
-                      <a:off x="1027667" y="2450634"/>
-                      <a:ext cx="809190" cy="978366"/>
+                      <a:off x="4583330" y="3340421"/>
+                      <a:ext cx="548640" cy="546489"/>
                     </a:xfrm>
                     <a:prstGeom prst="rect">
                       <a:avLst/>
@@ -5876,10 +11270,10 @@
                 </p:pic>
                 <p:pic>
                   <p:nvPicPr>
-                    <p:cNvPr id="4" name="Picture 4" descr="AWS S3 (Simple Storage Service)&quot; Icon - Download for free – Iconduck">
+                    <p:cNvPr id="16" name="Picture 6" descr="Snowflake logo in transparent PNG and vectorized SVG formats">
                       <a:extLst>
                         <a:ext uri="{FF2B5EF4-FFF2-40B4-BE49-F238E27FC236}">
-                          <a16:creationId xmlns:a16="http://schemas.microsoft.com/office/drawing/2014/main" id="{F90ADBB5-025F-1854-419E-D5319F9D77F7}"/>
+                          <a16:creationId xmlns:a16="http://schemas.microsoft.com/office/drawing/2014/main" id="{6060C3F5-8CE3-614E-4A15-EF4D5C8C1B4C}"/>
                         </a:ext>
                       </a:extLst>
                     </p:cNvPr>
@@ -5889,14 +11283,7 @@
                     <p:nvPr/>
                   </p:nvPicPr>
                   <p:blipFill>
-                    <a:blip r:embed="rId2">
-                      <a:duotone>
-                        <a:schemeClr val="accent6">
-                          <a:shade val="45000"/>
-                          <a:satMod val="135000"/>
-                        </a:schemeClr>
-                        <a:prstClr val="white"/>
-                      </a:duotone>
+                    <a:blip r:embed="rId3">
                       <a:extLst>
                         <a:ext uri="{28A0092B-C50C-407E-A947-70E740481C1C}">
                           <a14:useLocalDpi xmlns:a14="http://schemas.microsoft.com/office/drawing/2010/main" val="0"/>
@@ -5910,8 +11297,8 @@
                   </p:blipFill>
                   <p:spPr bwMode="auto">
                     <a:xfrm>
-                      <a:off x="1027667" y="3853694"/>
-                      <a:ext cx="809190" cy="978366"/>
+                      <a:off x="8127190" y="3307205"/>
+                      <a:ext cx="548640" cy="546489"/>
                     </a:xfrm>
                     <a:prstGeom prst="rect">
                       <a:avLst/>
@@ -5928,273 +11315,109 @@
                     </a:extLst>
                   </p:spPr>
                 </p:pic>
-                <p:sp>
-                  <p:nvSpPr>
-                    <p:cNvPr id="8" name="TextBox 7">
+                <p:pic>
+                  <p:nvPicPr>
+                    <p:cNvPr id="20" name="Picture 6" descr="Snowflake logo in transparent PNG and vectorized SVG formats">
                       <a:extLst>
                         <a:ext uri="{FF2B5EF4-FFF2-40B4-BE49-F238E27FC236}">
-                          <a16:creationId xmlns:a16="http://schemas.microsoft.com/office/drawing/2014/main" id="{CA41A722-2770-84EB-E68E-F9729598F786}"/>
+                          <a16:creationId xmlns:a16="http://schemas.microsoft.com/office/drawing/2014/main" id="{76BB70CA-3AE2-D85F-86A7-539F70AB3B74}"/>
                         </a:ext>
                       </a:extLst>
                     </p:cNvPr>
-                    <p:cNvSpPr txBox="1"/>
+                    <p:cNvPicPr>
+                      <a:picLocks noChangeAspect="1" noChangeArrowheads="1"/>
+                    </p:cNvPicPr>
                     <p:nvPr/>
-                  </p:nvSpPr>
-                  <p:spPr>
+                  </p:nvPicPr>
+                  <p:blipFill>
+                    <a:blip r:embed="rId3">
+                      <a:extLst>
+                        <a:ext uri="{28A0092B-C50C-407E-A947-70E740481C1C}">
+                          <a14:useLocalDpi xmlns:a14="http://schemas.microsoft.com/office/drawing/2010/main" val="0"/>
+                        </a:ext>
+                      </a:extLst>
+                    </a:blip>
+                    <a:srcRect/>
+                    <a:stretch>
+                      <a:fillRect/>
+                    </a:stretch>
+                  </p:blipFill>
+                  <p:spPr bwMode="auto">
                     <a:xfrm>
-                      <a:off x="2860646" y="3385067"/>
-                      <a:ext cx="444616" cy="369332"/>
+                      <a:off x="2860646" y="2699267"/>
+                      <a:ext cx="450506" cy="448740"/>
                     </a:xfrm>
                     <a:prstGeom prst="rect">
                       <a:avLst/>
                     </a:prstGeom>
                     <a:noFill/>
-                  </p:spPr>
-                  <p:txBody>
-                    <a:bodyPr wrap="square" rtlCol="0">
-                      <a:spAutoFit/>
-                    </a:bodyPr>
-                    <a:lstStyle/>
-                    <a:p>
-                      <a:r>
-                        <a:rPr lang="en-US" b="1" i="1" dirty="0"/>
-                        <a:t>EL</a:t>
-                      </a:r>
-                    </a:p>
-                  </p:txBody>
-                </p:sp>
-                <p:sp>
-                  <p:nvSpPr>
-                    <p:cNvPr id="13" name="TextBox 12">
-                      <a:extLst>
-                        <a:ext uri="{FF2B5EF4-FFF2-40B4-BE49-F238E27FC236}">
-                          <a16:creationId xmlns:a16="http://schemas.microsoft.com/office/drawing/2014/main" id="{3229CCE7-8EC7-A578-C575-3A4A5C25B4D0}"/>
-                        </a:ext>
-                      </a:extLst>
-                    </p:cNvPr>
-                    <p:cNvSpPr txBox="1"/>
-                    <p:nvPr/>
-                  </p:nvSpPr>
-                  <p:spPr>
-                    <a:xfrm>
-                      <a:off x="6455545" y="3393348"/>
-                      <a:ext cx="444616" cy="369332"/>
-                    </a:xfrm>
-                    <a:prstGeom prst="rect">
-                      <a:avLst/>
-                    </a:prstGeom>
-                    <a:noFill/>
-                  </p:spPr>
-                  <p:txBody>
-                    <a:bodyPr wrap="square" rtlCol="0">
-                      <a:spAutoFit/>
-                    </a:bodyPr>
-                    <a:lstStyle/>
-                    <a:p>
-                      <a:r>
-                        <a:rPr lang="en-US" b="1" i="1" dirty="0"/>
-                        <a:t>T</a:t>
-                      </a:r>
-                    </a:p>
-                  </p:txBody>
-                </p:sp>
-              </p:grpSp>
-              <p:pic>
-                <p:nvPicPr>
-                  <p:cNvPr id="3078" name="Picture 6" descr="Snowflake logo in transparent PNG and vectorized SVG formats">
                     <a:extLst>
-                      <a:ext uri="{FF2B5EF4-FFF2-40B4-BE49-F238E27FC236}">
-                        <a16:creationId xmlns:a16="http://schemas.microsoft.com/office/drawing/2014/main" id="{BEC9F3E6-1BB1-1297-F3DE-1EF7DD78582B}"/>
+                      <a:ext uri="{909E8E84-426E-40DD-AFC4-6F175D3DCCD1}">
+                        <a14:hiddenFill xmlns:a14="http://schemas.microsoft.com/office/drawing/2010/main">
+                          <a:solidFill>
+                            <a:srgbClr val="FFFFFF"/>
+                          </a:solidFill>
+                        </a14:hiddenFill>
                       </a:ext>
                     </a:extLst>
-                  </p:cNvPr>
-                  <p:cNvPicPr>
-                    <a:picLocks noChangeAspect="1" noChangeArrowheads="1"/>
-                  </p:cNvPicPr>
-                  <p:nvPr/>
-                </p:nvPicPr>
-                <p:blipFill>
-                  <a:blip r:embed="rId3">
-                    <a:extLst>
-                      <a:ext uri="{28A0092B-C50C-407E-A947-70E740481C1C}">
-                        <a14:useLocalDpi xmlns:a14="http://schemas.microsoft.com/office/drawing/2010/main" val="0"/>
-                      </a:ext>
-                    </a:extLst>
-                  </a:blip>
-                  <a:srcRect/>
-                  <a:stretch>
-                    <a:fillRect/>
-                  </a:stretch>
-                </p:blipFill>
-                <p:spPr bwMode="auto">
-                  <a:xfrm>
-                    <a:off x="4370996" y="3172852"/>
-                    <a:ext cx="973310" cy="969495"/>
-                  </a:xfrm>
-                  <a:prstGeom prst="rect">
-                    <a:avLst/>
-                  </a:prstGeom>
-                  <a:noFill/>
+                  </p:spPr>
+                </p:pic>
+              </p:grpSp>
+            </p:grpSp>
+            <p:pic>
+              <p:nvPicPr>
+                <p:cNvPr id="4098" name="Picture 2" descr="Dbt Logo PNG Vectors Free Download">
                   <a:extLst>
-                    <a:ext uri="{909E8E84-426E-40DD-AFC4-6F175D3DCCD1}">
-                      <a14:hiddenFill xmlns:a14="http://schemas.microsoft.com/office/drawing/2010/main">
-                        <a:solidFill>
-                          <a:srgbClr val="FFFFFF"/>
-                        </a:solidFill>
-                      </a14:hiddenFill>
+                    <a:ext uri="{FF2B5EF4-FFF2-40B4-BE49-F238E27FC236}">
+                      <a16:creationId xmlns:a16="http://schemas.microsoft.com/office/drawing/2014/main" id="{216076B6-EBAC-09B1-359D-EFA7CF126547}"/>
                     </a:ext>
                   </a:extLst>
-                </p:spPr>
-              </p:pic>
-              <p:pic>
-                <p:nvPicPr>
-                  <p:cNvPr id="14" name="Picture 6" descr="Snowflake logo in transparent PNG and vectorized SVG formats">
-                    <a:extLst>
-                      <a:ext uri="{FF2B5EF4-FFF2-40B4-BE49-F238E27FC236}">
-                        <a16:creationId xmlns:a16="http://schemas.microsoft.com/office/drawing/2014/main" id="{F9F59468-E82F-4563-478A-4C152CECBC54}"/>
-                      </a:ext>
-                    </a:extLst>
-                  </p:cNvPr>
-                  <p:cNvPicPr>
-                    <a:picLocks noChangeAspect="1" noChangeArrowheads="1"/>
-                  </p:cNvPicPr>
-                  <p:nvPr/>
-                </p:nvPicPr>
-                <p:blipFill>
-                  <a:blip r:embed="rId3">
-                    <a:extLst>
-                      <a:ext uri="{28A0092B-C50C-407E-A947-70E740481C1C}">
-                        <a14:useLocalDpi xmlns:a14="http://schemas.microsoft.com/office/drawing/2010/main" val="0"/>
-                      </a:ext>
-                    </a:extLst>
-                  </a:blip>
-                  <a:srcRect/>
-                  <a:stretch>
-                    <a:fillRect/>
-                  </a:stretch>
-                </p:blipFill>
-                <p:spPr bwMode="auto">
-                  <a:xfrm>
-                    <a:off x="6069249" y="2699267"/>
-                    <a:ext cx="450506" cy="448740"/>
-                  </a:xfrm>
-                  <a:prstGeom prst="rect">
-                    <a:avLst/>
-                  </a:prstGeom>
-                  <a:noFill/>
+                </p:cNvPr>
+                <p:cNvPicPr>
+                  <a:picLocks noChangeAspect="1" noChangeArrowheads="1"/>
+                </p:cNvPicPr>
+                <p:nvPr/>
+              </p:nvPicPr>
+              <p:blipFill>
+                <a:blip r:embed="rId4">
                   <a:extLst>
-                    <a:ext uri="{909E8E84-426E-40DD-AFC4-6F175D3DCCD1}">
-                      <a14:hiddenFill xmlns:a14="http://schemas.microsoft.com/office/drawing/2010/main">
-                        <a:solidFill>
-                          <a:srgbClr val="FFFFFF"/>
-                        </a:solidFill>
-                      </a14:hiddenFill>
+                    <a:ext uri="{28A0092B-C50C-407E-A947-70E740481C1C}">
+                      <a14:useLocalDpi xmlns:a14="http://schemas.microsoft.com/office/drawing/2010/main" val="0"/>
                     </a:ext>
                   </a:extLst>
-                </p:spPr>
-              </p:pic>
-              <p:pic>
-                <p:nvPicPr>
-                  <p:cNvPr id="16" name="Picture 6" descr="Snowflake logo in transparent PNG and vectorized SVG formats">
-                    <a:extLst>
-                      <a:ext uri="{FF2B5EF4-FFF2-40B4-BE49-F238E27FC236}">
-                        <a16:creationId xmlns:a16="http://schemas.microsoft.com/office/drawing/2014/main" id="{6060C3F5-8CE3-614E-4A15-EF4D5C8C1B4C}"/>
-                      </a:ext>
-                    </a:extLst>
-                  </p:cNvPr>
-                  <p:cNvPicPr>
-                    <a:picLocks noChangeAspect="1" noChangeArrowheads="1"/>
-                  </p:cNvPicPr>
-                  <p:nvPr/>
-                </p:nvPicPr>
-                <p:blipFill>
-                  <a:blip r:embed="rId3">
-                    <a:extLst>
-                      <a:ext uri="{28A0092B-C50C-407E-A947-70E740481C1C}">
-                        <a14:useLocalDpi xmlns:a14="http://schemas.microsoft.com/office/drawing/2010/main" val="0"/>
-                      </a:ext>
-                    </a:extLst>
-                  </a:blip>
-                  <a:srcRect/>
-                  <a:stretch>
-                    <a:fillRect/>
-                  </a:stretch>
-                </p:blipFill>
-                <p:spPr bwMode="auto">
-                  <a:xfrm>
-                    <a:off x="7914856" y="3148007"/>
-                    <a:ext cx="973310" cy="969495"/>
-                  </a:xfrm>
-                  <a:prstGeom prst="rect">
-                    <a:avLst/>
-                  </a:prstGeom>
-                  <a:noFill/>
-                  <a:extLst>
-                    <a:ext uri="{909E8E84-426E-40DD-AFC4-6F175D3DCCD1}">
-                      <a14:hiddenFill xmlns:a14="http://schemas.microsoft.com/office/drawing/2010/main">
-                        <a:solidFill>
-                          <a:srgbClr val="FFFFFF"/>
-                        </a:solidFill>
-                      </a14:hiddenFill>
-                    </a:ext>
-                  </a:extLst>
-                </p:spPr>
-              </p:pic>
-              <p:pic>
-                <p:nvPicPr>
-                  <p:cNvPr id="20" name="Picture 6" descr="Snowflake logo in transparent PNG and vectorized SVG formats">
-                    <a:extLst>
-                      <a:ext uri="{FF2B5EF4-FFF2-40B4-BE49-F238E27FC236}">
-                        <a16:creationId xmlns:a16="http://schemas.microsoft.com/office/drawing/2014/main" id="{76BB70CA-3AE2-D85F-86A7-539F70AB3B74}"/>
-                      </a:ext>
-                    </a:extLst>
-                  </p:cNvPr>
-                  <p:cNvPicPr>
-                    <a:picLocks noChangeAspect="1" noChangeArrowheads="1"/>
-                  </p:cNvPicPr>
-                  <p:nvPr/>
-                </p:nvPicPr>
-                <p:blipFill>
-                  <a:blip r:embed="rId3">
-                    <a:extLst>
-                      <a:ext uri="{28A0092B-C50C-407E-A947-70E740481C1C}">
-                        <a14:useLocalDpi xmlns:a14="http://schemas.microsoft.com/office/drawing/2010/main" val="0"/>
-                      </a:ext>
-                    </a:extLst>
-                  </a:blip>
-                  <a:srcRect/>
-                  <a:stretch>
-                    <a:fillRect/>
-                  </a:stretch>
-                </p:blipFill>
-                <p:spPr bwMode="auto">
-                  <a:xfrm>
-                    <a:off x="2860468" y="2850269"/>
-                    <a:ext cx="450506" cy="448740"/>
-                  </a:xfrm>
-                  <a:prstGeom prst="rect">
-                    <a:avLst/>
-                  </a:prstGeom>
-                  <a:noFill/>
-                  <a:extLst>
-                    <a:ext uri="{909E8E84-426E-40DD-AFC4-6F175D3DCCD1}">
-                      <a14:hiddenFill xmlns:a14="http://schemas.microsoft.com/office/drawing/2010/main">
-                        <a:solidFill>
-                          <a:srgbClr val="FFFFFF"/>
-                        </a:solidFill>
-                      </a14:hiddenFill>
-                    </a:ext>
-                  </a:extLst>
-                </p:spPr>
-              </p:pic>
-            </p:grpSp>
+                </a:blip>
+                <a:srcRect/>
+                <a:stretch>
+                  <a:fillRect/>
+                </a:stretch>
+              </p:blipFill>
+              <p:spPr bwMode="auto">
+                <a:xfrm>
+                  <a:off x="6386600" y="2699267"/>
+                  <a:ext cx="548640" cy="548640"/>
+                </a:xfrm>
+                <a:prstGeom prst="rect">
+                  <a:avLst/>
+                </a:prstGeom>
+                <a:noFill/>
+                <a:extLst>
+                  <a:ext uri="{909E8E84-426E-40DD-AFC4-6F175D3DCCD1}">
+                    <a14:hiddenFill xmlns:a14="http://schemas.microsoft.com/office/drawing/2010/main">
+                      <a:solidFill>
+                        <a:srgbClr val="FFFFFF"/>
+                      </a:solidFill>
+                    </a14:hiddenFill>
+                  </a:ext>
+                </a:extLst>
+              </p:spPr>
+            </p:pic>
           </p:grpSp>
           <p:pic>
             <p:nvPicPr>
-              <p:cNvPr id="4098" name="Picture 2" descr="Dbt Logo PNG Vectors Free Download">
+              <p:cNvPr id="4100" name="Picture 4" descr="Power BI icon PNG and SVG Vector Free Download">
                 <a:extLst>
                   <a:ext uri="{FF2B5EF4-FFF2-40B4-BE49-F238E27FC236}">
-                    <a16:creationId xmlns:a16="http://schemas.microsoft.com/office/drawing/2014/main" id="{216076B6-EBAC-09B1-359D-EFA7CF126547}"/>
+                    <a16:creationId xmlns:a16="http://schemas.microsoft.com/office/drawing/2014/main" id="{C3A99B41-4E22-6E01-D934-3A74FE8AB5E4}"/>
                   </a:ext>
                 </a:extLst>
               </p:cNvPr>
@@ -6204,7 +11427,7 @@
               <p:nvPr/>
             </p:nvPicPr>
             <p:blipFill>
-              <a:blip r:embed="rId4">
+              <a:blip r:embed="rId5">
                 <a:extLst>
                   <a:ext uri="{28A0092B-C50C-407E-A947-70E740481C1C}">
                     <a14:useLocalDpi xmlns:a14="http://schemas.microsoft.com/office/drawing/2010/main" val="0"/>
@@ -6218,8 +11441,8 @@
             </p:blipFill>
             <p:spPr bwMode="auto">
               <a:xfrm>
-                <a:off x="6627519" y="2699267"/>
-                <a:ext cx="448740" cy="448740"/>
+                <a:off x="10844293" y="3148007"/>
+                <a:ext cx="640080" cy="674996"/>
               </a:xfrm>
               <a:prstGeom prst="rect">
                 <a:avLst/>
@@ -6236,97 +11459,271 @@
               </a:extLst>
             </p:spPr>
           </p:pic>
+          <p:cxnSp>
+            <p:nvCxnSpPr>
+              <p:cNvPr id="18" name="Straight Arrow Connector 17">
+                <a:extLst>
+                  <a:ext uri="{FF2B5EF4-FFF2-40B4-BE49-F238E27FC236}">
+                    <a16:creationId xmlns:a16="http://schemas.microsoft.com/office/drawing/2014/main" id="{00FCCBB9-C46D-4357-CEF7-B5A3715F8A08}"/>
+                  </a:ext>
+                </a:extLst>
+              </p:cNvPr>
+              <p:cNvCxnSpPr/>
+              <p:nvPr/>
+            </p:nvCxnSpPr>
+            <p:spPr>
+              <a:xfrm>
+                <a:off x="9140002" y="3613666"/>
+                <a:ext cx="1371600" cy="0"/>
+              </a:xfrm>
+              <a:prstGeom prst="straightConnector1">
+                <a:avLst/>
+              </a:prstGeom>
+              <a:ln w="38100">
+                <a:solidFill>
+                  <a:schemeClr val="tx1"/>
+                </a:solidFill>
+                <a:tailEnd type="triangle"/>
+              </a:ln>
+            </p:spPr>
+            <p:style>
+              <a:lnRef idx="1">
+                <a:schemeClr val="accent1"/>
+              </a:lnRef>
+              <a:fillRef idx="0">
+                <a:schemeClr val="accent1"/>
+              </a:fillRef>
+              <a:effectRef idx="0">
+                <a:schemeClr val="accent1"/>
+              </a:effectRef>
+              <a:fontRef idx="minor">
+                <a:schemeClr val="tx1"/>
+              </a:fontRef>
+            </p:style>
+          </p:cxnSp>
         </p:grpSp>
-        <p:pic>
-          <p:nvPicPr>
-            <p:cNvPr id="4100" name="Picture 4" descr="Power BI icon PNG and SVG Vector Free Download">
+        <p:sp>
+          <p:nvSpPr>
+            <p:cNvPr id="5" name="TextBox 4">
               <a:extLst>
                 <a:ext uri="{FF2B5EF4-FFF2-40B4-BE49-F238E27FC236}">
-                  <a16:creationId xmlns:a16="http://schemas.microsoft.com/office/drawing/2014/main" id="{C3A99B41-4E22-6E01-D934-3A74FE8AB5E4}"/>
+                  <a16:creationId xmlns:a16="http://schemas.microsoft.com/office/drawing/2014/main" id="{C4C14AE1-BB1D-2E95-593B-7002910CB0EC}"/>
                 </a:ext>
               </a:extLst>
             </p:cNvPr>
-            <p:cNvPicPr>
-              <a:picLocks noChangeAspect="1" noChangeArrowheads="1"/>
-            </p:cNvPicPr>
+            <p:cNvSpPr txBox="1"/>
             <p:nvPr/>
-          </p:nvPicPr>
-          <p:blipFill>
-            <a:blip r:embed="rId5">
-              <a:extLst>
-                <a:ext uri="{28A0092B-C50C-407E-A947-70E740481C1C}">
-                  <a14:useLocalDpi xmlns:a14="http://schemas.microsoft.com/office/drawing/2010/main" val="0"/>
-                </a:ext>
-              </a:extLst>
-            </a:blip>
-            <a:srcRect/>
-            <a:stretch>
-              <a:fillRect/>
-            </a:stretch>
-          </p:blipFill>
-          <p:spPr bwMode="auto">
+          </p:nvSpPr>
+          <p:spPr>
             <a:xfrm>
-              <a:off x="10704660" y="3148007"/>
-              <a:ext cx="919345" cy="994340"/>
+              <a:off x="3943463" y="1676831"/>
+              <a:ext cx="1828375" cy="369332"/>
             </a:xfrm>
             <a:prstGeom prst="rect">
               <a:avLst/>
             </a:prstGeom>
             <a:noFill/>
-            <a:extLst>
-              <a:ext uri="{909E8E84-426E-40DD-AFC4-6F175D3DCCD1}">
-                <a14:hiddenFill xmlns:a14="http://schemas.microsoft.com/office/drawing/2010/main">
+          </p:spPr>
+          <p:txBody>
+            <a:bodyPr wrap="square" rtlCol="0">
+              <a:spAutoFit/>
+            </a:bodyPr>
+            <a:lstStyle/>
+            <a:p>
+              <a:pPr algn="ctr"/>
+              <a:r>
+                <a:rPr lang="en-US" b="1" dirty="0">
                   <a:solidFill>
-                    <a:srgbClr val="FFFFFF"/>
+                    <a:srgbClr val="00B0F0"/>
                   </a:solidFill>
-                </a14:hiddenFill>
-              </a:ext>
-            </a:extLst>
-          </p:spPr>
-        </p:pic>
-        <p:cxnSp>
-          <p:nvCxnSpPr>
-            <p:cNvPr id="18" name="Straight Arrow Connector 17">
+                </a:rPr>
+                <a:t>Raw Data</a:t>
+              </a:r>
+            </a:p>
+          </p:txBody>
+        </p:sp>
+        <p:sp>
+          <p:nvSpPr>
+            <p:cNvPr id="7" name="TextBox 6">
               <a:extLst>
                 <a:ext uri="{FF2B5EF4-FFF2-40B4-BE49-F238E27FC236}">
-                  <a16:creationId xmlns:a16="http://schemas.microsoft.com/office/drawing/2014/main" id="{00FCCBB9-C46D-4357-CEF7-B5A3715F8A08}"/>
+                  <a16:creationId xmlns:a16="http://schemas.microsoft.com/office/drawing/2014/main" id="{110F71D2-4408-F92C-0809-5B9F663354A9}"/>
                 </a:ext>
               </a:extLst>
             </p:cNvPr>
-            <p:cNvCxnSpPr/>
+            <p:cNvSpPr txBox="1"/>
             <p:nvPr/>
-          </p:nvCxnSpPr>
+          </p:nvSpPr>
           <p:spPr>
             <a:xfrm>
-              <a:off x="9140002" y="3613666"/>
-              <a:ext cx="1371600" cy="0"/>
+              <a:off x="928429" y="1538332"/>
+              <a:ext cx="1490208" cy="646331"/>
             </a:xfrm>
-            <a:prstGeom prst="straightConnector1">
+            <a:prstGeom prst="rect">
               <a:avLst/>
             </a:prstGeom>
-            <a:ln w="38100">
-              <a:solidFill>
-                <a:schemeClr val="tx1"/>
-              </a:solidFill>
-              <a:tailEnd type="triangle"/>
-            </a:ln>
+            <a:noFill/>
           </p:spPr>
-          <p:style>
-            <a:lnRef idx="1">
-              <a:schemeClr val="accent1"/>
-            </a:lnRef>
-            <a:fillRef idx="0">
-              <a:schemeClr val="accent1"/>
-            </a:fillRef>
-            <a:effectRef idx="0">
-              <a:schemeClr val="accent1"/>
-            </a:effectRef>
-            <a:fontRef idx="minor">
-              <a:schemeClr val="tx1"/>
-            </a:fontRef>
-          </p:style>
-        </p:cxnSp>
+          <p:txBody>
+            <a:bodyPr wrap="square" rtlCol="0">
+              <a:spAutoFit/>
+            </a:bodyPr>
+            <a:lstStyle/>
+            <a:p>
+              <a:r>
+                <a:rPr lang="en-US" b="1" dirty="0">
+                  <a:solidFill>
+                    <a:schemeClr val="bg1">
+                      <a:lumMod val="50000"/>
+                    </a:schemeClr>
+                  </a:solidFill>
+                </a:rPr>
+                <a:t>External </a:t>
+              </a:r>
+            </a:p>
+            <a:p>
+              <a:r>
+                <a:rPr lang="en-US" b="1" dirty="0">
+                  <a:solidFill>
+                    <a:schemeClr val="bg1">
+                      <a:lumMod val="50000"/>
+                    </a:schemeClr>
+                  </a:solidFill>
+                </a:rPr>
+                <a:t>Data Sources</a:t>
+              </a:r>
+            </a:p>
+          </p:txBody>
+        </p:sp>
+        <p:sp>
+          <p:nvSpPr>
+            <p:cNvPr id="10" name="TextBox 9">
+              <a:extLst>
+                <a:ext uri="{FF2B5EF4-FFF2-40B4-BE49-F238E27FC236}">
+                  <a16:creationId xmlns:a16="http://schemas.microsoft.com/office/drawing/2014/main" id="{6147553F-0330-8D62-7E92-DB450022AE68}"/>
+                </a:ext>
+              </a:extLst>
+            </p:cNvPr>
+            <p:cNvSpPr txBox="1"/>
+            <p:nvPr/>
+          </p:nvSpPr>
+          <p:spPr>
+            <a:xfrm>
+              <a:off x="7487323" y="1676831"/>
+              <a:ext cx="1828375" cy="369332"/>
+            </a:xfrm>
+            <a:prstGeom prst="rect">
+              <a:avLst/>
+            </a:prstGeom>
+            <a:noFill/>
+          </p:spPr>
+          <p:txBody>
+            <a:bodyPr wrap="square" rtlCol="0">
+              <a:spAutoFit/>
+            </a:bodyPr>
+            <a:lstStyle/>
+            <a:p>
+              <a:pPr algn="ctr"/>
+              <a:r>
+                <a:rPr lang="en-US" b="1" dirty="0">
+                  <a:solidFill>
+                    <a:srgbClr val="00B0F0"/>
+                  </a:solidFill>
+                </a:rPr>
+                <a:t>Prepared Data</a:t>
+              </a:r>
+            </a:p>
+          </p:txBody>
+        </p:sp>
+        <p:sp>
+          <p:nvSpPr>
+            <p:cNvPr id="17" name="TextBox 16">
+              <a:extLst>
+                <a:ext uri="{FF2B5EF4-FFF2-40B4-BE49-F238E27FC236}">
+                  <a16:creationId xmlns:a16="http://schemas.microsoft.com/office/drawing/2014/main" id="{8288533C-ACFF-8388-D195-D89B764B74BA}"/>
+                </a:ext>
+              </a:extLst>
+            </p:cNvPr>
+            <p:cNvSpPr txBox="1"/>
+            <p:nvPr/>
+          </p:nvSpPr>
+          <p:spPr>
+            <a:xfrm>
+              <a:off x="10785335" y="1676831"/>
+              <a:ext cx="956471" cy="369332"/>
+            </a:xfrm>
+            <a:prstGeom prst="rect">
+              <a:avLst/>
+            </a:prstGeom>
+            <a:noFill/>
+          </p:spPr>
+          <p:txBody>
+            <a:bodyPr wrap="square" rtlCol="0">
+              <a:spAutoFit/>
+            </a:bodyPr>
+            <a:lstStyle/>
+            <a:p>
+              <a:r>
+                <a:rPr lang="en-US" b="1" dirty="0">
+                  <a:solidFill>
+                    <a:schemeClr val="accent4">
+                      <a:lumMod val="75000"/>
+                    </a:schemeClr>
+                  </a:solidFill>
+                </a:rPr>
+                <a:t>Report</a:t>
+              </a:r>
+            </a:p>
+          </p:txBody>
+        </p:sp>
       </p:grpSp>
+      <p:pic>
+        <p:nvPicPr>
+          <p:cNvPr id="23" name="Picture 2" descr="FIRN Analytics: Timely Data Solutions &amp; Expert Consultancy">
+            <a:extLst>
+              <a:ext uri="{FF2B5EF4-FFF2-40B4-BE49-F238E27FC236}">
+                <a16:creationId xmlns:a16="http://schemas.microsoft.com/office/drawing/2014/main" id="{08C360D9-CE4A-49B3-5561-F44C156FCA91}"/>
+              </a:ext>
+            </a:extLst>
+          </p:cNvPr>
+          <p:cNvPicPr>
+            <a:picLocks noChangeAspect="1" noChangeArrowheads="1"/>
+          </p:cNvPicPr>
+          <p:nvPr/>
+        </p:nvPicPr>
+        <p:blipFill>
+          <a:blip r:embed="rId6">
+            <a:extLst>
+              <a:ext uri="{28A0092B-C50C-407E-A947-70E740481C1C}">
+                <a14:useLocalDpi xmlns:a14="http://schemas.microsoft.com/office/drawing/2010/main" val="0"/>
+              </a:ext>
+            </a:extLst>
+          </a:blip>
+          <a:srcRect/>
+          <a:stretch>
+            <a:fillRect/>
+          </a:stretch>
+        </p:blipFill>
+        <p:spPr bwMode="auto">
+          <a:xfrm>
+            <a:off x="11182350" y="5848350"/>
+            <a:ext cx="1009650" cy="1009650"/>
+          </a:xfrm>
+          <a:prstGeom prst="rect">
+            <a:avLst/>
+          </a:prstGeom>
+          <a:noFill/>
+          <a:extLst>
+            <a:ext uri="{909E8E84-426E-40DD-AFC4-6F175D3DCCD1}">
+              <a14:hiddenFill xmlns:a14="http://schemas.microsoft.com/office/drawing/2010/main">
+                <a:solidFill>
+                  <a:srgbClr val="FFFFFF"/>
+                </a:solidFill>
+              </a14:hiddenFill>
+            </a:ext>
+          </a:extLst>
+        </p:spPr>
+      </p:pic>
     </p:spTree>
     <p:extLst>
       <p:ext uri="{BB962C8B-B14F-4D97-AF65-F5344CB8AC3E}">
@@ -6975,6 +12372,53 @@
           </a:extLst>
         </p:spPr>
       </p:pic>
+      <p:pic>
+        <p:nvPicPr>
+          <p:cNvPr id="4" name="Picture 2" descr="FIRN Analytics: Timely Data Solutions &amp; Expert Consultancy">
+            <a:extLst>
+              <a:ext uri="{FF2B5EF4-FFF2-40B4-BE49-F238E27FC236}">
+                <a16:creationId xmlns:a16="http://schemas.microsoft.com/office/drawing/2014/main" id="{E5ADB2F6-137E-3BFD-9148-17CDE7BC3747}"/>
+              </a:ext>
+            </a:extLst>
+          </p:cNvPr>
+          <p:cNvPicPr>
+            <a:picLocks noChangeAspect="1" noChangeArrowheads="1"/>
+          </p:cNvPicPr>
+          <p:nvPr/>
+        </p:nvPicPr>
+        <p:blipFill>
+          <a:blip r:embed="rId8">
+            <a:extLst>
+              <a:ext uri="{28A0092B-C50C-407E-A947-70E740481C1C}">
+                <a14:useLocalDpi xmlns:a14="http://schemas.microsoft.com/office/drawing/2010/main" val="0"/>
+              </a:ext>
+            </a:extLst>
+          </a:blip>
+          <a:srcRect/>
+          <a:stretch>
+            <a:fillRect/>
+          </a:stretch>
+        </p:blipFill>
+        <p:spPr bwMode="auto">
+          <a:xfrm>
+            <a:off x="11182350" y="5848350"/>
+            <a:ext cx="1009650" cy="1009650"/>
+          </a:xfrm>
+          <a:prstGeom prst="rect">
+            <a:avLst/>
+          </a:prstGeom>
+          <a:noFill/>
+          <a:extLst>
+            <a:ext uri="{909E8E84-426E-40DD-AFC4-6F175D3DCCD1}">
+              <a14:hiddenFill xmlns:a14="http://schemas.microsoft.com/office/drawing/2010/main">
+                <a:solidFill>
+                  <a:srgbClr val="FFFFFF"/>
+                </a:solidFill>
+              </a14:hiddenFill>
+            </a:ext>
+          </a:extLst>
+        </p:spPr>
+      </p:pic>
     </p:spTree>
     <p:extLst>
       <p:ext uri="{BB962C8B-B14F-4D97-AF65-F5344CB8AC3E}">
@@ -7046,357 +12490,6 @@
           </a:p>
         </p:txBody>
       </p:sp>
-      <p:grpSp>
-        <p:nvGrpSpPr>
-          <p:cNvPr id="11" name="Group 10">
-            <a:extLst>
-              <a:ext uri="{FF2B5EF4-FFF2-40B4-BE49-F238E27FC236}">
-                <a16:creationId xmlns:a16="http://schemas.microsoft.com/office/drawing/2014/main" id="{F1744702-ED5C-FA73-7B8D-254DF5C9D3A2}"/>
-              </a:ext>
-            </a:extLst>
-          </p:cNvPr>
-          <p:cNvGrpSpPr/>
-          <p:nvPr/>
-        </p:nvGrpSpPr>
-        <p:grpSpPr>
-          <a:xfrm>
-            <a:off x="130045" y="2492579"/>
-            <a:ext cx="4316639" cy="2381426"/>
-            <a:chOff x="1027667" y="2450634"/>
-            <a:chExt cx="4316639" cy="2381426"/>
-          </a:xfrm>
-        </p:grpSpPr>
-        <p:sp>
-          <p:nvSpPr>
-            <p:cNvPr id="3" name="Cylinder 2">
-              <a:extLst>
-                <a:ext uri="{FF2B5EF4-FFF2-40B4-BE49-F238E27FC236}">
-                  <a16:creationId xmlns:a16="http://schemas.microsoft.com/office/drawing/2014/main" id="{11FEF3CF-684A-D1ED-6DA8-00B8EB047948}"/>
-                </a:ext>
-              </a:extLst>
-            </p:cNvPr>
-            <p:cNvSpPr/>
-            <p:nvPr/>
-          </p:nvSpPr>
-          <p:spPr>
-            <a:xfrm rot="5400000">
-              <a:off x="2890006" y="2659420"/>
-              <a:ext cx="385894" cy="1837189"/>
-            </a:xfrm>
-            <a:prstGeom prst="can">
-              <a:avLst/>
-            </a:prstGeom>
-            <a:solidFill>
-              <a:srgbClr val="00B0F0">
-                <a:alpha val="38000"/>
-              </a:srgbClr>
-            </a:solidFill>
-          </p:spPr>
-          <p:style>
-            <a:lnRef idx="2">
-              <a:schemeClr val="accent1">
-                <a:shade val="15000"/>
-              </a:schemeClr>
-            </a:lnRef>
-            <a:fillRef idx="1">
-              <a:schemeClr val="accent1"/>
-            </a:fillRef>
-            <a:effectRef idx="0">
-              <a:schemeClr val="accent1"/>
-            </a:effectRef>
-            <a:fontRef idx="minor">
-              <a:schemeClr val="lt1"/>
-            </a:fontRef>
-          </p:style>
-          <p:txBody>
-            <a:bodyPr rtlCol="0" anchor="ctr"/>
-            <a:lstStyle/>
-            <a:p>
-              <a:pPr algn="ctr"/>
-              <a:endParaRPr lang="en-US"/>
-            </a:p>
-          </p:txBody>
-        </p:sp>
-        <p:grpSp>
-          <p:nvGrpSpPr>
-            <p:cNvPr id="6" name="Group 5">
-              <a:extLst>
-                <a:ext uri="{FF2B5EF4-FFF2-40B4-BE49-F238E27FC236}">
-                  <a16:creationId xmlns:a16="http://schemas.microsoft.com/office/drawing/2014/main" id="{02B8ED2C-7FEA-7F1C-B63A-F2BE792CCEEC}"/>
-                </a:ext>
-              </a:extLst>
-            </p:cNvPr>
-            <p:cNvGrpSpPr/>
-            <p:nvPr/>
-          </p:nvGrpSpPr>
-          <p:grpSpPr>
-            <a:xfrm>
-              <a:off x="1027667" y="2450634"/>
-              <a:ext cx="4316639" cy="2381426"/>
-              <a:chOff x="1027667" y="2450634"/>
-              <a:chExt cx="4316639" cy="2381426"/>
-            </a:xfrm>
-          </p:grpSpPr>
-          <p:grpSp>
-            <p:nvGrpSpPr>
-              <p:cNvPr id="9" name="Group 8">
-                <a:extLst>
-                  <a:ext uri="{FF2B5EF4-FFF2-40B4-BE49-F238E27FC236}">
-                    <a16:creationId xmlns:a16="http://schemas.microsoft.com/office/drawing/2014/main" id="{908CCBC9-C6EC-72C6-9C52-2CE3F0983264}"/>
-                  </a:ext>
-                </a:extLst>
-              </p:cNvPr>
-              <p:cNvGrpSpPr/>
-              <p:nvPr/>
-            </p:nvGrpSpPr>
-            <p:grpSpPr>
-              <a:xfrm>
-                <a:off x="1027667" y="2450634"/>
-                <a:ext cx="2277595" cy="2381426"/>
-                <a:chOff x="1027667" y="2450634"/>
-                <a:chExt cx="2277595" cy="2381426"/>
-              </a:xfrm>
-            </p:grpSpPr>
-            <p:pic>
-              <p:nvPicPr>
-                <p:cNvPr id="3076" name="Picture 4" descr="AWS S3 (Simple Storage Service)&quot; Icon - Download for free – Iconduck">
-                  <a:extLst>
-                    <a:ext uri="{FF2B5EF4-FFF2-40B4-BE49-F238E27FC236}">
-                      <a16:creationId xmlns:a16="http://schemas.microsoft.com/office/drawing/2014/main" id="{5807CD86-8115-4052-5173-0C040E9DFAA3}"/>
-                    </a:ext>
-                  </a:extLst>
-                </p:cNvPr>
-                <p:cNvPicPr>
-                  <a:picLocks noChangeAspect="1" noChangeArrowheads="1"/>
-                </p:cNvPicPr>
-                <p:nvPr/>
-              </p:nvPicPr>
-              <p:blipFill>
-                <a:blip r:embed="rId2">
-                  <a:duotone>
-                    <a:schemeClr val="accent1">
-                      <a:shade val="45000"/>
-                      <a:satMod val="135000"/>
-                    </a:schemeClr>
-                    <a:prstClr val="white"/>
-                  </a:duotone>
-                  <a:extLst>
-                    <a:ext uri="{28A0092B-C50C-407E-A947-70E740481C1C}">
-                      <a14:useLocalDpi xmlns:a14="http://schemas.microsoft.com/office/drawing/2010/main" val="0"/>
-                    </a:ext>
-                  </a:extLst>
-                </a:blip>
-                <a:srcRect/>
-                <a:stretch>
-                  <a:fillRect/>
-                </a:stretch>
-              </p:blipFill>
-              <p:spPr bwMode="auto">
-                <a:xfrm>
-                  <a:off x="1027667" y="2450634"/>
-                  <a:ext cx="809190" cy="978366"/>
-                </a:xfrm>
-                <a:prstGeom prst="rect">
-                  <a:avLst/>
-                </a:prstGeom>
-                <a:noFill/>
-                <a:extLst>
-                  <a:ext uri="{909E8E84-426E-40DD-AFC4-6F175D3DCCD1}">
-                    <a14:hiddenFill xmlns:a14="http://schemas.microsoft.com/office/drawing/2010/main">
-                      <a:solidFill>
-                        <a:srgbClr val="FFFFFF"/>
-                      </a:solidFill>
-                    </a14:hiddenFill>
-                  </a:ext>
-                </a:extLst>
-              </p:spPr>
-            </p:pic>
-            <p:pic>
-              <p:nvPicPr>
-                <p:cNvPr id="4" name="Picture 4" descr="AWS S3 (Simple Storage Service)&quot; Icon - Download for free – Iconduck">
-                  <a:extLst>
-                    <a:ext uri="{FF2B5EF4-FFF2-40B4-BE49-F238E27FC236}">
-                      <a16:creationId xmlns:a16="http://schemas.microsoft.com/office/drawing/2014/main" id="{F90ADBB5-025F-1854-419E-D5319F9D77F7}"/>
-                    </a:ext>
-                  </a:extLst>
-                </p:cNvPr>
-                <p:cNvPicPr>
-                  <a:picLocks noChangeAspect="1" noChangeArrowheads="1"/>
-                </p:cNvPicPr>
-                <p:nvPr/>
-              </p:nvPicPr>
-              <p:blipFill>
-                <a:blip r:embed="rId2">
-                  <a:duotone>
-                    <a:schemeClr val="accent6">
-                      <a:shade val="45000"/>
-                      <a:satMod val="135000"/>
-                    </a:schemeClr>
-                    <a:prstClr val="white"/>
-                  </a:duotone>
-                  <a:extLst>
-                    <a:ext uri="{28A0092B-C50C-407E-A947-70E740481C1C}">
-                      <a14:useLocalDpi xmlns:a14="http://schemas.microsoft.com/office/drawing/2010/main" val="0"/>
-                    </a:ext>
-                  </a:extLst>
-                </a:blip>
-                <a:srcRect/>
-                <a:stretch>
-                  <a:fillRect/>
-                </a:stretch>
-              </p:blipFill>
-              <p:spPr bwMode="auto">
-                <a:xfrm>
-                  <a:off x="1027667" y="3853694"/>
-                  <a:ext cx="809190" cy="978366"/>
-                </a:xfrm>
-                <a:prstGeom prst="rect">
-                  <a:avLst/>
-                </a:prstGeom>
-                <a:noFill/>
-                <a:extLst>
-                  <a:ext uri="{909E8E84-426E-40DD-AFC4-6F175D3DCCD1}">
-                    <a14:hiddenFill xmlns:a14="http://schemas.microsoft.com/office/drawing/2010/main">
-                      <a:solidFill>
-                        <a:srgbClr val="FFFFFF"/>
-                      </a:solidFill>
-                    </a14:hiddenFill>
-                  </a:ext>
-                </a:extLst>
-              </p:spPr>
-            </p:pic>
-            <p:sp>
-              <p:nvSpPr>
-                <p:cNvPr id="8" name="TextBox 7">
-                  <a:extLst>
-                    <a:ext uri="{FF2B5EF4-FFF2-40B4-BE49-F238E27FC236}">
-                      <a16:creationId xmlns:a16="http://schemas.microsoft.com/office/drawing/2014/main" id="{CA41A722-2770-84EB-E68E-F9729598F786}"/>
-                    </a:ext>
-                  </a:extLst>
-                </p:cNvPr>
-                <p:cNvSpPr txBox="1"/>
-                <p:nvPr/>
-              </p:nvSpPr>
-              <p:spPr>
-                <a:xfrm>
-                  <a:off x="2860646" y="3385067"/>
-                  <a:ext cx="444616" cy="369332"/>
-                </a:xfrm>
-                <a:prstGeom prst="rect">
-                  <a:avLst/>
-                </a:prstGeom>
-                <a:noFill/>
-              </p:spPr>
-              <p:txBody>
-                <a:bodyPr wrap="square" rtlCol="0">
-                  <a:spAutoFit/>
-                </a:bodyPr>
-                <a:lstStyle/>
-                <a:p>
-                  <a:r>
-                    <a:rPr lang="en-US" b="1" i="1" dirty="0"/>
-                    <a:t>EL</a:t>
-                  </a:r>
-                </a:p>
-              </p:txBody>
-            </p:sp>
-          </p:grpSp>
-          <p:pic>
-            <p:nvPicPr>
-              <p:cNvPr id="3078" name="Picture 6" descr="Snowflake logo in transparent PNG and vectorized SVG formats">
-                <a:extLst>
-                  <a:ext uri="{FF2B5EF4-FFF2-40B4-BE49-F238E27FC236}">
-                    <a16:creationId xmlns:a16="http://schemas.microsoft.com/office/drawing/2014/main" id="{BEC9F3E6-1BB1-1297-F3DE-1EF7DD78582B}"/>
-                  </a:ext>
-                </a:extLst>
-              </p:cNvPr>
-              <p:cNvPicPr>
-                <a:picLocks noChangeAspect="1" noChangeArrowheads="1"/>
-              </p:cNvPicPr>
-              <p:nvPr/>
-            </p:nvPicPr>
-            <p:blipFill>
-              <a:blip r:embed="rId3">
-                <a:extLst>
-                  <a:ext uri="{28A0092B-C50C-407E-A947-70E740481C1C}">
-                    <a14:useLocalDpi xmlns:a14="http://schemas.microsoft.com/office/drawing/2010/main" val="0"/>
-                  </a:ext>
-                </a:extLst>
-              </a:blip>
-              <a:srcRect/>
-              <a:stretch>
-                <a:fillRect/>
-              </a:stretch>
-            </p:blipFill>
-            <p:spPr bwMode="auto">
-              <a:xfrm>
-                <a:off x="4370996" y="3172852"/>
-                <a:ext cx="973310" cy="969495"/>
-              </a:xfrm>
-              <a:prstGeom prst="rect">
-                <a:avLst/>
-              </a:prstGeom>
-              <a:noFill/>
-              <a:extLst>
-                <a:ext uri="{909E8E84-426E-40DD-AFC4-6F175D3DCCD1}">
-                  <a14:hiddenFill xmlns:a14="http://schemas.microsoft.com/office/drawing/2010/main">
-                    <a:solidFill>
-                      <a:srgbClr val="FFFFFF"/>
-                    </a:solidFill>
-                  </a14:hiddenFill>
-                </a:ext>
-              </a:extLst>
-            </p:spPr>
-          </p:pic>
-          <p:pic>
-            <p:nvPicPr>
-              <p:cNvPr id="20" name="Picture 6" descr="Snowflake logo in transparent PNG and vectorized SVG formats">
-                <a:extLst>
-                  <a:ext uri="{FF2B5EF4-FFF2-40B4-BE49-F238E27FC236}">
-                    <a16:creationId xmlns:a16="http://schemas.microsoft.com/office/drawing/2014/main" id="{76BB70CA-3AE2-D85F-86A7-539F70AB3B74}"/>
-                  </a:ext>
-                </a:extLst>
-              </p:cNvPr>
-              <p:cNvPicPr>
-                <a:picLocks noChangeAspect="1" noChangeArrowheads="1"/>
-              </p:cNvPicPr>
-              <p:nvPr/>
-            </p:nvPicPr>
-            <p:blipFill>
-              <a:blip r:embed="rId3">
-                <a:extLst>
-                  <a:ext uri="{28A0092B-C50C-407E-A947-70E740481C1C}">
-                    <a14:useLocalDpi xmlns:a14="http://schemas.microsoft.com/office/drawing/2010/main" val="0"/>
-                  </a:ext>
-                </a:extLst>
-              </a:blip>
-              <a:srcRect/>
-              <a:stretch>
-                <a:fillRect/>
-              </a:stretch>
-            </p:blipFill>
-            <p:spPr bwMode="auto">
-              <a:xfrm>
-                <a:off x="2860468" y="2850269"/>
-                <a:ext cx="450506" cy="448740"/>
-              </a:xfrm>
-              <a:prstGeom prst="rect">
-                <a:avLst/>
-              </a:prstGeom>
-              <a:noFill/>
-              <a:extLst>
-                <a:ext uri="{909E8E84-426E-40DD-AFC4-6F175D3DCCD1}">
-                  <a14:hiddenFill xmlns:a14="http://schemas.microsoft.com/office/drawing/2010/main">
-                    <a:solidFill>
-                      <a:srgbClr val="FFFFFF"/>
-                    </a:solidFill>
-                  </a14:hiddenFill>
-                </a:ext>
-              </a:extLst>
-            </p:spPr>
-          </p:pic>
-        </p:grpSp>
-      </p:grpSp>
       <p:grpSp>
         <p:nvGrpSpPr>
           <p:cNvPr id="27" name="Group 26">
@@ -7712,7 +12805,7 @@
             <p:nvPr/>
           </p:nvPicPr>
           <p:blipFill>
-            <a:blip r:embed="rId4"/>
+            <a:blip r:embed="rId2"/>
             <a:stretch>
               <a:fillRect/>
             </a:stretch>
@@ -7742,7 +12835,7 @@
             <p:nvPr/>
           </p:nvPicPr>
           <p:blipFill>
-            <a:blip r:embed="rId5"/>
+            <a:blip r:embed="rId3"/>
             <a:stretch>
               <a:fillRect/>
             </a:stretch>
@@ -7773,7 +12866,7 @@
           <p:nvPr/>
         </p:nvPicPr>
         <p:blipFill>
-          <a:blip r:embed="rId6"/>
+          <a:blip r:embed="rId4"/>
           <a:stretch>
             <a:fillRect/>
           </a:stretch>
@@ -7788,83 +12881,12 @@
           </a:prstGeom>
         </p:spPr>
       </p:pic>
-    </p:spTree>
-    <p:extLst>
-      <p:ext uri="{BB962C8B-B14F-4D97-AF65-F5344CB8AC3E}">
-        <p14:creationId xmlns:p14="http://schemas.microsoft.com/office/powerpoint/2010/main" val="3297257504"/>
-      </p:ext>
-    </p:extLst>
-  </p:cSld>
-  <p:clrMapOvr>
-    <a:masterClrMapping/>
-  </p:clrMapOvr>
-</p:sld>
-</file>
-
-<file path=ppt/slides/slide9.xml><?xml version="1.0" encoding="utf-8"?>
-<p:sld xmlns:a="http://schemas.openxmlformats.org/drawingml/2006/main" xmlns:r="http://schemas.openxmlformats.org/officeDocument/2006/relationships" xmlns:p="http://schemas.openxmlformats.org/presentationml/2006/main">
-  <p:cSld>
-    <p:spTree>
-      <p:nvGrpSpPr>
-        <p:cNvPr id="1" name=""/>
-        <p:cNvGrpSpPr/>
-        <p:nvPr/>
-      </p:nvGrpSpPr>
-      <p:grpSpPr>
-        <a:xfrm>
-          <a:off x="0" y="0"/>
-          <a:ext cx="0" cy="0"/>
-          <a:chOff x="0" y="0"/>
-          <a:chExt cx="0" cy="0"/>
-        </a:xfrm>
-      </p:grpSpPr>
-      <p:sp>
-        <p:nvSpPr>
-          <p:cNvPr id="2" name="TextBox 1">
+      <p:grpSp>
+        <p:nvGrpSpPr>
+          <p:cNvPr id="23" name="Group 22">
             <a:extLst>
               <a:ext uri="{FF2B5EF4-FFF2-40B4-BE49-F238E27FC236}">
-                <a16:creationId xmlns:a16="http://schemas.microsoft.com/office/drawing/2014/main" id="{15726383-B407-319E-030C-10F657ACC3A3}"/>
-              </a:ext>
-            </a:extLst>
-          </p:cNvPr>
-          <p:cNvSpPr txBox="1"/>
-          <p:nvPr/>
-        </p:nvSpPr>
-        <p:spPr>
-          <a:xfrm>
-            <a:off x="0" y="323165"/>
-            <a:ext cx="12192000" cy="646331"/>
-          </a:xfrm>
-          <a:prstGeom prst="rect">
-            <a:avLst/>
-          </a:prstGeom>
-          <a:noFill/>
-        </p:spPr>
-        <p:txBody>
-          <a:bodyPr wrap="square" rtlCol="0">
-            <a:spAutoFit/>
-          </a:bodyPr>
-          <a:lstStyle/>
-          <a:p>
-            <a:pPr algn="ctr"/>
-            <a:r>
-              <a:rPr lang="en-US" sz="3600" i="1" dirty="0">
-                <a:solidFill>
-                  <a:srgbClr val="7030A0"/>
-                </a:solidFill>
-                <a:latin typeface="Calisto MT" panose="02040603050505030304" pitchFamily="18" charset="0"/>
-              </a:rPr>
-              <a:t>Technical Architecture – Transforming the Data</a:t>
-            </a:r>
-          </a:p>
-        </p:txBody>
-      </p:sp>
-      <p:grpSp>
-        <p:nvGrpSpPr>
-          <p:cNvPr id="15" name="Group 14">
-            <a:extLst>
-              <a:ext uri="{FF2B5EF4-FFF2-40B4-BE49-F238E27FC236}">
-                <a16:creationId xmlns:a16="http://schemas.microsoft.com/office/drawing/2014/main" id="{29AC0BE3-E873-6B06-34D7-C5AE0B32D29F}"/>
+                <a16:creationId xmlns:a16="http://schemas.microsoft.com/office/drawing/2014/main" id="{92B5EE7B-CCDF-8981-5C56-0E1967295BDE}"/>
               </a:ext>
             </a:extLst>
           </p:cNvPr>
@@ -7873,10 +12895,10 @@
         </p:nvGrpSpPr>
         <p:grpSpPr>
           <a:xfrm>
-            <a:off x="1027667" y="2450634"/>
-            <a:ext cx="7860499" cy="2381426"/>
-            <a:chOff x="1027667" y="2450634"/>
-            <a:chExt cx="7860499" cy="2381426"/>
+            <a:off x="130045" y="2492579"/>
+            <a:ext cx="5726068" cy="4247043"/>
+            <a:chOff x="130045" y="2492579"/>
+            <a:chExt cx="5726068" cy="4247043"/>
           </a:xfrm>
         </p:grpSpPr>
         <p:grpSp>
@@ -7893,63 +12915,12 @@
           </p:nvGrpSpPr>
           <p:grpSpPr>
             <a:xfrm>
-              <a:off x="1027667" y="2450634"/>
-              <a:ext cx="7860499" cy="2381426"/>
+              <a:off x="130045" y="2492579"/>
+              <a:ext cx="4152115" cy="2381426"/>
               <a:chOff x="1027667" y="2450634"/>
-              <a:chExt cx="7860499" cy="2381426"/>
+              <a:chExt cx="4152115" cy="2381426"/>
             </a:xfrm>
           </p:grpSpPr>
-          <p:sp>
-            <p:nvSpPr>
-              <p:cNvPr id="12" name="Cylinder 11">
-                <a:extLst>
-                  <a:ext uri="{FF2B5EF4-FFF2-40B4-BE49-F238E27FC236}">
-                    <a16:creationId xmlns:a16="http://schemas.microsoft.com/office/drawing/2014/main" id="{BEF70F46-44AB-CB03-2EE7-4A4C7ADDC072}"/>
-                  </a:ext>
-                </a:extLst>
-              </p:cNvPr>
-              <p:cNvSpPr/>
-              <p:nvPr/>
-            </p:nvSpPr>
-            <p:spPr>
-              <a:xfrm rot="5400000">
-                <a:off x="6436634" y="2659421"/>
-                <a:ext cx="385894" cy="1837189"/>
-              </a:xfrm>
-              <a:prstGeom prst="can">
-                <a:avLst/>
-              </a:prstGeom>
-              <a:solidFill>
-                <a:srgbClr val="C00000">
-                  <a:alpha val="56000"/>
-                </a:srgbClr>
-              </a:solidFill>
-            </p:spPr>
-            <p:style>
-              <a:lnRef idx="2">
-                <a:schemeClr val="accent1">
-                  <a:shade val="15000"/>
-                </a:schemeClr>
-              </a:lnRef>
-              <a:fillRef idx="1">
-                <a:schemeClr val="accent1"/>
-              </a:fillRef>
-              <a:effectRef idx="0">
-                <a:schemeClr val="accent1"/>
-              </a:effectRef>
-              <a:fontRef idx="minor">
-                <a:schemeClr val="lt1"/>
-              </a:fontRef>
-            </p:style>
-            <p:txBody>
-              <a:bodyPr rtlCol="0" anchor="ctr"/>
-              <a:lstStyle/>
-              <a:p>
-                <a:pPr algn="ctr"/>
-                <a:endParaRPr lang="en-US" dirty="0"/>
-              </a:p>
-            </p:txBody>
-          </p:sp>
           <p:sp>
             <p:nvSpPr>
               <p:cNvPr id="3" name="Cylinder 2">
@@ -8016,9 +12987,9 @@
             <p:grpSpPr>
               <a:xfrm>
                 <a:off x="1027667" y="2450634"/>
-                <a:ext cx="7860499" cy="2381426"/>
+                <a:ext cx="4152115" cy="2381426"/>
                 <a:chOff x="1027667" y="2450634"/>
-                <a:chExt cx="7860499" cy="2381426"/>
+                <a:chExt cx="4152115" cy="2381426"/>
               </a:xfrm>
             </p:grpSpPr>
             <p:grpSp>
@@ -8036,9 +13007,9 @@
               <p:grpSpPr>
                 <a:xfrm>
                   <a:off x="1027667" y="2450634"/>
-                  <a:ext cx="5872494" cy="2381426"/>
+                  <a:ext cx="2277595" cy="2381426"/>
                   <a:chOff x="1027667" y="2450634"/>
-                  <a:chExt cx="5872494" cy="2381426"/>
+                  <a:chExt cx="2277595" cy="2381426"/>
                 </a:xfrm>
               </p:grpSpPr>
               <p:pic>
@@ -8056,7 +13027,7 @@
                   <p:nvPr/>
                 </p:nvPicPr>
                 <p:blipFill>
-                  <a:blip r:embed="rId2">
+                  <a:blip r:embed="rId5">
                     <a:duotone>
                       <a:schemeClr val="accent1">
                         <a:shade val="45000"/>
@@ -8110,7 +13081,7 @@
                   <p:nvPr/>
                 </p:nvPicPr>
                 <p:blipFill>
-                  <a:blip r:embed="rId2">
+                  <a:blip r:embed="rId5">
                     <a:duotone>
                       <a:schemeClr val="accent6">
                         <a:shade val="45000"/>
@@ -8184,6 +13155,426 @@
                   </a:p>
                 </p:txBody>
               </p:sp>
+            </p:grpSp>
+            <p:pic>
+              <p:nvPicPr>
+                <p:cNvPr id="3078" name="Picture 6" descr="Snowflake logo in transparent PNG and vectorized SVG formats">
+                  <a:extLst>
+                    <a:ext uri="{FF2B5EF4-FFF2-40B4-BE49-F238E27FC236}">
+                      <a16:creationId xmlns:a16="http://schemas.microsoft.com/office/drawing/2014/main" id="{BEC9F3E6-1BB1-1297-F3DE-1EF7DD78582B}"/>
+                    </a:ext>
+                  </a:extLst>
+                </p:cNvPr>
+                <p:cNvPicPr>
+                  <a:picLocks noChangeAspect="1" noChangeArrowheads="1"/>
+                </p:cNvPicPr>
+                <p:nvPr/>
+              </p:nvPicPr>
+              <p:blipFill>
+                <a:blip r:embed="rId6">
+                  <a:extLst>
+                    <a:ext uri="{28A0092B-C50C-407E-A947-70E740481C1C}">
+                      <a14:useLocalDpi xmlns:a14="http://schemas.microsoft.com/office/drawing/2010/main" val="0"/>
+                    </a:ext>
+                  </a:extLst>
+                </a:blip>
+                <a:srcRect/>
+                <a:stretch>
+                  <a:fillRect/>
+                </a:stretch>
+              </p:blipFill>
+              <p:spPr bwMode="auto">
+                <a:xfrm>
+                  <a:off x="4539702" y="3172851"/>
+                  <a:ext cx="640080" cy="637571"/>
+                </a:xfrm>
+                <a:prstGeom prst="rect">
+                  <a:avLst/>
+                </a:prstGeom>
+                <a:noFill/>
+                <a:extLst>
+                  <a:ext uri="{909E8E84-426E-40DD-AFC4-6F175D3DCCD1}">
+                    <a14:hiddenFill xmlns:a14="http://schemas.microsoft.com/office/drawing/2010/main">
+                      <a:solidFill>
+                        <a:srgbClr val="FFFFFF"/>
+                      </a:solidFill>
+                    </a14:hiddenFill>
+                  </a:ext>
+                </a:extLst>
+              </p:spPr>
+            </p:pic>
+            <p:pic>
+              <p:nvPicPr>
+                <p:cNvPr id="20" name="Picture 6" descr="Snowflake logo in transparent PNG and vectorized SVG formats">
+                  <a:extLst>
+                    <a:ext uri="{FF2B5EF4-FFF2-40B4-BE49-F238E27FC236}">
+                      <a16:creationId xmlns:a16="http://schemas.microsoft.com/office/drawing/2014/main" id="{76BB70CA-3AE2-D85F-86A7-539F70AB3B74}"/>
+                    </a:ext>
+                  </a:extLst>
+                </p:cNvPr>
+                <p:cNvPicPr>
+                  <a:picLocks noChangeAspect="1" noChangeArrowheads="1"/>
+                </p:cNvPicPr>
+                <p:nvPr/>
+              </p:nvPicPr>
+              <p:blipFill>
+                <a:blip r:embed="rId6">
+                  <a:extLst>
+                    <a:ext uri="{28A0092B-C50C-407E-A947-70E740481C1C}">
+                      <a14:useLocalDpi xmlns:a14="http://schemas.microsoft.com/office/drawing/2010/main" val="0"/>
+                    </a:ext>
+                  </a:extLst>
+                </a:blip>
+                <a:srcRect/>
+                <a:stretch>
+                  <a:fillRect/>
+                </a:stretch>
+              </p:blipFill>
+              <p:spPr bwMode="auto">
+                <a:xfrm>
+                  <a:off x="2860468" y="2850269"/>
+                  <a:ext cx="450506" cy="448740"/>
+                </a:xfrm>
+                <a:prstGeom prst="rect">
+                  <a:avLst/>
+                </a:prstGeom>
+                <a:noFill/>
+                <a:extLst>
+                  <a:ext uri="{909E8E84-426E-40DD-AFC4-6F175D3DCCD1}">
+                    <a14:hiddenFill xmlns:a14="http://schemas.microsoft.com/office/drawing/2010/main">
+                      <a:solidFill>
+                        <a:srgbClr val="FFFFFF"/>
+                      </a:solidFill>
+                    </a14:hiddenFill>
+                  </a:ext>
+                </a:extLst>
+              </p:spPr>
+            </p:pic>
+          </p:grpSp>
+        </p:grpSp>
+        <p:pic>
+          <p:nvPicPr>
+            <p:cNvPr id="18" name="Picture 17">
+              <a:extLst>
+                <a:ext uri="{FF2B5EF4-FFF2-40B4-BE49-F238E27FC236}">
+                  <a16:creationId xmlns:a16="http://schemas.microsoft.com/office/drawing/2014/main" id="{880FCB3E-593A-C31A-855B-DD6A8AA05B9C}"/>
+                </a:ext>
+              </a:extLst>
+            </p:cNvPr>
+            <p:cNvPicPr>
+              <a:picLocks noChangeAspect="1"/>
+            </p:cNvPicPr>
+            <p:nvPr/>
+          </p:nvPicPr>
+          <p:blipFill>
+            <a:blip r:embed="rId7"/>
+            <a:stretch>
+              <a:fillRect/>
+            </a:stretch>
+          </p:blipFill>
+          <p:spPr>
+            <a:xfrm>
+              <a:off x="2063944" y="4907561"/>
+              <a:ext cx="3792169" cy="1832061"/>
+            </a:xfrm>
+            <a:prstGeom prst="rect">
+              <a:avLst/>
+            </a:prstGeom>
+          </p:spPr>
+        </p:pic>
+      </p:grpSp>
+      <p:cxnSp>
+        <p:nvCxnSpPr>
+          <p:cNvPr id="21" name="Straight Arrow Connector 20">
+            <a:extLst>
+              <a:ext uri="{FF2B5EF4-FFF2-40B4-BE49-F238E27FC236}">
+                <a16:creationId xmlns:a16="http://schemas.microsoft.com/office/drawing/2014/main" id="{ECFE3FB4-B560-4596-6236-2F55D2C8E4C2}"/>
+              </a:ext>
+            </a:extLst>
+          </p:cNvPr>
+          <p:cNvCxnSpPr>
+            <a:cxnSpLocks/>
+            <a:stCxn id="3078" idx="2"/>
+            <a:endCxn id="18" idx="0"/>
+          </p:cNvCxnSpPr>
+          <p:nvPr/>
+        </p:nvCxnSpPr>
+        <p:spPr>
+          <a:xfrm flipH="1">
+            <a:off x="3960029" y="3852367"/>
+            <a:ext cx="2091" cy="1055194"/>
+          </a:xfrm>
+          <a:prstGeom prst="straightConnector1">
+            <a:avLst/>
+          </a:prstGeom>
+          <a:ln>
+            <a:tailEnd type="triangle"/>
+          </a:ln>
+        </p:spPr>
+        <p:style>
+          <a:lnRef idx="3">
+            <a:schemeClr val="dk1"/>
+          </a:lnRef>
+          <a:fillRef idx="0">
+            <a:schemeClr val="dk1"/>
+          </a:fillRef>
+          <a:effectRef idx="2">
+            <a:schemeClr val="dk1"/>
+          </a:effectRef>
+          <a:fontRef idx="minor">
+            <a:schemeClr val="tx1"/>
+          </a:fontRef>
+        </p:style>
+      </p:cxnSp>
+      <p:pic>
+        <p:nvPicPr>
+          <p:cNvPr id="31" name="Picture 2" descr="FIRN Analytics: Timely Data Solutions &amp; Expert Consultancy">
+            <a:extLst>
+              <a:ext uri="{FF2B5EF4-FFF2-40B4-BE49-F238E27FC236}">
+                <a16:creationId xmlns:a16="http://schemas.microsoft.com/office/drawing/2014/main" id="{FEFF81EA-1AAB-B708-C2B6-0404CF47212C}"/>
+              </a:ext>
+            </a:extLst>
+          </p:cNvPr>
+          <p:cNvPicPr>
+            <a:picLocks noChangeAspect="1" noChangeArrowheads="1"/>
+          </p:cNvPicPr>
+          <p:nvPr/>
+        </p:nvPicPr>
+        <p:blipFill>
+          <a:blip r:embed="rId8">
+            <a:extLst>
+              <a:ext uri="{28A0092B-C50C-407E-A947-70E740481C1C}">
+                <a14:useLocalDpi xmlns:a14="http://schemas.microsoft.com/office/drawing/2010/main" val="0"/>
+              </a:ext>
+            </a:extLst>
+          </a:blip>
+          <a:srcRect/>
+          <a:stretch>
+            <a:fillRect/>
+          </a:stretch>
+        </p:blipFill>
+        <p:spPr bwMode="auto">
+          <a:xfrm>
+            <a:off x="11182350" y="5848350"/>
+            <a:ext cx="1009650" cy="1009650"/>
+          </a:xfrm>
+          <a:prstGeom prst="rect">
+            <a:avLst/>
+          </a:prstGeom>
+          <a:noFill/>
+          <a:extLst>
+            <a:ext uri="{909E8E84-426E-40DD-AFC4-6F175D3DCCD1}">
+              <a14:hiddenFill xmlns:a14="http://schemas.microsoft.com/office/drawing/2010/main">
+                <a:solidFill>
+                  <a:srgbClr val="FFFFFF"/>
+                </a:solidFill>
+              </a14:hiddenFill>
+            </a:ext>
+          </a:extLst>
+        </p:spPr>
+      </p:pic>
+    </p:spTree>
+    <p:extLst>
+      <p:ext uri="{BB962C8B-B14F-4D97-AF65-F5344CB8AC3E}">
+        <p14:creationId xmlns:p14="http://schemas.microsoft.com/office/powerpoint/2010/main" val="3297257504"/>
+      </p:ext>
+    </p:extLst>
+  </p:cSld>
+  <p:clrMapOvr>
+    <a:masterClrMapping/>
+  </p:clrMapOvr>
+</p:sld>
+</file>
+
+<file path=ppt/slides/slide9.xml><?xml version="1.0" encoding="utf-8"?>
+<p:sld xmlns:a="http://schemas.openxmlformats.org/drawingml/2006/main" xmlns:r="http://schemas.openxmlformats.org/officeDocument/2006/relationships" xmlns:p="http://schemas.openxmlformats.org/presentationml/2006/main">
+  <p:cSld>
+    <p:spTree>
+      <p:nvGrpSpPr>
+        <p:cNvPr id="1" name=""/>
+        <p:cNvGrpSpPr/>
+        <p:nvPr/>
+      </p:nvGrpSpPr>
+      <p:grpSpPr>
+        <a:xfrm>
+          <a:off x="0" y="0"/>
+          <a:ext cx="0" cy="0"/>
+          <a:chOff x="0" y="0"/>
+          <a:chExt cx="0" cy="0"/>
+        </a:xfrm>
+      </p:grpSpPr>
+      <p:sp>
+        <p:nvSpPr>
+          <p:cNvPr id="2" name="TextBox 1">
+            <a:extLst>
+              <a:ext uri="{FF2B5EF4-FFF2-40B4-BE49-F238E27FC236}">
+                <a16:creationId xmlns:a16="http://schemas.microsoft.com/office/drawing/2014/main" id="{15726383-B407-319E-030C-10F657ACC3A3}"/>
+              </a:ext>
+            </a:extLst>
+          </p:cNvPr>
+          <p:cNvSpPr txBox="1"/>
+          <p:nvPr/>
+        </p:nvSpPr>
+        <p:spPr>
+          <a:xfrm>
+            <a:off x="0" y="323165"/>
+            <a:ext cx="12192000" cy="646331"/>
+          </a:xfrm>
+          <a:prstGeom prst="rect">
+            <a:avLst/>
+          </a:prstGeom>
+          <a:noFill/>
+        </p:spPr>
+        <p:txBody>
+          <a:bodyPr wrap="square" rtlCol="0">
+            <a:spAutoFit/>
+          </a:bodyPr>
+          <a:lstStyle/>
+          <a:p>
+            <a:pPr algn="ctr"/>
+            <a:r>
+              <a:rPr lang="en-US" sz="3600" i="1" dirty="0">
+                <a:solidFill>
+                  <a:srgbClr val="7030A0"/>
+                </a:solidFill>
+                <a:latin typeface="Calisto MT" panose="02040603050505030304" pitchFamily="18" charset="0"/>
+              </a:rPr>
+              <a:t>Dbt Cloud – Transforming the Data</a:t>
+            </a:r>
+          </a:p>
+        </p:txBody>
+      </p:sp>
+      <p:grpSp>
+        <p:nvGrpSpPr>
+          <p:cNvPr id="10" name="Group 9">
+            <a:extLst>
+              <a:ext uri="{FF2B5EF4-FFF2-40B4-BE49-F238E27FC236}">
+                <a16:creationId xmlns:a16="http://schemas.microsoft.com/office/drawing/2014/main" id="{B9E2A3AB-1F9E-EE38-C54D-7247755CC575}"/>
+              </a:ext>
+            </a:extLst>
+          </p:cNvPr>
+          <p:cNvGrpSpPr/>
+          <p:nvPr/>
+        </p:nvGrpSpPr>
+        <p:grpSpPr>
+          <a:xfrm>
+            <a:off x="3409882" y="2115467"/>
+            <a:ext cx="5372235" cy="1834095"/>
+            <a:chOff x="3409882" y="2115467"/>
+            <a:chExt cx="5372235" cy="1834095"/>
+          </a:xfrm>
+        </p:grpSpPr>
+        <p:grpSp>
+          <p:nvGrpSpPr>
+            <p:cNvPr id="15" name="Group 14">
+              <a:extLst>
+                <a:ext uri="{FF2B5EF4-FFF2-40B4-BE49-F238E27FC236}">
+                  <a16:creationId xmlns:a16="http://schemas.microsoft.com/office/drawing/2014/main" id="{29AC0BE3-E873-6B06-34D7-C5AE0B32D29F}"/>
+                </a:ext>
+              </a:extLst>
+            </p:cNvPr>
+            <p:cNvGrpSpPr/>
+            <p:nvPr/>
+          </p:nvGrpSpPr>
+          <p:grpSpPr>
+            <a:xfrm>
+              <a:off x="4008720" y="2763344"/>
+              <a:ext cx="4174560" cy="1186218"/>
+              <a:chOff x="4542301" y="2759951"/>
+              <a:chExt cx="4174560" cy="1186218"/>
+            </a:xfrm>
+          </p:grpSpPr>
+          <p:grpSp>
+            <p:nvGrpSpPr>
+              <p:cNvPr id="11" name="Group 10">
+                <a:extLst>
+                  <a:ext uri="{FF2B5EF4-FFF2-40B4-BE49-F238E27FC236}">
+                    <a16:creationId xmlns:a16="http://schemas.microsoft.com/office/drawing/2014/main" id="{F1744702-ED5C-FA73-7B8D-254DF5C9D3A2}"/>
+                  </a:ext>
+                </a:extLst>
+              </p:cNvPr>
+              <p:cNvGrpSpPr/>
+              <p:nvPr/>
+            </p:nvGrpSpPr>
+            <p:grpSpPr>
+              <a:xfrm>
+                <a:off x="4542301" y="3308591"/>
+                <a:ext cx="4174560" cy="637578"/>
+                <a:chOff x="4542301" y="3308591"/>
+                <a:chExt cx="4174560" cy="637578"/>
+              </a:xfrm>
+            </p:grpSpPr>
+            <p:sp>
+              <p:nvSpPr>
+                <p:cNvPr id="12" name="Cylinder 11">
+                  <a:extLst>
+                    <a:ext uri="{FF2B5EF4-FFF2-40B4-BE49-F238E27FC236}">
+                      <a16:creationId xmlns:a16="http://schemas.microsoft.com/office/drawing/2014/main" id="{BEF70F46-44AB-CB03-2EE7-4A4C7ADDC072}"/>
+                    </a:ext>
+                  </a:extLst>
+                </p:cNvPr>
+                <p:cNvSpPr/>
+                <p:nvPr/>
+              </p:nvSpPr>
+              <p:spPr>
+                <a:xfrm rot="5400000">
+                  <a:off x="6436634" y="2659421"/>
+                  <a:ext cx="385894" cy="1837189"/>
+                </a:xfrm>
+                <a:prstGeom prst="can">
+                  <a:avLst/>
+                </a:prstGeom>
+                <a:solidFill>
+                  <a:srgbClr val="C00000">
+                    <a:alpha val="56000"/>
+                  </a:srgbClr>
+                </a:solidFill>
+              </p:spPr>
+              <p:style>
+                <a:lnRef idx="2">
+                  <a:schemeClr val="accent1">
+                    <a:shade val="15000"/>
+                  </a:schemeClr>
+                </a:lnRef>
+                <a:fillRef idx="1">
+                  <a:schemeClr val="accent1"/>
+                </a:fillRef>
+                <a:effectRef idx="0">
+                  <a:schemeClr val="accent1"/>
+                </a:effectRef>
+                <a:fontRef idx="minor">
+                  <a:schemeClr val="lt1"/>
+                </a:fontRef>
+              </p:style>
+              <p:txBody>
+                <a:bodyPr rtlCol="0" anchor="ctr"/>
+                <a:lstStyle/>
+                <a:p>
+                  <a:pPr algn="ctr"/>
+                  <a:endParaRPr lang="en-US" dirty="0"/>
+                </a:p>
+              </p:txBody>
+            </p:sp>
+            <p:grpSp>
+              <p:nvGrpSpPr>
+                <p:cNvPr id="6" name="Group 5">
+                  <a:extLst>
+                    <a:ext uri="{FF2B5EF4-FFF2-40B4-BE49-F238E27FC236}">
+                      <a16:creationId xmlns:a16="http://schemas.microsoft.com/office/drawing/2014/main" id="{02B8ED2C-7FEA-7F1C-B63A-F2BE792CCEEC}"/>
+                    </a:ext>
+                  </a:extLst>
+                </p:cNvPr>
+                <p:cNvGrpSpPr/>
+                <p:nvPr/>
+              </p:nvGrpSpPr>
+              <p:grpSpPr>
+                <a:xfrm>
+                  <a:off x="4542301" y="3308591"/>
+                  <a:ext cx="4174560" cy="637578"/>
+                  <a:chOff x="4542301" y="3308591"/>
+                  <a:chExt cx="4174560" cy="637578"/>
+                </a:xfrm>
+              </p:grpSpPr>
               <p:sp>
                 <p:nvSpPr>
                   <p:cNvPr id="13" name="TextBox 12">
@@ -8219,245 +13610,278 @@
                   </a:p>
                 </p:txBody>
               </p:sp>
-            </p:grpSp>
-            <p:pic>
-              <p:nvPicPr>
-                <p:cNvPr id="3078" name="Picture 6" descr="Snowflake logo in transparent PNG and vectorized SVG formats">
+              <p:pic>
+                <p:nvPicPr>
+                  <p:cNvPr id="3078" name="Picture 6" descr="Snowflake logo in transparent PNG and vectorized SVG formats">
+                    <a:extLst>
+                      <a:ext uri="{FF2B5EF4-FFF2-40B4-BE49-F238E27FC236}">
+                        <a16:creationId xmlns:a16="http://schemas.microsoft.com/office/drawing/2014/main" id="{BEC9F3E6-1BB1-1297-F3DE-1EF7DD78582B}"/>
+                      </a:ext>
+                    </a:extLst>
+                  </p:cNvPr>
+                  <p:cNvPicPr>
+                    <a:picLocks noChangeAspect="1" noChangeArrowheads="1"/>
+                  </p:cNvPicPr>
+                  <p:nvPr/>
+                </p:nvPicPr>
+                <p:blipFill>
+                  <a:blip r:embed="rId2">
+                    <a:extLst>
+                      <a:ext uri="{28A0092B-C50C-407E-A947-70E740481C1C}">
+                        <a14:useLocalDpi xmlns:a14="http://schemas.microsoft.com/office/drawing/2010/main" val="0"/>
+                      </a:ext>
+                    </a:extLst>
+                  </a:blip>
+                  <a:srcRect/>
+                  <a:stretch>
+                    <a:fillRect/>
+                  </a:stretch>
+                </p:blipFill>
+                <p:spPr bwMode="auto">
+                  <a:xfrm>
+                    <a:off x="4542301" y="3308598"/>
+                    <a:ext cx="640080" cy="637571"/>
+                  </a:xfrm>
+                  <a:prstGeom prst="rect">
+                    <a:avLst/>
+                  </a:prstGeom>
+                  <a:noFill/>
                   <a:extLst>
-                    <a:ext uri="{FF2B5EF4-FFF2-40B4-BE49-F238E27FC236}">
-                      <a16:creationId xmlns:a16="http://schemas.microsoft.com/office/drawing/2014/main" id="{BEC9F3E6-1BB1-1297-F3DE-1EF7DD78582B}"/>
+                    <a:ext uri="{909E8E84-426E-40DD-AFC4-6F175D3DCCD1}">
+                      <a14:hiddenFill xmlns:a14="http://schemas.microsoft.com/office/drawing/2010/main">
+                        <a:solidFill>
+                          <a:srgbClr val="FFFFFF"/>
+                        </a:solidFill>
+                      </a14:hiddenFill>
                     </a:ext>
                   </a:extLst>
-                </p:cNvPr>
-                <p:cNvPicPr>
-                  <a:picLocks noChangeAspect="1" noChangeArrowheads="1"/>
-                </p:cNvPicPr>
-                <p:nvPr/>
-              </p:nvPicPr>
-              <p:blipFill>
-                <a:blip r:embed="rId3">
+                </p:spPr>
+              </p:pic>
+              <p:pic>
+                <p:nvPicPr>
+                  <p:cNvPr id="16" name="Picture 6" descr="Snowflake logo in transparent PNG and vectorized SVG formats">
+                    <a:extLst>
+                      <a:ext uri="{FF2B5EF4-FFF2-40B4-BE49-F238E27FC236}">
+                        <a16:creationId xmlns:a16="http://schemas.microsoft.com/office/drawing/2014/main" id="{6060C3F5-8CE3-614E-4A15-EF4D5C8C1B4C}"/>
+                      </a:ext>
+                    </a:extLst>
+                  </p:cNvPr>
+                  <p:cNvPicPr>
+                    <a:picLocks noChangeAspect="1" noChangeArrowheads="1"/>
+                  </p:cNvPicPr>
+                  <p:nvPr/>
+                </p:nvPicPr>
+                <p:blipFill>
+                  <a:blip r:embed="rId2">
+                    <a:extLst>
+                      <a:ext uri="{28A0092B-C50C-407E-A947-70E740481C1C}">
+                        <a14:useLocalDpi xmlns:a14="http://schemas.microsoft.com/office/drawing/2010/main" val="0"/>
+                      </a:ext>
+                    </a:extLst>
+                  </a:blip>
+                  <a:srcRect/>
+                  <a:stretch>
+                    <a:fillRect/>
+                  </a:stretch>
+                </p:blipFill>
+                <p:spPr bwMode="auto">
+                  <a:xfrm>
+                    <a:off x="8076781" y="3308591"/>
+                    <a:ext cx="640080" cy="637571"/>
+                  </a:xfrm>
+                  <a:prstGeom prst="rect">
+                    <a:avLst/>
+                  </a:prstGeom>
+                  <a:noFill/>
                   <a:extLst>
-                    <a:ext uri="{28A0092B-C50C-407E-A947-70E740481C1C}">
-                      <a14:useLocalDpi xmlns:a14="http://schemas.microsoft.com/office/drawing/2010/main" val="0"/>
+                    <a:ext uri="{909E8E84-426E-40DD-AFC4-6F175D3DCCD1}">
+                      <a14:hiddenFill xmlns:a14="http://schemas.microsoft.com/office/drawing/2010/main">
+                        <a:solidFill>
+                          <a:srgbClr val="FFFFFF"/>
+                        </a:solidFill>
+                      </a14:hiddenFill>
                     </a:ext>
                   </a:extLst>
-                </a:blip>
-                <a:srcRect/>
-                <a:stretch>
-                  <a:fillRect/>
-                </a:stretch>
-              </p:blipFill>
-              <p:spPr bwMode="auto">
-                <a:xfrm>
-                  <a:off x="4370996" y="3172852"/>
-                  <a:ext cx="973310" cy="969495"/>
-                </a:xfrm>
-                <a:prstGeom prst="rect">
-                  <a:avLst/>
-                </a:prstGeom>
-                <a:noFill/>
+                </p:spPr>
+              </p:pic>
+            </p:grpSp>
+          </p:grpSp>
+          <p:pic>
+            <p:nvPicPr>
+              <p:cNvPr id="4098" name="Picture 2" descr="Dbt Logo PNG Vectors Free Download">
                 <a:extLst>
-                  <a:ext uri="{909E8E84-426E-40DD-AFC4-6F175D3DCCD1}">
-                    <a14:hiddenFill xmlns:a14="http://schemas.microsoft.com/office/drawing/2010/main">
-                      <a:solidFill>
-                        <a:srgbClr val="FFFFFF"/>
-                      </a:solidFill>
-                    </a14:hiddenFill>
+                  <a:ext uri="{FF2B5EF4-FFF2-40B4-BE49-F238E27FC236}">
+                    <a16:creationId xmlns:a16="http://schemas.microsoft.com/office/drawing/2014/main" id="{216076B6-EBAC-09B1-359D-EFA7CF126547}"/>
                   </a:ext>
                 </a:extLst>
-              </p:spPr>
-            </p:pic>
-            <p:pic>
-              <p:nvPicPr>
-                <p:cNvPr id="14" name="Picture 6" descr="Snowflake logo in transparent PNG and vectorized SVG formats">
-                  <a:extLst>
-                    <a:ext uri="{FF2B5EF4-FFF2-40B4-BE49-F238E27FC236}">
-                      <a16:creationId xmlns:a16="http://schemas.microsoft.com/office/drawing/2014/main" id="{F9F59468-E82F-4563-478A-4C152CECBC54}"/>
-                    </a:ext>
-                  </a:extLst>
-                </p:cNvPr>
-                <p:cNvPicPr>
-                  <a:picLocks noChangeAspect="1" noChangeArrowheads="1"/>
-                </p:cNvPicPr>
-                <p:nvPr/>
-              </p:nvPicPr>
-              <p:blipFill>
-                <a:blip r:embed="rId3">
-                  <a:extLst>
-                    <a:ext uri="{28A0092B-C50C-407E-A947-70E740481C1C}">
-                      <a14:useLocalDpi xmlns:a14="http://schemas.microsoft.com/office/drawing/2010/main" val="0"/>
-                    </a:ext>
-                  </a:extLst>
-                </a:blip>
-                <a:srcRect/>
-                <a:stretch>
-                  <a:fillRect/>
-                </a:stretch>
-              </p:blipFill>
-              <p:spPr bwMode="auto">
-                <a:xfrm>
-                  <a:off x="6069249" y="2699267"/>
-                  <a:ext cx="450506" cy="448740"/>
-                </a:xfrm>
-                <a:prstGeom prst="rect">
-                  <a:avLst/>
-                </a:prstGeom>
-                <a:noFill/>
+              </p:cNvPr>
+              <p:cNvPicPr>
+                <a:picLocks noChangeAspect="1" noChangeArrowheads="1"/>
+              </p:cNvPicPr>
+              <p:nvPr/>
+            </p:nvPicPr>
+            <p:blipFill>
+              <a:blip r:embed="rId3">
                 <a:extLst>
-                  <a:ext uri="{909E8E84-426E-40DD-AFC4-6F175D3DCCD1}">
-                    <a14:hiddenFill xmlns:a14="http://schemas.microsoft.com/office/drawing/2010/main">
-                      <a:solidFill>
-                        <a:srgbClr val="FFFFFF"/>
-                      </a:solidFill>
-                    </a14:hiddenFill>
+                  <a:ext uri="{28A0092B-C50C-407E-A947-70E740481C1C}">
+                    <a14:useLocalDpi xmlns:a14="http://schemas.microsoft.com/office/drawing/2010/main" val="0"/>
                   </a:ext>
                 </a:extLst>
-              </p:spPr>
-            </p:pic>
-            <p:pic>
-              <p:nvPicPr>
-                <p:cNvPr id="16" name="Picture 6" descr="Snowflake logo in transparent PNG and vectorized SVG formats">
-                  <a:extLst>
-                    <a:ext uri="{FF2B5EF4-FFF2-40B4-BE49-F238E27FC236}">
-                      <a16:creationId xmlns:a16="http://schemas.microsoft.com/office/drawing/2014/main" id="{6060C3F5-8CE3-614E-4A15-EF4D5C8C1B4C}"/>
-                    </a:ext>
-                  </a:extLst>
-                </p:cNvPr>
-                <p:cNvPicPr>
-                  <a:picLocks noChangeAspect="1" noChangeArrowheads="1"/>
-                </p:cNvPicPr>
-                <p:nvPr/>
-              </p:nvPicPr>
-              <p:blipFill>
-                <a:blip r:embed="rId3">
-                  <a:extLst>
-                    <a:ext uri="{28A0092B-C50C-407E-A947-70E740481C1C}">
-                      <a14:useLocalDpi xmlns:a14="http://schemas.microsoft.com/office/drawing/2010/main" val="0"/>
-                    </a:ext>
-                  </a:extLst>
-                </a:blip>
-                <a:srcRect/>
-                <a:stretch>
-                  <a:fillRect/>
-                </a:stretch>
-              </p:blipFill>
-              <p:spPr bwMode="auto">
-                <a:xfrm>
-                  <a:off x="7914856" y="3148007"/>
-                  <a:ext cx="973310" cy="969495"/>
-                </a:xfrm>
-                <a:prstGeom prst="rect">
-                  <a:avLst/>
-                </a:prstGeom>
-                <a:noFill/>
-                <a:extLst>
-                  <a:ext uri="{909E8E84-426E-40DD-AFC4-6F175D3DCCD1}">
-                    <a14:hiddenFill xmlns:a14="http://schemas.microsoft.com/office/drawing/2010/main">
-                      <a:solidFill>
-                        <a:srgbClr val="FFFFFF"/>
-                      </a:solidFill>
-                    </a14:hiddenFill>
-                  </a:ext>
-                </a:extLst>
-              </p:spPr>
-            </p:pic>
-            <p:pic>
-              <p:nvPicPr>
-                <p:cNvPr id="20" name="Picture 6" descr="Snowflake logo in transparent PNG and vectorized SVG formats">
-                  <a:extLst>
-                    <a:ext uri="{FF2B5EF4-FFF2-40B4-BE49-F238E27FC236}">
-                      <a16:creationId xmlns:a16="http://schemas.microsoft.com/office/drawing/2014/main" id="{76BB70CA-3AE2-D85F-86A7-539F70AB3B74}"/>
-                    </a:ext>
-                  </a:extLst>
-                </p:cNvPr>
-                <p:cNvPicPr>
-                  <a:picLocks noChangeAspect="1" noChangeArrowheads="1"/>
-                </p:cNvPicPr>
-                <p:nvPr/>
-              </p:nvPicPr>
-              <p:blipFill>
-                <a:blip r:embed="rId3">
-                  <a:extLst>
-                    <a:ext uri="{28A0092B-C50C-407E-A947-70E740481C1C}">
-                      <a14:useLocalDpi xmlns:a14="http://schemas.microsoft.com/office/drawing/2010/main" val="0"/>
-                    </a:ext>
-                  </a:extLst>
-                </a:blip>
-                <a:srcRect/>
-                <a:stretch>
-                  <a:fillRect/>
-                </a:stretch>
-              </p:blipFill>
-              <p:spPr bwMode="auto">
-                <a:xfrm>
-                  <a:off x="2860468" y="2850269"/>
-                  <a:ext cx="450506" cy="448740"/>
-                </a:xfrm>
-                <a:prstGeom prst="rect">
-                  <a:avLst/>
-                </a:prstGeom>
-                <a:noFill/>
-                <a:extLst>
-                  <a:ext uri="{909E8E84-426E-40DD-AFC4-6F175D3DCCD1}">
-                    <a14:hiddenFill xmlns:a14="http://schemas.microsoft.com/office/drawing/2010/main">
-                      <a:solidFill>
-                        <a:srgbClr val="FFFFFF"/>
-                      </a:solidFill>
-                    </a14:hiddenFill>
-                  </a:ext>
-                </a:extLst>
-              </p:spPr>
-            </p:pic>
-          </p:grpSp>
+              </a:blip>
+              <a:srcRect/>
+              <a:stretch>
+                <a:fillRect/>
+              </a:stretch>
+            </p:blipFill>
+            <p:spPr bwMode="auto">
+              <a:xfrm>
+                <a:off x="6355261" y="2759951"/>
+                <a:ext cx="548640" cy="548640"/>
+              </a:xfrm>
+              <a:prstGeom prst="rect">
+                <a:avLst/>
+              </a:prstGeom>
+              <a:noFill/>
+              <a:extLst>
+                <a:ext uri="{909E8E84-426E-40DD-AFC4-6F175D3DCCD1}">
+                  <a14:hiddenFill xmlns:a14="http://schemas.microsoft.com/office/drawing/2010/main">
+                    <a:solidFill>
+                      <a:srgbClr val="FFFFFF"/>
+                    </a:solidFill>
+                  </a14:hiddenFill>
+                </a:ext>
+              </a:extLst>
+            </p:spPr>
+          </p:pic>
         </p:grpSp>
-        <p:pic>
-          <p:nvPicPr>
-            <p:cNvPr id="4098" name="Picture 2" descr="Dbt Logo PNG Vectors Free Download">
+        <p:sp>
+          <p:nvSpPr>
+            <p:cNvPr id="5" name="TextBox 4">
               <a:extLst>
                 <a:ext uri="{FF2B5EF4-FFF2-40B4-BE49-F238E27FC236}">
-                  <a16:creationId xmlns:a16="http://schemas.microsoft.com/office/drawing/2014/main" id="{216076B6-EBAC-09B1-359D-EFA7CF126547}"/>
+                  <a16:creationId xmlns:a16="http://schemas.microsoft.com/office/drawing/2014/main" id="{8275A334-7653-0088-CBCF-79C120820E43}"/>
                 </a:ext>
               </a:extLst>
             </p:cNvPr>
-            <p:cNvPicPr>
-              <a:picLocks noChangeAspect="1" noChangeArrowheads="1"/>
-            </p:cNvPicPr>
+            <p:cNvSpPr txBox="1"/>
             <p:nvPr/>
-          </p:nvPicPr>
-          <p:blipFill>
-            <a:blip r:embed="rId4">
-              <a:extLst>
-                <a:ext uri="{28A0092B-C50C-407E-A947-70E740481C1C}">
-                  <a14:useLocalDpi xmlns:a14="http://schemas.microsoft.com/office/drawing/2010/main" val="0"/>
-                </a:ext>
-              </a:extLst>
-            </a:blip>
-            <a:srcRect/>
-            <a:stretch>
-              <a:fillRect/>
-            </a:stretch>
-          </p:blipFill>
-          <p:spPr bwMode="auto">
+          </p:nvSpPr>
+          <p:spPr>
             <a:xfrm>
-              <a:off x="6627519" y="2699267"/>
-              <a:ext cx="448740" cy="448740"/>
+              <a:off x="3409882" y="2115467"/>
+              <a:ext cx="1828375" cy="369332"/>
             </a:xfrm>
             <a:prstGeom prst="rect">
               <a:avLst/>
             </a:prstGeom>
             <a:noFill/>
+          </p:spPr>
+          <p:txBody>
+            <a:bodyPr wrap="square" rtlCol="0">
+              <a:spAutoFit/>
+            </a:bodyPr>
+            <a:lstStyle/>
+            <a:p>
+              <a:pPr algn="ctr"/>
+              <a:r>
+                <a:rPr lang="en-US" dirty="0">
+                  <a:solidFill>
+                    <a:srgbClr val="00B0F0"/>
+                  </a:solidFill>
+                </a:rPr>
+                <a:t>Raw Data</a:t>
+              </a:r>
+            </a:p>
+          </p:txBody>
+        </p:sp>
+        <p:sp>
+          <p:nvSpPr>
+            <p:cNvPr id="7" name="TextBox 6">
+              <a:extLst>
+                <a:ext uri="{FF2B5EF4-FFF2-40B4-BE49-F238E27FC236}">
+                  <a16:creationId xmlns:a16="http://schemas.microsoft.com/office/drawing/2014/main" id="{FE95DD59-6E22-5DA9-39A8-0E7FEA9E07F2}"/>
+                </a:ext>
+              </a:extLst>
+            </p:cNvPr>
+            <p:cNvSpPr txBox="1"/>
+            <p:nvPr/>
+          </p:nvSpPr>
+          <p:spPr>
+            <a:xfrm>
+              <a:off x="6953742" y="2115467"/>
+              <a:ext cx="1828375" cy="369332"/>
+            </a:xfrm>
+            <a:prstGeom prst="rect">
+              <a:avLst/>
+            </a:prstGeom>
+            <a:noFill/>
+          </p:spPr>
+          <p:txBody>
+            <a:bodyPr wrap="square" rtlCol="0">
+              <a:spAutoFit/>
+            </a:bodyPr>
+            <a:lstStyle/>
+            <a:p>
+              <a:pPr algn="ctr"/>
+              <a:r>
+                <a:rPr lang="en-US" dirty="0">
+                  <a:solidFill>
+                    <a:srgbClr val="00B0F0"/>
+                  </a:solidFill>
+                </a:rPr>
+                <a:t>Prepared Data</a:t>
+              </a:r>
+            </a:p>
+          </p:txBody>
+        </p:sp>
+      </p:grpSp>
+      <p:pic>
+        <p:nvPicPr>
+          <p:cNvPr id="18" name="Picture 2" descr="FIRN Analytics: Timely Data Solutions &amp; Expert Consultancy">
             <a:extLst>
-              <a:ext uri="{909E8E84-426E-40DD-AFC4-6F175D3DCCD1}">
-                <a14:hiddenFill xmlns:a14="http://schemas.microsoft.com/office/drawing/2010/main">
-                  <a:solidFill>
-                    <a:srgbClr val="FFFFFF"/>
-                  </a:solidFill>
-                </a14:hiddenFill>
+              <a:ext uri="{FF2B5EF4-FFF2-40B4-BE49-F238E27FC236}">
+                <a16:creationId xmlns:a16="http://schemas.microsoft.com/office/drawing/2014/main" id="{8A1DB5AF-582C-D1D3-04B7-2E1D9A564984}"/>
               </a:ext>
             </a:extLst>
-          </p:spPr>
-        </p:pic>
-      </p:grpSp>
+          </p:cNvPr>
+          <p:cNvPicPr>
+            <a:picLocks noChangeAspect="1" noChangeArrowheads="1"/>
+          </p:cNvPicPr>
+          <p:nvPr/>
+        </p:nvPicPr>
+        <p:blipFill>
+          <a:blip r:embed="rId4">
+            <a:extLst>
+              <a:ext uri="{28A0092B-C50C-407E-A947-70E740481C1C}">
+                <a14:useLocalDpi xmlns:a14="http://schemas.microsoft.com/office/drawing/2010/main" val="0"/>
+              </a:ext>
+            </a:extLst>
+          </a:blip>
+          <a:srcRect/>
+          <a:stretch>
+            <a:fillRect/>
+          </a:stretch>
+        </p:blipFill>
+        <p:spPr bwMode="auto">
+          <a:xfrm>
+            <a:off x="11182350" y="5848350"/>
+            <a:ext cx="1009650" cy="1009650"/>
+          </a:xfrm>
+          <a:prstGeom prst="rect">
+            <a:avLst/>
+          </a:prstGeom>
+          <a:noFill/>
+          <a:extLst>
+            <a:ext uri="{909E8E84-426E-40DD-AFC4-6F175D3DCCD1}">
+              <a14:hiddenFill xmlns:a14="http://schemas.microsoft.com/office/drawing/2010/main">
+                <a:solidFill>
+                  <a:srgbClr val="FFFFFF"/>
+                </a:solidFill>
+              </a14:hiddenFill>
+            </a:ext>
+          </a:extLst>
+        </p:spPr>
+      </p:pic>
     </p:spTree>
     <p:extLst>
       <p:ext uri="{BB962C8B-B14F-4D97-AF65-F5344CB8AC3E}">
@@ -8764,4 +14188,594 @@
     </a:ext>
   </a:extLst>
 </a:theme>
+</file>
+
+<file path=ppt/theme/theme2.xml><?xml version="1.0" encoding="utf-8"?>
+<a:theme xmlns:a="http://schemas.openxmlformats.org/drawingml/2006/main" name="Office Theme">
+  <a:themeElements>
+    <a:clrScheme name="Office">
+      <a:dk1>
+        <a:sysClr val="windowText" lastClr="000000"/>
+      </a:dk1>
+      <a:lt1>
+        <a:sysClr val="window" lastClr="FFFFFF"/>
+      </a:lt1>
+      <a:dk2>
+        <a:srgbClr val="44546A"/>
+      </a:dk2>
+      <a:lt2>
+        <a:srgbClr val="E7E6E6"/>
+      </a:lt2>
+      <a:accent1>
+        <a:srgbClr val="4472C4"/>
+      </a:accent1>
+      <a:accent2>
+        <a:srgbClr val="ED7D31"/>
+      </a:accent2>
+      <a:accent3>
+        <a:srgbClr val="A5A5A5"/>
+      </a:accent3>
+      <a:accent4>
+        <a:srgbClr val="FFC000"/>
+      </a:accent4>
+      <a:accent5>
+        <a:srgbClr val="5B9BD5"/>
+      </a:accent5>
+      <a:accent6>
+        <a:srgbClr val="70AD47"/>
+      </a:accent6>
+      <a:hlink>
+        <a:srgbClr val="0563C1"/>
+      </a:hlink>
+      <a:folHlink>
+        <a:srgbClr val="954F72"/>
+      </a:folHlink>
+    </a:clrScheme>
+    <a:fontScheme name="Office">
+      <a:majorFont>
+        <a:latin typeface="Calibri Light" panose="020F0302020204030204"/>
+        <a:ea typeface=""/>
+        <a:cs typeface=""/>
+        <a:font script="Jpan" typeface="游ゴシック Light"/>
+        <a:font script="Hang" typeface="맑은 고딕"/>
+        <a:font script="Hans" typeface="等线 Light"/>
+        <a:font script="Hant" typeface="新細明體"/>
+        <a:font script="Arab" typeface="Times New Roman"/>
+        <a:font script="Hebr" typeface="Times New Roman"/>
+        <a:font script="Thai" typeface="Angsana New"/>
+        <a:font script="Ethi" typeface="Nyala"/>
+        <a:font script="Beng" typeface="Vrinda"/>
+        <a:font script="Gujr" typeface="Shruti"/>
+        <a:font script="Khmr" typeface="MoolBoran"/>
+        <a:font script="Knda" typeface="Tunga"/>
+        <a:font script="Guru" typeface="Raavi"/>
+        <a:font script="Cans" typeface="Euphemia"/>
+        <a:font script="Cher" typeface="Plantagenet Cherokee"/>
+        <a:font script="Yiii" typeface="Microsoft Yi Baiti"/>
+        <a:font script="Tibt" typeface="Microsoft Himalaya"/>
+        <a:font script="Thaa" typeface="MV Boli"/>
+        <a:font script="Deva" typeface="Mangal"/>
+        <a:font script="Telu" typeface="Gautami"/>
+        <a:font script="Taml" typeface="Latha"/>
+        <a:font script="Syrc" typeface="Estrangelo Edessa"/>
+        <a:font script="Orya" typeface="Kalinga"/>
+        <a:font script="Mlym" typeface="Kartika"/>
+        <a:font script="Laoo" typeface="DokChampa"/>
+        <a:font script="Sinh" typeface="Iskoola Pota"/>
+        <a:font script="Mong" typeface="Mongolian Baiti"/>
+        <a:font script="Viet" typeface="Times New Roman"/>
+        <a:font script="Uigh" typeface="Microsoft Uighur"/>
+        <a:font script="Geor" typeface="Sylfaen"/>
+        <a:font script="Armn" typeface="Arial"/>
+        <a:font script="Bugi" typeface="Leelawadee UI"/>
+        <a:font script="Bopo" typeface="Microsoft JhengHei"/>
+        <a:font script="Java" typeface="Javanese Text"/>
+        <a:font script="Lisu" typeface="Segoe UI"/>
+        <a:font script="Mymr" typeface="Myanmar Text"/>
+        <a:font script="Nkoo" typeface="Ebrima"/>
+        <a:font script="Olck" typeface="Nirmala UI"/>
+        <a:font script="Osma" typeface="Ebrima"/>
+        <a:font script="Phag" typeface="Phagspa"/>
+        <a:font script="Syrn" typeface="Estrangelo Edessa"/>
+        <a:font script="Syrj" typeface="Estrangelo Edessa"/>
+        <a:font script="Syre" typeface="Estrangelo Edessa"/>
+        <a:font script="Sora" typeface="Nirmala UI"/>
+        <a:font script="Tale" typeface="Microsoft Tai Le"/>
+        <a:font script="Talu" typeface="Microsoft New Tai Lue"/>
+        <a:font script="Tfng" typeface="Ebrima"/>
+      </a:majorFont>
+      <a:minorFont>
+        <a:latin typeface="Calibri" panose="020F0502020204030204"/>
+        <a:ea typeface=""/>
+        <a:cs typeface=""/>
+        <a:font script="Jpan" typeface="游ゴシック"/>
+        <a:font script="Hang" typeface="맑은 고딕"/>
+        <a:font script="Hans" typeface="等线"/>
+        <a:font script="Hant" typeface="新細明體"/>
+        <a:font script="Arab" typeface="Arial"/>
+        <a:font script="Hebr" typeface="Arial"/>
+        <a:font script="Thai" typeface="Cordia New"/>
+        <a:font script="Ethi" typeface="Nyala"/>
+        <a:font script="Beng" typeface="Vrinda"/>
+        <a:font script="Gujr" typeface="Shruti"/>
+        <a:font script="Khmr" typeface="DaunPenh"/>
+        <a:font script="Knda" typeface="Tunga"/>
+        <a:font script="Guru" typeface="Raavi"/>
+        <a:font script="Cans" typeface="Euphemia"/>
+        <a:font script="Cher" typeface="Plantagenet Cherokee"/>
+        <a:font script="Yiii" typeface="Microsoft Yi Baiti"/>
+        <a:font script="Tibt" typeface="Microsoft Himalaya"/>
+        <a:font script="Thaa" typeface="MV Boli"/>
+        <a:font script="Deva" typeface="Mangal"/>
+        <a:font script="Telu" typeface="Gautami"/>
+        <a:font script="Taml" typeface="Latha"/>
+        <a:font script="Syrc" typeface="Estrangelo Edessa"/>
+        <a:font script="Orya" typeface="Kalinga"/>
+        <a:font script="Mlym" typeface="Kartika"/>
+        <a:font script="Laoo" typeface="DokChampa"/>
+        <a:font script="Sinh" typeface="Iskoola Pota"/>
+        <a:font script="Mong" typeface="Mongolian Baiti"/>
+        <a:font script="Viet" typeface="Arial"/>
+        <a:font script="Uigh" typeface="Microsoft Uighur"/>
+        <a:font script="Geor" typeface="Sylfaen"/>
+        <a:font script="Armn" typeface="Arial"/>
+        <a:font script="Bugi" typeface="Leelawadee UI"/>
+        <a:font script="Bopo" typeface="Microsoft JhengHei"/>
+        <a:font script="Java" typeface="Javanese Text"/>
+        <a:font script="Lisu" typeface="Segoe UI"/>
+        <a:font script="Mymr" typeface="Myanmar Text"/>
+        <a:font script="Nkoo" typeface="Ebrima"/>
+        <a:font script="Olck" typeface="Nirmala UI"/>
+        <a:font script="Osma" typeface="Ebrima"/>
+        <a:font script="Phag" typeface="Phagspa"/>
+        <a:font script="Syrn" typeface="Estrangelo Edessa"/>
+        <a:font script="Syrj" typeface="Estrangelo Edessa"/>
+        <a:font script="Syre" typeface="Estrangelo Edessa"/>
+        <a:font script="Sora" typeface="Nirmala UI"/>
+        <a:font script="Tale" typeface="Microsoft Tai Le"/>
+        <a:font script="Talu" typeface="Microsoft New Tai Lue"/>
+        <a:font script="Tfng" typeface="Ebrima"/>
+      </a:minorFont>
+    </a:fontScheme>
+    <a:fmtScheme name="Office">
+      <a:fillStyleLst>
+        <a:solidFill>
+          <a:schemeClr val="phClr"/>
+        </a:solidFill>
+        <a:gradFill rotWithShape="1">
+          <a:gsLst>
+            <a:gs pos="0">
+              <a:schemeClr val="phClr">
+                <a:lumMod val="110000"/>
+                <a:satMod val="105000"/>
+                <a:tint val="67000"/>
+              </a:schemeClr>
+            </a:gs>
+            <a:gs pos="50000">
+              <a:schemeClr val="phClr">
+                <a:lumMod val="105000"/>
+                <a:satMod val="103000"/>
+                <a:tint val="73000"/>
+              </a:schemeClr>
+            </a:gs>
+            <a:gs pos="100000">
+              <a:schemeClr val="phClr">
+                <a:lumMod val="105000"/>
+                <a:satMod val="109000"/>
+                <a:tint val="81000"/>
+              </a:schemeClr>
+            </a:gs>
+          </a:gsLst>
+          <a:lin ang="5400000" scaled="0"/>
+        </a:gradFill>
+        <a:gradFill rotWithShape="1">
+          <a:gsLst>
+            <a:gs pos="0">
+              <a:schemeClr val="phClr">
+                <a:satMod val="103000"/>
+                <a:lumMod val="102000"/>
+                <a:tint val="94000"/>
+              </a:schemeClr>
+            </a:gs>
+            <a:gs pos="50000">
+              <a:schemeClr val="phClr">
+                <a:satMod val="110000"/>
+                <a:lumMod val="100000"/>
+                <a:shade val="100000"/>
+              </a:schemeClr>
+            </a:gs>
+            <a:gs pos="100000">
+              <a:schemeClr val="phClr">
+                <a:lumMod val="99000"/>
+                <a:satMod val="120000"/>
+                <a:shade val="78000"/>
+              </a:schemeClr>
+            </a:gs>
+          </a:gsLst>
+          <a:lin ang="5400000" scaled="0"/>
+        </a:gradFill>
+      </a:fillStyleLst>
+      <a:lnStyleLst>
+        <a:ln w="6350" cap="flat" cmpd="sng" algn="ctr">
+          <a:solidFill>
+            <a:schemeClr val="phClr"/>
+          </a:solidFill>
+          <a:prstDash val="solid"/>
+          <a:miter lim="800000"/>
+        </a:ln>
+        <a:ln w="12700" cap="flat" cmpd="sng" algn="ctr">
+          <a:solidFill>
+            <a:schemeClr val="phClr"/>
+          </a:solidFill>
+          <a:prstDash val="solid"/>
+          <a:miter lim="800000"/>
+        </a:ln>
+        <a:ln w="19050" cap="flat" cmpd="sng" algn="ctr">
+          <a:solidFill>
+            <a:schemeClr val="phClr"/>
+          </a:solidFill>
+          <a:prstDash val="solid"/>
+          <a:miter lim="800000"/>
+        </a:ln>
+      </a:lnStyleLst>
+      <a:effectStyleLst>
+        <a:effectStyle>
+          <a:effectLst/>
+        </a:effectStyle>
+        <a:effectStyle>
+          <a:effectLst/>
+        </a:effectStyle>
+        <a:effectStyle>
+          <a:effectLst>
+            <a:outerShdw blurRad="57150" dist="19050" dir="5400000" algn="ctr" rotWithShape="0">
+              <a:srgbClr val="000000">
+                <a:alpha val="63000"/>
+              </a:srgbClr>
+            </a:outerShdw>
+          </a:effectLst>
+        </a:effectStyle>
+      </a:effectStyleLst>
+      <a:bgFillStyleLst>
+        <a:solidFill>
+          <a:schemeClr val="phClr"/>
+        </a:solidFill>
+        <a:solidFill>
+          <a:schemeClr val="phClr">
+            <a:tint val="95000"/>
+            <a:satMod val="170000"/>
+          </a:schemeClr>
+        </a:solidFill>
+        <a:gradFill rotWithShape="1">
+          <a:gsLst>
+            <a:gs pos="0">
+              <a:schemeClr val="phClr">
+                <a:tint val="93000"/>
+                <a:satMod val="150000"/>
+                <a:shade val="98000"/>
+                <a:lumMod val="102000"/>
+              </a:schemeClr>
+            </a:gs>
+            <a:gs pos="50000">
+              <a:schemeClr val="phClr">
+                <a:tint val="98000"/>
+                <a:satMod val="130000"/>
+                <a:shade val="90000"/>
+                <a:lumMod val="103000"/>
+              </a:schemeClr>
+            </a:gs>
+            <a:gs pos="100000">
+              <a:schemeClr val="phClr">
+                <a:shade val="63000"/>
+                <a:satMod val="120000"/>
+              </a:schemeClr>
+            </a:gs>
+          </a:gsLst>
+          <a:lin ang="5400000" scaled="0"/>
+        </a:gradFill>
+      </a:bgFillStyleLst>
+    </a:fmtScheme>
+  </a:themeElements>
+  <a:objectDefaults/>
+  <a:extraClrSchemeLst/>
+  <a:extLst>
+    <a:ext uri="{05A4C25C-085E-4340-85A3-A5531E510DB2}">
+      <thm15:themeFamily xmlns:thm15="http://schemas.microsoft.com/office/thememl/2012/main" name="Office Theme" id="{62F939B6-93AF-4DB8-9C6B-D6C7DFDC589F}" vid="{4A3C46E8-61CC-4603-A589-7422A47A8E4A}"/>
+    </a:ext>
+  </a:extLst>
+</a:theme>
+</file>
+
+<file path=ppt/theme/theme3.xml><?xml version="1.0" encoding="utf-8"?>
+<a:theme xmlns:a="http://schemas.openxmlformats.org/drawingml/2006/main" name="Office Theme">
+  <a:themeElements>
+    <a:clrScheme name="Office">
+      <a:dk1>
+        <a:sysClr val="windowText" lastClr="000000"/>
+      </a:dk1>
+      <a:lt1>
+        <a:sysClr val="window" lastClr="FFFFFF"/>
+      </a:lt1>
+      <a:dk2>
+        <a:srgbClr val="44546A"/>
+      </a:dk2>
+      <a:lt2>
+        <a:srgbClr val="E7E6E6"/>
+      </a:lt2>
+      <a:accent1>
+        <a:srgbClr val="4472C4"/>
+      </a:accent1>
+      <a:accent2>
+        <a:srgbClr val="ED7D31"/>
+      </a:accent2>
+      <a:accent3>
+        <a:srgbClr val="A5A5A5"/>
+      </a:accent3>
+      <a:accent4>
+        <a:srgbClr val="FFC000"/>
+      </a:accent4>
+      <a:accent5>
+        <a:srgbClr val="5B9BD5"/>
+      </a:accent5>
+      <a:accent6>
+        <a:srgbClr val="70AD47"/>
+      </a:accent6>
+      <a:hlink>
+        <a:srgbClr val="0563C1"/>
+      </a:hlink>
+      <a:folHlink>
+        <a:srgbClr val="954F72"/>
+      </a:folHlink>
+    </a:clrScheme>
+    <a:fontScheme name="Office">
+      <a:majorFont>
+        <a:latin typeface="Calibri Light" panose="020F0302020204030204"/>
+        <a:ea typeface=""/>
+        <a:cs typeface=""/>
+        <a:font script="Jpan" typeface="游ゴシック Light"/>
+        <a:font script="Hang" typeface="맑은 고딕"/>
+        <a:font script="Hans" typeface="等线 Light"/>
+        <a:font script="Hant" typeface="新細明體"/>
+        <a:font script="Arab" typeface="Times New Roman"/>
+        <a:font script="Hebr" typeface="Times New Roman"/>
+        <a:font script="Thai" typeface="Angsana New"/>
+        <a:font script="Ethi" typeface="Nyala"/>
+        <a:font script="Beng" typeface="Vrinda"/>
+        <a:font script="Gujr" typeface="Shruti"/>
+        <a:font script="Khmr" typeface="MoolBoran"/>
+        <a:font script="Knda" typeface="Tunga"/>
+        <a:font script="Guru" typeface="Raavi"/>
+        <a:font script="Cans" typeface="Euphemia"/>
+        <a:font script="Cher" typeface="Plantagenet Cherokee"/>
+        <a:font script="Yiii" typeface="Microsoft Yi Baiti"/>
+        <a:font script="Tibt" typeface="Microsoft Himalaya"/>
+        <a:font script="Thaa" typeface="MV Boli"/>
+        <a:font script="Deva" typeface="Mangal"/>
+        <a:font script="Telu" typeface="Gautami"/>
+        <a:font script="Taml" typeface="Latha"/>
+        <a:font script="Syrc" typeface="Estrangelo Edessa"/>
+        <a:font script="Orya" typeface="Kalinga"/>
+        <a:font script="Mlym" typeface="Kartika"/>
+        <a:font script="Laoo" typeface="DokChampa"/>
+        <a:font script="Sinh" typeface="Iskoola Pota"/>
+        <a:font script="Mong" typeface="Mongolian Baiti"/>
+        <a:font script="Viet" typeface="Times New Roman"/>
+        <a:font script="Uigh" typeface="Microsoft Uighur"/>
+        <a:font script="Geor" typeface="Sylfaen"/>
+        <a:font script="Armn" typeface="Arial"/>
+        <a:font script="Bugi" typeface="Leelawadee UI"/>
+        <a:font script="Bopo" typeface="Microsoft JhengHei"/>
+        <a:font script="Java" typeface="Javanese Text"/>
+        <a:font script="Lisu" typeface="Segoe UI"/>
+        <a:font script="Mymr" typeface="Myanmar Text"/>
+        <a:font script="Nkoo" typeface="Ebrima"/>
+        <a:font script="Olck" typeface="Nirmala UI"/>
+        <a:font script="Osma" typeface="Ebrima"/>
+        <a:font script="Phag" typeface="Phagspa"/>
+        <a:font script="Syrn" typeface="Estrangelo Edessa"/>
+        <a:font script="Syrj" typeface="Estrangelo Edessa"/>
+        <a:font script="Syre" typeface="Estrangelo Edessa"/>
+        <a:font script="Sora" typeface="Nirmala UI"/>
+        <a:font script="Tale" typeface="Microsoft Tai Le"/>
+        <a:font script="Talu" typeface="Microsoft New Tai Lue"/>
+        <a:font script="Tfng" typeface="Ebrima"/>
+      </a:majorFont>
+      <a:minorFont>
+        <a:latin typeface="Calibri" panose="020F0502020204030204"/>
+        <a:ea typeface=""/>
+        <a:cs typeface=""/>
+        <a:font script="Jpan" typeface="游ゴシック"/>
+        <a:font script="Hang" typeface="맑은 고딕"/>
+        <a:font script="Hans" typeface="等线"/>
+        <a:font script="Hant" typeface="新細明體"/>
+        <a:font script="Arab" typeface="Arial"/>
+        <a:font script="Hebr" typeface="Arial"/>
+        <a:font script="Thai" typeface="Cordia New"/>
+        <a:font script="Ethi" typeface="Nyala"/>
+        <a:font script="Beng" typeface="Vrinda"/>
+        <a:font script="Gujr" typeface="Shruti"/>
+        <a:font script="Khmr" typeface="DaunPenh"/>
+        <a:font script="Knda" typeface="Tunga"/>
+        <a:font script="Guru" typeface="Raavi"/>
+        <a:font script="Cans" typeface="Euphemia"/>
+        <a:font script="Cher" typeface="Plantagenet Cherokee"/>
+        <a:font script="Yiii" typeface="Microsoft Yi Baiti"/>
+        <a:font script="Tibt" typeface="Microsoft Himalaya"/>
+        <a:font script="Thaa" typeface="MV Boli"/>
+        <a:font script="Deva" typeface="Mangal"/>
+        <a:font script="Telu" typeface="Gautami"/>
+        <a:font script="Taml" typeface="Latha"/>
+        <a:font script="Syrc" typeface="Estrangelo Edessa"/>
+        <a:font script="Orya" typeface="Kalinga"/>
+        <a:font script="Mlym" typeface="Kartika"/>
+        <a:font script="Laoo" typeface="DokChampa"/>
+        <a:font script="Sinh" typeface="Iskoola Pota"/>
+        <a:font script="Mong" typeface="Mongolian Baiti"/>
+        <a:font script="Viet" typeface="Arial"/>
+        <a:font script="Uigh" typeface="Microsoft Uighur"/>
+        <a:font script="Geor" typeface="Sylfaen"/>
+        <a:font script="Armn" typeface="Arial"/>
+        <a:font script="Bugi" typeface="Leelawadee UI"/>
+        <a:font script="Bopo" typeface="Microsoft JhengHei"/>
+        <a:font script="Java" typeface="Javanese Text"/>
+        <a:font script="Lisu" typeface="Segoe UI"/>
+        <a:font script="Mymr" typeface="Myanmar Text"/>
+        <a:font script="Nkoo" typeface="Ebrima"/>
+        <a:font script="Olck" typeface="Nirmala UI"/>
+        <a:font script="Osma" typeface="Ebrima"/>
+        <a:font script="Phag" typeface="Phagspa"/>
+        <a:font script="Syrn" typeface="Estrangelo Edessa"/>
+        <a:font script="Syrj" typeface="Estrangelo Edessa"/>
+        <a:font script="Syre" typeface="Estrangelo Edessa"/>
+        <a:font script="Sora" typeface="Nirmala UI"/>
+        <a:font script="Tale" typeface="Microsoft Tai Le"/>
+        <a:font script="Talu" typeface="Microsoft New Tai Lue"/>
+        <a:font script="Tfng" typeface="Ebrima"/>
+      </a:minorFont>
+    </a:fontScheme>
+    <a:fmtScheme name="Office">
+      <a:fillStyleLst>
+        <a:solidFill>
+          <a:schemeClr val="phClr"/>
+        </a:solidFill>
+        <a:gradFill rotWithShape="1">
+          <a:gsLst>
+            <a:gs pos="0">
+              <a:schemeClr val="phClr">
+                <a:lumMod val="110000"/>
+                <a:satMod val="105000"/>
+                <a:tint val="67000"/>
+              </a:schemeClr>
+            </a:gs>
+            <a:gs pos="50000">
+              <a:schemeClr val="phClr">
+                <a:lumMod val="105000"/>
+                <a:satMod val="103000"/>
+                <a:tint val="73000"/>
+              </a:schemeClr>
+            </a:gs>
+            <a:gs pos="100000">
+              <a:schemeClr val="phClr">
+                <a:lumMod val="105000"/>
+                <a:satMod val="109000"/>
+                <a:tint val="81000"/>
+              </a:schemeClr>
+            </a:gs>
+          </a:gsLst>
+          <a:lin ang="5400000" scaled="0"/>
+        </a:gradFill>
+        <a:gradFill rotWithShape="1">
+          <a:gsLst>
+            <a:gs pos="0">
+              <a:schemeClr val="phClr">
+                <a:satMod val="103000"/>
+                <a:lumMod val="102000"/>
+                <a:tint val="94000"/>
+              </a:schemeClr>
+            </a:gs>
+            <a:gs pos="50000">
+              <a:schemeClr val="phClr">
+                <a:satMod val="110000"/>
+                <a:lumMod val="100000"/>
+                <a:shade val="100000"/>
+              </a:schemeClr>
+            </a:gs>
+            <a:gs pos="100000">
+              <a:schemeClr val="phClr">
+                <a:lumMod val="99000"/>
+                <a:satMod val="120000"/>
+                <a:shade val="78000"/>
+              </a:schemeClr>
+            </a:gs>
+          </a:gsLst>
+          <a:lin ang="5400000" scaled="0"/>
+        </a:gradFill>
+      </a:fillStyleLst>
+      <a:lnStyleLst>
+        <a:ln w="6350" cap="flat" cmpd="sng" algn="ctr">
+          <a:solidFill>
+            <a:schemeClr val="phClr"/>
+          </a:solidFill>
+          <a:prstDash val="solid"/>
+          <a:miter lim="800000"/>
+        </a:ln>
+        <a:ln w="12700" cap="flat" cmpd="sng" algn="ctr">
+          <a:solidFill>
+            <a:schemeClr val="phClr"/>
+          </a:solidFill>
+          <a:prstDash val="solid"/>
+          <a:miter lim="800000"/>
+        </a:ln>
+        <a:ln w="19050" cap="flat" cmpd="sng" algn="ctr">
+          <a:solidFill>
+            <a:schemeClr val="phClr"/>
+          </a:solidFill>
+          <a:prstDash val="solid"/>
+          <a:miter lim="800000"/>
+        </a:ln>
+      </a:lnStyleLst>
+      <a:effectStyleLst>
+        <a:effectStyle>
+          <a:effectLst/>
+        </a:effectStyle>
+        <a:effectStyle>
+          <a:effectLst/>
+        </a:effectStyle>
+        <a:effectStyle>
+          <a:effectLst>
+            <a:outerShdw blurRad="57150" dist="19050" dir="5400000" algn="ctr" rotWithShape="0">
+              <a:srgbClr val="000000">
+                <a:alpha val="63000"/>
+              </a:srgbClr>
+            </a:outerShdw>
+          </a:effectLst>
+        </a:effectStyle>
+      </a:effectStyleLst>
+      <a:bgFillStyleLst>
+        <a:solidFill>
+          <a:schemeClr val="phClr"/>
+        </a:solidFill>
+        <a:solidFill>
+          <a:schemeClr val="phClr">
+            <a:tint val="95000"/>
+            <a:satMod val="170000"/>
+          </a:schemeClr>
+        </a:solidFill>
+        <a:gradFill rotWithShape="1">
+          <a:gsLst>
+            <a:gs pos="0">
+              <a:schemeClr val="phClr">
+                <a:tint val="93000"/>
+                <a:satMod val="150000"/>
+                <a:shade val="98000"/>
+                <a:lumMod val="102000"/>
+              </a:schemeClr>
+            </a:gs>
+            <a:gs pos="50000">
+              <a:schemeClr val="phClr">
+                <a:tint val="98000"/>
+                <a:satMod val="130000"/>
+                <a:shade val="90000"/>
+                <a:lumMod val="103000"/>
+              </a:schemeClr>
+            </a:gs>
+            <a:gs pos="100000">
+              <a:schemeClr val="phClr">
+                <a:shade val="63000"/>
+                <a:satMod val="120000"/>
+              </a:schemeClr>
+            </a:gs>
+          </a:gsLst>
+          <a:lin ang="5400000" scaled="0"/>
+        </a:gradFill>
+      </a:bgFillStyleLst>
+    </a:fmtScheme>
+  </a:themeElements>
+  <a:objectDefaults/>
+  <a:extraClrSchemeLst/>
+  <a:extLst>
+    <a:ext uri="{05A4C25C-085E-4340-85A3-A5531E510DB2}">
+      <thm15:themeFamily xmlns:thm15="http://schemas.microsoft.com/office/thememl/2012/main" name="Office Theme" id="{62F939B6-93AF-4DB8-9C6B-D6C7DFDC589F}" vid="{4A3C46E8-61CC-4603-A589-7422A47A8E4A}"/>
+    </a:ext>
+  </a:extLst>
+</a:theme>
 </file>